--- a/doc/세종교육_AI프로젝트.pptx
+++ b/doc/세종교육_AI프로젝트.pptx
@@ -10,7 +10,8 @@
     <p:sldId id="257" r:id="rId4"/>
     <p:sldId id="258" r:id="rId5"/>
     <p:sldId id="259" r:id="rId6"/>
-    <p:sldId id="260" r:id="rId7"/>
+    <p:sldId id="262" r:id="rId7"/>
+    <p:sldId id="263" r:id="rId8"/>
   </p:sldIdLst>
   <p:sldSz cx="12192000" cy="6858000"/>
   <p:notesSz cx="6858000" cy="9144000"/>
@@ -109,6 +110,11 @@
       </a:defRPr>
     </a:lvl9pPr>
   </p:defaultTextStyle>
+  <p:extLst>
+    <p:ext uri="{EFAFB233-063F-42B5-8137-9DF3F51BA10A}">
+      <p15:sldGuideLst xmlns:p15="http://schemas.microsoft.com/office/powerpoint/2012/main"/>
+    </p:ext>
+  </p:extLst>
 </p:presentation>
 </file>
 
@@ -2123,14 +2129,294 @@
       </p:sp>
       <p:sp>
         <p:nvSpPr>
-          <p:cNvPr id="9" name="Rectangle 37"/>
+          <p:cNvPr id="10" name="내용 개체 틀 2"/>
+          <p:cNvSpPr txBox="1">
+            <a:spLocks/>
+          </p:cNvSpPr>
+          <p:nvPr userDrawn="1"/>
+        </p:nvSpPr>
+        <p:spPr>
+          <a:xfrm>
+            <a:off x="574160" y="897775"/>
+            <a:ext cx="11043680" cy="5253642"/>
+          </a:xfrm>
+          <a:prstGeom prst="rect">
+            <a:avLst/>
+          </a:prstGeom>
+          <a:solidFill>
+            <a:schemeClr val="bg1"/>
+          </a:solidFill>
+          <a:ln>
+            <a:solidFill>
+              <a:schemeClr val="accent1"/>
+            </a:solidFill>
+          </a:ln>
+          <a:effectLst/>
+        </p:spPr>
+        <p:txBody>
+          <a:bodyPr>
+            <a:normAutofit/>
+          </a:bodyPr>
+          <a:lstStyle>
+            <a:lvl1pPr marL="182880" indent="-182880" algn="l" defTabSz="914400" rtl="0" eaLnBrk="1" latinLnBrk="1" hangingPunct="1">
+              <a:lnSpc>
+                <a:spcPct val="90000"/>
+              </a:lnSpc>
+              <a:spcBef>
+                <a:spcPts val="1200"/>
+              </a:spcBef>
+              <a:buClr>
+                <a:schemeClr val="accent1"/>
+              </a:buClr>
+              <a:buFont typeface="Wingdings 2" pitchFamily="18" charset="2"/>
+              <a:buChar char=""/>
+              <a:defRPr sz="2000" kern="1200">
+                <a:solidFill>
+                  <a:schemeClr val="tx1">
+                    <a:lumMod val="65000"/>
+                    <a:lumOff val="35000"/>
+                  </a:schemeClr>
+                </a:solidFill>
+                <a:latin typeface="+mn-lt"/>
+                <a:ea typeface="+mn-ea"/>
+                <a:cs typeface="+mn-cs"/>
+              </a:defRPr>
+            </a:lvl1pPr>
+            <a:lvl2pPr marL="685800" indent="-182880" algn="l" defTabSz="914400" rtl="0" eaLnBrk="1" latinLnBrk="1" hangingPunct="1">
+              <a:lnSpc>
+                <a:spcPct val="90000"/>
+              </a:lnSpc>
+              <a:spcBef>
+                <a:spcPts val="250"/>
+              </a:spcBef>
+              <a:spcAft>
+                <a:spcPts val="250"/>
+              </a:spcAft>
+              <a:buClr>
+                <a:schemeClr val="accent1"/>
+              </a:buClr>
+              <a:buFont typeface="Wingdings 2" pitchFamily="18" charset="2"/>
+              <a:buChar char=""/>
+              <a:defRPr sz="1800" kern="1200">
+                <a:solidFill>
+                  <a:schemeClr val="tx1">
+                    <a:lumMod val="65000"/>
+                    <a:lumOff val="35000"/>
+                  </a:schemeClr>
+                </a:solidFill>
+                <a:latin typeface="+mn-lt"/>
+                <a:ea typeface="+mn-ea"/>
+                <a:cs typeface="+mn-cs"/>
+              </a:defRPr>
+            </a:lvl2pPr>
+            <a:lvl3pPr marL="1143000" indent="-182880" algn="l" defTabSz="914400" rtl="0" eaLnBrk="1" latinLnBrk="1" hangingPunct="1">
+              <a:lnSpc>
+                <a:spcPct val="90000"/>
+              </a:lnSpc>
+              <a:spcBef>
+                <a:spcPts val="250"/>
+              </a:spcBef>
+              <a:spcAft>
+                <a:spcPts val="250"/>
+              </a:spcAft>
+              <a:buClr>
+                <a:schemeClr val="accent1"/>
+              </a:buClr>
+              <a:buFont typeface="Wingdings 2" pitchFamily="18" charset="2"/>
+              <a:buChar char=""/>
+              <a:defRPr sz="1600" kern="1200">
+                <a:solidFill>
+                  <a:schemeClr val="tx1">
+                    <a:lumMod val="65000"/>
+                    <a:lumOff val="35000"/>
+                  </a:schemeClr>
+                </a:solidFill>
+                <a:latin typeface="+mn-lt"/>
+                <a:ea typeface="+mn-ea"/>
+                <a:cs typeface="+mn-cs"/>
+              </a:defRPr>
+            </a:lvl3pPr>
+            <a:lvl4pPr marL="1600200" indent="-182880" algn="l" defTabSz="914400" rtl="0" eaLnBrk="1" latinLnBrk="1" hangingPunct="1">
+              <a:lnSpc>
+                <a:spcPct val="90000"/>
+              </a:lnSpc>
+              <a:spcBef>
+                <a:spcPts val="250"/>
+              </a:spcBef>
+              <a:spcAft>
+                <a:spcPts val="250"/>
+              </a:spcAft>
+              <a:buClr>
+                <a:schemeClr val="accent1"/>
+              </a:buClr>
+              <a:buFont typeface="Wingdings 2" pitchFamily="18" charset="2"/>
+              <a:buChar char=""/>
+              <a:defRPr sz="1400" kern="1200">
+                <a:solidFill>
+                  <a:schemeClr val="tx1">
+                    <a:lumMod val="65000"/>
+                    <a:lumOff val="35000"/>
+                  </a:schemeClr>
+                </a:solidFill>
+                <a:latin typeface="+mn-lt"/>
+                <a:ea typeface="+mn-ea"/>
+                <a:cs typeface="+mn-cs"/>
+              </a:defRPr>
+            </a:lvl4pPr>
+            <a:lvl5pPr marL="2057400" indent="-182880" algn="l" defTabSz="914400" rtl="0" eaLnBrk="1" latinLnBrk="1" hangingPunct="1">
+              <a:lnSpc>
+                <a:spcPct val="90000"/>
+              </a:lnSpc>
+              <a:spcBef>
+                <a:spcPts val="250"/>
+              </a:spcBef>
+              <a:spcAft>
+                <a:spcPts val="250"/>
+              </a:spcAft>
+              <a:buClr>
+                <a:schemeClr val="accent1"/>
+              </a:buClr>
+              <a:buFont typeface="Wingdings 2" pitchFamily="18" charset="2"/>
+              <a:buChar char=""/>
+              <a:defRPr sz="1400" kern="1200">
+                <a:solidFill>
+                  <a:schemeClr val="tx1">
+                    <a:lumMod val="65000"/>
+                    <a:lumOff val="35000"/>
+                  </a:schemeClr>
+                </a:solidFill>
+                <a:latin typeface="+mn-lt"/>
+                <a:ea typeface="+mn-ea"/>
+                <a:cs typeface="+mn-cs"/>
+              </a:defRPr>
+            </a:lvl5pPr>
+            <a:lvl6pPr marL="2514600" indent="-228600" algn="l" defTabSz="914400" rtl="0" eaLnBrk="1" latinLnBrk="1" hangingPunct="1">
+              <a:lnSpc>
+                <a:spcPct val="90000"/>
+              </a:lnSpc>
+              <a:spcBef>
+                <a:spcPts val="250"/>
+              </a:spcBef>
+              <a:spcAft>
+                <a:spcPts val="250"/>
+              </a:spcAft>
+              <a:buClr>
+                <a:schemeClr val="accent1"/>
+              </a:buClr>
+              <a:buFont typeface="Wingdings 2" pitchFamily="18" charset="2"/>
+              <a:buChar char=""/>
+              <a:defRPr sz="1400" kern="1200">
+                <a:solidFill>
+                  <a:schemeClr val="tx1">
+                    <a:lumMod val="65000"/>
+                    <a:lumOff val="35000"/>
+                  </a:schemeClr>
+                </a:solidFill>
+                <a:latin typeface="+mn-lt"/>
+                <a:ea typeface="+mn-ea"/>
+                <a:cs typeface="+mn-cs"/>
+              </a:defRPr>
+            </a:lvl6pPr>
+            <a:lvl7pPr marL="2971800" indent="-228600" algn="l" defTabSz="914400" rtl="0" eaLnBrk="1" latinLnBrk="1" hangingPunct="1">
+              <a:lnSpc>
+                <a:spcPct val="90000"/>
+              </a:lnSpc>
+              <a:spcBef>
+                <a:spcPts val="250"/>
+              </a:spcBef>
+              <a:spcAft>
+                <a:spcPts val="250"/>
+              </a:spcAft>
+              <a:buClr>
+                <a:schemeClr val="accent1"/>
+              </a:buClr>
+              <a:buFont typeface="Wingdings 2" pitchFamily="18" charset="2"/>
+              <a:buChar char=""/>
+              <a:defRPr sz="1400" kern="1200">
+                <a:solidFill>
+                  <a:schemeClr val="tx1">
+                    <a:lumMod val="65000"/>
+                    <a:lumOff val="35000"/>
+                  </a:schemeClr>
+                </a:solidFill>
+                <a:latin typeface="+mn-lt"/>
+                <a:ea typeface="+mn-ea"/>
+                <a:cs typeface="+mn-cs"/>
+              </a:defRPr>
+            </a:lvl7pPr>
+            <a:lvl8pPr marL="3429000" indent="-228600" algn="l" defTabSz="914400" rtl="0" eaLnBrk="1" latinLnBrk="1" hangingPunct="1">
+              <a:lnSpc>
+                <a:spcPct val="90000"/>
+              </a:lnSpc>
+              <a:spcBef>
+                <a:spcPts val="250"/>
+              </a:spcBef>
+              <a:spcAft>
+                <a:spcPts val="250"/>
+              </a:spcAft>
+              <a:buClr>
+                <a:schemeClr val="accent1"/>
+              </a:buClr>
+              <a:buFont typeface="Wingdings 2" pitchFamily="18" charset="2"/>
+              <a:buChar char=""/>
+              <a:defRPr sz="1400" kern="1200">
+                <a:solidFill>
+                  <a:schemeClr val="tx1">
+                    <a:lumMod val="65000"/>
+                    <a:lumOff val="35000"/>
+                  </a:schemeClr>
+                </a:solidFill>
+                <a:latin typeface="+mn-lt"/>
+                <a:ea typeface="+mn-ea"/>
+                <a:cs typeface="+mn-cs"/>
+              </a:defRPr>
+            </a:lvl8pPr>
+            <a:lvl9pPr marL="3886200" indent="-228600" algn="l" defTabSz="914400" rtl="0" eaLnBrk="1" latinLnBrk="1" hangingPunct="1">
+              <a:lnSpc>
+                <a:spcPct val="90000"/>
+              </a:lnSpc>
+              <a:spcBef>
+                <a:spcPts val="250"/>
+              </a:spcBef>
+              <a:spcAft>
+                <a:spcPts val="250"/>
+              </a:spcAft>
+              <a:buClr>
+                <a:schemeClr val="accent1"/>
+              </a:buClr>
+              <a:buFont typeface="Wingdings 2" pitchFamily="18" charset="2"/>
+              <a:buChar char=""/>
+              <a:defRPr sz="1400" kern="1200">
+                <a:solidFill>
+                  <a:schemeClr val="tx1">
+                    <a:lumMod val="65000"/>
+                    <a:lumOff val="35000"/>
+                  </a:schemeClr>
+                </a:solidFill>
+                <a:latin typeface="+mn-lt"/>
+                <a:ea typeface="+mn-ea"/>
+                <a:cs typeface="+mn-cs"/>
+              </a:defRPr>
+            </a:lvl9pPr>
+          </a:lstStyle>
+          <a:p>
+            <a:pPr marL="0" indent="0">
+              <a:buNone/>
+            </a:pPr>
+            <a:endParaRPr lang="en-US" altLang="ko-KR" dirty="0"/>
+          </a:p>
+        </p:txBody>
+      </p:sp>
+      <p:sp>
+        <p:nvSpPr>
+          <p:cNvPr id="11" name="Rectangle 37"/>
           <p:cNvSpPr/>
           <p:nvPr userDrawn="1"/>
         </p:nvSpPr>
         <p:spPr>
-          <a:xfrm>
-            <a:off x="-1" y="6600305"/>
-            <a:ext cx="6168045" cy="257695"/>
+          <a:xfrm rot="5400000">
+            <a:off x="2473452" y="4000500"/>
+            <a:ext cx="384048" cy="5330952"/>
           </a:xfrm>
           <a:prstGeom prst="rect">
             <a:avLst/>
@@ -4481,7 +4767,7 @@
       </p:grpSpPr>
       <p:sp>
         <p:nvSpPr>
-          <p:cNvPr id="2" name="내용 개체 틀 2"/>
+          <p:cNvPr id="20" name="내용 개체 틀 2"/>
           <p:cNvSpPr txBox="1">
             <a:spLocks/>
           </p:cNvSpPr>
@@ -4489,25 +4775,20 @@
         </p:nvSpPr>
         <p:spPr>
           <a:xfrm>
-            <a:off x="574160" y="502291"/>
-            <a:ext cx="11043680" cy="5853419"/>
+            <a:off x="882787" y="1140903"/>
+            <a:ext cx="10501073" cy="4790114"/>
           </a:xfrm>
           <a:prstGeom prst="rect">
             <a:avLst/>
           </a:prstGeom>
-          <a:solidFill>
-            <a:schemeClr val="bg1"/>
-          </a:solidFill>
           <a:ln>
-            <a:solidFill>
-              <a:schemeClr val="accent1"/>
-            </a:solidFill>
+            <a:noFill/>
           </a:ln>
           <a:effectLst/>
         </p:spPr>
         <p:txBody>
-          <a:bodyPr>
-            <a:normAutofit/>
+          <a:bodyPr numCol="3" spcCol="324000">
+            <a:normAutofit fontScale="92500" lnSpcReduction="20000"/>
           </a:bodyPr>
           <a:lstStyle>
             <a:lvl1pPr marL="182880" indent="-182880" algn="l" defTabSz="914400" rtl="0" eaLnBrk="1" latinLnBrk="1" hangingPunct="1">
@@ -4753,50 +5034,677 @@
           </a:lstStyle>
           <a:p>
             <a:r>
-              <a:rPr lang="ko-KR" altLang="en-US" smtClean="0"/>
-              <a:t>기대 효과</a:t>
-            </a:r>
-            <a:endParaRPr lang="en-US" altLang="ko-KR" smtClean="0"/>
+              <a:rPr lang="ko-KR" altLang="en-US" sz="1400" dirty="0" smtClean="0"/>
+              <a:t>운영 체제</a:t>
+            </a:r>
+            <a:endParaRPr lang="en-US" altLang="ko-KR" sz="1400" dirty="0" smtClean="0"/>
           </a:p>
           <a:p>
             <a:pPr marL="0" indent="0">
-              <a:buFont typeface="Wingdings 2" pitchFamily="18" charset="2"/>
               <a:buNone/>
             </a:pPr>
             <a:r>
-              <a:rPr lang="ko-KR" altLang="en-US" smtClean="0"/>
-              <a:t>사용자 영화 탐색 경험 향상</a:t>
-            </a:r>
-            <a:endParaRPr lang="en-US" altLang="ko-KR" smtClean="0"/>
+              <a:rPr lang="en-US" altLang="ko-KR" sz="1400" dirty="0" smtClean="0"/>
+              <a:t>-Windows 11 Pro (64-bit, build 22631)</a:t>
+            </a:r>
+          </a:p>
+          <a:p>
+            <a:endParaRPr lang="en-US" altLang="ko-KR" sz="1400" dirty="0"/>
+          </a:p>
+          <a:p>
+            <a:r>
+              <a:rPr lang="ko-KR" altLang="en-US" sz="1400" dirty="0" smtClean="0"/>
+              <a:t>하드웨어 사</a:t>
+            </a:r>
+            <a:r>
+              <a:rPr lang="ko-KR" altLang="en-US" sz="1400" dirty="0"/>
+              <a:t>양</a:t>
+            </a:r>
+            <a:endParaRPr lang="en-US" altLang="ko-KR" sz="1400" dirty="0"/>
           </a:p>
           <a:p>
             <a:pPr marL="0" indent="0">
-              <a:buFont typeface="Wingdings 2" pitchFamily="18" charset="2"/>
               <a:buNone/>
             </a:pPr>
             <a:r>
-              <a:rPr lang="ko-KR" altLang="en-US" smtClean="0"/>
-              <a:t>빠르고 정확한 영화 추천으로 시간 절약</a:t>
-            </a:r>
-            <a:endParaRPr lang="en-US" altLang="ko-KR" smtClean="0"/>
+              <a:rPr lang="en-US" altLang="ko-KR" sz="1400" dirty="0" smtClean="0"/>
+              <a:t>-CPU: </a:t>
+            </a:r>
+            <a:r>
+              <a:rPr lang="ko-KR" altLang="en-US" sz="1400" dirty="0"/>
+              <a:t>11th </a:t>
+            </a:r>
+            <a:r>
+              <a:rPr lang="ko-KR" altLang="en-US" sz="1400" dirty="0" err="1"/>
+              <a:t>Gen</a:t>
+            </a:r>
+            <a:r>
+              <a:rPr lang="ko-KR" altLang="en-US" sz="1400" dirty="0"/>
+              <a:t> Intel(</a:t>
+            </a:r>
+            <a:r>
+              <a:rPr lang="ko-KR" altLang="en-US" sz="1400" dirty="0" err="1"/>
+              <a:t>R</a:t>
+            </a:r>
+            <a:r>
+              <a:rPr lang="ko-KR" altLang="en-US" sz="1400" dirty="0"/>
+              <a:t>) </a:t>
+            </a:r>
+            <a:r>
+              <a:rPr lang="ko-KR" altLang="en-US" sz="1400" dirty="0" err="1"/>
+              <a:t>Core</a:t>
+            </a:r>
+            <a:r>
+              <a:rPr lang="ko-KR" altLang="en-US" sz="1400" dirty="0"/>
+              <a:t>(TM) i7-11700F @ 2.50GHz   2.50 </a:t>
+            </a:r>
+            <a:r>
+              <a:rPr lang="ko-KR" altLang="en-US" sz="1400" dirty="0" err="1" smtClean="0"/>
+              <a:t>GHz</a:t>
+            </a:r>
+            <a:endParaRPr lang="en-US" altLang="ko-KR" sz="1400" dirty="0"/>
           </a:p>
           <a:p>
             <a:pPr marL="0" indent="0">
-              <a:buFont typeface="Wingdings 2" pitchFamily="18" charset="2"/>
               <a:buNone/>
             </a:pPr>
             <a:r>
-              <a:rPr lang="ko-KR" altLang="en-US" smtClean="0"/>
-              <a:t>최신 트렌드 및 개인화된 정보 제공</a:t>
-            </a:r>
-            <a:endParaRPr lang="en-US" altLang="ko-KR" dirty="0"/>
+              <a:rPr lang="en-US" altLang="ko-KR" sz="1400" dirty="0" smtClean="0"/>
+              <a:t>-RAM: </a:t>
+            </a:r>
+            <a:r>
+              <a:rPr lang="ko-KR" altLang="en-US" sz="1400" dirty="0" smtClean="0"/>
+              <a:t>16.0GB</a:t>
+            </a:r>
+            <a:endParaRPr lang="en-US" altLang="ko-KR" sz="1400" dirty="0"/>
+          </a:p>
+          <a:p>
+            <a:pPr marL="0" indent="0">
+              <a:buNone/>
+            </a:pPr>
+            <a:r>
+              <a:rPr lang="en-US" altLang="ko-KR" sz="1400" dirty="0" smtClean="0"/>
+              <a:t>-GPU</a:t>
+            </a:r>
+            <a:r>
+              <a:rPr lang="en-US" altLang="ko-KR" sz="1400" dirty="0"/>
+              <a:t>: NVIDIA GeForce RTX </a:t>
+            </a:r>
+            <a:r>
+              <a:rPr lang="en-US" altLang="ko-KR" sz="1400" dirty="0" smtClean="0"/>
+              <a:t>306</a:t>
+            </a:r>
+          </a:p>
+          <a:p>
+            <a:endParaRPr lang="en-US" altLang="ko-KR" sz="1400" dirty="0" smtClean="0"/>
+          </a:p>
+          <a:p>
+            <a:r>
+              <a:rPr lang="ko-KR" altLang="en-US" sz="1400" dirty="0" smtClean="0"/>
+              <a:t>소프트웨어 및 도구</a:t>
+            </a:r>
+            <a:endParaRPr lang="en-US" altLang="ko-KR" sz="1400" dirty="0" smtClean="0"/>
+          </a:p>
+          <a:p>
+            <a:pPr marL="0" indent="0">
+              <a:buNone/>
+            </a:pPr>
+            <a:r>
+              <a:rPr lang="en-US" altLang="ko-KR" sz="1400" dirty="0" smtClean="0"/>
+              <a:t>-</a:t>
+            </a:r>
+            <a:r>
+              <a:rPr lang="ko-KR" altLang="en-US" sz="1400" dirty="0" smtClean="0"/>
+              <a:t>프로그래밍 </a:t>
+            </a:r>
+            <a:r>
+              <a:rPr lang="ko-KR" altLang="en-US" sz="1400" dirty="0"/>
+              <a:t>언어</a:t>
+            </a:r>
+            <a:r>
+              <a:rPr lang="en-US" altLang="ko-KR" sz="1400" dirty="0"/>
+              <a:t>: Python, Java</a:t>
+            </a:r>
+          </a:p>
+          <a:p>
+            <a:pPr marL="0" indent="0">
+              <a:buNone/>
+            </a:pPr>
+            <a:r>
+              <a:rPr lang="en-US" altLang="ko-KR" sz="1400" dirty="0" smtClean="0"/>
+              <a:t>-</a:t>
+            </a:r>
+            <a:r>
+              <a:rPr lang="ko-KR" altLang="en-US" sz="1400" dirty="0" smtClean="0"/>
+              <a:t>편집기</a:t>
+            </a:r>
+            <a:r>
+              <a:rPr lang="en-US" altLang="ko-KR" sz="1400" dirty="0"/>
+              <a:t>: Visual Studio Code</a:t>
+            </a:r>
+          </a:p>
+          <a:p>
+            <a:pPr marL="0" indent="0">
+              <a:buNone/>
+            </a:pPr>
+            <a:r>
+              <a:rPr lang="en-US" altLang="ko-KR" sz="1400" dirty="0" smtClean="0"/>
+              <a:t>-</a:t>
+            </a:r>
+            <a:r>
+              <a:rPr lang="ko-KR" altLang="en-US" sz="1400" dirty="0" smtClean="0"/>
+              <a:t>빌드 </a:t>
+            </a:r>
+            <a:r>
+              <a:rPr lang="ko-KR" altLang="en-US" sz="1400" dirty="0"/>
+              <a:t>도구</a:t>
+            </a:r>
+            <a:r>
+              <a:rPr lang="en-US" altLang="ko-KR" sz="1400" dirty="0"/>
+              <a:t>: </a:t>
+            </a:r>
+            <a:r>
+              <a:rPr lang="en-US" altLang="ko-KR" sz="1400" dirty="0" err="1"/>
+              <a:t>Gradle</a:t>
+            </a:r>
+            <a:endParaRPr lang="en-US" altLang="ko-KR" sz="1400" dirty="0"/>
+          </a:p>
+          <a:p>
+            <a:pPr marL="0" indent="0">
+              <a:buNone/>
+            </a:pPr>
+            <a:r>
+              <a:rPr lang="en-US" altLang="ko-KR" sz="1400" dirty="0" smtClean="0"/>
+              <a:t>-</a:t>
+            </a:r>
+            <a:r>
+              <a:rPr lang="ko-KR" altLang="en-US" sz="1400" dirty="0" smtClean="0"/>
+              <a:t>버전 </a:t>
+            </a:r>
+            <a:r>
+              <a:rPr lang="ko-KR" altLang="en-US" sz="1400" dirty="0"/>
+              <a:t>관리</a:t>
+            </a:r>
+            <a:r>
+              <a:rPr lang="en-US" altLang="ko-KR" sz="1400" dirty="0"/>
+              <a:t>: GitHub</a:t>
+            </a:r>
+          </a:p>
+          <a:p>
+            <a:pPr marL="0" indent="0">
+              <a:buNone/>
+            </a:pPr>
+            <a:r>
+              <a:rPr lang="en-US" altLang="ko-KR" sz="1400" dirty="0" smtClean="0"/>
+              <a:t>-</a:t>
+            </a:r>
+            <a:r>
+              <a:rPr lang="ko-KR" altLang="en-US" sz="1400" dirty="0" smtClean="0"/>
+              <a:t>패키지 </a:t>
+            </a:r>
+            <a:r>
+              <a:rPr lang="ko-KR" altLang="en-US" sz="1400" dirty="0"/>
+              <a:t>관리</a:t>
+            </a:r>
+            <a:r>
+              <a:rPr lang="en-US" altLang="ko-KR" sz="1400" dirty="0"/>
+              <a:t>: pip, </a:t>
+            </a:r>
+            <a:r>
+              <a:rPr lang="en-US" altLang="ko-KR" sz="1400" dirty="0" err="1" smtClean="0"/>
+              <a:t>conda</a:t>
+            </a:r>
+            <a:endParaRPr lang="en-US" altLang="ko-KR" sz="1400" dirty="0"/>
+          </a:p>
+          <a:p>
+            <a:pPr marL="0" indent="0">
+              <a:buNone/>
+            </a:pPr>
+            <a:endParaRPr lang="en-US" altLang="ko-KR" sz="1400" dirty="0" smtClean="0"/>
+          </a:p>
+          <a:p>
+            <a:endParaRPr lang="en-US" altLang="ko-KR" sz="1400" dirty="0" smtClean="0"/>
+          </a:p>
+          <a:p>
+            <a:endParaRPr lang="en-US" altLang="ko-KR" sz="1400" dirty="0"/>
+          </a:p>
+          <a:p>
+            <a:r>
+              <a:rPr lang="ko-KR" altLang="en-US" sz="1400" dirty="0" smtClean="0"/>
+              <a:t>개발 프레임워크 및 라이브러리</a:t>
+            </a:r>
+            <a:endParaRPr lang="en-US" altLang="ko-KR" sz="1400" dirty="0"/>
+          </a:p>
+          <a:p>
+            <a:pPr marL="0" indent="0">
+              <a:buNone/>
+            </a:pPr>
+            <a:r>
+              <a:rPr lang="en-US" altLang="ko-KR" sz="1400" dirty="0" smtClean="0"/>
+              <a:t>-</a:t>
+            </a:r>
+            <a:r>
+              <a:rPr lang="ko-KR" altLang="en-US" sz="1400" dirty="0" err="1" smtClean="0"/>
+              <a:t>백엔드</a:t>
+            </a:r>
+            <a:r>
+              <a:rPr lang="ko-KR" altLang="en-US" sz="1400" dirty="0" smtClean="0"/>
+              <a:t> </a:t>
+            </a:r>
+            <a:r>
+              <a:rPr lang="ko-KR" altLang="en-US" sz="1400" dirty="0"/>
+              <a:t>프레임워크</a:t>
+            </a:r>
+            <a:r>
+              <a:rPr lang="en-US" altLang="ko-KR" sz="1400" dirty="0"/>
+              <a:t>: Spring Boot, Flutter</a:t>
+            </a:r>
+          </a:p>
+          <a:p>
+            <a:pPr marL="0" indent="0">
+              <a:buNone/>
+            </a:pPr>
+            <a:r>
+              <a:rPr lang="en-US" altLang="ko-KR" sz="1400" dirty="0" smtClean="0"/>
+              <a:t>-</a:t>
+            </a:r>
+            <a:r>
+              <a:rPr lang="ko-KR" altLang="en-US" sz="1400" dirty="0" err="1" smtClean="0"/>
+              <a:t>프론트엔드</a:t>
+            </a:r>
+            <a:r>
+              <a:rPr lang="ko-KR" altLang="en-US" sz="1400" dirty="0" smtClean="0"/>
+              <a:t> </a:t>
+            </a:r>
+            <a:r>
+              <a:rPr lang="ko-KR" altLang="en-US" sz="1400" dirty="0"/>
+              <a:t>라이브러리</a:t>
+            </a:r>
+            <a:r>
+              <a:rPr lang="en-US" altLang="ko-KR" sz="1400" dirty="0"/>
+              <a:t>:</a:t>
+            </a:r>
+          </a:p>
+          <a:p>
+            <a:pPr marL="0" indent="0">
+              <a:buNone/>
+            </a:pPr>
+            <a:r>
+              <a:rPr lang="en-US" altLang="ko-KR" sz="1400" dirty="0" smtClean="0"/>
+              <a:t>-</a:t>
+            </a:r>
+            <a:r>
+              <a:rPr lang="ko-KR" altLang="en-US" sz="1400" dirty="0" smtClean="0"/>
+              <a:t>웹 </a:t>
+            </a:r>
+            <a:r>
+              <a:rPr lang="ko-KR" altLang="en-US" sz="1400" dirty="0" err="1"/>
+              <a:t>크롤링</a:t>
+            </a:r>
+            <a:r>
+              <a:rPr lang="ko-KR" altLang="en-US" sz="1400" dirty="0"/>
+              <a:t> 라이브러리</a:t>
+            </a:r>
+            <a:r>
+              <a:rPr lang="en-US" altLang="ko-KR" sz="1400" dirty="0"/>
+              <a:t>: </a:t>
+            </a:r>
+            <a:r>
+              <a:rPr lang="en-US" altLang="ko-KR" sz="1400" dirty="0" err="1"/>
+              <a:t>BeautifulSoup</a:t>
+            </a:r>
+            <a:r>
+              <a:rPr lang="en-US" altLang="ko-KR" sz="1400" dirty="0"/>
+              <a:t>, Selenium</a:t>
+            </a:r>
+          </a:p>
+          <a:p>
+            <a:endParaRPr lang="en-US" altLang="ko-KR" sz="1400" dirty="0"/>
+          </a:p>
+          <a:p>
+            <a:r>
+              <a:rPr lang="ko-KR" altLang="en-US" sz="1400" dirty="0" smtClean="0"/>
+              <a:t>데이터베이스</a:t>
+            </a:r>
+            <a:endParaRPr lang="en-US" altLang="ko-KR" sz="1400" dirty="0" smtClean="0"/>
+          </a:p>
+          <a:p>
+            <a:pPr marL="0" indent="0">
+              <a:buNone/>
+            </a:pPr>
+            <a:r>
+              <a:rPr lang="en-US" altLang="ko-KR" sz="1400" dirty="0" smtClean="0"/>
+              <a:t>-MySQL</a:t>
+            </a:r>
+          </a:p>
+          <a:p>
+            <a:endParaRPr lang="en-US" altLang="ko-KR" sz="1400" dirty="0"/>
+          </a:p>
+          <a:p>
+            <a:r>
+              <a:rPr lang="ko-KR" altLang="en-US" sz="1400" dirty="0" err="1" smtClean="0"/>
+              <a:t>클라우드</a:t>
+            </a:r>
+            <a:r>
+              <a:rPr lang="ko-KR" altLang="en-US" sz="1400" dirty="0" smtClean="0"/>
+              <a:t> 및 배포 환경</a:t>
+            </a:r>
+            <a:endParaRPr lang="en-US" altLang="ko-KR" sz="1400" dirty="0" smtClean="0"/>
+          </a:p>
+          <a:p>
+            <a:pPr marL="0" indent="0">
+              <a:buNone/>
+            </a:pPr>
+            <a:r>
+              <a:rPr lang="en-US" altLang="ko-KR" sz="1400" dirty="0" smtClean="0"/>
+              <a:t>-</a:t>
+            </a:r>
+            <a:r>
+              <a:rPr lang="ko-KR" altLang="en-US" sz="1400" dirty="0" err="1" smtClean="0"/>
+              <a:t>클라우드</a:t>
+            </a:r>
+            <a:r>
+              <a:rPr lang="ko-KR" altLang="en-US" sz="1400" dirty="0" smtClean="0"/>
+              <a:t> </a:t>
+            </a:r>
+            <a:r>
+              <a:rPr lang="ko-KR" altLang="en-US" sz="1400" dirty="0" err="1"/>
+              <a:t>프랫폼</a:t>
+            </a:r>
+            <a:endParaRPr lang="en-US" altLang="ko-KR" sz="1400" dirty="0"/>
+          </a:p>
+          <a:p>
+            <a:pPr marL="0" indent="0">
+              <a:buNone/>
+            </a:pPr>
+            <a:r>
+              <a:rPr lang="en-US" altLang="ko-KR" sz="1400" dirty="0" smtClean="0"/>
+              <a:t>-</a:t>
+            </a:r>
+            <a:r>
+              <a:rPr lang="ko-KR" altLang="en-US" sz="1400" dirty="0" smtClean="0"/>
+              <a:t>컨테이너</a:t>
+            </a:r>
+            <a:endParaRPr lang="en-US" altLang="ko-KR" sz="1400" dirty="0"/>
+          </a:p>
+          <a:p>
+            <a:pPr marL="0" indent="0">
+              <a:buNone/>
+            </a:pPr>
+            <a:r>
+              <a:rPr lang="en-US" altLang="ko-KR" sz="1400" dirty="0" smtClean="0"/>
+              <a:t>-</a:t>
+            </a:r>
+            <a:r>
+              <a:rPr lang="ko-KR" altLang="en-US" sz="1400" dirty="0" smtClean="0"/>
+              <a:t>웹 </a:t>
+            </a:r>
+            <a:r>
+              <a:rPr lang="ko-KR" altLang="en-US" sz="1400" dirty="0"/>
+              <a:t>서버</a:t>
+            </a:r>
+            <a:r>
+              <a:rPr lang="en-US" altLang="ko-KR" sz="1400" dirty="0"/>
+              <a:t>: </a:t>
+            </a:r>
+            <a:r>
+              <a:rPr lang="en-US" altLang="ko-KR" sz="1400" dirty="0" smtClean="0"/>
+              <a:t>Apache</a:t>
+            </a:r>
+          </a:p>
+          <a:p>
+            <a:endParaRPr lang="en-US" altLang="ko-KR" sz="1400" dirty="0"/>
+          </a:p>
+          <a:p>
+            <a:r>
+              <a:rPr lang="ko-KR" altLang="en-US" sz="1400" dirty="0" smtClean="0"/>
+              <a:t>테스트 및 품질 관리 도구</a:t>
+            </a:r>
+            <a:endParaRPr lang="en-US" altLang="ko-KR" sz="1400" dirty="0" smtClean="0"/>
+          </a:p>
+          <a:p>
+            <a:pPr marL="0" indent="0">
+              <a:buNone/>
+            </a:pPr>
+            <a:r>
+              <a:rPr lang="en-US" altLang="ko-KR" sz="1400" dirty="0" smtClean="0"/>
+              <a:t>-</a:t>
+            </a:r>
+            <a:r>
+              <a:rPr lang="ko-KR" altLang="en-US" sz="1400" dirty="0" smtClean="0"/>
+              <a:t>테스트 도구</a:t>
+            </a:r>
+            <a:r>
+              <a:rPr lang="en-US" altLang="ko-KR" sz="1400" dirty="0" smtClean="0"/>
+              <a:t>: Selenium</a:t>
+            </a:r>
+          </a:p>
+          <a:p>
+            <a:pPr marL="0" indent="0">
+              <a:buNone/>
+            </a:pPr>
+            <a:r>
+              <a:rPr lang="en-US" altLang="ko-KR" sz="1400" dirty="0" smtClean="0"/>
+              <a:t>-</a:t>
+            </a:r>
+            <a:r>
+              <a:rPr lang="ko-KR" altLang="en-US" sz="1400" dirty="0" smtClean="0"/>
+              <a:t>코드 품질 관리</a:t>
+            </a:r>
+            <a:r>
+              <a:rPr lang="en-US" altLang="ko-KR" sz="1400" dirty="0" smtClean="0"/>
+              <a:t>: </a:t>
+            </a:r>
+            <a:r>
+              <a:rPr lang="en-US" altLang="ko-KR" sz="1400" dirty="0" err="1"/>
+              <a:t>ESLint</a:t>
+            </a:r>
+            <a:r>
+              <a:rPr lang="en-US" altLang="ko-KR" sz="1400" dirty="0"/>
+              <a:t>, </a:t>
+            </a:r>
+            <a:r>
+              <a:rPr lang="en-US" altLang="ko-KR" sz="1400" dirty="0" smtClean="0"/>
+              <a:t>Prettier</a:t>
+            </a:r>
+          </a:p>
+          <a:p>
+            <a:r>
+              <a:rPr lang="ko-KR" altLang="en-US" sz="1400" dirty="0" smtClean="0"/>
+              <a:t>네트워크 및 기타 도구</a:t>
+            </a:r>
+            <a:endParaRPr lang="en-US" altLang="ko-KR" sz="1400" dirty="0" smtClean="0"/>
+          </a:p>
+          <a:p>
+            <a:pPr marL="0" indent="0">
+              <a:buNone/>
+            </a:pPr>
+            <a:r>
+              <a:rPr lang="en-US" altLang="ko-KR" sz="1400" dirty="0" smtClean="0"/>
+              <a:t>-</a:t>
+            </a:r>
+            <a:r>
+              <a:rPr lang="ko-KR" altLang="en-US" sz="1400" dirty="0" smtClean="0"/>
+              <a:t>협업 도구</a:t>
+            </a:r>
+            <a:r>
+              <a:rPr lang="en-US" altLang="ko-KR" sz="1400" dirty="0" smtClean="0"/>
+              <a:t>: GitHub</a:t>
+            </a:r>
+          </a:p>
+          <a:p>
+            <a:pPr marL="0" indent="0">
+              <a:buNone/>
+            </a:pPr>
+            <a:endParaRPr lang="en-US" altLang="ko-KR" sz="1400" dirty="0" smtClean="0"/>
+          </a:p>
+          <a:p>
+            <a:endParaRPr lang="en-US" altLang="ko-KR" sz="1400" dirty="0"/>
+          </a:p>
+          <a:p>
+            <a:endParaRPr lang="en-US" altLang="ko-KR" sz="1400" dirty="0"/>
+          </a:p>
+          <a:p>
+            <a:endParaRPr lang="en-US" altLang="ko-KR" sz="1400" dirty="0" smtClean="0"/>
+          </a:p>
+          <a:p>
+            <a:endParaRPr lang="en-US" altLang="ko-KR" sz="1400" dirty="0"/>
+          </a:p>
+          <a:p>
+            <a:endParaRPr lang="en-US" altLang="ko-KR" sz="1400" dirty="0" smtClean="0"/>
+          </a:p>
+          <a:p>
+            <a:endParaRPr lang="en-US" altLang="ko-KR" sz="1400" dirty="0"/>
+          </a:p>
+          <a:p>
+            <a:endParaRPr lang="en-US" altLang="ko-KR" sz="1400" dirty="0"/>
+          </a:p>
+          <a:p>
+            <a:endParaRPr lang="en-US" altLang="ko-KR" sz="1400" dirty="0" smtClean="0"/>
+          </a:p>
+          <a:p>
+            <a:pPr marL="0" indent="0">
+              <a:buNone/>
+            </a:pPr>
+            <a:endParaRPr lang="en-US" altLang="ko-KR" sz="1400" dirty="0"/>
+          </a:p>
+          <a:p>
+            <a:pPr marL="0" indent="0">
+              <a:buNone/>
+            </a:pPr>
+            <a:endParaRPr lang="en-US" altLang="ko-KR" sz="1400" dirty="0" smtClean="0"/>
+          </a:p>
+          <a:p>
+            <a:endParaRPr lang="en-US" altLang="ko-KR" sz="1400" dirty="0" smtClean="0"/>
+          </a:p>
+          <a:p>
+            <a:endParaRPr lang="en-US" altLang="ko-KR" sz="1400" dirty="0"/>
+          </a:p>
+        </p:txBody>
+      </p:sp>
+      <p:sp>
+        <p:nvSpPr>
+          <p:cNvPr id="23" name="TextBox 22"/>
+          <p:cNvSpPr txBox="1"/>
+          <p:nvPr/>
+        </p:nvSpPr>
+        <p:spPr>
+          <a:xfrm>
+            <a:off x="9378891" y="209725"/>
+            <a:ext cx="1907895" cy="584775"/>
+          </a:xfrm>
+          <a:prstGeom prst="rect">
+            <a:avLst/>
+          </a:prstGeom>
+          <a:noFill/>
+        </p:spPr>
+        <p:txBody>
+          <a:bodyPr wrap="none" rtlCol="0">
+            <a:spAutoFit/>
+          </a:bodyPr>
+          <a:lstStyle/>
+          <a:p>
+            <a:r>
+              <a:rPr lang="ko-KR" altLang="en-US" sz="3200" dirty="0" smtClean="0">
+                <a:solidFill>
+                  <a:schemeClr val="bg1"/>
+                </a:solidFill>
+              </a:rPr>
+              <a:t>개발 환경</a:t>
+            </a:r>
+            <a:endParaRPr lang="ko-KR" altLang="en-US" sz="3200" dirty="0">
+              <a:solidFill>
+                <a:schemeClr val="bg1"/>
+              </a:solidFill>
+            </a:endParaRPr>
           </a:p>
         </p:txBody>
       </p:sp>
     </p:spTree>
     <p:extLst>
       <p:ext uri="{BB962C8B-B14F-4D97-AF65-F5344CB8AC3E}">
-        <p14:creationId xmlns:p14="http://schemas.microsoft.com/office/powerpoint/2010/main" val="3118220276"/>
+        <p14:creationId xmlns:p14="http://schemas.microsoft.com/office/powerpoint/2010/main" val="1312504489"/>
+      </p:ext>
+    </p:extLst>
+  </p:cSld>
+  <p:clrMapOvr>
+    <a:masterClrMapping/>
+  </p:clrMapOvr>
+</p:sld>
+</file>
+
+<file path=ppt/slides/slide7.xml><?xml version="1.0" encoding="utf-8"?>
+<p:sld xmlns:a="http://schemas.openxmlformats.org/drawingml/2006/main" xmlns:r="http://schemas.openxmlformats.org/officeDocument/2006/relationships" xmlns:p="http://schemas.openxmlformats.org/presentationml/2006/main">
+  <p:cSld>
+    <p:spTree>
+      <p:nvGrpSpPr>
+        <p:cNvPr id="1" name=""/>
+        <p:cNvGrpSpPr/>
+        <p:nvPr/>
+      </p:nvGrpSpPr>
+      <p:grpSpPr>
+        <a:xfrm>
+          <a:off x="0" y="0"/>
+          <a:ext cx="0" cy="0"/>
+          <a:chOff x="0" y="0"/>
+          <a:chExt cx="0" cy="0"/>
+        </a:xfrm>
+      </p:grpSpPr>
+      <p:sp>
+        <p:nvSpPr>
+          <p:cNvPr id="2" name="직사각형 1"/>
+          <p:cNvSpPr/>
+          <p:nvPr/>
+        </p:nvSpPr>
+        <p:spPr>
+          <a:xfrm>
+            <a:off x="1100416" y="1532980"/>
+            <a:ext cx="5763116" cy="646331"/>
+          </a:xfrm>
+          <a:prstGeom prst="rect">
+            <a:avLst/>
+          </a:prstGeom>
+        </p:spPr>
+        <p:txBody>
+          <a:bodyPr wrap="none">
+            <a:spAutoFit/>
+          </a:bodyPr>
+          <a:lstStyle/>
+          <a:p>
+            <a:r>
+              <a:rPr lang="ko-KR" altLang="en-US" dirty="0" err="1" smtClean="0"/>
+              <a:t>깃허브</a:t>
+            </a:r>
+            <a:r>
+              <a:rPr lang="ko-KR" altLang="en-US" dirty="0" smtClean="0"/>
+              <a:t> </a:t>
+            </a:r>
+            <a:r>
+              <a:rPr lang="ko-KR" altLang="en-US" dirty="0" err="1" smtClean="0"/>
+              <a:t>레포지토리</a:t>
+            </a:r>
+            <a:r>
+              <a:rPr lang="ko-KR" altLang="en-US" dirty="0" smtClean="0"/>
+              <a:t> 생성</a:t>
+            </a:r>
+            <a:endParaRPr lang="en-US" altLang="ko-KR" dirty="0" smtClean="0"/>
+          </a:p>
+          <a:p>
+            <a:r>
+              <a:rPr lang="ko-KR" altLang="en-US" dirty="0" smtClean="0"/>
+              <a:t>https</a:t>
+            </a:r>
+            <a:r>
+              <a:rPr lang="ko-KR" altLang="en-US" dirty="0"/>
+              <a:t>://github.com/business-sixtick/recommend_movie.git</a:t>
+            </a:r>
+          </a:p>
+        </p:txBody>
+      </p:sp>
+    </p:spTree>
+    <p:extLst>
+      <p:ext uri="{BB962C8B-B14F-4D97-AF65-F5344CB8AC3E}">
+        <p14:creationId xmlns:p14="http://schemas.microsoft.com/office/powerpoint/2010/main" val="686895806"/>
       </p:ext>
     </p:extLst>
   </p:cSld>

--- a/doc/세종교육_AI프로젝트.pptx
+++ b/doc/세종교육_AI프로젝트.pptx
@@ -12,6 +12,9 @@
     <p:sldId id="259" r:id="rId6"/>
     <p:sldId id="262" r:id="rId7"/>
     <p:sldId id="263" r:id="rId8"/>
+    <p:sldId id="264" r:id="rId9"/>
+    <p:sldId id="265" r:id="rId10"/>
+    <p:sldId id="266" r:id="rId11"/>
   </p:sldIdLst>
   <p:sldSz cx="12192000" cy="6858000"/>
   <p:notesSz cx="6858000" cy="9144000"/>
@@ -343,7 +346,7 @@
             <a:fld id="{5586B75A-687E-405C-8A0B-8D00578BA2C3}" type="datetimeFigureOut">
               <a:rPr lang="en-US" dirty="0"/>
               <a:pPr/>
-              <a:t>12/6/2024</a:t>
+              <a:t>12/9/2024</a:t>
             </a:fld>
             <a:endParaRPr lang="en-US" dirty="0"/>
           </a:p>
@@ -510,7 +513,7 @@
             <a:fld id="{5586B75A-687E-405C-8A0B-8D00578BA2C3}" type="datetimeFigureOut">
               <a:rPr lang="en-US" dirty="0"/>
               <a:pPr/>
-              <a:t>12/6/2024</a:t>
+              <a:t>12/9/2024</a:t>
             </a:fld>
             <a:endParaRPr lang="en-US" dirty="0"/>
           </a:p>
@@ -687,7 +690,7 @@
             <a:fld id="{5586B75A-687E-405C-8A0B-8D00578BA2C3}" type="datetimeFigureOut">
               <a:rPr lang="en-US" dirty="0"/>
               <a:pPr/>
-              <a:t>12/6/2024</a:t>
+              <a:t>12/9/2024</a:t>
             </a:fld>
             <a:endParaRPr lang="en-US" dirty="0"/>
           </a:p>
@@ -854,7 +857,7 @@
             <a:fld id="{5586B75A-687E-405C-8A0B-8D00578BA2C3}" type="datetimeFigureOut">
               <a:rPr lang="en-US" dirty="0"/>
               <a:pPr/>
-              <a:t>12/6/2024</a:t>
+              <a:t>12/9/2024</a:t>
             </a:fld>
             <a:endParaRPr lang="en-US" dirty="0"/>
           </a:p>
@@ -1109,7 +1112,7 @@
             <a:fld id="{5586B75A-687E-405C-8A0B-8D00578BA2C3}" type="datetimeFigureOut">
               <a:rPr lang="en-US" dirty="0"/>
               <a:pPr/>
-              <a:t>12/6/2024</a:t>
+              <a:t>12/9/2024</a:t>
             </a:fld>
             <a:endParaRPr lang="en-US" dirty="0"/>
           </a:p>
@@ -1394,7 +1397,7 @@
             <a:fld id="{5586B75A-687E-405C-8A0B-8D00578BA2C3}" type="datetimeFigureOut">
               <a:rPr lang="en-US" dirty="0"/>
               <a:pPr/>
-              <a:t>12/6/2024</a:t>
+              <a:t>12/9/2024</a:t>
             </a:fld>
             <a:endParaRPr lang="en-US" dirty="0"/>
           </a:p>
@@ -1833,7 +1836,7 @@
             <a:fld id="{5586B75A-687E-405C-8A0B-8D00578BA2C3}" type="datetimeFigureOut">
               <a:rPr lang="en-US" dirty="0"/>
               <a:pPr/>
-              <a:t>12/6/2024</a:t>
+              <a:t>12/9/2024</a:t>
             </a:fld>
             <a:endParaRPr lang="en-US" dirty="0"/>
           </a:p>
@@ -1948,7 +1951,7 @@
             <a:fld id="{5586B75A-687E-405C-8A0B-8D00578BA2C3}" type="datetimeFigureOut">
               <a:rPr lang="en-US" dirty="0"/>
               <a:pPr/>
-              <a:t>12/6/2024</a:t>
+              <a:t>12/9/2024</a:t>
             </a:fld>
             <a:endParaRPr lang="en-US" dirty="0"/>
           </a:p>
@@ -2040,7 +2043,7 @@
             <a:fld id="{5586B75A-687E-405C-8A0B-8D00578BA2C3}" type="datetimeFigureOut">
               <a:rPr lang="en-US" dirty="0"/>
               <a:pPr/>
-              <a:t>12/6/2024</a:t>
+              <a:t>12/9/2024</a:t>
             </a:fld>
             <a:endParaRPr lang="en-US" dirty="0"/>
           </a:p>
@@ -2683,7 +2686,7 @@
             <a:fld id="{5586B75A-687E-405C-8A0B-8D00578BA2C3}" type="datetimeFigureOut">
               <a:rPr lang="en-US" dirty="0"/>
               <a:pPr/>
-              <a:t>12/6/2024</a:t>
+              <a:t>12/9/2024</a:t>
             </a:fld>
             <a:endParaRPr lang="en-US" dirty="0"/>
           </a:p>
@@ -2953,7 +2956,7 @@
             <a:fld id="{5586B75A-687E-405C-8A0B-8D00578BA2C3}" type="datetimeFigureOut">
               <a:rPr lang="en-US" dirty="0"/>
               <a:pPr/>
-              <a:t>12/6/2024</a:t>
+              <a:t>12/9/2024</a:t>
             </a:fld>
             <a:endParaRPr lang="en-US" dirty="0"/>
           </a:p>
@@ -3247,7 +3250,7 @@
             <a:fld id="{5586B75A-687E-405C-8A0B-8D00578BA2C3}" type="datetimeFigureOut">
               <a:rPr lang="en-US" dirty="0"/>
               <a:pPr/>
-              <a:t>12/6/2024</a:t>
+              <a:t>12/9/2024</a:t>
             </a:fld>
             <a:endParaRPr lang="en-US" dirty="0"/>
           </a:p>
@@ -3803,6 +3806,579 @@
 </p:sld>
 </file>
 
+<file path=ppt/slides/slide10.xml><?xml version="1.0" encoding="utf-8"?>
+<p:sld xmlns:a="http://schemas.openxmlformats.org/drawingml/2006/main" xmlns:r="http://schemas.openxmlformats.org/officeDocument/2006/relationships" xmlns:p="http://schemas.openxmlformats.org/presentationml/2006/main">
+  <p:cSld>
+    <p:spTree>
+      <p:nvGrpSpPr>
+        <p:cNvPr id="1" name=""/>
+        <p:cNvGrpSpPr/>
+        <p:nvPr/>
+      </p:nvGrpSpPr>
+      <p:grpSpPr>
+        <a:xfrm>
+          <a:off x="0" y="0"/>
+          <a:ext cx="0" cy="0"/>
+          <a:chOff x="0" y="0"/>
+          <a:chExt cx="0" cy="0"/>
+        </a:xfrm>
+      </p:grpSpPr>
+      <p:sp>
+        <p:nvSpPr>
+          <p:cNvPr id="2" name="TextBox 1"/>
+          <p:cNvSpPr txBox="1"/>
+          <p:nvPr/>
+        </p:nvSpPr>
+        <p:spPr>
+          <a:xfrm>
+            <a:off x="9127221" y="201336"/>
+            <a:ext cx="2509020" cy="584775"/>
+          </a:xfrm>
+          <a:prstGeom prst="rect">
+            <a:avLst/>
+          </a:prstGeom>
+          <a:noFill/>
+        </p:spPr>
+        <p:txBody>
+          <a:bodyPr wrap="none" rtlCol="0">
+            <a:spAutoFit/>
+          </a:bodyPr>
+          <a:lstStyle/>
+          <a:p>
+            <a:pPr algn="r"/>
+            <a:r>
+              <a:rPr lang="en-US" altLang="ko-KR" sz="3200" dirty="0" smtClean="0">
+                <a:solidFill>
+                  <a:schemeClr val="bg1"/>
+                </a:solidFill>
+              </a:rPr>
+              <a:t>DB </a:t>
+            </a:r>
+            <a:r>
+              <a:rPr lang="ko-KR" altLang="en-US" sz="3200" dirty="0" smtClean="0">
+                <a:solidFill>
+                  <a:schemeClr val="bg1"/>
+                </a:solidFill>
+              </a:rPr>
+              <a:t>서버 구축</a:t>
+            </a:r>
+            <a:endParaRPr lang="ko-KR" altLang="en-US" sz="3200" dirty="0">
+              <a:solidFill>
+                <a:schemeClr val="bg1"/>
+              </a:solidFill>
+            </a:endParaRPr>
+          </a:p>
+        </p:txBody>
+      </p:sp>
+      <p:sp>
+        <p:nvSpPr>
+          <p:cNvPr id="3" name="TextBox 2"/>
+          <p:cNvSpPr txBox="1"/>
+          <p:nvPr/>
+        </p:nvSpPr>
+        <p:spPr>
+          <a:xfrm>
+            <a:off x="4683211" y="2063578"/>
+            <a:ext cx="184731" cy="369332"/>
+          </a:xfrm>
+          <a:prstGeom prst="rect">
+            <a:avLst/>
+          </a:prstGeom>
+          <a:noFill/>
+        </p:spPr>
+        <p:txBody>
+          <a:bodyPr wrap="none" rtlCol="0">
+            <a:spAutoFit/>
+          </a:bodyPr>
+          <a:lstStyle/>
+          <a:p>
+            <a:endParaRPr lang="ko-KR" altLang="en-US" dirty="0"/>
+          </a:p>
+        </p:txBody>
+      </p:sp>
+      <p:sp>
+        <p:nvSpPr>
+          <p:cNvPr id="4" name="TextBox 3"/>
+          <p:cNvSpPr txBox="1"/>
+          <p:nvPr/>
+        </p:nvSpPr>
+        <p:spPr>
+          <a:xfrm>
+            <a:off x="4683211" y="1606378"/>
+            <a:ext cx="45719" cy="369332"/>
+          </a:xfrm>
+          <a:prstGeom prst="rect">
+            <a:avLst/>
+          </a:prstGeom>
+          <a:noFill/>
+        </p:spPr>
+        <p:txBody>
+          <a:bodyPr wrap="square" rtlCol="0">
+            <a:spAutoFit/>
+          </a:bodyPr>
+          <a:lstStyle/>
+          <a:p>
+            <a:endParaRPr lang="ko-KR" altLang="en-US" dirty="0"/>
+          </a:p>
+        </p:txBody>
+      </p:sp>
+      <p:sp>
+        <p:nvSpPr>
+          <p:cNvPr id="7" name="직사각형 6"/>
+          <p:cNvSpPr/>
+          <p:nvPr/>
+        </p:nvSpPr>
+        <p:spPr>
+          <a:xfrm>
+            <a:off x="2796670" y="1673598"/>
+            <a:ext cx="6096000" cy="3600986"/>
+          </a:xfrm>
+          <a:prstGeom prst="rect">
+            <a:avLst/>
+          </a:prstGeom>
+        </p:spPr>
+        <p:txBody>
+          <a:bodyPr>
+            <a:spAutoFit/>
+          </a:bodyPr>
+          <a:lstStyle/>
+          <a:p>
+            <a:r>
+              <a:rPr lang="ko-KR" altLang="en-US" sz="1200" dirty="0" err="1"/>
+              <a:t>mysql</a:t>
+            </a:r>
+            <a:r>
+              <a:rPr lang="ko-KR" altLang="en-US" sz="1200" dirty="0"/>
+              <a:t>&gt; DESCRIBE </a:t>
+            </a:r>
+            <a:r>
+              <a:rPr lang="ko-KR" altLang="en-US" sz="1200" dirty="0" err="1"/>
+              <a:t>posters</a:t>
+            </a:r>
+            <a:r>
+              <a:rPr lang="ko-KR" altLang="en-US" sz="1200" dirty="0"/>
+              <a:t>;</a:t>
+            </a:r>
+          </a:p>
+          <a:p>
+            <a:r>
+              <a:rPr lang="ko-KR" altLang="en-US" sz="1200" dirty="0"/>
+              <a:t>+----------+---------------+------+-----+---------+----------------+</a:t>
+            </a:r>
+          </a:p>
+          <a:p>
+            <a:r>
+              <a:rPr lang="ko-KR" altLang="en-US" sz="1200" dirty="0"/>
+              <a:t>| </a:t>
+            </a:r>
+            <a:r>
+              <a:rPr lang="ko-KR" altLang="en-US" sz="1200" dirty="0" err="1"/>
+              <a:t>Field</a:t>
+            </a:r>
+            <a:r>
+              <a:rPr lang="ko-KR" altLang="en-US" sz="1200" dirty="0"/>
+              <a:t>    | </a:t>
+            </a:r>
+            <a:r>
+              <a:rPr lang="ko-KR" altLang="en-US" sz="1200" dirty="0" err="1"/>
+              <a:t>Type</a:t>
+            </a:r>
+            <a:r>
+              <a:rPr lang="ko-KR" altLang="en-US" sz="1200" dirty="0"/>
+              <a:t>          | </a:t>
+            </a:r>
+            <a:r>
+              <a:rPr lang="ko-KR" altLang="en-US" sz="1200" dirty="0" err="1"/>
+              <a:t>Null</a:t>
+            </a:r>
+            <a:r>
+              <a:rPr lang="ko-KR" altLang="en-US" sz="1200" dirty="0"/>
+              <a:t> | </a:t>
+            </a:r>
+            <a:r>
+              <a:rPr lang="ko-KR" altLang="en-US" sz="1200" dirty="0" err="1"/>
+              <a:t>Key</a:t>
+            </a:r>
+            <a:r>
+              <a:rPr lang="ko-KR" altLang="en-US" sz="1200" dirty="0"/>
+              <a:t> | </a:t>
+            </a:r>
+            <a:r>
+              <a:rPr lang="ko-KR" altLang="en-US" sz="1200" dirty="0" err="1"/>
+              <a:t>Default</a:t>
+            </a:r>
+            <a:r>
+              <a:rPr lang="ko-KR" altLang="en-US" sz="1200" dirty="0"/>
+              <a:t> | </a:t>
+            </a:r>
+            <a:r>
+              <a:rPr lang="ko-KR" altLang="en-US" sz="1200" dirty="0" err="1"/>
+              <a:t>Extra</a:t>
+            </a:r>
+            <a:r>
+              <a:rPr lang="ko-KR" altLang="en-US" sz="1200" dirty="0"/>
+              <a:t>          |</a:t>
+            </a:r>
+          </a:p>
+          <a:p>
+            <a:r>
+              <a:rPr lang="ko-KR" altLang="en-US" sz="1200" dirty="0"/>
+              <a:t>+----------+---------------+------+-----+---------+----------------+</a:t>
+            </a:r>
+          </a:p>
+          <a:p>
+            <a:r>
+              <a:rPr lang="ko-KR" altLang="en-US" sz="1200" dirty="0"/>
+              <a:t>| </a:t>
+            </a:r>
+            <a:r>
+              <a:rPr lang="ko-KR" altLang="en-US" sz="1200" dirty="0" err="1"/>
+              <a:t>id</a:t>
+            </a:r>
+            <a:r>
+              <a:rPr lang="ko-KR" altLang="en-US" sz="1200" dirty="0"/>
+              <a:t>       | </a:t>
+            </a:r>
+            <a:r>
+              <a:rPr lang="ko-KR" altLang="en-US" sz="1200" dirty="0" err="1"/>
+              <a:t>int</a:t>
+            </a:r>
+            <a:r>
+              <a:rPr lang="ko-KR" altLang="en-US" sz="1200" dirty="0"/>
+              <a:t>           | NO   | PRI | NULL    | </a:t>
+            </a:r>
+            <a:r>
+              <a:rPr lang="ko-KR" altLang="en-US" sz="1200" dirty="0" err="1"/>
+              <a:t>auto_increment</a:t>
+            </a:r>
+            <a:r>
+              <a:rPr lang="ko-KR" altLang="en-US" sz="1200" dirty="0"/>
+              <a:t> |</a:t>
+            </a:r>
+          </a:p>
+          <a:p>
+            <a:r>
+              <a:rPr lang="ko-KR" altLang="en-US" sz="1200" dirty="0"/>
+              <a:t>| </a:t>
+            </a:r>
+            <a:r>
+              <a:rPr lang="ko-KR" altLang="en-US" sz="1200" dirty="0" err="1"/>
+              <a:t>image</a:t>
+            </a:r>
+            <a:r>
+              <a:rPr lang="ko-KR" altLang="en-US" sz="1200" dirty="0"/>
+              <a:t>    | </a:t>
+            </a:r>
+            <a:r>
+              <a:rPr lang="ko-KR" altLang="en-US" sz="1200" dirty="0" err="1"/>
+              <a:t>longblob</a:t>
+            </a:r>
+            <a:r>
+              <a:rPr lang="ko-KR" altLang="en-US" sz="1200" dirty="0"/>
+              <a:t>      | NO   |     | NULL    |                |</a:t>
+            </a:r>
+          </a:p>
+          <a:p>
+            <a:r>
+              <a:rPr lang="ko-KR" altLang="en-US" sz="1200" dirty="0"/>
+              <a:t>| </a:t>
+            </a:r>
+            <a:r>
+              <a:rPr lang="ko-KR" altLang="en-US" sz="1200" dirty="0" err="1"/>
+              <a:t>title</a:t>
+            </a:r>
+            <a:r>
+              <a:rPr lang="ko-KR" altLang="en-US" sz="1200" dirty="0"/>
+              <a:t>    | </a:t>
+            </a:r>
+            <a:r>
+              <a:rPr lang="ko-KR" altLang="en-US" sz="1200" dirty="0" err="1"/>
+              <a:t>varchar</a:t>
+            </a:r>
+            <a:r>
+              <a:rPr lang="ko-KR" altLang="en-US" sz="1200" dirty="0"/>
+              <a:t>(255)  | NO   |     | NULL    |                |</a:t>
+            </a:r>
+          </a:p>
+          <a:p>
+            <a:r>
+              <a:rPr lang="ko-KR" altLang="en-US" sz="1200" dirty="0"/>
+              <a:t>| </a:t>
+            </a:r>
+            <a:r>
+              <a:rPr lang="ko-KR" altLang="en-US" sz="1200" dirty="0" err="1"/>
+              <a:t>relYear</a:t>
+            </a:r>
+            <a:r>
+              <a:rPr lang="ko-KR" altLang="en-US" sz="1200" dirty="0"/>
+              <a:t>  | </a:t>
+            </a:r>
+            <a:r>
+              <a:rPr lang="ko-KR" altLang="en-US" sz="1200" dirty="0" err="1"/>
+              <a:t>int</a:t>
+            </a:r>
+            <a:r>
+              <a:rPr lang="ko-KR" altLang="en-US" sz="1200" dirty="0"/>
+              <a:t>           | NO   |     | NULL    |                |</a:t>
+            </a:r>
+          </a:p>
+          <a:p>
+            <a:r>
+              <a:rPr lang="ko-KR" altLang="en-US" sz="1200" dirty="0"/>
+              <a:t>| </a:t>
+            </a:r>
+            <a:r>
+              <a:rPr lang="ko-KR" altLang="en-US" sz="1200" dirty="0" err="1"/>
+              <a:t>rating</a:t>
+            </a:r>
+            <a:r>
+              <a:rPr lang="ko-KR" altLang="en-US" sz="1200" dirty="0"/>
+              <a:t>   | </a:t>
+            </a:r>
+            <a:r>
+              <a:rPr lang="ko-KR" altLang="en-US" sz="1200" dirty="0" err="1"/>
+              <a:t>varchar</a:t>
+            </a:r>
+            <a:r>
+              <a:rPr lang="ko-KR" altLang="en-US" sz="1200" dirty="0"/>
+              <a:t>(20)   | NO   |     | NULL    |                |</a:t>
+            </a:r>
+          </a:p>
+          <a:p>
+            <a:r>
+              <a:rPr lang="ko-KR" altLang="en-US" sz="1200" dirty="0"/>
+              <a:t>| </a:t>
+            </a:r>
+            <a:r>
+              <a:rPr lang="ko-KR" altLang="en-US" sz="1200" dirty="0" err="1"/>
+              <a:t>runTime</a:t>
+            </a:r>
+            <a:r>
+              <a:rPr lang="ko-KR" altLang="en-US" sz="1200" dirty="0"/>
+              <a:t>  | </a:t>
+            </a:r>
+            <a:r>
+              <a:rPr lang="ko-KR" altLang="en-US" sz="1200" dirty="0" err="1"/>
+              <a:t>float</a:t>
+            </a:r>
+            <a:r>
+              <a:rPr lang="ko-KR" altLang="en-US" sz="1200" dirty="0"/>
+              <a:t>         | NO   |     | NULL    |                |</a:t>
+            </a:r>
+          </a:p>
+          <a:p>
+            <a:r>
+              <a:rPr lang="ko-KR" altLang="en-US" sz="1200" dirty="0"/>
+              <a:t>| </a:t>
+            </a:r>
+            <a:r>
+              <a:rPr lang="ko-KR" altLang="en-US" sz="1200" dirty="0" err="1"/>
+              <a:t>genre</a:t>
+            </a:r>
+            <a:r>
+              <a:rPr lang="ko-KR" altLang="en-US" sz="1200" dirty="0"/>
+              <a:t>    | </a:t>
+            </a:r>
+            <a:r>
+              <a:rPr lang="ko-KR" altLang="en-US" sz="1200" dirty="0" err="1"/>
+              <a:t>varchar</a:t>
+            </a:r>
+            <a:r>
+              <a:rPr lang="ko-KR" altLang="en-US" sz="1200" dirty="0"/>
+              <a:t>(255)  | NO   |     | NULL    |                |</a:t>
+            </a:r>
+          </a:p>
+          <a:p>
+            <a:r>
+              <a:rPr lang="ko-KR" altLang="en-US" sz="1200" dirty="0"/>
+              <a:t>| </a:t>
+            </a:r>
+            <a:r>
+              <a:rPr lang="ko-KR" altLang="en-US" sz="1200" dirty="0" err="1"/>
+              <a:t>director</a:t>
+            </a:r>
+            <a:r>
+              <a:rPr lang="ko-KR" altLang="en-US" sz="1200" dirty="0"/>
+              <a:t> | </a:t>
+            </a:r>
+            <a:r>
+              <a:rPr lang="ko-KR" altLang="en-US" sz="1200" dirty="0" err="1"/>
+              <a:t>varchar</a:t>
+            </a:r>
+            <a:r>
+              <a:rPr lang="ko-KR" altLang="en-US" sz="1200" dirty="0"/>
+              <a:t>(255)  | NO   |     | NULL    |                |</a:t>
+            </a:r>
+          </a:p>
+          <a:p>
+            <a:r>
+              <a:rPr lang="ko-KR" altLang="en-US" sz="1200" dirty="0"/>
+              <a:t>| </a:t>
+            </a:r>
+            <a:r>
+              <a:rPr lang="ko-KR" altLang="en-US" sz="1200" dirty="0" err="1"/>
+              <a:t>actor</a:t>
+            </a:r>
+            <a:r>
+              <a:rPr lang="ko-KR" altLang="en-US" sz="1200" dirty="0"/>
+              <a:t>    | </a:t>
+            </a:r>
+            <a:r>
+              <a:rPr lang="ko-KR" altLang="en-US" sz="1200" dirty="0" err="1"/>
+              <a:t>varchar</a:t>
+            </a:r>
+            <a:r>
+              <a:rPr lang="ko-KR" altLang="en-US" sz="1200" dirty="0"/>
+              <a:t>(255)  | NO   |     | NULL    |                |</a:t>
+            </a:r>
+          </a:p>
+          <a:p>
+            <a:r>
+              <a:rPr lang="ko-KR" altLang="en-US" sz="1200" dirty="0"/>
+              <a:t>| </a:t>
+            </a:r>
+            <a:r>
+              <a:rPr lang="ko-KR" altLang="en-US" sz="1200" dirty="0" err="1"/>
+              <a:t>story</a:t>
+            </a:r>
+            <a:r>
+              <a:rPr lang="ko-KR" altLang="en-US" sz="1200" dirty="0"/>
+              <a:t>    | </a:t>
+            </a:r>
+            <a:r>
+              <a:rPr lang="ko-KR" altLang="en-US" sz="1200" dirty="0" err="1"/>
+              <a:t>varchar</a:t>
+            </a:r>
+            <a:r>
+              <a:rPr lang="ko-KR" altLang="en-US" sz="1200" dirty="0"/>
+              <a:t>(2000) | NO   |     | NULL    |                |</a:t>
+            </a:r>
+          </a:p>
+          <a:p>
+            <a:r>
+              <a:rPr lang="ko-KR" altLang="en-US" sz="1200" dirty="0"/>
+              <a:t>| </a:t>
+            </a:r>
+            <a:r>
+              <a:rPr lang="ko-KR" altLang="en-US" sz="1200" dirty="0" err="1"/>
+              <a:t>prod</a:t>
+            </a:r>
+            <a:r>
+              <a:rPr lang="ko-KR" altLang="en-US" sz="1200" dirty="0"/>
+              <a:t>     | </a:t>
+            </a:r>
+            <a:r>
+              <a:rPr lang="ko-KR" altLang="en-US" sz="1200" dirty="0" err="1"/>
+              <a:t>varchar</a:t>
+            </a:r>
+            <a:r>
+              <a:rPr lang="ko-KR" altLang="en-US" sz="1200" dirty="0"/>
+              <a:t>(255)  | NO   |     | NULL    |                |</a:t>
+            </a:r>
+          </a:p>
+          <a:p>
+            <a:r>
+              <a:rPr lang="ko-KR" altLang="en-US" sz="1200" dirty="0"/>
+              <a:t>| </a:t>
+            </a:r>
+            <a:r>
+              <a:rPr lang="ko-KR" altLang="en-US" sz="1200" dirty="0" err="1"/>
+              <a:t>nation</a:t>
+            </a:r>
+            <a:r>
+              <a:rPr lang="ko-KR" altLang="en-US" sz="1200" dirty="0"/>
+              <a:t>   | </a:t>
+            </a:r>
+            <a:r>
+              <a:rPr lang="ko-KR" altLang="en-US" sz="1200" dirty="0" err="1"/>
+              <a:t>varchar</a:t>
+            </a:r>
+            <a:r>
+              <a:rPr lang="ko-KR" altLang="en-US" sz="1200" dirty="0"/>
+              <a:t>(255)  | NO   |     | NULL    |                |</a:t>
+            </a:r>
+          </a:p>
+          <a:p>
+            <a:r>
+              <a:rPr lang="ko-KR" altLang="en-US" sz="1200" dirty="0"/>
+              <a:t>| </a:t>
+            </a:r>
+            <a:r>
+              <a:rPr lang="ko-KR" altLang="en-US" sz="1200" dirty="0" err="1"/>
+              <a:t>etc</a:t>
+            </a:r>
+            <a:r>
+              <a:rPr lang="ko-KR" altLang="en-US" sz="1200" dirty="0"/>
+              <a:t>      | </a:t>
+            </a:r>
+            <a:r>
+              <a:rPr lang="ko-KR" altLang="en-US" sz="1200" dirty="0" err="1"/>
+              <a:t>varchar</a:t>
+            </a:r>
+            <a:r>
+              <a:rPr lang="ko-KR" altLang="en-US" sz="1200" dirty="0"/>
+              <a:t>(255)  | YES  |     | NULL    |                |</a:t>
+            </a:r>
+          </a:p>
+          <a:p>
+            <a:r>
+              <a:rPr lang="ko-KR" altLang="en-US" sz="1200" dirty="0"/>
+              <a:t>+----------+---------------+------+-----+---------+----------------+</a:t>
+            </a:r>
+          </a:p>
+          <a:p>
+            <a:r>
+              <a:rPr lang="ko-KR" altLang="en-US" sz="1200" dirty="0"/>
+              <a:t>13 </a:t>
+            </a:r>
+            <a:r>
+              <a:rPr lang="ko-KR" altLang="en-US" sz="1200" dirty="0" err="1"/>
+              <a:t>rows</a:t>
+            </a:r>
+            <a:r>
+              <a:rPr lang="ko-KR" altLang="en-US" sz="1200" dirty="0"/>
+              <a:t> </a:t>
+            </a:r>
+            <a:r>
+              <a:rPr lang="ko-KR" altLang="en-US" sz="1200" dirty="0" err="1"/>
+              <a:t>in</a:t>
+            </a:r>
+            <a:r>
+              <a:rPr lang="ko-KR" altLang="en-US" sz="1200" dirty="0"/>
+              <a:t> </a:t>
+            </a:r>
+            <a:r>
+              <a:rPr lang="ko-KR" altLang="en-US" sz="1200" dirty="0" err="1"/>
+              <a:t>set</a:t>
+            </a:r>
+            <a:r>
+              <a:rPr lang="ko-KR" altLang="en-US" sz="1200" dirty="0"/>
+              <a:t> (0.00 </a:t>
+            </a:r>
+            <a:r>
+              <a:rPr lang="ko-KR" altLang="en-US" sz="1200" dirty="0" err="1"/>
+              <a:t>sec</a:t>
+            </a:r>
+            <a:r>
+              <a:rPr lang="ko-KR" altLang="en-US" sz="1200" dirty="0"/>
+              <a:t>)</a:t>
+            </a:r>
+          </a:p>
+        </p:txBody>
+      </p:sp>
+    </p:spTree>
+    <p:extLst>
+      <p:ext uri="{BB962C8B-B14F-4D97-AF65-F5344CB8AC3E}">
+        <p14:creationId xmlns:p14="http://schemas.microsoft.com/office/powerpoint/2010/main" val="2691934056"/>
+      </p:ext>
+    </p:extLst>
+  </p:cSld>
+  <p:clrMapOvr>
+    <a:masterClrMapping/>
+  </p:clrMapOvr>
+</p:sld>
+</file>
+
 <file path=ppt/slides/slide2.xml><?xml version="1.0" encoding="utf-8"?>
 <p:sld xmlns:a="http://schemas.openxmlformats.org/drawingml/2006/main" xmlns:r="http://schemas.openxmlformats.org/officeDocument/2006/relationships" xmlns:p="http://schemas.openxmlformats.org/presentationml/2006/main">
   <p:cSld>
@@ -4775,8 +5351,8 @@
         </p:nvSpPr>
         <p:spPr>
           <a:xfrm>
-            <a:off x="882787" y="1140903"/>
-            <a:ext cx="10501073" cy="4790114"/>
+            <a:off x="845464" y="1090569"/>
+            <a:ext cx="10501073" cy="4832058"/>
           </a:xfrm>
           <a:prstGeom prst="rect">
             <a:avLst/>
@@ -4788,7 +5364,7 @@
         </p:spPr>
         <p:txBody>
           <a:bodyPr numCol="3" spcCol="324000">
-            <a:normAutofit fontScale="92500" lnSpcReduction="20000"/>
+            <a:noAutofit/>
           </a:bodyPr>
           <a:lstStyle>
             <a:lvl1pPr marL="182880" indent="-182880" algn="l" defTabSz="914400" rtl="0" eaLnBrk="1" latinLnBrk="1" hangingPunct="1">
@@ -5034,135 +5610,195 @@
           </a:lstStyle>
           <a:p>
             <a:r>
-              <a:rPr lang="ko-KR" altLang="en-US" sz="1400" dirty="0" smtClean="0"/>
+              <a:rPr lang="ko-KR" altLang="en-US" sz="1200" dirty="0" smtClean="0">
+                <a:latin typeface="+mn-ea"/>
+              </a:rPr>
               <a:t>운영 체제</a:t>
             </a:r>
-            <a:endParaRPr lang="en-US" altLang="ko-KR" sz="1400" dirty="0" smtClean="0"/>
+            <a:endParaRPr lang="en-US" altLang="ko-KR" sz="1200" dirty="0" smtClean="0">
+              <a:latin typeface="+mn-ea"/>
+            </a:endParaRPr>
           </a:p>
           <a:p>
             <a:pPr marL="0" indent="0">
               <a:buNone/>
             </a:pPr>
             <a:r>
-              <a:rPr lang="en-US" altLang="ko-KR" sz="1400" dirty="0" smtClean="0"/>
+              <a:rPr lang="en-US" altLang="ko-KR" sz="1200" dirty="0" smtClean="0">
+                <a:latin typeface="+mn-ea"/>
+              </a:rPr>
               <a:t>-Windows 11 Pro (64-bit, build 22631)</a:t>
             </a:r>
           </a:p>
           <a:p>
-            <a:endParaRPr lang="en-US" altLang="ko-KR" sz="1400" dirty="0"/>
-          </a:p>
-          <a:p>
-            <a:r>
-              <a:rPr lang="ko-KR" altLang="en-US" sz="1400" dirty="0" smtClean="0"/>
+            <a:endParaRPr lang="en-US" altLang="ko-KR" sz="1200" dirty="0">
+              <a:latin typeface="+mn-ea"/>
+            </a:endParaRPr>
+          </a:p>
+          <a:p>
+            <a:r>
+              <a:rPr lang="ko-KR" altLang="en-US" sz="1200" dirty="0" smtClean="0">
+                <a:latin typeface="+mn-ea"/>
+              </a:rPr>
               <a:t>하드웨어 사</a:t>
             </a:r>
             <a:r>
-              <a:rPr lang="ko-KR" altLang="en-US" sz="1400" dirty="0"/>
+              <a:rPr lang="ko-KR" altLang="en-US" sz="1200" dirty="0">
+                <a:latin typeface="+mn-ea"/>
+              </a:rPr>
               <a:t>양</a:t>
             </a:r>
-            <a:endParaRPr lang="en-US" altLang="ko-KR" sz="1400" dirty="0"/>
+            <a:endParaRPr lang="en-US" altLang="ko-KR" sz="1200" dirty="0">
+              <a:latin typeface="+mn-ea"/>
+            </a:endParaRPr>
           </a:p>
           <a:p>
             <a:pPr marL="0" indent="0">
               <a:buNone/>
             </a:pPr>
             <a:r>
-              <a:rPr lang="en-US" altLang="ko-KR" sz="1400" dirty="0" smtClean="0"/>
+              <a:rPr lang="en-US" altLang="ko-KR" sz="1200" dirty="0" smtClean="0">
+                <a:latin typeface="+mn-ea"/>
+              </a:rPr>
               <a:t>-CPU: </a:t>
             </a:r>
             <a:r>
-              <a:rPr lang="ko-KR" altLang="en-US" sz="1400" dirty="0"/>
+              <a:rPr lang="ko-KR" altLang="en-US" sz="1200" dirty="0">
+                <a:latin typeface="+mn-ea"/>
+              </a:rPr>
               <a:t>11th </a:t>
             </a:r>
             <a:r>
-              <a:rPr lang="ko-KR" altLang="en-US" sz="1400" dirty="0" err="1"/>
+              <a:rPr lang="ko-KR" altLang="en-US" sz="1200" dirty="0" err="1">
+                <a:latin typeface="+mn-ea"/>
+              </a:rPr>
               <a:t>Gen</a:t>
             </a:r>
             <a:r>
-              <a:rPr lang="ko-KR" altLang="en-US" sz="1400" dirty="0"/>
+              <a:rPr lang="ko-KR" altLang="en-US" sz="1200" dirty="0">
+                <a:latin typeface="+mn-ea"/>
+              </a:rPr>
               <a:t> Intel(</a:t>
             </a:r>
             <a:r>
-              <a:rPr lang="ko-KR" altLang="en-US" sz="1400" dirty="0" err="1"/>
+              <a:rPr lang="ko-KR" altLang="en-US" sz="1200" dirty="0" err="1">
+                <a:latin typeface="+mn-ea"/>
+              </a:rPr>
               <a:t>R</a:t>
             </a:r>
             <a:r>
-              <a:rPr lang="ko-KR" altLang="en-US" sz="1400" dirty="0"/>
+              <a:rPr lang="ko-KR" altLang="en-US" sz="1200" dirty="0">
+                <a:latin typeface="+mn-ea"/>
+              </a:rPr>
               <a:t>) </a:t>
             </a:r>
             <a:r>
-              <a:rPr lang="ko-KR" altLang="en-US" sz="1400" dirty="0" err="1"/>
+              <a:rPr lang="ko-KR" altLang="en-US" sz="1200" dirty="0" err="1">
+                <a:latin typeface="+mn-ea"/>
+              </a:rPr>
               <a:t>Core</a:t>
             </a:r>
             <a:r>
-              <a:rPr lang="ko-KR" altLang="en-US" sz="1400" dirty="0"/>
+              <a:rPr lang="ko-KR" altLang="en-US" sz="1200" dirty="0">
+                <a:latin typeface="+mn-ea"/>
+              </a:rPr>
               <a:t>(TM) i7-11700F @ 2.50GHz   2.50 </a:t>
             </a:r>
             <a:r>
-              <a:rPr lang="ko-KR" altLang="en-US" sz="1400" dirty="0" err="1" smtClean="0"/>
+              <a:rPr lang="ko-KR" altLang="en-US" sz="1200" dirty="0" err="1" smtClean="0">
+                <a:latin typeface="+mn-ea"/>
+              </a:rPr>
               <a:t>GHz</a:t>
             </a:r>
-            <a:endParaRPr lang="en-US" altLang="ko-KR" sz="1400" dirty="0"/>
+            <a:endParaRPr lang="en-US" altLang="ko-KR" sz="1200" dirty="0">
+              <a:latin typeface="+mn-ea"/>
+            </a:endParaRPr>
           </a:p>
           <a:p>
             <a:pPr marL="0" indent="0">
               <a:buNone/>
             </a:pPr>
             <a:r>
-              <a:rPr lang="en-US" altLang="ko-KR" sz="1400" dirty="0" smtClean="0"/>
+              <a:rPr lang="en-US" altLang="ko-KR" sz="1200" dirty="0" smtClean="0">
+                <a:latin typeface="+mn-ea"/>
+              </a:rPr>
               <a:t>-RAM: </a:t>
             </a:r>
             <a:r>
-              <a:rPr lang="ko-KR" altLang="en-US" sz="1400" dirty="0" smtClean="0"/>
+              <a:rPr lang="ko-KR" altLang="en-US" sz="1200" dirty="0" smtClean="0">
+                <a:latin typeface="+mn-ea"/>
+              </a:rPr>
               <a:t>16.0GB</a:t>
             </a:r>
-            <a:endParaRPr lang="en-US" altLang="ko-KR" sz="1400" dirty="0"/>
+            <a:endParaRPr lang="en-US" altLang="ko-KR" sz="1200" dirty="0">
+              <a:latin typeface="+mn-ea"/>
+            </a:endParaRPr>
           </a:p>
           <a:p>
             <a:pPr marL="0" indent="0">
               <a:buNone/>
             </a:pPr>
             <a:r>
-              <a:rPr lang="en-US" altLang="ko-KR" sz="1400" dirty="0" smtClean="0"/>
+              <a:rPr lang="en-US" altLang="ko-KR" sz="1200" dirty="0" smtClean="0">
+                <a:latin typeface="+mn-ea"/>
+              </a:rPr>
               <a:t>-GPU</a:t>
             </a:r>
             <a:r>
-              <a:rPr lang="en-US" altLang="ko-KR" sz="1400" dirty="0"/>
+              <a:rPr lang="en-US" altLang="ko-KR" sz="1200" dirty="0">
+                <a:latin typeface="+mn-ea"/>
+              </a:rPr>
               <a:t>: NVIDIA GeForce RTX </a:t>
             </a:r>
             <a:r>
-              <a:rPr lang="en-US" altLang="ko-KR" sz="1400" dirty="0" smtClean="0"/>
+              <a:rPr lang="en-US" altLang="ko-KR" sz="1200" dirty="0" smtClean="0">
+                <a:latin typeface="+mn-ea"/>
+              </a:rPr>
               <a:t>306</a:t>
             </a:r>
           </a:p>
           <a:p>
-            <a:endParaRPr lang="en-US" altLang="ko-KR" sz="1400" dirty="0" smtClean="0"/>
-          </a:p>
-          <a:p>
-            <a:r>
-              <a:rPr lang="ko-KR" altLang="en-US" sz="1400" dirty="0" smtClean="0"/>
+            <a:endParaRPr lang="en-US" altLang="ko-KR" sz="1200" dirty="0" smtClean="0">
+              <a:latin typeface="+mn-ea"/>
+            </a:endParaRPr>
+          </a:p>
+          <a:p>
+            <a:r>
+              <a:rPr lang="ko-KR" altLang="en-US" sz="1200" dirty="0" smtClean="0">
+                <a:latin typeface="+mn-ea"/>
+              </a:rPr>
               <a:t>소프트웨어 및 도구</a:t>
             </a:r>
-            <a:endParaRPr lang="en-US" altLang="ko-KR" sz="1400" dirty="0" smtClean="0"/>
+            <a:endParaRPr lang="en-US" altLang="ko-KR" sz="1200" dirty="0" smtClean="0">
+              <a:latin typeface="+mn-ea"/>
+            </a:endParaRPr>
           </a:p>
           <a:p>
             <a:pPr marL="0" indent="0">
               <a:buNone/>
             </a:pPr>
             <a:r>
-              <a:rPr lang="en-US" altLang="ko-KR" sz="1400" dirty="0" smtClean="0"/>
+              <a:rPr lang="en-US" altLang="ko-KR" sz="1200" dirty="0" smtClean="0">
+                <a:latin typeface="+mn-ea"/>
+              </a:rPr>
               <a:t>-</a:t>
             </a:r>
             <a:r>
-              <a:rPr lang="ko-KR" altLang="en-US" sz="1400" dirty="0" smtClean="0"/>
+              <a:rPr lang="ko-KR" altLang="en-US" sz="1200" dirty="0" smtClean="0">
+                <a:latin typeface="+mn-ea"/>
+              </a:rPr>
               <a:t>프로그래밍 </a:t>
             </a:r>
             <a:r>
-              <a:rPr lang="ko-KR" altLang="en-US" sz="1400" dirty="0"/>
+              <a:rPr lang="ko-KR" altLang="en-US" sz="1200" dirty="0">
+                <a:latin typeface="+mn-ea"/>
+              </a:rPr>
               <a:t>언어</a:t>
             </a:r>
             <a:r>
-              <a:rPr lang="en-US" altLang="ko-KR" sz="1400" dirty="0"/>
+              <a:rPr lang="en-US" altLang="ko-KR" sz="1200" dirty="0">
+                <a:latin typeface="+mn-ea"/>
+              </a:rPr>
               <a:t>: Python, Java</a:t>
             </a:r>
           </a:p>
@@ -5171,15 +5807,21 @@
               <a:buNone/>
             </a:pPr>
             <a:r>
-              <a:rPr lang="en-US" altLang="ko-KR" sz="1400" dirty="0" smtClean="0"/>
+              <a:rPr lang="en-US" altLang="ko-KR" sz="1200" dirty="0" smtClean="0">
+                <a:latin typeface="+mn-ea"/>
+              </a:rPr>
               <a:t>-</a:t>
             </a:r>
             <a:r>
-              <a:rPr lang="ko-KR" altLang="en-US" sz="1400" dirty="0" smtClean="0"/>
+              <a:rPr lang="ko-KR" altLang="en-US" sz="1200" dirty="0" smtClean="0">
+                <a:latin typeface="+mn-ea"/>
+              </a:rPr>
               <a:t>편집기</a:t>
             </a:r>
             <a:r>
-              <a:rPr lang="en-US" altLang="ko-KR" sz="1400" dirty="0"/>
+              <a:rPr lang="en-US" altLang="ko-KR" sz="1200" dirty="0">
+                <a:latin typeface="+mn-ea"/>
+              </a:rPr>
               <a:t>: Visual Studio Code</a:t>
             </a:r>
           </a:p>
@@ -5188,45 +5830,65 @@
               <a:buNone/>
             </a:pPr>
             <a:r>
-              <a:rPr lang="en-US" altLang="ko-KR" sz="1400" dirty="0" smtClean="0"/>
+              <a:rPr lang="en-US" altLang="ko-KR" sz="1200" dirty="0" smtClean="0">
+                <a:latin typeface="+mn-ea"/>
+              </a:rPr>
               <a:t>-</a:t>
             </a:r>
             <a:r>
-              <a:rPr lang="ko-KR" altLang="en-US" sz="1400" dirty="0" smtClean="0"/>
+              <a:rPr lang="ko-KR" altLang="en-US" sz="1200" dirty="0" smtClean="0">
+                <a:latin typeface="+mn-ea"/>
+              </a:rPr>
               <a:t>빌드 </a:t>
             </a:r>
             <a:r>
-              <a:rPr lang="ko-KR" altLang="en-US" sz="1400" dirty="0"/>
+              <a:rPr lang="ko-KR" altLang="en-US" sz="1200" dirty="0">
+                <a:latin typeface="+mn-ea"/>
+              </a:rPr>
               <a:t>도구</a:t>
             </a:r>
             <a:r>
-              <a:rPr lang="en-US" altLang="ko-KR" sz="1400" dirty="0"/>
+              <a:rPr lang="en-US" altLang="ko-KR" sz="1200" dirty="0">
+                <a:latin typeface="+mn-ea"/>
+              </a:rPr>
               <a:t>: </a:t>
             </a:r>
             <a:r>
-              <a:rPr lang="en-US" altLang="ko-KR" sz="1400" dirty="0" err="1"/>
+              <a:rPr lang="en-US" altLang="ko-KR" sz="1200" dirty="0" err="1">
+                <a:latin typeface="+mn-ea"/>
+              </a:rPr>
               <a:t>Gradle</a:t>
             </a:r>
-            <a:endParaRPr lang="en-US" altLang="ko-KR" sz="1400" dirty="0"/>
+            <a:endParaRPr lang="en-US" altLang="ko-KR" sz="1200" dirty="0">
+              <a:latin typeface="+mn-ea"/>
+            </a:endParaRPr>
           </a:p>
           <a:p>
             <a:pPr marL="0" indent="0">
               <a:buNone/>
             </a:pPr>
             <a:r>
-              <a:rPr lang="en-US" altLang="ko-KR" sz="1400" dirty="0" smtClean="0"/>
+              <a:rPr lang="en-US" altLang="ko-KR" sz="1200" dirty="0" smtClean="0">
+                <a:latin typeface="+mn-ea"/>
+              </a:rPr>
               <a:t>-</a:t>
             </a:r>
             <a:r>
-              <a:rPr lang="ko-KR" altLang="en-US" sz="1400" dirty="0" smtClean="0"/>
+              <a:rPr lang="ko-KR" altLang="en-US" sz="1200" dirty="0" smtClean="0">
+                <a:latin typeface="+mn-ea"/>
+              </a:rPr>
               <a:t>버전 </a:t>
             </a:r>
             <a:r>
-              <a:rPr lang="ko-KR" altLang="en-US" sz="1400" dirty="0"/>
+              <a:rPr lang="ko-KR" altLang="en-US" sz="1200" dirty="0">
+                <a:latin typeface="+mn-ea"/>
+              </a:rPr>
               <a:t>관리</a:t>
             </a:r>
             <a:r>
-              <a:rPr lang="en-US" altLang="ko-KR" sz="1400" dirty="0"/>
+              <a:rPr lang="en-US" altLang="ko-KR" sz="1200" dirty="0">
+                <a:latin typeface="+mn-ea"/>
+              </a:rPr>
               <a:t>: GitHub</a:t>
             </a:r>
           </a:p>
@@ -5235,68 +5897,122 @@
               <a:buNone/>
             </a:pPr>
             <a:r>
-              <a:rPr lang="en-US" altLang="ko-KR" sz="1400" dirty="0" smtClean="0"/>
+              <a:rPr lang="en-US" altLang="ko-KR" sz="1200" dirty="0" smtClean="0">
+                <a:latin typeface="+mn-ea"/>
+              </a:rPr>
               <a:t>-</a:t>
             </a:r>
             <a:r>
-              <a:rPr lang="ko-KR" altLang="en-US" sz="1400" dirty="0" smtClean="0"/>
+              <a:rPr lang="ko-KR" altLang="en-US" sz="1200" dirty="0" smtClean="0">
+                <a:latin typeface="+mn-ea"/>
+              </a:rPr>
               <a:t>패키지 </a:t>
             </a:r>
             <a:r>
-              <a:rPr lang="ko-KR" altLang="en-US" sz="1400" dirty="0"/>
+              <a:rPr lang="ko-KR" altLang="en-US" sz="1200" dirty="0">
+                <a:latin typeface="+mn-ea"/>
+              </a:rPr>
               <a:t>관리</a:t>
             </a:r>
             <a:r>
-              <a:rPr lang="en-US" altLang="ko-KR" sz="1400" dirty="0"/>
+              <a:rPr lang="en-US" altLang="ko-KR" sz="1200" dirty="0">
+                <a:latin typeface="+mn-ea"/>
+              </a:rPr>
               <a:t>: pip, </a:t>
             </a:r>
             <a:r>
-              <a:rPr lang="en-US" altLang="ko-KR" sz="1400" dirty="0" err="1" smtClean="0"/>
+              <a:rPr lang="en-US" altLang="ko-KR" sz="1200" dirty="0" err="1" smtClean="0">
+                <a:latin typeface="+mn-ea"/>
+              </a:rPr>
               <a:t>conda</a:t>
             </a:r>
-            <a:endParaRPr lang="en-US" altLang="ko-KR" sz="1400" dirty="0"/>
+            <a:endParaRPr lang="en-US" altLang="ko-KR" sz="1200" dirty="0">
+              <a:latin typeface="+mn-ea"/>
+            </a:endParaRPr>
           </a:p>
           <a:p>
             <a:pPr marL="0" indent="0">
               <a:buNone/>
             </a:pPr>
-            <a:endParaRPr lang="en-US" altLang="ko-KR" sz="1400" dirty="0" smtClean="0"/>
-          </a:p>
-          <a:p>
-            <a:endParaRPr lang="en-US" altLang="ko-KR" sz="1400" dirty="0" smtClean="0"/>
-          </a:p>
-          <a:p>
-            <a:endParaRPr lang="en-US" altLang="ko-KR" sz="1400" dirty="0"/>
-          </a:p>
-          <a:p>
-            <a:r>
-              <a:rPr lang="ko-KR" altLang="en-US" sz="1400" dirty="0" smtClean="0"/>
+            <a:endParaRPr lang="en-US" altLang="ko-KR" sz="1200" dirty="0" smtClean="0">
+              <a:latin typeface="+mn-ea"/>
+            </a:endParaRPr>
+          </a:p>
+          <a:p>
+            <a:pPr marL="0" indent="0">
+              <a:buNone/>
+            </a:pPr>
+            <a:endParaRPr lang="en-US" altLang="ko-KR" sz="1200" dirty="0">
+              <a:latin typeface="+mn-ea"/>
+            </a:endParaRPr>
+          </a:p>
+          <a:p>
+            <a:pPr marL="0" indent="0">
+              <a:buNone/>
+            </a:pPr>
+            <a:endParaRPr lang="en-US" altLang="ko-KR" sz="1200" dirty="0" smtClean="0">
+              <a:latin typeface="+mn-ea"/>
+            </a:endParaRPr>
+          </a:p>
+          <a:p>
+            <a:pPr marL="0" indent="0">
+              <a:buNone/>
+            </a:pPr>
+            <a:endParaRPr lang="en-US" altLang="ko-KR" sz="1200" dirty="0" smtClean="0">
+              <a:latin typeface="+mn-ea"/>
+            </a:endParaRPr>
+          </a:p>
+          <a:p>
+            <a:pPr marL="0" indent="0">
+              <a:buNone/>
+            </a:pPr>
+            <a:endParaRPr lang="en-US" altLang="ko-KR" sz="1200" dirty="0">
+              <a:latin typeface="+mn-ea"/>
+            </a:endParaRPr>
+          </a:p>
+          <a:p>
+            <a:r>
+              <a:rPr lang="ko-KR" altLang="en-US" sz="1200" dirty="0" smtClean="0">
+                <a:latin typeface="+mn-ea"/>
+              </a:rPr>
               <a:t>개발 프레임워크 및 라이브러리</a:t>
             </a:r>
-            <a:endParaRPr lang="en-US" altLang="ko-KR" sz="1400" dirty="0"/>
+            <a:endParaRPr lang="en-US" altLang="ko-KR" sz="1200" dirty="0">
+              <a:latin typeface="+mn-ea"/>
+            </a:endParaRPr>
           </a:p>
           <a:p>
             <a:pPr marL="0" indent="0">
               <a:buNone/>
             </a:pPr>
             <a:r>
-              <a:rPr lang="en-US" altLang="ko-KR" sz="1400" dirty="0" smtClean="0"/>
+              <a:rPr lang="en-US" altLang="ko-KR" sz="1200" dirty="0" smtClean="0">
+                <a:latin typeface="+mn-ea"/>
+              </a:rPr>
               <a:t>-</a:t>
             </a:r>
             <a:r>
-              <a:rPr lang="ko-KR" altLang="en-US" sz="1400" dirty="0" err="1" smtClean="0"/>
+              <a:rPr lang="ko-KR" altLang="en-US" sz="1200" dirty="0" err="1" smtClean="0">
+                <a:latin typeface="+mn-ea"/>
+              </a:rPr>
               <a:t>백엔드</a:t>
             </a:r>
             <a:r>
-              <a:rPr lang="ko-KR" altLang="en-US" sz="1400" dirty="0" smtClean="0"/>
+              <a:rPr lang="ko-KR" altLang="en-US" sz="1200" dirty="0" smtClean="0">
+                <a:latin typeface="+mn-ea"/>
+              </a:rPr>
               <a:t> </a:t>
             </a:r>
             <a:r>
-              <a:rPr lang="ko-KR" altLang="en-US" sz="1400" dirty="0"/>
+              <a:rPr lang="ko-KR" altLang="en-US" sz="1200" dirty="0">
+                <a:latin typeface="+mn-ea"/>
+              </a:rPr>
               <a:t>프레임워크</a:t>
             </a:r>
             <a:r>
-              <a:rPr lang="en-US" altLang="ko-KR" sz="1400" dirty="0"/>
+              <a:rPr lang="en-US" altLang="ko-KR" sz="1200" dirty="0">
+                <a:latin typeface="+mn-ea"/>
+              </a:rPr>
               <a:t>: Spring Boot, Flutter</a:t>
             </a:r>
           </a:p>
@@ -5305,23 +6021,33 @@
               <a:buNone/>
             </a:pPr>
             <a:r>
-              <a:rPr lang="en-US" altLang="ko-KR" sz="1400" dirty="0" smtClean="0"/>
+              <a:rPr lang="en-US" altLang="ko-KR" sz="1200" dirty="0" smtClean="0">
+                <a:latin typeface="+mn-ea"/>
+              </a:rPr>
               <a:t>-</a:t>
             </a:r>
             <a:r>
-              <a:rPr lang="ko-KR" altLang="en-US" sz="1400" dirty="0" err="1" smtClean="0"/>
+              <a:rPr lang="ko-KR" altLang="en-US" sz="1200" dirty="0" err="1" smtClean="0">
+                <a:latin typeface="+mn-ea"/>
+              </a:rPr>
               <a:t>프론트엔드</a:t>
             </a:r>
             <a:r>
-              <a:rPr lang="ko-KR" altLang="en-US" sz="1400" dirty="0" smtClean="0"/>
+              <a:rPr lang="ko-KR" altLang="en-US" sz="1200" dirty="0" smtClean="0">
+                <a:latin typeface="+mn-ea"/>
+              </a:rPr>
               <a:t> </a:t>
             </a:r>
             <a:r>
-              <a:rPr lang="ko-KR" altLang="en-US" sz="1400" dirty="0"/>
+              <a:rPr lang="ko-KR" altLang="en-US" sz="1200" dirty="0">
+                <a:latin typeface="+mn-ea"/>
+              </a:rPr>
               <a:t>라이브러리</a:t>
             </a:r>
             <a:r>
-              <a:rPr lang="en-US" altLang="ko-KR" sz="1400" dirty="0"/>
+              <a:rPr lang="en-US" altLang="ko-KR" sz="1200" dirty="0">
+                <a:latin typeface="+mn-ea"/>
+              </a:rPr>
               <a:t>:</a:t>
             </a:r>
           </a:p>
@@ -5330,152 +6056,253 @@
               <a:buNone/>
             </a:pPr>
             <a:r>
-              <a:rPr lang="en-US" altLang="ko-KR" sz="1400" dirty="0" smtClean="0"/>
+              <a:rPr lang="en-US" altLang="ko-KR" sz="1200" dirty="0" smtClean="0">
+                <a:latin typeface="+mn-ea"/>
+              </a:rPr>
               <a:t>-</a:t>
             </a:r>
             <a:r>
-              <a:rPr lang="ko-KR" altLang="en-US" sz="1400" dirty="0" smtClean="0"/>
+              <a:rPr lang="ko-KR" altLang="en-US" sz="1200" dirty="0" smtClean="0">
+                <a:latin typeface="+mn-ea"/>
+              </a:rPr>
               <a:t>웹 </a:t>
             </a:r>
             <a:r>
-              <a:rPr lang="ko-KR" altLang="en-US" sz="1400" dirty="0" err="1"/>
+              <a:rPr lang="ko-KR" altLang="en-US" sz="1200" dirty="0" err="1">
+                <a:latin typeface="+mn-ea"/>
+              </a:rPr>
               <a:t>크롤링</a:t>
             </a:r>
             <a:r>
-              <a:rPr lang="ko-KR" altLang="en-US" sz="1400" dirty="0"/>
+              <a:rPr lang="ko-KR" altLang="en-US" sz="1200" dirty="0">
+                <a:latin typeface="+mn-ea"/>
+              </a:rPr>
               <a:t> 라이브러리</a:t>
             </a:r>
             <a:r>
-              <a:rPr lang="en-US" altLang="ko-KR" sz="1400" dirty="0"/>
+              <a:rPr lang="en-US" altLang="ko-KR" sz="1200" dirty="0">
+                <a:latin typeface="+mn-ea"/>
+              </a:rPr>
               <a:t>: </a:t>
             </a:r>
             <a:r>
-              <a:rPr lang="en-US" altLang="ko-KR" sz="1400" dirty="0" err="1"/>
+              <a:rPr lang="en-US" altLang="ko-KR" sz="1200" dirty="0" err="1">
+                <a:latin typeface="+mn-ea"/>
+              </a:rPr>
               <a:t>BeautifulSoup</a:t>
             </a:r>
             <a:r>
-              <a:rPr lang="en-US" altLang="ko-KR" sz="1400" dirty="0"/>
+              <a:rPr lang="en-US" altLang="ko-KR" sz="1200" dirty="0">
+                <a:latin typeface="+mn-ea"/>
+              </a:rPr>
               <a:t>, Selenium</a:t>
             </a:r>
           </a:p>
           <a:p>
-            <a:endParaRPr lang="en-US" altLang="ko-KR" sz="1400" dirty="0"/>
-          </a:p>
-          <a:p>
-            <a:r>
-              <a:rPr lang="ko-KR" altLang="en-US" sz="1400" dirty="0" smtClean="0"/>
+            <a:endParaRPr lang="en-US" altLang="ko-KR" sz="1200" dirty="0">
+              <a:latin typeface="+mn-ea"/>
+            </a:endParaRPr>
+          </a:p>
+          <a:p>
+            <a:r>
+              <a:rPr lang="ko-KR" altLang="en-US" sz="1200" dirty="0" smtClean="0">
+                <a:latin typeface="+mn-ea"/>
+              </a:rPr>
               <a:t>데이터베이스</a:t>
             </a:r>
-            <a:endParaRPr lang="en-US" altLang="ko-KR" sz="1400" dirty="0" smtClean="0"/>
+            <a:endParaRPr lang="en-US" altLang="ko-KR" sz="1200" dirty="0" smtClean="0">
+              <a:latin typeface="+mn-ea"/>
+            </a:endParaRPr>
           </a:p>
           <a:p>
             <a:pPr marL="0" indent="0">
               <a:buNone/>
             </a:pPr>
             <a:r>
-              <a:rPr lang="en-US" altLang="ko-KR" sz="1400" dirty="0" smtClean="0"/>
+              <a:rPr lang="en-US" altLang="ko-KR" sz="1200" dirty="0" smtClean="0">
+                <a:latin typeface="+mn-ea"/>
+              </a:rPr>
               <a:t>-MySQL</a:t>
             </a:r>
           </a:p>
           <a:p>
-            <a:endParaRPr lang="en-US" altLang="ko-KR" sz="1400" dirty="0"/>
-          </a:p>
-          <a:p>
-            <a:r>
-              <a:rPr lang="ko-KR" altLang="en-US" sz="1400" dirty="0" err="1" smtClean="0"/>
+            <a:endParaRPr lang="en-US" altLang="ko-KR" sz="1200" dirty="0">
+              <a:latin typeface="+mn-ea"/>
+            </a:endParaRPr>
+          </a:p>
+          <a:p>
+            <a:r>
+              <a:rPr lang="ko-KR" altLang="en-US" sz="1200" dirty="0" err="1" smtClean="0">
+                <a:latin typeface="+mn-ea"/>
+              </a:rPr>
               <a:t>클라우드</a:t>
             </a:r>
             <a:r>
-              <a:rPr lang="ko-KR" altLang="en-US" sz="1400" dirty="0" smtClean="0"/>
+              <a:rPr lang="ko-KR" altLang="en-US" sz="1200" dirty="0" smtClean="0">
+                <a:latin typeface="+mn-ea"/>
+              </a:rPr>
               <a:t> 및 배포 환경</a:t>
             </a:r>
-            <a:endParaRPr lang="en-US" altLang="ko-KR" sz="1400" dirty="0" smtClean="0"/>
+            <a:endParaRPr lang="en-US" altLang="ko-KR" sz="1200" dirty="0" smtClean="0">
+              <a:latin typeface="+mn-ea"/>
+            </a:endParaRPr>
           </a:p>
           <a:p>
             <a:pPr marL="0" indent="0">
               <a:buNone/>
             </a:pPr>
             <a:r>
-              <a:rPr lang="en-US" altLang="ko-KR" sz="1400" dirty="0" smtClean="0"/>
+              <a:rPr lang="en-US" altLang="ko-KR" sz="1200" dirty="0" smtClean="0">
+                <a:latin typeface="+mn-ea"/>
+              </a:rPr>
               <a:t>-</a:t>
             </a:r>
             <a:r>
-              <a:rPr lang="ko-KR" altLang="en-US" sz="1400" dirty="0" err="1" smtClean="0"/>
+              <a:rPr lang="ko-KR" altLang="en-US" sz="1200" dirty="0" err="1" smtClean="0">
+                <a:latin typeface="+mn-ea"/>
+              </a:rPr>
               <a:t>클라우드</a:t>
             </a:r>
             <a:r>
-              <a:rPr lang="ko-KR" altLang="en-US" sz="1400" dirty="0" smtClean="0"/>
+              <a:rPr lang="ko-KR" altLang="en-US" sz="1200" dirty="0" smtClean="0">
+                <a:latin typeface="+mn-ea"/>
+              </a:rPr>
               <a:t> </a:t>
             </a:r>
             <a:r>
-              <a:rPr lang="ko-KR" altLang="en-US" sz="1400" dirty="0" err="1"/>
+              <a:rPr lang="ko-KR" altLang="en-US" sz="1200" dirty="0" err="1">
+                <a:latin typeface="+mn-ea"/>
+              </a:rPr>
               <a:t>프랫폼</a:t>
             </a:r>
-            <a:endParaRPr lang="en-US" altLang="ko-KR" sz="1400" dirty="0"/>
+            <a:endParaRPr lang="en-US" altLang="ko-KR" sz="1200" dirty="0">
+              <a:latin typeface="+mn-ea"/>
+            </a:endParaRPr>
           </a:p>
           <a:p>
             <a:pPr marL="0" indent="0">
               <a:buNone/>
             </a:pPr>
             <a:r>
-              <a:rPr lang="en-US" altLang="ko-KR" sz="1400" dirty="0" smtClean="0"/>
+              <a:rPr lang="en-US" altLang="ko-KR" sz="1200" dirty="0" smtClean="0">
+                <a:latin typeface="+mn-ea"/>
+              </a:rPr>
               <a:t>-</a:t>
             </a:r>
             <a:r>
-              <a:rPr lang="ko-KR" altLang="en-US" sz="1400" dirty="0" smtClean="0"/>
+              <a:rPr lang="ko-KR" altLang="en-US" sz="1200" dirty="0" smtClean="0">
+                <a:latin typeface="+mn-ea"/>
+              </a:rPr>
               <a:t>컨테이너</a:t>
             </a:r>
-            <a:endParaRPr lang="en-US" altLang="ko-KR" sz="1400" dirty="0"/>
+            <a:endParaRPr lang="en-US" altLang="ko-KR" sz="1200" dirty="0">
+              <a:latin typeface="+mn-ea"/>
+            </a:endParaRPr>
           </a:p>
           <a:p>
             <a:pPr marL="0" indent="0">
               <a:buNone/>
             </a:pPr>
             <a:r>
-              <a:rPr lang="en-US" altLang="ko-KR" sz="1400" dirty="0" smtClean="0"/>
+              <a:rPr lang="en-US" altLang="ko-KR" sz="1200" dirty="0" smtClean="0">
+                <a:latin typeface="+mn-ea"/>
+              </a:rPr>
               <a:t>-</a:t>
             </a:r>
             <a:r>
-              <a:rPr lang="ko-KR" altLang="en-US" sz="1400" dirty="0" smtClean="0"/>
+              <a:rPr lang="ko-KR" altLang="en-US" sz="1200" dirty="0" smtClean="0">
+                <a:latin typeface="+mn-ea"/>
+              </a:rPr>
               <a:t>웹 </a:t>
             </a:r>
             <a:r>
-              <a:rPr lang="ko-KR" altLang="en-US" sz="1400" dirty="0"/>
+              <a:rPr lang="ko-KR" altLang="en-US" sz="1200" dirty="0">
+                <a:latin typeface="+mn-ea"/>
+              </a:rPr>
               <a:t>서버</a:t>
             </a:r>
             <a:r>
-              <a:rPr lang="en-US" altLang="ko-KR" sz="1400" dirty="0"/>
+              <a:rPr lang="en-US" altLang="ko-KR" sz="1200" dirty="0">
+                <a:latin typeface="+mn-ea"/>
+              </a:rPr>
               <a:t>: </a:t>
             </a:r>
             <a:r>
-              <a:rPr lang="en-US" altLang="ko-KR" sz="1400" dirty="0" smtClean="0"/>
+              <a:rPr lang="en-US" altLang="ko-KR" sz="1200" dirty="0" smtClean="0">
+                <a:latin typeface="+mn-ea"/>
+              </a:rPr>
               <a:t>Apache</a:t>
             </a:r>
           </a:p>
           <a:p>
-            <a:endParaRPr lang="en-US" altLang="ko-KR" sz="1400" dirty="0"/>
-          </a:p>
-          <a:p>
-            <a:r>
-              <a:rPr lang="ko-KR" altLang="en-US" sz="1400" dirty="0" smtClean="0"/>
+            <a:endParaRPr lang="en-US" altLang="ko-KR" sz="1200" dirty="0" smtClean="0">
+              <a:latin typeface="+mn-ea"/>
+            </a:endParaRPr>
+          </a:p>
+          <a:p>
+            <a:endParaRPr lang="en-US" altLang="ko-KR" sz="1200" dirty="0">
+              <a:latin typeface="+mn-ea"/>
+            </a:endParaRPr>
+          </a:p>
+          <a:p>
+            <a:endParaRPr lang="en-US" altLang="ko-KR" sz="1200" dirty="0" smtClean="0">
+              <a:latin typeface="+mn-ea"/>
+            </a:endParaRPr>
+          </a:p>
+          <a:p>
+            <a:endParaRPr lang="en-US" altLang="ko-KR" sz="1200" dirty="0">
+              <a:latin typeface="+mn-ea"/>
+            </a:endParaRPr>
+          </a:p>
+          <a:p>
+            <a:endParaRPr lang="en-US" altLang="ko-KR" sz="1200" dirty="0" smtClean="0">
+              <a:latin typeface="+mn-ea"/>
+            </a:endParaRPr>
+          </a:p>
+          <a:p>
+            <a:endParaRPr lang="en-US" altLang="ko-KR" sz="1200" dirty="0">
+              <a:latin typeface="+mn-ea"/>
+            </a:endParaRPr>
+          </a:p>
+          <a:p>
+            <a:pPr marL="0" indent="0">
+              <a:buNone/>
+            </a:pPr>
+            <a:endParaRPr lang="en-US" altLang="ko-KR" sz="1200" dirty="0">
+              <a:latin typeface="+mn-ea"/>
+            </a:endParaRPr>
+          </a:p>
+          <a:p>
+            <a:r>
+              <a:rPr lang="ko-KR" altLang="en-US" sz="1200" dirty="0" smtClean="0">
+                <a:latin typeface="+mn-ea"/>
+              </a:rPr>
               <a:t>테스트 및 품질 관리 도구</a:t>
             </a:r>
-            <a:endParaRPr lang="en-US" altLang="ko-KR" sz="1400" dirty="0" smtClean="0"/>
+            <a:endParaRPr lang="en-US" altLang="ko-KR" sz="1200" dirty="0" smtClean="0">
+              <a:latin typeface="+mn-ea"/>
+            </a:endParaRPr>
           </a:p>
           <a:p>
             <a:pPr marL="0" indent="0">
               <a:buNone/>
             </a:pPr>
             <a:r>
-              <a:rPr lang="en-US" altLang="ko-KR" sz="1400" dirty="0" smtClean="0"/>
+              <a:rPr lang="en-US" altLang="ko-KR" sz="1200" dirty="0" smtClean="0">
+                <a:latin typeface="+mn-ea"/>
+              </a:rPr>
               <a:t>-</a:t>
             </a:r>
             <a:r>
-              <a:rPr lang="ko-KR" altLang="en-US" sz="1400" dirty="0" smtClean="0"/>
+              <a:rPr lang="ko-KR" altLang="en-US" sz="1200" dirty="0" smtClean="0">
+                <a:latin typeface="+mn-ea"/>
+              </a:rPr>
               <a:t>테스트 도구</a:t>
             </a:r>
             <a:r>
-              <a:rPr lang="en-US" altLang="ko-KR" sz="1400" dirty="0" smtClean="0"/>
+              <a:rPr lang="en-US" altLang="ko-KR" sz="1200" dirty="0" smtClean="0">
+                <a:latin typeface="+mn-ea"/>
+              </a:rPr>
               <a:t>: Selenium</a:t>
             </a:r>
           </a:p>
@@ -5484,51 +6311,81 @@
               <a:buNone/>
             </a:pPr>
             <a:r>
-              <a:rPr lang="en-US" altLang="ko-KR" sz="1400" dirty="0" smtClean="0"/>
+              <a:rPr lang="en-US" altLang="ko-KR" sz="1200" dirty="0" smtClean="0">
+                <a:latin typeface="+mn-ea"/>
+              </a:rPr>
               <a:t>-</a:t>
             </a:r>
             <a:r>
-              <a:rPr lang="ko-KR" altLang="en-US" sz="1400" dirty="0" smtClean="0"/>
+              <a:rPr lang="ko-KR" altLang="en-US" sz="1200" dirty="0" smtClean="0">
+                <a:latin typeface="+mn-ea"/>
+              </a:rPr>
               <a:t>코드 품질 관리</a:t>
             </a:r>
             <a:r>
-              <a:rPr lang="en-US" altLang="ko-KR" sz="1400" dirty="0" smtClean="0"/>
+              <a:rPr lang="en-US" altLang="ko-KR" sz="1200" dirty="0" smtClean="0">
+                <a:latin typeface="+mn-ea"/>
+              </a:rPr>
               <a:t>: </a:t>
             </a:r>
             <a:r>
-              <a:rPr lang="en-US" altLang="ko-KR" sz="1400" dirty="0" err="1"/>
+              <a:rPr lang="en-US" altLang="ko-KR" sz="1200" dirty="0" err="1">
+                <a:latin typeface="+mn-ea"/>
+              </a:rPr>
               <a:t>ESLint</a:t>
             </a:r>
             <a:r>
-              <a:rPr lang="en-US" altLang="ko-KR" sz="1400" dirty="0"/>
+              <a:rPr lang="en-US" altLang="ko-KR" sz="1200" dirty="0">
+                <a:latin typeface="+mn-ea"/>
+              </a:rPr>
               <a:t>, </a:t>
             </a:r>
             <a:r>
-              <a:rPr lang="en-US" altLang="ko-KR" sz="1400" dirty="0" smtClean="0"/>
+              <a:rPr lang="en-US" altLang="ko-KR" sz="1200" dirty="0" smtClean="0">
+                <a:latin typeface="+mn-ea"/>
+              </a:rPr>
               <a:t>Prettier</a:t>
             </a:r>
           </a:p>
           <a:p>
-            <a:r>
-              <a:rPr lang="ko-KR" altLang="en-US" sz="1400" dirty="0" smtClean="0"/>
+            <a:pPr marL="0" indent="0">
+              <a:buNone/>
+            </a:pPr>
+            <a:endParaRPr lang="en-US" altLang="ko-KR" sz="1200" dirty="0" smtClean="0">
+              <a:latin typeface="+mn-ea"/>
+            </a:endParaRPr>
+          </a:p>
+          <a:p>
+            <a:r>
+              <a:rPr lang="ko-KR" altLang="en-US" sz="1200" dirty="0" smtClean="0">
+                <a:latin typeface="+mn-ea"/>
+              </a:rPr>
               <a:t>네트워크 및 기타 도구</a:t>
             </a:r>
-            <a:endParaRPr lang="en-US" altLang="ko-KR" sz="1400" dirty="0" smtClean="0"/>
+            <a:endParaRPr lang="en-US" altLang="ko-KR" sz="1200" dirty="0" smtClean="0">
+              <a:latin typeface="+mn-ea"/>
+            </a:endParaRPr>
           </a:p>
           <a:p>
             <a:pPr marL="0" indent="0">
               <a:buNone/>
             </a:pPr>
             <a:r>
-              <a:rPr lang="en-US" altLang="ko-KR" sz="1400" dirty="0" smtClean="0"/>
+              <a:rPr lang="en-US" altLang="ko-KR" sz="1200" dirty="0" smtClean="0">
+                <a:latin typeface="+mn-ea"/>
+              </a:rPr>
               <a:t>-</a:t>
             </a:r>
             <a:r>
-              <a:rPr lang="ko-KR" altLang="en-US" sz="1400" dirty="0" smtClean="0"/>
+              <a:rPr lang="ko-KR" altLang="en-US" sz="1200" dirty="0" smtClean="0">
+                <a:latin typeface="+mn-ea"/>
+              </a:rPr>
               <a:t>협업 도구</a:t>
             </a:r>
             <a:r>
-              <a:rPr lang="en-US" altLang="ko-KR" sz="1400" dirty="0" smtClean="0"/>
+              <a:rPr lang="en-US" altLang="ko-KR" sz="1200" dirty="0" smtClean="0">
+                <a:latin typeface="+mn-ea"/>
+              </a:rPr>
               <a:t>: GitHub</a:t>
             </a:r>
           </a:p>
@@ -5536,61 +6393,87 @@
             <a:pPr marL="0" indent="0">
               <a:buNone/>
             </a:pPr>
-            <a:endParaRPr lang="en-US" altLang="ko-KR" sz="1400" dirty="0" smtClean="0"/>
-          </a:p>
-          <a:p>
-            <a:endParaRPr lang="en-US" altLang="ko-KR" sz="1400" dirty="0"/>
-          </a:p>
-          <a:p>
-            <a:endParaRPr lang="en-US" altLang="ko-KR" sz="1400" dirty="0"/>
-          </a:p>
-          <a:p>
-            <a:endParaRPr lang="en-US" altLang="ko-KR" sz="1400" dirty="0" smtClean="0"/>
-          </a:p>
-          <a:p>
-            <a:endParaRPr lang="en-US" altLang="ko-KR" sz="1400" dirty="0"/>
-          </a:p>
-          <a:p>
-            <a:endParaRPr lang="en-US" altLang="ko-KR" sz="1400" dirty="0" smtClean="0"/>
-          </a:p>
-          <a:p>
-            <a:endParaRPr lang="en-US" altLang="ko-KR" sz="1400" dirty="0"/>
-          </a:p>
-          <a:p>
-            <a:endParaRPr lang="en-US" altLang="ko-KR" sz="1400" dirty="0"/>
-          </a:p>
-          <a:p>
-            <a:endParaRPr lang="en-US" altLang="ko-KR" sz="1400" dirty="0" smtClean="0"/>
+            <a:endParaRPr lang="en-US" altLang="ko-KR" sz="1200" dirty="0" smtClean="0">
+              <a:latin typeface="+mn-ea"/>
+            </a:endParaRPr>
+          </a:p>
+          <a:p>
+            <a:endParaRPr lang="en-US" altLang="ko-KR" sz="1200" dirty="0">
+              <a:latin typeface="+mn-ea"/>
+            </a:endParaRPr>
+          </a:p>
+          <a:p>
+            <a:endParaRPr lang="en-US" altLang="ko-KR" sz="1200" dirty="0">
+              <a:latin typeface="+mn-ea"/>
+            </a:endParaRPr>
+          </a:p>
+          <a:p>
+            <a:endParaRPr lang="en-US" altLang="ko-KR" sz="1200" dirty="0" smtClean="0">
+              <a:latin typeface="+mn-ea"/>
+            </a:endParaRPr>
+          </a:p>
+          <a:p>
+            <a:endParaRPr lang="en-US" altLang="ko-KR" sz="1200" dirty="0">
+              <a:latin typeface="+mn-ea"/>
+            </a:endParaRPr>
+          </a:p>
+          <a:p>
+            <a:endParaRPr lang="en-US" altLang="ko-KR" sz="1200" dirty="0" smtClean="0">
+              <a:latin typeface="+mn-ea"/>
+            </a:endParaRPr>
+          </a:p>
+          <a:p>
+            <a:endParaRPr lang="en-US" altLang="ko-KR" sz="1200" dirty="0">
+              <a:latin typeface="+mn-ea"/>
+            </a:endParaRPr>
+          </a:p>
+          <a:p>
+            <a:endParaRPr lang="en-US" altLang="ko-KR" sz="1200" dirty="0">
+              <a:latin typeface="+mn-ea"/>
+            </a:endParaRPr>
+          </a:p>
+          <a:p>
+            <a:endParaRPr lang="en-US" altLang="ko-KR" sz="1200" dirty="0" smtClean="0">
+              <a:latin typeface="+mn-ea"/>
+            </a:endParaRPr>
           </a:p>
           <a:p>
             <a:pPr marL="0" indent="0">
               <a:buNone/>
             </a:pPr>
-            <a:endParaRPr lang="en-US" altLang="ko-KR" sz="1400" dirty="0"/>
+            <a:endParaRPr lang="en-US" altLang="ko-KR" sz="1200" dirty="0">
+              <a:latin typeface="+mn-ea"/>
+            </a:endParaRPr>
           </a:p>
           <a:p>
             <a:pPr marL="0" indent="0">
               <a:buNone/>
             </a:pPr>
-            <a:endParaRPr lang="en-US" altLang="ko-KR" sz="1400" dirty="0" smtClean="0"/>
-          </a:p>
-          <a:p>
-            <a:endParaRPr lang="en-US" altLang="ko-KR" sz="1400" dirty="0" smtClean="0"/>
-          </a:p>
-          <a:p>
-            <a:endParaRPr lang="en-US" altLang="ko-KR" sz="1400" dirty="0"/>
-          </a:p>
-        </p:txBody>
-      </p:sp>
-      <p:sp>
-        <p:nvSpPr>
-          <p:cNvPr id="23" name="TextBox 22"/>
+            <a:endParaRPr lang="en-US" altLang="ko-KR" sz="1200" dirty="0" smtClean="0">
+              <a:latin typeface="+mn-ea"/>
+            </a:endParaRPr>
+          </a:p>
+          <a:p>
+            <a:endParaRPr lang="en-US" altLang="ko-KR" sz="1200" dirty="0" smtClean="0">
+              <a:latin typeface="+mn-ea"/>
+            </a:endParaRPr>
+          </a:p>
+          <a:p>
+            <a:endParaRPr lang="en-US" altLang="ko-KR" sz="1200" dirty="0">
+              <a:latin typeface="+mn-ea"/>
+            </a:endParaRPr>
+          </a:p>
+        </p:txBody>
+      </p:sp>
+      <p:sp>
+        <p:nvSpPr>
+          <p:cNvPr id="4" name="TextBox 3"/>
           <p:cNvSpPr txBox="1"/>
           <p:nvPr/>
         </p:nvSpPr>
         <p:spPr>
           <a:xfrm>
-            <a:off x="9378891" y="209725"/>
+            <a:off x="9728346" y="201336"/>
             <a:ext cx="1907895" cy="584775"/>
           </a:xfrm>
           <a:prstGeom prst="rect">
@@ -5604,6 +6487,7 @@
           </a:bodyPr>
           <a:lstStyle/>
           <a:p>
+            <a:pPr algn="r"/>
             <a:r>
               <a:rPr lang="ko-KR" altLang="en-US" sz="3200" dirty="0" smtClean="0">
                 <a:solidFill>
@@ -5705,6 +6589,1741 @@
     <p:extLst>
       <p:ext uri="{BB962C8B-B14F-4D97-AF65-F5344CB8AC3E}">
         <p14:creationId xmlns:p14="http://schemas.microsoft.com/office/powerpoint/2010/main" val="686895806"/>
+      </p:ext>
+    </p:extLst>
+  </p:cSld>
+  <p:clrMapOvr>
+    <a:masterClrMapping/>
+  </p:clrMapOvr>
+</p:sld>
+</file>
+
+<file path=ppt/slides/slide8.xml><?xml version="1.0" encoding="utf-8"?>
+<p:sld xmlns:a="http://schemas.openxmlformats.org/drawingml/2006/main" xmlns:r="http://schemas.openxmlformats.org/officeDocument/2006/relationships" xmlns:p="http://schemas.openxmlformats.org/presentationml/2006/main">
+  <p:cSld>
+    <p:spTree>
+      <p:nvGrpSpPr>
+        <p:cNvPr id="1" name=""/>
+        <p:cNvGrpSpPr/>
+        <p:nvPr/>
+      </p:nvGrpSpPr>
+      <p:grpSpPr>
+        <a:xfrm>
+          <a:off x="0" y="0"/>
+          <a:ext cx="0" cy="0"/>
+          <a:chOff x="0" y="0"/>
+          <a:chExt cx="0" cy="0"/>
+        </a:xfrm>
+      </p:grpSpPr>
+      <p:sp>
+        <p:nvSpPr>
+          <p:cNvPr id="2" name="TextBox 1"/>
+          <p:cNvSpPr txBox="1"/>
+          <p:nvPr/>
+        </p:nvSpPr>
+        <p:spPr>
+          <a:xfrm>
+            <a:off x="9127221" y="201336"/>
+            <a:ext cx="2509020" cy="584775"/>
+          </a:xfrm>
+          <a:prstGeom prst="rect">
+            <a:avLst/>
+          </a:prstGeom>
+          <a:noFill/>
+        </p:spPr>
+        <p:txBody>
+          <a:bodyPr wrap="none" rtlCol="0">
+            <a:spAutoFit/>
+          </a:bodyPr>
+          <a:lstStyle/>
+          <a:p>
+            <a:pPr algn="r"/>
+            <a:r>
+              <a:rPr lang="en-US" altLang="ko-KR" sz="3200" dirty="0" smtClean="0">
+                <a:solidFill>
+                  <a:schemeClr val="bg1"/>
+                </a:solidFill>
+              </a:rPr>
+              <a:t>DB </a:t>
+            </a:r>
+            <a:r>
+              <a:rPr lang="ko-KR" altLang="en-US" sz="3200" dirty="0" smtClean="0">
+                <a:solidFill>
+                  <a:schemeClr val="bg1"/>
+                </a:solidFill>
+              </a:rPr>
+              <a:t>서버 구축</a:t>
+            </a:r>
+            <a:endParaRPr lang="ko-KR" altLang="en-US" sz="3200" dirty="0">
+              <a:solidFill>
+                <a:schemeClr val="bg1"/>
+              </a:solidFill>
+            </a:endParaRPr>
+          </a:p>
+        </p:txBody>
+      </p:sp>
+      <p:sp>
+        <p:nvSpPr>
+          <p:cNvPr id="3" name="TextBox 2"/>
+          <p:cNvSpPr txBox="1"/>
+          <p:nvPr/>
+        </p:nvSpPr>
+        <p:spPr>
+          <a:xfrm>
+            <a:off x="4683211" y="2063578"/>
+            <a:ext cx="184731" cy="369332"/>
+          </a:xfrm>
+          <a:prstGeom prst="rect">
+            <a:avLst/>
+          </a:prstGeom>
+          <a:noFill/>
+        </p:spPr>
+        <p:txBody>
+          <a:bodyPr wrap="none" rtlCol="0">
+            <a:spAutoFit/>
+          </a:bodyPr>
+          <a:lstStyle/>
+          <a:p>
+            <a:endParaRPr lang="ko-KR" altLang="en-US" dirty="0"/>
+          </a:p>
+        </p:txBody>
+      </p:sp>
+      <p:sp>
+        <p:nvSpPr>
+          <p:cNvPr id="4" name="TextBox 3"/>
+          <p:cNvSpPr txBox="1"/>
+          <p:nvPr/>
+        </p:nvSpPr>
+        <p:spPr>
+          <a:xfrm>
+            <a:off x="4683211" y="1606378"/>
+            <a:ext cx="45719" cy="369332"/>
+          </a:xfrm>
+          <a:prstGeom prst="rect">
+            <a:avLst/>
+          </a:prstGeom>
+          <a:noFill/>
+        </p:spPr>
+        <p:txBody>
+          <a:bodyPr wrap="square" rtlCol="0">
+            <a:spAutoFit/>
+          </a:bodyPr>
+          <a:lstStyle/>
+          <a:p>
+            <a:endParaRPr lang="ko-KR" altLang="en-US" dirty="0"/>
+          </a:p>
+        </p:txBody>
+      </p:sp>
+      <p:sp>
+        <p:nvSpPr>
+          <p:cNvPr id="5" name="TextBox 4"/>
+          <p:cNvSpPr txBox="1"/>
+          <p:nvPr/>
+        </p:nvSpPr>
+        <p:spPr>
+          <a:xfrm>
+            <a:off x="736078" y="1178540"/>
+            <a:ext cx="5152767" cy="3108543"/>
+          </a:xfrm>
+          <a:prstGeom prst="rect">
+            <a:avLst/>
+          </a:prstGeom>
+          <a:noFill/>
+        </p:spPr>
+        <p:txBody>
+          <a:bodyPr wrap="square" rtlCol="0">
+            <a:spAutoFit/>
+          </a:bodyPr>
+          <a:lstStyle/>
+          <a:p>
+            <a:r>
+              <a:rPr lang="ko-KR" altLang="en-US" sz="1600" b="1" dirty="0" smtClean="0">
+                <a:latin typeface="+mn-ea"/>
+              </a:rPr>
+              <a:t>계정 생성 후 루트 권한 부여</a:t>
+            </a:r>
+            <a:endParaRPr lang="en-US" altLang="ko-KR" sz="1600" b="1" dirty="0" smtClean="0">
+              <a:latin typeface="+mn-ea"/>
+            </a:endParaRPr>
+          </a:p>
+          <a:p>
+            <a:endParaRPr lang="en-US" altLang="ko-KR" sz="1200" dirty="0">
+              <a:latin typeface="+mn-ea"/>
+            </a:endParaRPr>
+          </a:p>
+          <a:p>
+            <a:r>
+              <a:rPr lang="ko-KR" altLang="en-US" sz="1200" dirty="0" smtClean="0">
+                <a:latin typeface="+mn-ea"/>
+              </a:rPr>
+              <a:t>사용자 계정을 생성</a:t>
+            </a:r>
+            <a:endParaRPr lang="en-US" altLang="ko-KR" sz="1200" dirty="0" smtClean="0">
+              <a:latin typeface="+mn-ea"/>
+            </a:endParaRPr>
+          </a:p>
+          <a:p>
+            <a:r>
+              <a:rPr lang="en-US" altLang="ko-KR" sz="1200" dirty="0" smtClean="0">
+                <a:latin typeface="+mn-ea"/>
+              </a:rPr>
+              <a:t>sixtick@sixtick-sub2</a:t>
+            </a:r>
+            <a:r>
+              <a:rPr lang="en-US" altLang="ko-KR" sz="1200" dirty="0">
+                <a:latin typeface="+mn-ea"/>
+              </a:rPr>
+              <a:t>:~$ </a:t>
+            </a:r>
+            <a:r>
+              <a:rPr lang="en-US" altLang="ko-KR" sz="1200" dirty="0" err="1">
+                <a:latin typeface="+mn-ea"/>
+              </a:rPr>
+              <a:t>sudo</a:t>
+            </a:r>
+            <a:r>
+              <a:rPr lang="en-US" altLang="ko-KR" sz="1200" dirty="0">
+                <a:latin typeface="+mn-ea"/>
+              </a:rPr>
+              <a:t> </a:t>
+            </a:r>
+            <a:r>
+              <a:rPr lang="en-US" altLang="ko-KR" sz="1200" dirty="0" err="1">
+                <a:latin typeface="+mn-ea"/>
+              </a:rPr>
+              <a:t>adduser</a:t>
+            </a:r>
+            <a:r>
+              <a:rPr lang="en-US" altLang="ko-KR" sz="1200" dirty="0">
+                <a:latin typeface="+mn-ea"/>
+              </a:rPr>
+              <a:t> </a:t>
+            </a:r>
+            <a:r>
+              <a:rPr lang="en-US" altLang="ko-KR" sz="1200" dirty="0" err="1" smtClean="0">
+                <a:latin typeface="+mn-ea"/>
+              </a:rPr>
+              <a:t>ahncy</a:t>
+            </a:r>
+            <a:endParaRPr lang="en-US" altLang="ko-KR" sz="1200" dirty="0" smtClean="0">
+              <a:latin typeface="+mn-ea"/>
+            </a:endParaRPr>
+          </a:p>
+          <a:p>
+            <a:endParaRPr lang="en-US" altLang="ko-KR" sz="1200" dirty="0" smtClean="0">
+              <a:latin typeface="+mn-ea"/>
+            </a:endParaRPr>
+          </a:p>
+          <a:p>
+            <a:r>
+              <a:rPr lang="en-US" altLang="ko-KR" sz="1200" dirty="0" err="1">
+                <a:latin typeface="+mn-ea"/>
+              </a:rPr>
+              <a:t>a</a:t>
+            </a:r>
+            <a:r>
+              <a:rPr lang="en-US" altLang="ko-KR" sz="1200" dirty="0" err="1" smtClean="0">
+                <a:latin typeface="+mn-ea"/>
+              </a:rPr>
+              <a:t>hncy</a:t>
+            </a:r>
+            <a:r>
+              <a:rPr lang="ko-KR" altLang="en-US" sz="1200" dirty="0" smtClean="0">
+                <a:latin typeface="+mn-ea"/>
+              </a:rPr>
+              <a:t>라는 사용자에게 루트 권한을 부여하기 위해 </a:t>
+            </a:r>
+            <a:r>
+              <a:rPr lang="en-US" altLang="ko-KR" sz="1200" dirty="0" err="1" smtClean="0">
+                <a:latin typeface="+mn-ea"/>
+              </a:rPr>
+              <a:t>visudo</a:t>
+            </a:r>
+            <a:r>
+              <a:rPr lang="ko-KR" altLang="en-US" sz="1200" dirty="0" smtClean="0">
+                <a:latin typeface="+mn-ea"/>
+              </a:rPr>
+              <a:t>라는 명령어를 이용해 </a:t>
+            </a:r>
+            <a:r>
+              <a:rPr lang="en-US" altLang="ko-KR" sz="1200" dirty="0" err="1" smtClean="0">
+                <a:latin typeface="+mn-ea"/>
+              </a:rPr>
+              <a:t>sudoers</a:t>
+            </a:r>
+            <a:r>
+              <a:rPr lang="en-US" altLang="ko-KR" sz="1200" dirty="0" smtClean="0">
+                <a:latin typeface="+mn-ea"/>
+              </a:rPr>
+              <a:t> </a:t>
+            </a:r>
+            <a:r>
+              <a:rPr lang="ko-KR" altLang="en-US" sz="1200" dirty="0" smtClean="0">
+                <a:latin typeface="+mn-ea"/>
+              </a:rPr>
+              <a:t>파일을 편집</a:t>
+            </a:r>
+            <a:endParaRPr lang="en-US" altLang="ko-KR" sz="1200" dirty="0">
+              <a:latin typeface="+mn-ea"/>
+            </a:endParaRPr>
+          </a:p>
+          <a:p>
+            <a:r>
+              <a:rPr lang="en-US" altLang="ko-KR" sz="1200" dirty="0">
+                <a:latin typeface="+mn-ea"/>
+              </a:rPr>
+              <a:t>root@sixtick-sub2:~# </a:t>
+            </a:r>
+            <a:r>
+              <a:rPr lang="en-US" altLang="ko-KR" sz="1200" dirty="0" err="1">
+                <a:latin typeface="+mn-ea"/>
+              </a:rPr>
+              <a:t>sudo</a:t>
+            </a:r>
+            <a:r>
+              <a:rPr lang="en-US" altLang="ko-KR" sz="1200" dirty="0">
+                <a:latin typeface="+mn-ea"/>
+              </a:rPr>
+              <a:t> </a:t>
+            </a:r>
+            <a:r>
+              <a:rPr lang="en-US" altLang="ko-KR" sz="1200" dirty="0" err="1" smtClean="0">
+                <a:latin typeface="+mn-ea"/>
+              </a:rPr>
+              <a:t>visudo</a:t>
+            </a:r>
+            <a:endParaRPr lang="en-US" altLang="ko-KR" sz="1200" dirty="0" smtClean="0">
+              <a:latin typeface="+mn-ea"/>
+            </a:endParaRPr>
+          </a:p>
+          <a:p>
+            <a:endParaRPr lang="en-US" altLang="ko-KR" sz="1200" dirty="0">
+              <a:latin typeface="+mn-ea"/>
+            </a:endParaRPr>
+          </a:p>
+          <a:p>
+            <a:r>
+              <a:rPr lang="ko-KR" altLang="en-US" sz="1200" dirty="0" smtClean="0">
+                <a:latin typeface="+mn-ea"/>
+              </a:rPr>
+              <a:t>파일의 끝 부분에 다음과 같은 내용을 추가함</a:t>
+            </a:r>
+            <a:endParaRPr lang="en-US" altLang="ko-KR" sz="1200" dirty="0" smtClean="0">
+              <a:latin typeface="+mn-ea"/>
+            </a:endParaRPr>
+          </a:p>
+          <a:p>
+            <a:r>
+              <a:rPr lang="en-US" altLang="ko-KR" sz="1200" dirty="0" err="1">
+                <a:latin typeface="+mn-ea"/>
+              </a:rPr>
+              <a:t>a</a:t>
+            </a:r>
+            <a:r>
+              <a:rPr lang="en-US" altLang="ko-KR" sz="1200" dirty="0" err="1" smtClean="0">
+                <a:latin typeface="+mn-ea"/>
+              </a:rPr>
+              <a:t>hncy</a:t>
+            </a:r>
+            <a:r>
+              <a:rPr lang="ko-KR" altLang="en-US" sz="1200" dirty="0" smtClean="0">
+                <a:latin typeface="+mn-ea"/>
+              </a:rPr>
+              <a:t> </a:t>
+            </a:r>
+            <a:r>
+              <a:rPr lang="en-US" altLang="ko-KR" sz="1200" dirty="0" smtClean="0">
+                <a:latin typeface="+mn-ea"/>
+              </a:rPr>
+              <a:t>ALL</a:t>
+            </a:r>
+            <a:r>
+              <a:rPr lang="en-US" altLang="ko-KR" sz="1200" dirty="0">
+                <a:latin typeface="+mn-ea"/>
+              </a:rPr>
+              <a:t>=(ALL) </a:t>
+            </a:r>
+            <a:r>
+              <a:rPr lang="en-US" altLang="ko-KR" sz="1200" dirty="0" smtClean="0">
+                <a:latin typeface="+mn-ea"/>
+              </a:rPr>
+              <a:t>ALL</a:t>
+            </a:r>
+          </a:p>
+          <a:p>
+            <a:endParaRPr lang="en-US" altLang="ko-KR" sz="1200" dirty="0" smtClean="0">
+              <a:latin typeface="+mn-ea"/>
+            </a:endParaRPr>
+          </a:p>
+          <a:p>
+            <a:r>
+              <a:rPr lang="ko-KR" altLang="en-US" sz="1200" dirty="0" smtClean="0">
+                <a:latin typeface="+mn-ea"/>
+              </a:rPr>
+              <a:t>루트 권한 부여 확인 완료</a:t>
+            </a:r>
+            <a:endParaRPr lang="en-US" altLang="ko-KR" sz="1200" dirty="0">
+              <a:latin typeface="+mn-ea"/>
+            </a:endParaRPr>
+          </a:p>
+          <a:p>
+            <a:r>
+              <a:rPr lang="en-US" altLang="ko-KR" sz="1200" dirty="0">
+                <a:latin typeface="+mn-ea"/>
+              </a:rPr>
+              <a:t>ahncy@sixtick-sub2:~$ </a:t>
+            </a:r>
+            <a:r>
+              <a:rPr lang="en-US" altLang="ko-KR" sz="1200" dirty="0" err="1">
+                <a:latin typeface="+mn-ea"/>
+              </a:rPr>
+              <a:t>sudo</a:t>
+            </a:r>
+            <a:r>
+              <a:rPr lang="en-US" altLang="ko-KR" sz="1200" dirty="0">
+                <a:latin typeface="+mn-ea"/>
+              </a:rPr>
+              <a:t> </a:t>
+            </a:r>
+            <a:r>
+              <a:rPr lang="en-US" altLang="ko-KR" sz="1200" dirty="0" err="1">
+                <a:latin typeface="+mn-ea"/>
+              </a:rPr>
+              <a:t>whoami</a:t>
+            </a:r>
+            <a:endParaRPr lang="en-US" altLang="ko-KR" sz="1200" dirty="0">
+              <a:latin typeface="+mn-ea"/>
+            </a:endParaRPr>
+          </a:p>
+          <a:p>
+            <a:r>
+              <a:rPr lang="en-US" altLang="ko-KR" sz="1200" dirty="0">
+                <a:latin typeface="+mn-ea"/>
+              </a:rPr>
+              <a:t>[</a:t>
+            </a:r>
+            <a:r>
+              <a:rPr lang="en-US" altLang="ko-KR" sz="1200" dirty="0" err="1">
+                <a:latin typeface="+mn-ea"/>
+              </a:rPr>
+              <a:t>sudo</a:t>
+            </a:r>
+            <a:r>
+              <a:rPr lang="en-US" altLang="ko-KR" sz="1200" dirty="0">
+                <a:latin typeface="+mn-ea"/>
+              </a:rPr>
+              <a:t>] </a:t>
+            </a:r>
+            <a:r>
+              <a:rPr lang="en-US" altLang="ko-KR" sz="1200" dirty="0" err="1">
+                <a:latin typeface="+mn-ea"/>
+              </a:rPr>
+              <a:t>ahncy</a:t>
+            </a:r>
+            <a:r>
+              <a:rPr lang="en-US" altLang="ko-KR" sz="1200" dirty="0">
+                <a:latin typeface="+mn-ea"/>
+              </a:rPr>
+              <a:t> </a:t>
+            </a:r>
+            <a:r>
+              <a:rPr lang="ko-KR" altLang="en-US" sz="1200" dirty="0">
+                <a:latin typeface="+mn-ea"/>
+              </a:rPr>
+              <a:t>암호</a:t>
+            </a:r>
+            <a:r>
+              <a:rPr lang="en-US" altLang="ko-KR" sz="1200" dirty="0">
+                <a:latin typeface="+mn-ea"/>
+              </a:rPr>
+              <a:t>:</a:t>
+            </a:r>
+          </a:p>
+          <a:p>
+            <a:r>
+              <a:rPr lang="en-US" altLang="ko-KR" sz="1200" dirty="0">
+                <a:latin typeface="+mn-ea"/>
+              </a:rPr>
+              <a:t>root</a:t>
+            </a:r>
+          </a:p>
+        </p:txBody>
+      </p:sp>
+      <p:sp>
+        <p:nvSpPr>
+          <p:cNvPr id="6" name="TextBox 5"/>
+          <p:cNvSpPr txBox="1"/>
+          <p:nvPr/>
+        </p:nvSpPr>
+        <p:spPr>
+          <a:xfrm>
+            <a:off x="6238691" y="1178540"/>
+            <a:ext cx="5152767" cy="3108543"/>
+          </a:xfrm>
+          <a:prstGeom prst="rect">
+            <a:avLst/>
+          </a:prstGeom>
+          <a:noFill/>
+        </p:spPr>
+        <p:txBody>
+          <a:bodyPr wrap="square" rtlCol="0">
+            <a:spAutoFit/>
+          </a:bodyPr>
+          <a:lstStyle/>
+          <a:p>
+            <a:r>
+              <a:rPr lang="en-US" altLang="ko-KR" sz="1600" b="1" dirty="0" err="1" smtClean="0">
+                <a:latin typeface="+mn-ea"/>
+              </a:rPr>
+              <a:t>Mysql</a:t>
+            </a:r>
+            <a:r>
+              <a:rPr lang="en-US" altLang="ko-KR" sz="1600" b="1" dirty="0" smtClean="0">
+                <a:latin typeface="+mn-ea"/>
+              </a:rPr>
+              <a:t> </a:t>
+            </a:r>
+            <a:r>
+              <a:rPr lang="ko-KR" altLang="en-US" sz="1600" b="1" dirty="0" smtClean="0">
+                <a:latin typeface="+mn-ea"/>
+              </a:rPr>
+              <a:t>설치를 위한 준비</a:t>
+            </a:r>
+            <a:endParaRPr lang="en-US" altLang="ko-KR" sz="1600" b="1" dirty="0" smtClean="0">
+              <a:latin typeface="+mn-ea"/>
+            </a:endParaRPr>
+          </a:p>
+          <a:p>
+            <a:endParaRPr lang="en-US" altLang="ko-KR" sz="1200" dirty="0">
+              <a:latin typeface="+mn-ea"/>
+            </a:endParaRPr>
+          </a:p>
+          <a:p>
+            <a:r>
+              <a:rPr lang="ko-KR" altLang="en-US" sz="1200" dirty="0" smtClean="0">
+                <a:latin typeface="+mn-ea"/>
+              </a:rPr>
+              <a:t>최신 패키지 목록을 다운로드하여 업데이트</a:t>
+            </a:r>
+            <a:endParaRPr lang="en-US" altLang="ko-KR" sz="1200" dirty="0" smtClean="0">
+              <a:latin typeface="+mn-ea"/>
+            </a:endParaRPr>
+          </a:p>
+          <a:p>
+            <a:r>
+              <a:rPr lang="en-US" altLang="ko-KR" sz="1200" dirty="0" smtClean="0">
+                <a:latin typeface="+mn-ea"/>
+              </a:rPr>
+              <a:t>(</a:t>
+            </a:r>
+            <a:r>
+              <a:rPr lang="ko-KR" altLang="en-US" sz="1200" dirty="0" smtClean="0">
+                <a:latin typeface="+mn-ea"/>
+              </a:rPr>
+              <a:t>이때 이미 설치된 패키지는 변경되지 않음</a:t>
+            </a:r>
+            <a:r>
+              <a:rPr lang="en-US" altLang="ko-KR" sz="1200" dirty="0" smtClean="0">
+                <a:latin typeface="+mn-ea"/>
+              </a:rPr>
+              <a:t>)</a:t>
+            </a:r>
+          </a:p>
+          <a:p>
+            <a:r>
+              <a:rPr lang="en-US" altLang="ko-KR" sz="1200" dirty="0">
+                <a:latin typeface="+mn-ea"/>
+              </a:rPr>
+              <a:t>ahncy@sixtick-sub2:~$ </a:t>
+            </a:r>
+            <a:r>
+              <a:rPr lang="en-US" altLang="ko-KR" sz="1200" dirty="0" err="1">
+                <a:latin typeface="+mn-ea"/>
+              </a:rPr>
+              <a:t>sudo</a:t>
+            </a:r>
+            <a:r>
+              <a:rPr lang="en-US" altLang="ko-KR" sz="1200" dirty="0">
+                <a:latin typeface="+mn-ea"/>
+              </a:rPr>
+              <a:t> apt </a:t>
+            </a:r>
+            <a:r>
+              <a:rPr lang="en-US" altLang="ko-KR" sz="1200" dirty="0" smtClean="0">
+                <a:latin typeface="+mn-ea"/>
+              </a:rPr>
+              <a:t>update</a:t>
+            </a:r>
+          </a:p>
+          <a:p>
+            <a:endParaRPr lang="en-US" altLang="ko-KR" sz="1200" dirty="0">
+              <a:latin typeface="+mn-ea"/>
+            </a:endParaRPr>
+          </a:p>
+          <a:p>
+            <a:r>
+              <a:rPr lang="ko-KR" altLang="en-US" sz="1200" dirty="0" smtClean="0">
+                <a:latin typeface="+mn-ea"/>
+              </a:rPr>
+              <a:t>이미 설치된 패키지를 최신 버전으로 업데이트</a:t>
+            </a:r>
+            <a:endParaRPr lang="en-US" altLang="ko-KR" sz="1200" dirty="0" smtClean="0">
+              <a:latin typeface="+mn-ea"/>
+            </a:endParaRPr>
+          </a:p>
+          <a:p>
+            <a:r>
+              <a:rPr lang="en-US" altLang="ko-KR" sz="1200" dirty="0">
+                <a:latin typeface="+mn-ea"/>
+              </a:rPr>
+              <a:t>ahncy@sixtick-sub2:~$ </a:t>
+            </a:r>
+            <a:r>
+              <a:rPr lang="en-US" altLang="ko-KR" sz="1200" dirty="0" err="1">
+                <a:latin typeface="+mn-ea"/>
+              </a:rPr>
+              <a:t>sudo</a:t>
+            </a:r>
+            <a:r>
+              <a:rPr lang="en-US" altLang="ko-KR" sz="1200" dirty="0">
+                <a:latin typeface="+mn-ea"/>
+              </a:rPr>
+              <a:t> apt </a:t>
+            </a:r>
+            <a:r>
+              <a:rPr lang="en-US" altLang="ko-KR" sz="1200" dirty="0" smtClean="0">
+                <a:latin typeface="+mn-ea"/>
+              </a:rPr>
+              <a:t>upgrade</a:t>
+            </a:r>
+          </a:p>
+          <a:p>
+            <a:endParaRPr lang="en-US" altLang="ko-KR" sz="1200" dirty="0">
+              <a:latin typeface="+mn-ea"/>
+            </a:endParaRPr>
+          </a:p>
+          <a:p>
+            <a:r>
+              <a:rPr lang="en-US" altLang="ko-KR" sz="1200" dirty="0" err="1" smtClean="0">
+                <a:latin typeface="+mn-ea"/>
+              </a:rPr>
+              <a:t>Mysql</a:t>
+            </a:r>
+            <a:r>
+              <a:rPr lang="en-US" altLang="ko-KR" sz="1200" dirty="0" smtClean="0">
+                <a:latin typeface="+mn-ea"/>
+              </a:rPr>
+              <a:t> </a:t>
+            </a:r>
+            <a:r>
+              <a:rPr lang="ko-KR" altLang="en-US" sz="1200" dirty="0" smtClean="0">
+                <a:latin typeface="+mn-ea"/>
+              </a:rPr>
+              <a:t>설치</a:t>
+            </a:r>
+            <a:endParaRPr lang="en-US" altLang="ko-KR" sz="1200" dirty="0" smtClean="0">
+              <a:latin typeface="+mn-ea"/>
+            </a:endParaRPr>
+          </a:p>
+          <a:p>
+            <a:r>
+              <a:rPr lang="en-US" altLang="ko-KR" sz="1200" dirty="0">
+                <a:latin typeface="+mn-ea"/>
+              </a:rPr>
+              <a:t>ahncy@sixtick-sub2:~$ </a:t>
+            </a:r>
+            <a:r>
+              <a:rPr lang="en-US" altLang="ko-KR" sz="1200" dirty="0" err="1">
+                <a:latin typeface="+mn-ea"/>
+              </a:rPr>
+              <a:t>sudo</a:t>
+            </a:r>
+            <a:r>
+              <a:rPr lang="en-US" altLang="ko-KR" sz="1200" dirty="0">
+                <a:latin typeface="+mn-ea"/>
+              </a:rPr>
+              <a:t> apt install </a:t>
+            </a:r>
+            <a:r>
+              <a:rPr lang="en-US" altLang="ko-KR" sz="1200" dirty="0" err="1" smtClean="0">
+                <a:latin typeface="+mn-ea"/>
+              </a:rPr>
+              <a:t>mysql</a:t>
+            </a:r>
+            <a:r>
+              <a:rPr lang="en-US" altLang="ko-KR" sz="1200" dirty="0" smtClean="0">
+                <a:latin typeface="+mn-ea"/>
+              </a:rPr>
+              <a:t>-server</a:t>
+            </a:r>
+          </a:p>
+          <a:p>
+            <a:endParaRPr lang="en-US" altLang="ko-KR" sz="1200" dirty="0">
+              <a:latin typeface="+mn-ea"/>
+            </a:endParaRPr>
+          </a:p>
+          <a:p>
+            <a:r>
+              <a:rPr lang="ko-KR" altLang="en-US" sz="1200" dirty="0" smtClean="0">
+                <a:latin typeface="+mn-ea"/>
+              </a:rPr>
+              <a:t>설치 점검</a:t>
+            </a:r>
+            <a:endParaRPr lang="en-US" altLang="ko-KR" sz="1200" dirty="0" smtClean="0">
+              <a:latin typeface="+mn-ea"/>
+            </a:endParaRPr>
+          </a:p>
+          <a:p>
+            <a:r>
+              <a:rPr lang="en-US" altLang="ko-KR" sz="1200" dirty="0">
+                <a:latin typeface="+mn-ea"/>
+              </a:rPr>
+              <a:t>ahncy@sixtick-sub2:~$ </a:t>
+            </a:r>
+            <a:r>
+              <a:rPr lang="en-US" altLang="ko-KR" sz="1200" dirty="0" err="1">
+                <a:latin typeface="+mn-ea"/>
+              </a:rPr>
+              <a:t>mysql</a:t>
+            </a:r>
+            <a:r>
+              <a:rPr lang="en-US" altLang="ko-KR" sz="1200" dirty="0">
+                <a:latin typeface="+mn-ea"/>
+              </a:rPr>
+              <a:t> --version</a:t>
+            </a:r>
+          </a:p>
+          <a:p>
+            <a:r>
+              <a:rPr lang="en-US" altLang="ko-KR" sz="1200" dirty="0" err="1">
+                <a:latin typeface="+mn-ea"/>
+              </a:rPr>
+              <a:t>mysql</a:t>
+            </a:r>
+            <a:r>
+              <a:rPr lang="en-US" altLang="ko-KR" sz="1200" dirty="0">
+                <a:latin typeface="+mn-ea"/>
+              </a:rPr>
+              <a:t>  </a:t>
+            </a:r>
+            <a:r>
+              <a:rPr lang="en-US" altLang="ko-KR" sz="1200" dirty="0" err="1">
+                <a:latin typeface="+mn-ea"/>
+              </a:rPr>
+              <a:t>Ver</a:t>
+            </a:r>
+            <a:r>
+              <a:rPr lang="en-US" altLang="ko-KR" sz="1200" dirty="0">
+                <a:latin typeface="+mn-ea"/>
+              </a:rPr>
+              <a:t> 8.0.40-0ubuntu0.24.04.1 for Linux on x86_64 ((Ubuntu))</a:t>
+            </a:r>
+          </a:p>
+        </p:txBody>
+      </p:sp>
+    </p:spTree>
+    <p:extLst>
+      <p:ext uri="{BB962C8B-B14F-4D97-AF65-F5344CB8AC3E}">
+        <p14:creationId xmlns:p14="http://schemas.microsoft.com/office/powerpoint/2010/main" val="1357353633"/>
+      </p:ext>
+    </p:extLst>
+  </p:cSld>
+  <p:clrMapOvr>
+    <a:masterClrMapping/>
+  </p:clrMapOvr>
+</p:sld>
+</file>
+
+<file path=ppt/slides/slide9.xml><?xml version="1.0" encoding="utf-8"?>
+<p:sld xmlns:a="http://schemas.openxmlformats.org/drawingml/2006/main" xmlns:r="http://schemas.openxmlformats.org/officeDocument/2006/relationships" xmlns:p="http://schemas.openxmlformats.org/presentationml/2006/main">
+  <p:cSld>
+    <p:spTree>
+      <p:nvGrpSpPr>
+        <p:cNvPr id="1" name=""/>
+        <p:cNvGrpSpPr/>
+        <p:nvPr/>
+      </p:nvGrpSpPr>
+      <p:grpSpPr>
+        <a:xfrm>
+          <a:off x="0" y="0"/>
+          <a:ext cx="0" cy="0"/>
+          <a:chOff x="0" y="0"/>
+          <a:chExt cx="0" cy="0"/>
+        </a:xfrm>
+      </p:grpSpPr>
+      <p:sp>
+        <p:nvSpPr>
+          <p:cNvPr id="2" name="TextBox 1"/>
+          <p:cNvSpPr txBox="1"/>
+          <p:nvPr/>
+        </p:nvSpPr>
+        <p:spPr>
+          <a:xfrm>
+            <a:off x="9127221" y="201336"/>
+            <a:ext cx="2509020" cy="584775"/>
+          </a:xfrm>
+          <a:prstGeom prst="rect">
+            <a:avLst/>
+          </a:prstGeom>
+          <a:noFill/>
+        </p:spPr>
+        <p:txBody>
+          <a:bodyPr wrap="none" rtlCol="0">
+            <a:spAutoFit/>
+          </a:bodyPr>
+          <a:lstStyle/>
+          <a:p>
+            <a:pPr algn="r"/>
+            <a:r>
+              <a:rPr lang="en-US" altLang="ko-KR" sz="3200" dirty="0" smtClean="0">
+                <a:solidFill>
+                  <a:schemeClr val="bg1"/>
+                </a:solidFill>
+              </a:rPr>
+              <a:t>DB </a:t>
+            </a:r>
+            <a:r>
+              <a:rPr lang="ko-KR" altLang="en-US" sz="3200" dirty="0" smtClean="0">
+                <a:solidFill>
+                  <a:schemeClr val="bg1"/>
+                </a:solidFill>
+              </a:rPr>
+              <a:t>서버 구축</a:t>
+            </a:r>
+            <a:endParaRPr lang="ko-KR" altLang="en-US" sz="3200" dirty="0">
+              <a:solidFill>
+                <a:schemeClr val="bg1"/>
+              </a:solidFill>
+            </a:endParaRPr>
+          </a:p>
+        </p:txBody>
+      </p:sp>
+      <p:sp>
+        <p:nvSpPr>
+          <p:cNvPr id="3" name="TextBox 2"/>
+          <p:cNvSpPr txBox="1"/>
+          <p:nvPr/>
+        </p:nvSpPr>
+        <p:spPr>
+          <a:xfrm>
+            <a:off x="4683211" y="2063578"/>
+            <a:ext cx="184731" cy="369332"/>
+          </a:xfrm>
+          <a:prstGeom prst="rect">
+            <a:avLst/>
+          </a:prstGeom>
+          <a:noFill/>
+        </p:spPr>
+        <p:txBody>
+          <a:bodyPr wrap="none" rtlCol="0">
+            <a:spAutoFit/>
+          </a:bodyPr>
+          <a:lstStyle/>
+          <a:p>
+            <a:endParaRPr lang="ko-KR" altLang="en-US" dirty="0"/>
+          </a:p>
+        </p:txBody>
+      </p:sp>
+      <p:sp>
+        <p:nvSpPr>
+          <p:cNvPr id="4" name="TextBox 3"/>
+          <p:cNvSpPr txBox="1"/>
+          <p:nvPr/>
+        </p:nvSpPr>
+        <p:spPr>
+          <a:xfrm>
+            <a:off x="4683211" y="1606378"/>
+            <a:ext cx="45719" cy="369332"/>
+          </a:xfrm>
+          <a:prstGeom prst="rect">
+            <a:avLst/>
+          </a:prstGeom>
+          <a:noFill/>
+        </p:spPr>
+        <p:txBody>
+          <a:bodyPr wrap="square" rtlCol="0">
+            <a:spAutoFit/>
+          </a:bodyPr>
+          <a:lstStyle/>
+          <a:p>
+            <a:endParaRPr lang="ko-KR" altLang="en-US" dirty="0"/>
+          </a:p>
+        </p:txBody>
+      </p:sp>
+      <p:sp>
+        <p:nvSpPr>
+          <p:cNvPr id="5" name="TextBox 4"/>
+          <p:cNvSpPr txBox="1"/>
+          <p:nvPr/>
+        </p:nvSpPr>
+        <p:spPr>
+          <a:xfrm>
+            <a:off x="815999" y="1149178"/>
+            <a:ext cx="5152767" cy="4585871"/>
+          </a:xfrm>
+          <a:prstGeom prst="rect">
+            <a:avLst/>
+          </a:prstGeom>
+          <a:noFill/>
+        </p:spPr>
+        <p:txBody>
+          <a:bodyPr wrap="square" rtlCol="0">
+            <a:spAutoFit/>
+          </a:bodyPr>
+          <a:lstStyle/>
+          <a:p>
+            <a:r>
+              <a:rPr lang="ko-KR" altLang="en-US" sz="1600" b="1" dirty="0" smtClean="0">
+                <a:latin typeface="+mn-ea"/>
+              </a:rPr>
+              <a:t>외부에서 </a:t>
+            </a:r>
+            <a:r>
+              <a:rPr lang="en-US" altLang="ko-KR" sz="1600" b="1" dirty="0" err="1" smtClean="0">
+                <a:latin typeface="+mn-ea"/>
+              </a:rPr>
+              <a:t>mysql</a:t>
+            </a:r>
+            <a:r>
+              <a:rPr lang="ko-KR" altLang="en-US" sz="1600" b="1" dirty="0" smtClean="0">
+                <a:latin typeface="+mn-ea"/>
+              </a:rPr>
+              <a:t>에 접속 가능하도록 설정</a:t>
+            </a:r>
+            <a:endParaRPr lang="en-US" altLang="ko-KR" sz="1600" b="1" dirty="0" smtClean="0">
+              <a:latin typeface="+mn-ea"/>
+            </a:endParaRPr>
+          </a:p>
+          <a:p>
+            <a:endParaRPr lang="en-US" altLang="ko-KR" sz="1200" dirty="0" smtClean="0">
+              <a:latin typeface="+mn-ea"/>
+            </a:endParaRPr>
+          </a:p>
+          <a:p>
+            <a:r>
+              <a:rPr lang="en-US" altLang="ko-KR" sz="1200" dirty="0" err="1" smtClean="0">
+                <a:latin typeface="+mn-ea"/>
+              </a:rPr>
+              <a:t>Mysql</a:t>
+            </a:r>
+            <a:r>
+              <a:rPr lang="en-US" altLang="ko-KR" sz="1200" dirty="0" smtClean="0">
+                <a:latin typeface="+mn-ea"/>
+              </a:rPr>
+              <a:t> </a:t>
+            </a:r>
+            <a:r>
+              <a:rPr lang="ko-KR" altLang="en-US" sz="1200" dirty="0" smtClean="0">
+                <a:latin typeface="+mn-ea"/>
+              </a:rPr>
+              <a:t>서버의 설정 파일 편집</a:t>
+            </a:r>
+            <a:endParaRPr lang="en-US" altLang="ko-KR" sz="1200" dirty="0">
+              <a:latin typeface="+mn-ea"/>
+            </a:endParaRPr>
+          </a:p>
+          <a:p>
+            <a:r>
+              <a:rPr lang="en-US" altLang="ko-KR" sz="1200" dirty="0">
+                <a:latin typeface="+mn-ea"/>
+              </a:rPr>
+              <a:t>ahncy@sixtick-sub2:~$ </a:t>
+            </a:r>
+            <a:r>
+              <a:rPr lang="en-US" altLang="ko-KR" sz="1200" dirty="0" err="1">
+                <a:latin typeface="+mn-ea"/>
+              </a:rPr>
+              <a:t>sudo</a:t>
+            </a:r>
+            <a:r>
+              <a:rPr lang="en-US" altLang="ko-KR" sz="1200" dirty="0">
+                <a:latin typeface="+mn-ea"/>
+              </a:rPr>
+              <a:t> </a:t>
+            </a:r>
+            <a:r>
+              <a:rPr lang="en-US" altLang="ko-KR" sz="1200" dirty="0" err="1">
+                <a:latin typeface="+mn-ea"/>
+              </a:rPr>
+              <a:t>nano</a:t>
+            </a:r>
+            <a:r>
+              <a:rPr lang="en-US" altLang="ko-KR" sz="1200" dirty="0">
+                <a:latin typeface="+mn-ea"/>
+              </a:rPr>
+              <a:t> /</a:t>
+            </a:r>
+            <a:r>
+              <a:rPr lang="en-US" altLang="ko-KR" sz="1200" dirty="0" err="1">
+                <a:latin typeface="+mn-ea"/>
+              </a:rPr>
+              <a:t>etc</a:t>
+            </a:r>
+            <a:r>
+              <a:rPr lang="en-US" altLang="ko-KR" sz="1200" dirty="0">
+                <a:latin typeface="+mn-ea"/>
+              </a:rPr>
+              <a:t>/</a:t>
+            </a:r>
+            <a:r>
+              <a:rPr lang="en-US" altLang="ko-KR" sz="1200" dirty="0" err="1">
+                <a:latin typeface="+mn-ea"/>
+              </a:rPr>
+              <a:t>mysql</a:t>
+            </a:r>
+            <a:r>
+              <a:rPr lang="en-US" altLang="ko-KR" sz="1200" dirty="0">
+                <a:latin typeface="+mn-ea"/>
+              </a:rPr>
+              <a:t>/</a:t>
+            </a:r>
+            <a:r>
+              <a:rPr lang="en-US" altLang="ko-KR" sz="1200" dirty="0" err="1">
+                <a:latin typeface="+mn-ea"/>
+              </a:rPr>
+              <a:t>mysql.conf.d</a:t>
+            </a:r>
+            <a:r>
+              <a:rPr lang="en-US" altLang="ko-KR" sz="1200" dirty="0">
+                <a:latin typeface="+mn-ea"/>
+              </a:rPr>
+              <a:t>/</a:t>
+            </a:r>
+            <a:r>
+              <a:rPr lang="en-US" altLang="ko-KR" sz="1200" dirty="0" err="1">
+                <a:latin typeface="+mn-ea"/>
+              </a:rPr>
+              <a:t>mysqld.cnf</a:t>
+            </a:r>
+            <a:endParaRPr lang="en-US" altLang="ko-KR" sz="1200" dirty="0" smtClean="0">
+              <a:latin typeface="+mn-ea"/>
+            </a:endParaRPr>
+          </a:p>
+          <a:p>
+            <a:endParaRPr lang="en-US" altLang="ko-KR" sz="1200" dirty="0">
+              <a:latin typeface="+mn-ea"/>
+            </a:endParaRPr>
+          </a:p>
+          <a:p>
+            <a:r>
+              <a:rPr lang="ko-KR" altLang="en-US" sz="1200" dirty="0" smtClean="0">
+                <a:latin typeface="+mn-ea"/>
+              </a:rPr>
+              <a:t>모든 외부 </a:t>
+            </a:r>
+            <a:r>
+              <a:rPr lang="en-US" altLang="ko-KR" sz="1200" dirty="0" smtClean="0">
+                <a:latin typeface="+mn-ea"/>
+              </a:rPr>
+              <a:t>IP</a:t>
+            </a:r>
+            <a:r>
+              <a:rPr lang="ko-KR" altLang="en-US" sz="1200" dirty="0" smtClean="0">
+                <a:latin typeface="+mn-ea"/>
+              </a:rPr>
+              <a:t>에서 접속할 수 있도록 </a:t>
+            </a:r>
+            <a:r>
+              <a:rPr lang="en-US" altLang="ko-KR" sz="1200" dirty="0" smtClean="0">
+                <a:latin typeface="+mn-ea"/>
+              </a:rPr>
+              <a:t>bind-address </a:t>
+            </a:r>
+            <a:r>
+              <a:rPr lang="ko-KR" altLang="en-US" sz="1200" dirty="0" smtClean="0">
+                <a:latin typeface="+mn-ea"/>
+              </a:rPr>
+              <a:t>수정</a:t>
+            </a:r>
+            <a:endParaRPr lang="en-US" altLang="ko-KR" sz="1200" dirty="0" smtClean="0">
+              <a:latin typeface="+mn-ea"/>
+            </a:endParaRPr>
+          </a:p>
+          <a:p>
+            <a:r>
+              <a:rPr lang="en-US" altLang="ko-KR" sz="1200" dirty="0">
+                <a:latin typeface="+mn-ea"/>
+              </a:rPr>
+              <a:t>bind-address = </a:t>
+            </a:r>
+            <a:r>
+              <a:rPr lang="en-US" altLang="ko-KR" sz="1200" dirty="0" smtClean="0">
+                <a:latin typeface="+mn-ea"/>
+              </a:rPr>
+              <a:t>127.0.0.1 </a:t>
+            </a:r>
+            <a:r>
+              <a:rPr lang="en-US" altLang="ko-KR" sz="1200" dirty="0" smtClean="0">
+                <a:latin typeface="+mn-ea"/>
+                <a:sym typeface="Wingdings" panose="05000000000000000000" pitchFamily="2" charset="2"/>
+              </a:rPr>
+              <a:t> </a:t>
+            </a:r>
+            <a:r>
+              <a:rPr lang="en-US" altLang="ko-KR" sz="1200" dirty="0">
+                <a:latin typeface="+mn-ea"/>
+              </a:rPr>
+              <a:t>bind-address = </a:t>
+            </a:r>
+            <a:r>
+              <a:rPr lang="en-US" altLang="ko-KR" sz="1200" dirty="0" smtClean="0">
+                <a:latin typeface="+mn-ea"/>
+              </a:rPr>
+              <a:t>0.0.0.0</a:t>
+            </a:r>
+          </a:p>
+          <a:p>
+            <a:endParaRPr lang="en-US" altLang="ko-KR" sz="1200" dirty="0" smtClean="0">
+              <a:latin typeface="+mn-ea"/>
+            </a:endParaRPr>
+          </a:p>
+          <a:p>
+            <a:r>
+              <a:rPr lang="ko-KR" altLang="en-US" sz="1200" dirty="0" smtClean="0">
+                <a:latin typeface="+mn-ea"/>
+              </a:rPr>
+              <a:t>설정을 반영하기 위해 </a:t>
+            </a:r>
+            <a:r>
+              <a:rPr lang="ko-KR" altLang="en-US" sz="1200" dirty="0" err="1" smtClean="0">
+                <a:latin typeface="+mn-ea"/>
+              </a:rPr>
+              <a:t>재시작</a:t>
+            </a:r>
+            <a:endParaRPr lang="en-US" altLang="ko-KR" sz="1200" dirty="0">
+              <a:latin typeface="+mn-ea"/>
+            </a:endParaRPr>
+          </a:p>
+          <a:p>
+            <a:r>
+              <a:rPr lang="en-US" altLang="ko-KR" sz="1200" dirty="0" err="1">
+                <a:latin typeface="+mn-ea"/>
+              </a:rPr>
+              <a:t>sudo</a:t>
+            </a:r>
+            <a:r>
+              <a:rPr lang="en-US" altLang="ko-KR" sz="1200" dirty="0">
+                <a:latin typeface="+mn-ea"/>
+              </a:rPr>
+              <a:t> </a:t>
+            </a:r>
+            <a:r>
+              <a:rPr lang="en-US" altLang="ko-KR" sz="1200" dirty="0" err="1">
+                <a:latin typeface="+mn-ea"/>
+              </a:rPr>
+              <a:t>systemctl</a:t>
+            </a:r>
+            <a:r>
+              <a:rPr lang="en-US" altLang="ko-KR" sz="1200" dirty="0">
+                <a:latin typeface="+mn-ea"/>
+              </a:rPr>
+              <a:t> restart </a:t>
+            </a:r>
+            <a:r>
+              <a:rPr lang="en-US" altLang="ko-KR" sz="1200" dirty="0" err="1">
+                <a:latin typeface="+mn-ea"/>
+              </a:rPr>
+              <a:t>mysql</a:t>
+            </a:r>
+            <a:endParaRPr lang="en-US" altLang="ko-KR" sz="1200" dirty="0">
+              <a:latin typeface="+mn-ea"/>
+            </a:endParaRPr>
+          </a:p>
+          <a:p>
+            <a:endParaRPr lang="en-US" altLang="ko-KR" sz="1200" dirty="0" smtClean="0">
+              <a:latin typeface="+mn-ea"/>
+            </a:endParaRPr>
+          </a:p>
+          <a:p>
+            <a:r>
+              <a:rPr lang="ko-KR" altLang="en-US" sz="1200" dirty="0" smtClean="0">
+                <a:latin typeface="+mn-ea"/>
+              </a:rPr>
+              <a:t>외부 사용자 생성과 모든 외부 </a:t>
+            </a:r>
+            <a:r>
+              <a:rPr lang="en-US" altLang="ko-KR" sz="1200" dirty="0" smtClean="0">
+                <a:latin typeface="+mn-ea"/>
+              </a:rPr>
+              <a:t>IP </a:t>
+            </a:r>
+            <a:r>
+              <a:rPr lang="ko-KR" altLang="en-US" sz="1200" dirty="0" smtClean="0">
+                <a:latin typeface="+mn-ea"/>
+              </a:rPr>
+              <a:t>주소의 접속을 허용</a:t>
+            </a:r>
+            <a:endParaRPr lang="en-US" altLang="ko-KR" sz="1200" dirty="0" smtClean="0">
+              <a:latin typeface="+mn-ea"/>
+            </a:endParaRPr>
+          </a:p>
+          <a:p>
+            <a:r>
+              <a:rPr lang="en-US" altLang="ko-KR" sz="1200" dirty="0" err="1" smtClean="0">
+                <a:latin typeface="+mn-ea"/>
+              </a:rPr>
+              <a:t>Mysql</a:t>
+            </a:r>
+            <a:r>
+              <a:rPr lang="en-US" altLang="ko-KR" sz="1200" dirty="0">
+                <a:latin typeface="+mn-ea"/>
+              </a:rPr>
+              <a:t>&gt; CREATE USER </a:t>
+            </a:r>
+            <a:r>
+              <a:rPr lang="en-US" altLang="ko-KR" sz="1200" dirty="0" smtClean="0">
+                <a:latin typeface="+mn-ea"/>
+              </a:rPr>
+              <a:t>＇</a:t>
+            </a:r>
+            <a:r>
+              <a:rPr lang="en-US" altLang="ko-KR" sz="1200" dirty="0" err="1" smtClean="0">
+                <a:latin typeface="+mn-ea"/>
+              </a:rPr>
+              <a:t>ahncho</a:t>
+            </a:r>
+            <a:r>
+              <a:rPr lang="en-US" altLang="ko-KR" sz="1200" dirty="0" smtClean="0">
+                <a:latin typeface="+mn-ea"/>
+              </a:rPr>
+              <a:t>＇@＇%＇ </a:t>
+            </a:r>
+            <a:r>
+              <a:rPr lang="en-US" altLang="ko-KR" sz="1200" dirty="0">
+                <a:latin typeface="+mn-ea"/>
+              </a:rPr>
+              <a:t>IDENTIFIED BY </a:t>
+            </a:r>
+            <a:r>
+              <a:rPr lang="en-US" altLang="ko-KR" sz="1200" dirty="0" smtClean="0">
+                <a:latin typeface="+mn-ea"/>
+              </a:rPr>
+              <a:t>&lt;</a:t>
+            </a:r>
+            <a:r>
+              <a:rPr lang="en-US" altLang="ko-KR" sz="1200" dirty="0" err="1" smtClean="0">
+                <a:latin typeface="+mn-ea"/>
+              </a:rPr>
+              <a:t>passwd</a:t>
+            </a:r>
+            <a:r>
+              <a:rPr lang="en-US" altLang="ko-KR" sz="1200" dirty="0" smtClean="0">
+                <a:latin typeface="+mn-ea"/>
+              </a:rPr>
+              <a:t>&gt;;</a:t>
+            </a:r>
+            <a:endParaRPr lang="en-US" altLang="ko-KR" sz="1200" dirty="0">
+              <a:latin typeface="+mn-ea"/>
+            </a:endParaRPr>
+          </a:p>
+          <a:p>
+            <a:r>
+              <a:rPr lang="en-US" altLang="ko-KR" sz="1200" dirty="0">
+                <a:latin typeface="+mn-ea"/>
+              </a:rPr>
+              <a:t>Query OK, 0 rows affected (0.02 sec)</a:t>
+            </a:r>
+          </a:p>
+          <a:p>
+            <a:endParaRPr lang="en-US" altLang="ko-KR" sz="1200" dirty="0" smtClean="0">
+              <a:latin typeface="+mn-ea"/>
+            </a:endParaRPr>
+          </a:p>
+          <a:p>
+            <a:r>
+              <a:rPr lang="en-US" altLang="ko-KR" sz="1200" dirty="0" err="1" smtClean="0">
+                <a:latin typeface="+mn-ea"/>
+              </a:rPr>
+              <a:t>Ahncho</a:t>
+            </a:r>
+            <a:r>
+              <a:rPr lang="ko-KR" altLang="en-US" sz="1200" dirty="0" smtClean="0">
+                <a:latin typeface="+mn-ea"/>
+              </a:rPr>
+              <a:t>라는 사용자에게 모든 권한 부여</a:t>
+            </a:r>
+            <a:endParaRPr lang="en-US" altLang="ko-KR" sz="1200" dirty="0">
+              <a:latin typeface="+mn-ea"/>
+            </a:endParaRPr>
+          </a:p>
+          <a:p>
+            <a:r>
+              <a:rPr lang="en-US" altLang="ko-KR" sz="1200" dirty="0" err="1">
+                <a:latin typeface="+mn-ea"/>
+              </a:rPr>
+              <a:t>mysql</a:t>
+            </a:r>
+            <a:r>
+              <a:rPr lang="en-US" altLang="ko-KR" sz="1200" dirty="0">
+                <a:latin typeface="+mn-ea"/>
+              </a:rPr>
+              <a:t>&gt; GRANT ALL PRIVILEGES ON *.* TO '</a:t>
+            </a:r>
+            <a:r>
+              <a:rPr lang="en-US" altLang="ko-KR" sz="1200" dirty="0" err="1">
+                <a:latin typeface="+mn-ea"/>
+              </a:rPr>
+              <a:t>ahncho</a:t>
+            </a:r>
+            <a:r>
+              <a:rPr lang="en-US" altLang="ko-KR" sz="1200" dirty="0">
+                <a:latin typeface="+mn-ea"/>
+              </a:rPr>
+              <a:t>'@'%';</a:t>
+            </a:r>
+          </a:p>
+          <a:p>
+            <a:r>
+              <a:rPr lang="en-US" altLang="ko-KR" sz="1200" dirty="0">
+                <a:latin typeface="+mn-ea"/>
+              </a:rPr>
+              <a:t>Query OK, 0 rows affected (0.01 sec)</a:t>
+            </a:r>
+          </a:p>
+          <a:p>
+            <a:endParaRPr lang="en-US" altLang="ko-KR" sz="1200" dirty="0" smtClean="0">
+              <a:latin typeface="+mn-ea"/>
+            </a:endParaRPr>
+          </a:p>
+          <a:p>
+            <a:r>
+              <a:rPr lang="ko-KR" altLang="en-US" sz="1200" dirty="0" smtClean="0">
+                <a:latin typeface="+mn-ea"/>
+              </a:rPr>
+              <a:t>권한 설정을 즉시 반영</a:t>
+            </a:r>
+            <a:endParaRPr lang="en-US" altLang="ko-KR" sz="1200" dirty="0">
+              <a:latin typeface="+mn-ea"/>
+            </a:endParaRPr>
+          </a:p>
+          <a:p>
+            <a:r>
+              <a:rPr lang="en-US" altLang="ko-KR" sz="1200" dirty="0" err="1">
+                <a:latin typeface="+mn-ea"/>
+              </a:rPr>
+              <a:t>mysql</a:t>
+            </a:r>
+            <a:r>
+              <a:rPr lang="en-US" altLang="ko-KR" sz="1200" dirty="0">
+                <a:latin typeface="+mn-ea"/>
+              </a:rPr>
+              <a:t>&gt; FLUSH PRIVILEGES;</a:t>
+            </a:r>
+          </a:p>
+          <a:p>
+            <a:r>
+              <a:rPr lang="en-US" altLang="ko-KR" sz="1200" dirty="0">
+                <a:latin typeface="+mn-ea"/>
+              </a:rPr>
+              <a:t>Query OK, 0 rows affected (0.01 sec)</a:t>
+            </a:r>
+          </a:p>
+        </p:txBody>
+      </p:sp>
+      <p:sp>
+        <p:nvSpPr>
+          <p:cNvPr id="6" name="TextBox 5"/>
+          <p:cNvSpPr txBox="1"/>
+          <p:nvPr/>
+        </p:nvSpPr>
+        <p:spPr>
+          <a:xfrm>
+            <a:off x="6158770" y="1149178"/>
+            <a:ext cx="5152767" cy="4770537"/>
+          </a:xfrm>
+          <a:prstGeom prst="rect">
+            <a:avLst/>
+          </a:prstGeom>
+          <a:noFill/>
+        </p:spPr>
+        <p:txBody>
+          <a:bodyPr wrap="square" rtlCol="0">
+            <a:spAutoFit/>
+          </a:bodyPr>
+          <a:lstStyle/>
+          <a:p>
+            <a:r>
+              <a:rPr lang="ko-KR" altLang="en-US" sz="1600" b="1" dirty="0" smtClean="0">
+                <a:latin typeface="+mn-ea"/>
+              </a:rPr>
+              <a:t>외부에서 </a:t>
+            </a:r>
+            <a:r>
+              <a:rPr lang="en-US" altLang="ko-KR" sz="1600" b="1" dirty="0" err="1" smtClean="0">
+                <a:latin typeface="+mn-ea"/>
+              </a:rPr>
+              <a:t>mysql</a:t>
+            </a:r>
+            <a:r>
+              <a:rPr lang="en-US" altLang="ko-KR" sz="1600" b="1" dirty="0" smtClean="0">
+                <a:latin typeface="+mn-ea"/>
+              </a:rPr>
+              <a:t> </a:t>
+            </a:r>
+            <a:r>
+              <a:rPr lang="ko-KR" altLang="en-US" sz="1600" b="1" dirty="0" smtClean="0">
+                <a:latin typeface="+mn-ea"/>
+              </a:rPr>
+              <a:t>접속 및 데이터베이스의 테이블 생성</a:t>
+            </a:r>
+            <a:endParaRPr lang="en-US" altLang="ko-KR" sz="1600" b="1" dirty="0" smtClean="0">
+              <a:latin typeface="+mn-ea"/>
+            </a:endParaRPr>
+          </a:p>
+          <a:p>
+            <a:endParaRPr lang="en-US" altLang="ko-KR" sz="1200" dirty="0" smtClean="0">
+              <a:latin typeface="+mn-ea"/>
+            </a:endParaRPr>
+          </a:p>
+          <a:p>
+            <a:r>
+              <a:rPr lang="ko-KR" altLang="en-US" sz="1200" dirty="0">
+                <a:latin typeface="+mn-ea"/>
+              </a:rPr>
+              <a:t>생성한 외부 사용자로 </a:t>
+            </a:r>
+            <a:r>
+              <a:rPr lang="en-US" altLang="ko-KR" sz="1200" dirty="0" err="1">
+                <a:latin typeface="+mn-ea"/>
+              </a:rPr>
+              <a:t>mysql</a:t>
+            </a:r>
+            <a:r>
+              <a:rPr lang="en-US" altLang="ko-KR" sz="1200" dirty="0">
+                <a:latin typeface="+mn-ea"/>
+              </a:rPr>
+              <a:t> </a:t>
+            </a:r>
+            <a:r>
+              <a:rPr lang="ko-KR" altLang="en-US" sz="1200" dirty="0" smtClean="0">
+                <a:latin typeface="+mn-ea"/>
+              </a:rPr>
+              <a:t>접속</a:t>
+            </a:r>
+            <a:endParaRPr lang="en-US" altLang="ko-KR" sz="1200" dirty="0">
+              <a:latin typeface="+mn-ea"/>
+            </a:endParaRPr>
+          </a:p>
+          <a:p>
+            <a:r>
+              <a:rPr lang="en-US" altLang="ko-KR" sz="1200" dirty="0" smtClean="0">
+                <a:latin typeface="+mn-ea"/>
+              </a:rPr>
+              <a:t>PS C:\Users\acy&gt; </a:t>
+            </a:r>
+            <a:r>
+              <a:rPr lang="en-US" altLang="ko-KR" sz="1200" dirty="0" err="1" smtClean="0">
+                <a:latin typeface="+mn-ea"/>
+              </a:rPr>
+              <a:t>mysql</a:t>
+            </a:r>
+            <a:r>
+              <a:rPr lang="en-US" altLang="ko-KR" sz="1200" dirty="0" smtClean="0">
+                <a:latin typeface="+mn-ea"/>
+              </a:rPr>
+              <a:t> –u </a:t>
+            </a:r>
+            <a:r>
+              <a:rPr lang="en-US" altLang="ko-KR" sz="1200" dirty="0" err="1" smtClean="0">
+                <a:latin typeface="+mn-ea"/>
+              </a:rPr>
+              <a:t>ahncho</a:t>
+            </a:r>
+            <a:r>
+              <a:rPr lang="en-US" altLang="ko-KR" sz="1200" dirty="0" smtClean="0">
+                <a:latin typeface="+mn-ea"/>
+              </a:rPr>
+              <a:t> –p –h 192.168.0.26 –P 3306</a:t>
+            </a:r>
+          </a:p>
+          <a:p>
+            <a:endParaRPr lang="en-US" altLang="ko-KR" sz="1200" dirty="0">
+              <a:latin typeface="+mn-ea"/>
+            </a:endParaRPr>
+          </a:p>
+          <a:p>
+            <a:r>
+              <a:rPr lang="ko-KR" altLang="en-US" sz="1200" dirty="0" smtClean="0">
+                <a:latin typeface="+mn-ea"/>
+              </a:rPr>
+              <a:t>데이터베이스 생성</a:t>
+            </a:r>
+            <a:endParaRPr lang="en-US" altLang="ko-KR" sz="1200" dirty="0" smtClean="0">
+              <a:latin typeface="+mn-ea"/>
+            </a:endParaRPr>
+          </a:p>
+          <a:p>
+            <a:r>
+              <a:rPr lang="en-US" altLang="ko-KR" sz="1200" dirty="0" err="1">
+                <a:latin typeface="+mn-ea"/>
+              </a:rPr>
+              <a:t>mysql</a:t>
+            </a:r>
+            <a:r>
+              <a:rPr lang="en-US" altLang="ko-KR" sz="1200" dirty="0">
+                <a:latin typeface="+mn-ea"/>
+              </a:rPr>
+              <a:t>&gt; create database movie</a:t>
+            </a:r>
+            <a:r>
+              <a:rPr lang="en-US" altLang="ko-KR" sz="1200" dirty="0" smtClean="0">
+                <a:latin typeface="+mn-ea"/>
+              </a:rPr>
+              <a:t>;</a:t>
+            </a:r>
+          </a:p>
+          <a:p>
+            <a:endParaRPr lang="en-US" altLang="ko-KR" sz="1200" dirty="0">
+              <a:latin typeface="+mn-ea"/>
+            </a:endParaRPr>
+          </a:p>
+          <a:p>
+            <a:r>
+              <a:rPr lang="ko-KR" altLang="en-US" sz="1200" dirty="0" smtClean="0">
+                <a:latin typeface="+mn-ea"/>
+              </a:rPr>
+              <a:t>해당 데이터베이스에서 테이블 생성</a:t>
+            </a:r>
+            <a:endParaRPr lang="en-US" altLang="ko-KR" sz="1200" dirty="0" smtClean="0">
+              <a:latin typeface="+mn-ea"/>
+            </a:endParaRPr>
+          </a:p>
+          <a:p>
+            <a:r>
+              <a:rPr lang="en-US" altLang="ko-KR" sz="1200" dirty="0" err="1" smtClean="0">
+                <a:latin typeface="+mn-ea"/>
+              </a:rPr>
+              <a:t>Mysql</a:t>
+            </a:r>
+            <a:r>
+              <a:rPr lang="en-US" altLang="ko-KR" sz="1200" dirty="0" smtClean="0">
+                <a:latin typeface="+mn-ea"/>
+              </a:rPr>
+              <a:t>&gt; create </a:t>
+            </a:r>
+            <a:r>
+              <a:rPr lang="en-US" altLang="ko-KR" sz="1200" dirty="0">
+                <a:latin typeface="+mn-ea"/>
+              </a:rPr>
+              <a:t>table posters </a:t>
+            </a:r>
+            <a:r>
+              <a:rPr lang="en-US" altLang="ko-KR" sz="1200" dirty="0" smtClean="0">
+                <a:latin typeface="+mn-ea"/>
+              </a:rPr>
+              <a:t>(</a:t>
+            </a:r>
+          </a:p>
+          <a:p>
+            <a:r>
+              <a:rPr lang="en-US" altLang="ko-KR" sz="1200" dirty="0">
+                <a:latin typeface="+mn-ea"/>
+              </a:rPr>
+              <a:t> </a:t>
+            </a:r>
+            <a:r>
+              <a:rPr lang="en-US" altLang="ko-KR" sz="1200" dirty="0" smtClean="0">
+                <a:latin typeface="+mn-ea"/>
+              </a:rPr>
+              <a:t>   id </a:t>
+            </a:r>
+            <a:r>
+              <a:rPr lang="en-US" altLang="ko-KR" sz="1200" dirty="0" err="1">
+                <a:latin typeface="+mn-ea"/>
+              </a:rPr>
+              <a:t>int</a:t>
+            </a:r>
+            <a:r>
+              <a:rPr lang="en-US" altLang="ko-KR" sz="1200" dirty="0">
+                <a:latin typeface="+mn-ea"/>
+              </a:rPr>
+              <a:t> auto-increment primary key</a:t>
+            </a:r>
+            <a:r>
+              <a:rPr lang="en-US" altLang="ko-KR" sz="1200" dirty="0" smtClean="0">
+                <a:latin typeface="+mn-ea"/>
+              </a:rPr>
+              <a:t>,</a:t>
+            </a:r>
+            <a:endParaRPr lang="en-US" altLang="ko-KR" sz="1200" dirty="0">
+              <a:latin typeface="+mn-ea"/>
+            </a:endParaRPr>
+          </a:p>
+          <a:p>
+            <a:r>
+              <a:rPr lang="en-US" altLang="ko-KR" sz="1200" dirty="0">
+                <a:latin typeface="+mn-ea"/>
+              </a:rPr>
+              <a:t>    image </a:t>
+            </a:r>
+            <a:r>
+              <a:rPr lang="en-US" altLang="ko-KR" sz="1200" dirty="0" err="1">
+                <a:latin typeface="+mn-ea"/>
+              </a:rPr>
+              <a:t>longblob</a:t>
+            </a:r>
+            <a:r>
+              <a:rPr lang="en-US" altLang="ko-KR" sz="1200" dirty="0">
+                <a:latin typeface="+mn-ea"/>
+              </a:rPr>
+              <a:t> not null, </a:t>
+            </a:r>
+          </a:p>
+          <a:p>
+            <a:r>
+              <a:rPr lang="en-US" altLang="ko-KR" sz="1200" dirty="0">
+                <a:latin typeface="+mn-ea"/>
+              </a:rPr>
+              <a:t>    title varchar(255) not null,</a:t>
+            </a:r>
+          </a:p>
+          <a:p>
+            <a:r>
+              <a:rPr lang="en-US" altLang="ko-KR" sz="1200" dirty="0">
+                <a:latin typeface="+mn-ea"/>
+              </a:rPr>
+              <a:t>    </a:t>
+            </a:r>
+            <a:r>
+              <a:rPr lang="en-US" altLang="ko-KR" sz="1200" dirty="0" err="1">
+                <a:latin typeface="+mn-ea"/>
+              </a:rPr>
+              <a:t>relYear</a:t>
+            </a:r>
+            <a:r>
+              <a:rPr lang="en-US" altLang="ko-KR" sz="1200" dirty="0">
+                <a:latin typeface="+mn-ea"/>
+              </a:rPr>
+              <a:t> </a:t>
+            </a:r>
+            <a:r>
+              <a:rPr lang="en-US" altLang="ko-KR" sz="1200" dirty="0" err="1">
+                <a:latin typeface="+mn-ea"/>
+              </a:rPr>
+              <a:t>int</a:t>
+            </a:r>
+            <a:r>
+              <a:rPr lang="en-US" altLang="ko-KR" sz="1200" dirty="0">
+                <a:latin typeface="+mn-ea"/>
+              </a:rPr>
+              <a:t> not null,</a:t>
+            </a:r>
+          </a:p>
+          <a:p>
+            <a:r>
+              <a:rPr lang="en-US" altLang="ko-KR" sz="1200" dirty="0">
+                <a:latin typeface="+mn-ea"/>
+              </a:rPr>
+              <a:t>    rating varchar(20) not null,</a:t>
+            </a:r>
+          </a:p>
+          <a:p>
+            <a:r>
+              <a:rPr lang="en-US" altLang="ko-KR" sz="1200" dirty="0">
+                <a:latin typeface="+mn-ea"/>
+              </a:rPr>
+              <a:t>    </a:t>
+            </a:r>
+            <a:r>
+              <a:rPr lang="en-US" altLang="ko-KR" sz="1200" dirty="0" err="1">
+                <a:latin typeface="+mn-ea"/>
+              </a:rPr>
+              <a:t>runTime</a:t>
+            </a:r>
+            <a:r>
+              <a:rPr lang="en-US" altLang="ko-KR" sz="1200" dirty="0">
+                <a:latin typeface="+mn-ea"/>
+              </a:rPr>
+              <a:t> float not null,</a:t>
+            </a:r>
+          </a:p>
+          <a:p>
+            <a:r>
+              <a:rPr lang="en-US" altLang="ko-KR" sz="1200" dirty="0">
+                <a:latin typeface="+mn-ea"/>
+              </a:rPr>
+              <a:t>    genre varchar(255) not null,</a:t>
+            </a:r>
+          </a:p>
+          <a:p>
+            <a:r>
+              <a:rPr lang="en-US" altLang="ko-KR" sz="1200" dirty="0">
+                <a:latin typeface="+mn-ea"/>
+              </a:rPr>
+              <a:t>    director varchar(255) not null,</a:t>
+            </a:r>
+          </a:p>
+          <a:p>
+            <a:r>
+              <a:rPr lang="en-US" altLang="ko-KR" sz="1200" dirty="0">
+                <a:latin typeface="+mn-ea"/>
+              </a:rPr>
+              <a:t>    story varchar(2000) not null,</a:t>
+            </a:r>
+          </a:p>
+          <a:p>
+            <a:r>
+              <a:rPr lang="en-US" altLang="ko-KR" sz="1200" dirty="0">
+                <a:latin typeface="+mn-ea"/>
+              </a:rPr>
+              <a:t>    actor varchar(255) not null,</a:t>
+            </a:r>
+          </a:p>
+          <a:p>
+            <a:r>
+              <a:rPr lang="en-US" altLang="ko-KR" sz="1200" dirty="0">
+                <a:latin typeface="+mn-ea"/>
+              </a:rPr>
+              <a:t>    prod varchar(255) not null,</a:t>
+            </a:r>
+          </a:p>
+          <a:p>
+            <a:r>
+              <a:rPr lang="en-US" altLang="ko-KR" sz="1200" dirty="0">
+                <a:latin typeface="+mn-ea"/>
+              </a:rPr>
+              <a:t>    nation varchar(255) not null,</a:t>
+            </a:r>
+          </a:p>
+          <a:p>
+            <a:r>
+              <a:rPr lang="en-US" altLang="ko-KR" sz="1200" dirty="0">
+                <a:latin typeface="+mn-ea"/>
+              </a:rPr>
+              <a:t>    </a:t>
+            </a:r>
+            <a:r>
+              <a:rPr lang="en-US" altLang="ko-KR" sz="1200" dirty="0" err="1">
+                <a:latin typeface="+mn-ea"/>
+              </a:rPr>
+              <a:t>etc</a:t>
+            </a:r>
+            <a:r>
+              <a:rPr lang="en-US" altLang="ko-KR" sz="1200" dirty="0">
+                <a:latin typeface="+mn-ea"/>
+              </a:rPr>
+              <a:t> varchar(255)</a:t>
+            </a:r>
+          </a:p>
+          <a:p>
+            <a:r>
+              <a:rPr lang="en-US" altLang="ko-KR" sz="1200" dirty="0">
+                <a:latin typeface="+mn-ea"/>
+              </a:rPr>
+              <a:t>);</a:t>
+            </a:r>
+          </a:p>
+          <a:p>
+            <a:endParaRPr lang="en-US" altLang="ko-KR" sz="1200" dirty="0">
+              <a:latin typeface="+mn-ea"/>
+            </a:endParaRPr>
+          </a:p>
+        </p:txBody>
+      </p:sp>
+    </p:spTree>
+    <p:extLst>
+      <p:ext uri="{BB962C8B-B14F-4D97-AF65-F5344CB8AC3E}">
+        <p14:creationId xmlns:p14="http://schemas.microsoft.com/office/powerpoint/2010/main" val="2165939787"/>
       </p:ext>
     </p:extLst>
   </p:cSld>

--- a/doc/세종교육_AI프로젝트.pptx
+++ b/doc/세종교육_AI프로젝트.pptx
@@ -15,6 +15,18 @@
     <p:sldId id="264" r:id="rId9"/>
     <p:sldId id="265" r:id="rId10"/>
     <p:sldId id="266" r:id="rId11"/>
+    <p:sldId id="268" r:id="rId12"/>
+    <p:sldId id="269" r:id="rId13"/>
+    <p:sldId id="270" r:id="rId14"/>
+    <p:sldId id="271" r:id="rId15"/>
+    <p:sldId id="267" r:id="rId16"/>
+    <p:sldId id="274" r:id="rId17"/>
+    <p:sldId id="272" r:id="rId18"/>
+    <p:sldId id="273" r:id="rId19"/>
+    <p:sldId id="275" r:id="rId20"/>
+    <p:sldId id="276" r:id="rId21"/>
+    <p:sldId id="277" r:id="rId22"/>
+    <p:sldId id="278" r:id="rId23"/>
   </p:sldIdLst>
   <p:sldSz cx="12192000" cy="6858000"/>
   <p:notesSz cx="6858000" cy="9144000"/>
@@ -346,7 +358,7 @@
             <a:fld id="{5586B75A-687E-405C-8A0B-8D00578BA2C3}" type="datetimeFigureOut">
               <a:rPr lang="en-US" dirty="0"/>
               <a:pPr/>
-              <a:t>12/9/2024</a:t>
+              <a:t>12/10/2024</a:t>
             </a:fld>
             <a:endParaRPr lang="en-US" dirty="0"/>
           </a:p>
@@ -513,7 +525,7 @@
             <a:fld id="{5586B75A-687E-405C-8A0B-8D00578BA2C3}" type="datetimeFigureOut">
               <a:rPr lang="en-US" dirty="0"/>
               <a:pPr/>
-              <a:t>12/9/2024</a:t>
+              <a:t>12/10/2024</a:t>
             </a:fld>
             <a:endParaRPr lang="en-US" dirty="0"/>
           </a:p>
@@ -690,7 +702,7 @@
             <a:fld id="{5586B75A-687E-405C-8A0B-8D00578BA2C3}" type="datetimeFigureOut">
               <a:rPr lang="en-US" dirty="0"/>
               <a:pPr/>
-              <a:t>12/9/2024</a:t>
+              <a:t>12/10/2024</a:t>
             </a:fld>
             <a:endParaRPr lang="en-US" dirty="0"/>
           </a:p>
@@ -857,7 +869,7 @@
             <a:fld id="{5586B75A-687E-405C-8A0B-8D00578BA2C3}" type="datetimeFigureOut">
               <a:rPr lang="en-US" dirty="0"/>
               <a:pPr/>
-              <a:t>12/9/2024</a:t>
+              <a:t>12/10/2024</a:t>
             </a:fld>
             <a:endParaRPr lang="en-US" dirty="0"/>
           </a:p>
@@ -1112,7 +1124,7 @@
             <a:fld id="{5586B75A-687E-405C-8A0B-8D00578BA2C3}" type="datetimeFigureOut">
               <a:rPr lang="en-US" dirty="0"/>
               <a:pPr/>
-              <a:t>12/9/2024</a:t>
+              <a:t>12/10/2024</a:t>
             </a:fld>
             <a:endParaRPr lang="en-US" dirty="0"/>
           </a:p>
@@ -1397,7 +1409,7 @@
             <a:fld id="{5586B75A-687E-405C-8A0B-8D00578BA2C3}" type="datetimeFigureOut">
               <a:rPr lang="en-US" dirty="0"/>
               <a:pPr/>
-              <a:t>12/9/2024</a:t>
+              <a:t>12/10/2024</a:t>
             </a:fld>
             <a:endParaRPr lang="en-US" dirty="0"/>
           </a:p>
@@ -1836,7 +1848,7 @@
             <a:fld id="{5586B75A-687E-405C-8A0B-8D00578BA2C3}" type="datetimeFigureOut">
               <a:rPr lang="en-US" dirty="0"/>
               <a:pPr/>
-              <a:t>12/9/2024</a:t>
+              <a:t>12/10/2024</a:t>
             </a:fld>
             <a:endParaRPr lang="en-US" dirty="0"/>
           </a:p>
@@ -1951,7 +1963,7 @@
             <a:fld id="{5586B75A-687E-405C-8A0B-8D00578BA2C3}" type="datetimeFigureOut">
               <a:rPr lang="en-US" dirty="0"/>
               <a:pPr/>
-              <a:t>12/9/2024</a:t>
+              <a:t>12/10/2024</a:t>
             </a:fld>
             <a:endParaRPr lang="en-US" dirty="0"/>
           </a:p>
@@ -2043,7 +2055,7 @@
             <a:fld id="{5586B75A-687E-405C-8A0B-8D00578BA2C3}" type="datetimeFigureOut">
               <a:rPr lang="en-US" dirty="0"/>
               <a:pPr/>
-              <a:t>12/9/2024</a:t>
+              <a:t>12/10/2024</a:t>
             </a:fld>
             <a:endParaRPr lang="en-US" dirty="0"/>
           </a:p>
@@ -2686,7 +2698,7 @@
             <a:fld id="{5586B75A-687E-405C-8A0B-8D00578BA2C3}" type="datetimeFigureOut">
               <a:rPr lang="en-US" dirty="0"/>
               <a:pPr/>
-              <a:t>12/9/2024</a:t>
+              <a:t>12/10/2024</a:t>
             </a:fld>
             <a:endParaRPr lang="en-US" dirty="0"/>
           </a:p>
@@ -2956,7 +2968,7 @@
             <a:fld id="{5586B75A-687E-405C-8A0B-8D00578BA2C3}" type="datetimeFigureOut">
               <a:rPr lang="en-US" dirty="0"/>
               <a:pPr/>
-              <a:t>12/9/2024</a:t>
+              <a:t>12/10/2024</a:t>
             </a:fld>
             <a:endParaRPr lang="en-US" dirty="0"/>
           </a:p>
@@ -3250,7 +3262,7 @@
             <a:fld id="{5586B75A-687E-405C-8A0B-8D00578BA2C3}" type="datetimeFigureOut">
               <a:rPr lang="en-US" dirty="0"/>
               <a:pPr/>
-              <a:t>12/9/2024</a:t>
+              <a:t>12/10/2024</a:t>
             </a:fld>
             <a:endParaRPr lang="en-US" dirty="0"/>
           </a:p>
@@ -3831,8 +3843,8 @@
         </p:nvSpPr>
         <p:spPr>
           <a:xfrm>
-            <a:off x="9127221" y="201336"/>
-            <a:ext cx="2509020" cy="584775"/>
+            <a:off x="9127220" y="201336"/>
+            <a:ext cx="2509021" cy="584775"/>
           </a:xfrm>
           <a:prstGeom prst="rect">
             <a:avLst/>
@@ -3860,7 +3872,7 @@
                   <a:schemeClr val="bg1"/>
                 </a:solidFill>
               </a:rPr>
-              <a:t>서버 구축</a:t>
+              <a:t>구조 설계</a:t>
             </a:r>
             <a:endParaRPr lang="ko-KR" altLang="en-US" sz="3200" dirty="0">
               <a:solidFill>
@@ -3922,6 +3934,868 @@
           </a:p>
         </p:txBody>
       </p:sp>
+      <p:pic>
+        <p:nvPicPr>
+          <p:cNvPr id="8" name="그림 7"/>
+          <p:cNvPicPr>
+            <a:picLocks noChangeAspect="1"/>
+          </p:cNvPicPr>
+          <p:nvPr/>
+        </p:nvPicPr>
+        <p:blipFill>
+          <a:blip r:embed="rId2"/>
+          <a:stretch>
+            <a:fillRect/>
+          </a:stretch>
+        </p:blipFill>
+        <p:spPr>
+          <a:xfrm>
+            <a:off x="2896213" y="1606378"/>
+            <a:ext cx="5847261" cy="3410130"/>
+          </a:xfrm>
+          <a:prstGeom prst="rect">
+            <a:avLst/>
+          </a:prstGeom>
+        </p:spPr>
+      </p:pic>
+    </p:spTree>
+    <p:extLst>
+      <p:ext uri="{BB962C8B-B14F-4D97-AF65-F5344CB8AC3E}">
+        <p14:creationId xmlns:p14="http://schemas.microsoft.com/office/powerpoint/2010/main" val="2691934056"/>
+      </p:ext>
+    </p:extLst>
+  </p:cSld>
+  <p:clrMapOvr>
+    <a:masterClrMapping/>
+  </p:clrMapOvr>
+</p:sld>
+</file>
+
+<file path=ppt/slides/slide11.xml><?xml version="1.0" encoding="utf-8"?>
+<p:sld xmlns:a="http://schemas.openxmlformats.org/drawingml/2006/main" xmlns:r="http://schemas.openxmlformats.org/officeDocument/2006/relationships" xmlns:p="http://schemas.openxmlformats.org/presentationml/2006/main">
+  <p:cSld>
+    <p:spTree>
+      <p:nvGrpSpPr>
+        <p:cNvPr id="1" name=""/>
+        <p:cNvGrpSpPr/>
+        <p:nvPr/>
+      </p:nvGrpSpPr>
+      <p:grpSpPr>
+        <a:xfrm>
+          <a:off x="0" y="0"/>
+          <a:ext cx="0" cy="0"/>
+          <a:chOff x="0" y="0"/>
+          <a:chExt cx="0" cy="0"/>
+        </a:xfrm>
+      </p:grpSpPr>
+      <p:sp>
+        <p:nvSpPr>
+          <p:cNvPr id="2" name="TextBox 1"/>
+          <p:cNvSpPr txBox="1"/>
+          <p:nvPr/>
+        </p:nvSpPr>
+        <p:spPr>
+          <a:xfrm>
+            <a:off x="1021978" y="1613648"/>
+            <a:ext cx="7523213" cy="3416320"/>
+          </a:xfrm>
+          <a:prstGeom prst="rect">
+            <a:avLst/>
+          </a:prstGeom>
+          <a:noFill/>
+        </p:spPr>
+        <p:txBody>
+          <a:bodyPr wrap="none" rtlCol="0">
+            <a:spAutoFit/>
+          </a:bodyPr>
+          <a:lstStyle/>
+          <a:p>
+            <a:r>
+              <a:rPr lang="ko-KR" altLang="en-US" dirty="0" smtClean="0"/>
+              <a:t>전략 변경</a:t>
+            </a:r>
+            <a:endParaRPr lang="en-US" altLang="ko-KR" dirty="0" smtClean="0"/>
+          </a:p>
+          <a:p>
+            <a:endParaRPr lang="en-US" altLang="ko-KR" dirty="0"/>
+          </a:p>
+          <a:p>
+            <a:r>
+              <a:rPr lang="ko-KR" altLang="en-US" dirty="0" smtClean="0"/>
+              <a:t>테이블 </a:t>
+            </a:r>
+            <a:r>
+              <a:rPr lang="en-US" altLang="ko-KR" dirty="0" smtClean="0"/>
+              <a:t>1</a:t>
+            </a:r>
+            <a:r>
+              <a:rPr lang="ko-KR" altLang="en-US" dirty="0" smtClean="0"/>
+              <a:t>개가 아니라</a:t>
+            </a:r>
+            <a:endParaRPr lang="en-US" altLang="ko-KR" dirty="0" smtClean="0"/>
+          </a:p>
+          <a:p>
+            <a:r>
+              <a:rPr lang="ko-KR" altLang="en-US" dirty="0" smtClean="0"/>
+              <a:t>포스터 이미지와 해당 영화 상세 정보 테이블</a:t>
+            </a:r>
+            <a:r>
+              <a:rPr lang="en-US" altLang="ko-KR" dirty="0" smtClean="0"/>
+              <a:t>, </a:t>
+            </a:r>
+            <a:r>
+              <a:rPr lang="ko-KR" altLang="en-US" dirty="0" smtClean="0"/>
+              <a:t>이렇게 </a:t>
+            </a:r>
+            <a:r>
+              <a:rPr lang="en-US" altLang="ko-KR" dirty="0" smtClean="0"/>
+              <a:t>2</a:t>
+            </a:r>
+            <a:r>
+              <a:rPr lang="ko-KR" altLang="en-US" dirty="0" smtClean="0"/>
+              <a:t>개로 나누어 만든다</a:t>
+            </a:r>
+            <a:endParaRPr lang="en-US" altLang="ko-KR" dirty="0" smtClean="0"/>
+          </a:p>
+          <a:p>
+            <a:endParaRPr lang="en-US" altLang="ko-KR" dirty="0"/>
+          </a:p>
+          <a:p>
+            <a:r>
+              <a:rPr lang="ko-KR" altLang="en-US" dirty="0" smtClean="0"/>
+              <a:t>다음과 같은 문제가 예상된다고 판단했다</a:t>
+            </a:r>
+            <a:endParaRPr lang="en-US" altLang="ko-KR" dirty="0" smtClean="0"/>
+          </a:p>
+          <a:p>
+            <a:pPr marL="342900" indent="-342900">
+              <a:buAutoNum type="arabicPeriod"/>
+            </a:pPr>
+            <a:r>
+              <a:rPr lang="ko-KR" altLang="en-US" dirty="0" smtClean="0"/>
+              <a:t>테이블 크기 증가</a:t>
+            </a:r>
+            <a:endParaRPr lang="en-US" altLang="ko-KR" dirty="0" smtClean="0"/>
+          </a:p>
+          <a:p>
+            <a:pPr lvl="1"/>
+            <a:r>
+              <a:rPr lang="ko-KR" altLang="en-US" dirty="0"/>
+              <a:t>이미지를 포함하면 데이터베이스의 크기가 </a:t>
+            </a:r>
+            <a:r>
+              <a:rPr lang="en-US" altLang="ko-KR" dirty="0"/>
+              <a:t>MB </a:t>
+            </a:r>
+            <a:r>
+              <a:rPr lang="ko-KR" altLang="en-US" dirty="0"/>
+              <a:t>단위로 커질 수 </a:t>
+            </a:r>
+            <a:r>
+              <a:rPr lang="ko-KR" altLang="en-US" dirty="0" smtClean="0"/>
+              <a:t>있다</a:t>
+            </a:r>
+            <a:endParaRPr lang="en-US" altLang="ko-KR" dirty="0" smtClean="0"/>
+          </a:p>
+          <a:p>
+            <a:pPr marL="342900" indent="-342900">
+              <a:buAutoNum type="arabicPeriod"/>
+            </a:pPr>
+            <a:r>
+              <a:rPr lang="ko-KR" altLang="en-US" dirty="0" smtClean="0"/>
+              <a:t>성능 저하</a:t>
+            </a:r>
+            <a:endParaRPr lang="en-US" altLang="ko-KR" dirty="0" smtClean="0"/>
+          </a:p>
+          <a:p>
+            <a:pPr lvl="1"/>
+            <a:r>
+              <a:rPr lang="ko-KR" altLang="en-US" dirty="0" smtClean="0"/>
+              <a:t>데이터를 처리할 때 큰 이미지 파일로 인해 </a:t>
+            </a:r>
+            <a:r>
+              <a:rPr lang="en-US" altLang="ko-KR" dirty="0" smtClean="0"/>
+              <a:t>I/O </a:t>
+            </a:r>
+            <a:r>
+              <a:rPr lang="ko-KR" altLang="en-US" dirty="0" smtClean="0"/>
+              <a:t>성능이 느려진다</a:t>
+            </a:r>
+            <a:endParaRPr lang="en-US" altLang="ko-KR" dirty="0" smtClean="0"/>
+          </a:p>
+          <a:p>
+            <a:pPr marL="342900" indent="-342900">
+              <a:buAutoNum type="arabicPeriod"/>
+            </a:pPr>
+            <a:r>
+              <a:rPr lang="ko-KR" altLang="en-US" dirty="0" smtClean="0"/>
+              <a:t>유지보수의 어려움</a:t>
+            </a:r>
+            <a:endParaRPr lang="en-US" altLang="ko-KR" dirty="0" smtClean="0"/>
+          </a:p>
+          <a:p>
+            <a:pPr lvl="1"/>
+            <a:r>
+              <a:rPr lang="ko-KR" altLang="en-US" dirty="0" smtClean="0"/>
+              <a:t>이미지를 수정하거나 삭제할 때 시간이 걸린다</a:t>
+            </a:r>
+            <a:endParaRPr lang="en-US" altLang="ko-KR" dirty="0" smtClean="0"/>
+          </a:p>
+        </p:txBody>
+      </p:sp>
+    </p:spTree>
+    <p:extLst>
+      <p:ext uri="{BB962C8B-B14F-4D97-AF65-F5344CB8AC3E}">
+        <p14:creationId xmlns:p14="http://schemas.microsoft.com/office/powerpoint/2010/main" val="2324507888"/>
+      </p:ext>
+    </p:extLst>
+  </p:cSld>
+  <p:clrMapOvr>
+    <a:masterClrMapping/>
+  </p:clrMapOvr>
+</p:sld>
+</file>
+
+<file path=ppt/slides/slide12.xml><?xml version="1.0" encoding="utf-8"?>
+<p:sld xmlns:a="http://schemas.openxmlformats.org/drawingml/2006/main" xmlns:r="http://schemas.openxmlformats.org/officeDocument/2006/relationships" xmlns:p="http://schemas.openxmlformats.org/presentationml/2006/main">
+  <p:cSld>
+    <p:spTree>
+      <p:nvGrpSpPr>
+        <p:cNvPr id="1" name=""/>
+        <p:cNvGrpSpPr/>
+        <p:nvPr/>
+      </p:nvGrpSpPr>
+      <p:grpSpPr>
+        <a:xfrm>
+          <a:off x="0" y="0"/>
+          <a:ext cx="0" cy="0"/>
+          <a:chOff x="0" y="0"/>
+          <a:chExt cx="0" cy="0"/>
+        </a:xfrm>
+      </p:grpSpPr>
+      <p:sp>
+        <p:nvSpPr>
+          <p:cNvPr id="2" name="TextBox 1"/>
+          <p:cNvSpPr txBox="1"/>
+          <p:nvPr/>
+        </p:nvSpPr>
+        <p:spPr>
+          <a:xfrm>
+            <a:off x="2216075" y="1032735"/>
+            <a:ext cx="7943200" cy="2585323"/>
+          </a:xfrm>
+          <a:prstGeom prst="rect">
+            <a:avLst/>
+          </a:prstGeom>
+          <a:noFill/>
+        </p:spPr>
+        <p:txBody>
+          <a:bodyPr wrap="none" rtlCol="0">
+            <a:spAutoFit/>
+          </a:bodyPr>
+          <a:lstStyle/>
+          <a:p>
+            <a:r>
+              <a:rPr lang="ko-KR" altLang="en-US" dirty="0" smtClean="0"/>
+              <a:t>기존 </a:t>
+            </a:r>
+            <a:r>
+              <a:rPr lang="en-US" altLang="ko-KR" dirty="0" smtClean="0"/>
+              <a:t>posters </a:t>
+            </a:r>
+            <a:r>
+              <a:rPr lang="ko-KR" altLang="en-US" dirty="0" smtClean="0"/>
+              <a:t>테이블에서 이미지 칼럼을 삭제 </a:t>
+            </a:r>
+            <a:r>
+              <a:rPr lang="en-US" altLang="ko-KR" dirty="0" smtClean="0"/>
+              <a:t>(</a:t>
+            </a:r>
+            <a:r>
+              <a:rPr lang="ko-KR" altLang="en-US" dirty="0" smtClean="0"/>
+              <a:t>이후 </a:t>
+            </a:r>
+            <a:r>
+              <a:rPr lang="ko-KR" altLang="en-US" dirty="0" err="1" smtClean="0"/>
+              <a:t>테이블명을</a:t>
+            </a:r>
+            <a:r>
+              <a:rPr lang="ko-KR" altLang="en-US" dirty="0" smtClean="0"/>
+              <a:t> </a:t>
+            </a:r>
+            <a:r>
+              <a:rPr lang="en-US" altLang="ko-KR" dirty="0" err="1" smtClean="0"/>
+              <a:t>movInfo</a:t>
+            </a:r>
+            <a:r>
+              <a:rPr lang="ko-KR" altLang="en-US" dirty="0" smtClean="0"/>
+              <a:t>로 변경</a:t>
+            </a:r>
+            <a:r>
+              <a:rPr lang="en-US" altLang="ko-KR" dirty="0" smtClean="0"/>
+              <a:t>)</a:t>
+            </a:r>
+            <a:endParaRPr lang="fr-FR" altLang="ko-KR" dirty="0" smtClean="0"/>
+          </a:p>
+          <a:p>
+            <a:r>
+              <a:rPr lang="fr-FR" altLang="ko-KR" dirty="0" smtClean="0"/>
+              <a:t>Mysql</a:t>
+            </a:r>
+            <a:r>
+              <a:rPr lang="fr-FR" altLang="ko-KR" dirty="0"/>
+              <a:t>&gt; alter table posters drop image</a:t>
+            </a:r>
+            <a:r>
+              <a:rPr lang="fr-FR" altLang="ko-KR" dirty="0" smtClean="0"/>
+              <a:t>;</a:t>
+            </a:r>
+          </a:p>
+          <a:p>
+            <a:endParaRPr lang="fr-FR" altLang="ko-KR" dirty="0"/>
+          </a:p>
+          <a:p>
+            <a:r>
+              <a:rPr lang="en-US" altLang="ko-KR" dirty="0" err="1" smtClean="0"/>
+              <a:t>movPos</a:t>
+            </a:r>
+            <a:r>
+              <a:rPr lang="ko-KR" altLang="en-US" dirty="0" smtClean="0"/>
+              <a:t>라는 이미지를 담을 테이블 생성</a:t>
+            </a:r>
+            <a:endParaRPr lang="en-US" altLang="ko-KR" dirty="0" smtClean="0"/>
+          </a:p>
+          <a:p>
+            <a:r>
+              <a:rPr lang="en-US" altLang="ko-KR" dirty="0" err="1"/>
+              <a:t>mysql</a:t>
+            </a:r>
+            <a:r>
+              <a:rPr lang="en-US" altLang="ko-KR" dirty="0"/>
+              <a:t>&gt; CREATE TABLE </a:t>
+            </a:r>
+            <a:r>
+              <a:rPr lang="en-US" altLang="ko-KR" dirty="0" err="1"/>
+              <a:t>movPos</a:t>
+            </a:r>
+            <a:r>
+              <a:rPr lang="en-US" altLang="ko-KR" dirty="0"/>
+              <a:t> (</a:t>
+            </a:r>
+          </a:p>
+          <a:p>
+            <a:r>
+              <a:rPr lang="en-US" altLang="ko-KR" dirty="0"/>
+              <a:t>    -&gt;     id INT AUTO_INCREMENT,</a:t>
+            </a:r>
+          </a:p>
+          <a:p>
+            <a:r>
+              <a:rPr lang="en-US" altLang="ko-KR" dirty="0"/>
+              <a:t>    -&gt;     </a:t>
+            </a:r>
+            <a:r>
+              <a:rPr lang="en-US" altLang="ko-KR" dirty="0" err="1"/>
+              <a:t>img</a:t>
+            </a:r>
+            <a:r>
+              <a:rPr lang="en-US" altLang="ko-KR" dirty="0"/>
+              <a:t> LONGBLOB NOT NULL,</a:t>
+            </a:r>
+          </a:p>
+          <a:p>
+            <a:r>
+              <a:rPr lang="en-US" altLang="ko-KR" dirty="0"/>
+              <a:t>    -&gt;     PRIMARY KEY (id)</a:t>
+            </a:r>
+          </a:p>
+          <a:p>
+            <a:r>
+              <a:rPr lang="en-US" altLang="ko-KR" dirty="0"/>
+              <a:t>    -&gt; );</a:t>
+            </a:r>
+            <a:endParaRPr lang="ko-KR" altLang="en-US" dirty="0"/>
+          </a:p>
+        </p:txBody>
+      </p:sp>
+      <p:pic>
+        <p:nvPicPr>
+          <p:cNvPr id="4" name="그림 3"/>
+          <p:cNvPicPr>
+            <a:picLocks noChangeAspect="1"/>
+          </p:cNvPicPr>
+          <p:nvPr/>
+        </p:nvPicPr>
+        <p:blipFill>
+          <a:blip r:embed="rId2"/>
+          <a:stretch>
+            <a:fillRect/>
+          </a:stretch>
+        </p:blipFill>
+        <p:spPr>
+          <a:xfrm>
+            <a:off x="954433" y="3618058"/>
+            <a:ext cx="4526010" cy="2521634"/>
+          </a:xfrm>
+          <a:prstGeom prst="rect">
+            <a:avLst/>
+          </a:prstGeom>
+        </p:spPr>
+      </p:pic>
+      <p:pic>
+        <p:nvPicPr>
+          <p:cNvPr id="5" name="그림 4"/>
+          <p:cNvPicPr>
+            <a:picLocks noChangeAspect="1"/>
+          </p:cNvPicPr>
+          <p:nvPr/>
+        </p:nvPicPr>
+        <p:blipFill>
+          <a:blip r:embed="rId3"/>
+          <a:stretch>
+            <a:fillRect/>
+          </a:stretch>
+        </p:blipFill>
+        <p:spPr>
+          <a:xfrm>
+            <a:off x="5803175" y="3949942"/>
+            <a:ext cx="5401429" cy="1562318"/>
+          </a:xfrm>
+          <a:prstGeom prst="rect">
+            <a:avLst/>
+          </a:prstGeom>
+        </p:spPr>
+      </p:pic>
+    </p:spTree>
+    <p:extLst>
+      <p:ext uri="{BB962C8B-B14F-4D97-AF65-F5344CB8AC3E}">
+        <p14:creationId xmlns:p14="http://schemas.microsoft.com/office/powerpoint/2010/main" val="4011187208"/>
+      </p:ext>
+    </p:extLst>
+  </p:cSld>
+  <p:clrMapOvr>
+    <a:masterClrMapping/>
+  </p:clrMapOvr>
+</p:sld>
+</file>
+
+<file path=ppt/slides/slide13.xml><?xml version="1.0" encoding="utf-8"?>
+<p:sld xmlns:a="http://schemas.openxmlformats.org/drawingml/2006/main" xmlns:r="http://schemas.openxmlformats.org/officeDocument/2006/relationships" xmlns:p="http://schemas.openxmlformats.org/presentationml/2006/main">
+  <p:cSld>
+    <p:spTree>
+      <p:nvGrpSpPr>
+        <p:cNvPr id="1" name=""/>
+        <p:cNvGrpSpPr/>
+        <p:nvPr/>
+      </p:nvGrpSpPr>
+      <p:grpSpPr>
+        <a:xfrm>
+          <a:off x="0" y="0"/>
+          <a:ext cx="0" cy="0"/>
+          <a:chOff x="0" y="0"/>
+          <a:chExt cx="0" cy="0"/>
+        </a:xfrm>
+      </p:grpSpPr>
+      <p:sp>
+        <p:nvSpPr>
+          <p:cNvPr id="2" name="TextBox 1"/>
+          <p:cNvSpPr txBox="1"/>
+          <p:nvPr/>
+        </p:nvSpPr>
+        <p:spPr>
+          <a:xfrm>
+            <a:off x="3399416" y="1366221"/>
+            <a:ext cx="5693162" cy="923330"/>
+          </a:xfrm>
+          <a:prstGeom prst="rect">
+            <a:avLst/>
+          </a:prstGeom>
+          <a:noFill/>
+        </p:spPr>
+        <p:txBody>
+          <a:bodyPr wrap="none" rtlCol="0">
+            <a:spAutoFit/>
+          </a:bodyPr>
+          <a:lstStyle/>
+          <a:p>
+            <a:r>
+              <a:rPr lang="ko-KR" altLang="en-US" dirty="0" smtClean="0"/>
+              <a:t>가시성을 위해 </a:t>
+            </a:r>
+            <a:r>
+              <a:rPr lang="en-US" altLang="ko-KR" dirty="0" err="1" smtClean="0"/>
+              <a:t>mysql</a:t>
+            </a:r>
+            <a:r>
+              <a:rPr lang="en-US" altLang="ko-KR" dirty="0" smtClean="0"/>
+              <a:t> workbench 8.0 CE</a:t>
+            </a:r>
+            <a:r>
+              <a:rPr lang="ko-KR" altLang="en-US" dirty="0" smtClean="0"/>
+              <a:t>에서 작업을 진행</a:t>
+            </a:r>
+            <a:endParaRPr lang="en-US" altLang="ko-KR" dirty="0" smtClean="0"/>
+          </a:p>
+          <a:p>
+            <a:endParaRPr lang="en-US" altLang="ko-KR" dirty="0"/>
+          </a:p>
+          <a:p>
+            <a:endParaRPr lang="en-US" altLang="ko-KR" dirty="0" smtClean="0"/>
+          </a:p>
+        </p:txBody>
+      </p:sp>
+      <p:pic>
+        <p:nvPicPr>
+          <p:cNvPr id="3" name="그림 2"/>
+          <p:cNvPicPr>
+            <a:picLocks noChangeAspect="1"/>
+          </p:cNvPicPr>
+          <p:nvPr/>
+        </p:nvPicPr>
+        <p:blipFill>
+          <a:blip r:embed="rId2"/>
+          <a:stretch>
+            <a:fillRect/>
+          </a:stretch>
+        </p:blipFill>
+        <p:spPr>
+          <a:xfrm>
+            <a:off x="1324692" y="2100791"/>
+            <a:ext cx="4921305" cy="3297666"/>
+          </a:xfrm>
+          <a:prstGeom prst="rect">
+            <a:avLst/>
+          </a:prstGeom>
+        </p:spPr>
+      </p:pic>
+      <p:pic>
+        <p:nvPicPr>
+          <p:cNvPr id="4" name="그림 3"/>
+          <p:cNvPicPr>
+            <a:picLocks noChangeAspect="1"/>
+          </p:cNvPicPr>
+          <p:nvPr/>
+        </p:nvPicPr>
+        <p:blipFill>
+          <a:blip r:embed="rId3"/>
+          <a:stretch>
+            <a:fillRect/>
+          </a:stretch>
+        </p:blipFill>
+        <p:spPr>
+          <a:xfrm>
+            <a:off x="6921459" y="2664400"/>
+            <a:ext cx="3534268" cy="2734057"/>
+          </a:xfrm>
+          <a:prstGeom prst="rect">
+            <a:avLst/>
+          </a:prstGeom>
+        </p:spPr>
+      </p:pic>
+    </p:spTree>
+    <p:extLst>
+      <p:ext uri="{BB962C8B-B14F-4D97-AF65-F5344CB8AC3E}">
+        <p14:creationId xmlns:p14="http://schemas.microsoft.com/office/powerpoint/2010/main" val="1638172412"/>
+      </p:ext>
+    </p:extLst>
+  </p:cSld>
+  <p:clrMapOvr>
+    <a:masterClrMapping/>
+  </p:clrMapOvr>
+</p:sld>
+</file>
+
+<file path=ppt/slides/slide14.xml><?xml version="1.0" encoding="utf-8"?>
+<p:sld xmlns:a="http://schemas.openxmlformats.org/drawingml/2006/main" xmlns:r="http://schemas.openxmlformats.org/officeDocument/2006/relationships" xmlns:p="http://schemas.openxmlformats.org/presentationml/2006/main">
+  <p:cSld>
+    <p:spTree>
+      <p:nvGrpSpPr>
+        <p:cNvPr id="1" name=""/>
+        <p:cNvGrpSpPr/>
+        <p:nvPr/>
+      </p:nvGrpSpPr>
+      <p:grpSpPr>
+        <a:xfrm>
+          <a:off x="0" y="0"/>
+          <a:ext cx="0" cy="0"/>
+          <a:chOff x="0" y="0"/>
+          <a:chExt cx="0" cy="0"/>
+        </a:xfrm>
+      </p:grpSpPr>
+      <p:sp>
+        <p:nvSpPr>
+          <p:cNvPr id="2" name="직사각형 1"/>
+          <p:cNvSpPr/>
+          <p:nvPr/>
+        </p:nvSpPr>
+        <p:spPr>
+          <a:xfrm>
+            <a:off x="908700" y="1092806"/>
+            <a:ext cx="2327881" cy="369332"/>
+          </a:xfrm>
+          <a:prstGeom prst="rect">
+            <a:avLst/>
+          </a:prstGeom>
+        </p:spPr>
+        <p:txBody>
+          <a:bodyPr wrap="none">
+            <a:spAutoFit/>
+          </a:bodyPr>
+          <a:lstStyle/>
+          <a:p>
+            <a:r>
+              <a:rPr lang="ko-KR" altLang="en-US" dirty="0" err="1"/>
+              <a:t>select</a:t>
+            </a:r>
+            <a:r>
+              <a:rPr lang="ko-KR" altLang="en-US" dirty="0"/>
+              <a:t> * </a:t>
+            </a:r>
+            <a:r>
+              <a:rPr lang="ko-KR" altLang="en-US" dirty="0" err="1"/>
+              <a:t>from</a:t>
+            </a:r>
+            <a:r>
+              <a:rPr lang="ko-KR" altLang="en-US" dirty="0"/>
+              <a:t> </a:t>
+            </a:r>
+            <a:r>
+              <a:rPr lang="ko-KR" altLang="en-US" dirty="0" err="1"/>
+              <a:t>movInfo</a:t>
+            </a:r>
+            <a:r>
+              <a:rPr lang="ko-KR" altLang="en-US" dirty="0" smtClean="0"/>
+              <a:t>;</a:t>
+            </a:r>
+            <a:endParaRPr lang="en-US" altLang="ko-KR" dirty="0" smtClean="0"/>
+          </a:p>
+        </p:txBody>
+      </p:sp>
+      <p:pic>
+        <p:nvPicPr>
+          <p:cNvPr id="3" name="그림 2"/>
+          <p:cNvPicPr>
+            <a:picLocks noChangeAspect="1"/>
+          </p:cNvPicPr>
+          <p:nvPr/>
+        </p:nvPicPr>
+        <p:blipFill>
+          <a:blip r:embed="rId2"/>
+          <a:stretch>
+            <a:fillRect/>
+          </a:stretch>
+        </p:blipFill>
+        <p:spPr>
+          <a:xfrm>
+            <a:off x="908700" y="1606260"/>
+            <a:ext cx="7830643" cy="676369"/>
+          </a:xfrm>
+          <a:prstGeom prst="rect">
+            <a:avLst/>
+          </a:prstGeom>
+        </p:spPr>
+      </p:pic>
+      <p:sp>
+        <p:nvSpPr>
+          <p:cNvPr id="4" name="직사각형 3"/>
+          <p:cNvSpPr/>
+          <p:nvPr/>
+        </p:nvSpPr>
+        <p:spPr>
+          <a:xfrm>
+            <a:off x="946082" y="2641906"/>
+            <a:ext cx="2290499" cy="369332"/>
+          </a:xfrm>
+          <a:prstGeom prst="rect">
+            <a:avLst/>
+          </a:prstGeom>
+        </p:spPr>
+        <p:txBody>
+          <a:bodyPr wrap="none">
+            <a:spAutoFit/>
+          </a:bodyPr>
+          <a:lstStyle/>
+          <a:p>
+            <a:r>
+              <a:rPr lang="ko-KR" altLang="en-US" dirty="0" err="1"/>
+              <a:t>select</a:t>
+            </a:r>
+            <a:r>
+              <a:rPr lang="ko-KR" altLang="en-US" dirty="0"/>
+              <a:t> * </a:t>
+            </a:r>
+            <a:r>
+              <a:rPr lang="ko-KR" altLang="en-US" dirty="0" err="1"/>
+              <a:t>from</a:t>
+            </a:r>
+            <a:r>
+              <a:rPr lang="ko-KR" altLang="en-US" dirty="0"/>
+              <a:t> </a:t>
+            </a:r>
+            <a:r>
+              <a:rPr lang="ko-KR" altLang="en-US" dirty="0" err="1"/>
+              <a:t>movPos</a:t>
+            </a:r>
+            <a:r>
+              <a:rPr lang="ko-KR" altLang="en-US" dirty="0"/>
+              <a:t>;</a:t>
+            </a:r>
+          </a:p>
+        </p:txBody>
+      </p:sp>
+      <p:pic>
+        <p:nvPicPr>
+          <p:cNvPr id="5" name="그림 4"/>
+          <p:cNvPicPr>
+            <a:picLocks noChangeAspect="1"/>
+          </p:cNvPicPr>
+          <p:nvPr/>
+        </p:nvPicPr>
+        <p:blipFill>
+          <a:blip r:embed="rId3"/>
+          <a:stretch>
+            <a:fillRect/>
+          </a:stretch>
+        </p:blipFill>
+        <p:spPr>
+          <a:xfrm>
+            <a:off x="1122241" y="3051383"/>
+            <a:ext cx="1190791" cy="638264"/>
+          </a:xfrm>
+          <a:prstGeom prst="rect">
+            <a:avLst/>
+          </a:prstGeom>
+        </p:spPr>
+      </p:pic>
+    </p:spTree>
+    <p:extLst>
+      <p:ext uri="{BB962C8B-B14F-4D97-AF65-F5344CB8AC3E}">
+        <p14:creationId xmlns:p14="http://schemas.microsoft.com/office/powerpoint/2010/main" val="1311893779"/>
+      </p:ext>
+    </p:extLst>
+  </p:cSld>
+  <p:clrMapOvr>
+    <a:masterClrMapping/>
+  </p:clrMapOvr>
+</p:sld>
+</file>
+
+<file path=ppt/slides/slide15.xml><?xml version="1.0" encoding="utf-8"?>
+<p:sld xmlns:a="http://schemas.openxmlformats.org/drawingml/2006/main" xmlns:r="http://schemas.openxmlformats.org/officeDocument/2006/relationships" xmlns:p="http://schemas.openxmlformats.org/presentationml/2006/main">
+  <p:cSld>
+    <p:spTree>
+      <p:nvGrpSpPr>
+        <p:cNvPr id="1" name=""/>
+        <p:cNvGrpSpPr/>
+        <p:nvPr/>
+      </p:nvGrpSpPr>
+      <p:grpSpPr>
+        <a:xfrm>
+          <a:off x="0" y="0"/>
+          <a:ext cx="0" cy="0"/>
+          <a:chOff x="0" y="0"/>
+          <a:chExt cx="0" cy="0"/>
+        </a:xfrm>
+      </p:grpSpPr>
+      <p:sp>
+        <p:nvSpPr>
+          <p:cNvPr id="2" name="TextBox 1"/>
+          <p:cNvSpPr txBox="1"/>
+          <p:nvPr/>
+        </p:nvSpPr>
+        <p:spPr>
+          <a:xfrm>
+            <a:off x="9127221" y="201336"/>
+            <a:ext cx="2509020" cy="584775"/>
+          </a:xfrm>
+          <a:prstGeom prst="rect">
+            <a:avLst/>
+          </a:prstGeom>
+          <a:noFill/>
+        </p:spPr>
+        <p:txBody>
+          <a:bodyPr wrap="none" rtlCol="0">
+            <a:spAutoFit/>
+          </a:bodyPr>
+          <a:lstStyle/>
+          <a:p>
+            <a:pPr algn="r"/>
+            <a:r>
+              <a:rPr lang="en-US" altLang="ko-KR" sz="3200" dirty="0" smtClean="0">
+                <a:solidFill>
+                  <a:schemeClr val="bg1"/>
+                </a:solidFill>
+              </a:rPr>
+              <a:t>DB </a:t>
+            </a:r>
+            <a:r>
+              <a:rPr lang="ko-KR" altLang="en-US" sz="3200" dirty="0" smtClean="0">
+                <a:solidFill>
+                  <a:schemeClr val="bg1"/>
+                </a:solidFill>
+              </a:rPr>
+              <a:t>서버 구축</a:t>
+            </a:r>
+            <a:endParaRPr lang="ko-KR" altLang="en-US" sz="3200" dirty="0">
+              <a:solidFill>
+                <a:schemeClr val="bg1"/>
+              </a:solidFill>
+            </a:endParaRPr>
+          </a:p>
+        </p:txBody>
+      </p:sp>
+      <p:sp>
+        <p:nvSpPr>
+          <p:cNvPr id="3" name="TextBox 2"/>
+          <p:cNvSpPr txBox="1"/>
+          <p:nvPr/>
+        </p:nvSpPr>
+        <p:spPr>
+          <a:xfrm>
+            <a:off x="4683211" y="2063578"/>
+            <a:ext cx="184731" cy="369332"/>
+          </a:xfrm>
+          <a:prstGeom prst="rect">
+            <a:avLst/>
+          </a:prstGeom>
+          <a:noFill/>
+        </p:spPr>
+        <p:txBody>
+          <a:bodyPr wrap="none" rtlCol="0">
+            <a:spAutoFit/>
+          </a:bodyPr>
+          <a:lstStyle/>
+          <a:p>
+            <a:endParaRPr lang="ko-KR" altLang="en-US" dirty="0"/>
+          </a:p>
+        </p:txBody>
+      </p:sp>
+      <p:sp>
+        <p:nvSpPr>
+          <p:cNvPr id="4" name="TextBox 3"/>
+          <p:cNvSpPr txBox="1"/>
+          <p:nvPr/>
+        </p:nvSpPr>
+        <p:spPr>
+          <a:xfrm>
+            <a:off x="4683211" y="1606378"/>
+            <a:ext cx="45719" cy="369332"/>
+          </a:xfrm>
+          <a:prstGeom prst="rect">
+            <a:avLst/>
+          </a:prstGeom>
+          <a:noFill/>
+        </p:spPr>
+        <p:txBody>
+          <a:bodyPr wrap="square" rtlCol="0">
+            <a:spAutoFit/>
+          </a:bodyPr>
+          <a:lstStyle/>
+          <a:p>
+            <a:endParaRPr lang="ko-KR" altLang="en-US" dirty="0"/>
+          </a:p>
+        </p:txBody>
+      </p:sp>
       <p:sp>
         <p:nvSpPr>
           <p:cNvPr id="7" name="직사각형 6"/>
@@ -3931,14 +4805,14 @@
         <p:spPr>
           <a:xfrm>
             <a:off x="2796670" y="1673598"/>
-            <a:ext cx="6096000" cy="3600986"/>
+            <a:ext cx="4031969" cy="3600986"/>
           </a:xfrm>
           <a:prstGeom prst="rect">
             <a:avLst/>
           </a:prstGeom>
         </p:spPr>
         <p:txBody>
-          <a:bodyPr>
+          <a:bodyPr wrap="square">
             <a:spAutoFit/>
           </a:bodyPr>
           <a:lstStyle/>
@@ -4053,8 +4927,17 @@
             </a:r>
             <a:r>
               <a:rPr lang="ko-KR" altLang="en-US" sz="1200" dirty="0"/>
-              <a:t> |</a:t>
-            </a:r>
+              <a:t> </a:t>
+            </a:r>
+            <a:r>
+              <a:rPr lang="ko-KR" altLang="en-US" sz="1200" dirty="0" smtClean="0"/>
+              <a:t>| </a:t>
+            </a:r>
+            <a:r>
+              <a:rPr lang="en-US" altLang="ko-KR" sz="1200" dirty="0"/>
+              <a:t> </a:t>
+            </a:r>
+            <a:endParaRPr lang="ko-KR" altLang="en-US" sz="1200" dirty="0"/>
           </a:p>
           <a:p>
             <a:r>
@@ -4369,7 +5252,2933 @@
     </p:spTree>
     <p:extLst>
       <p:ext uri="{BB962C8B-B14F-4D97-AF65-F5344CB8AC3E}">
-        <p14:creationId xmlns:p14="http://schemas.microsoft.com/office/powerpoint/2010/main" val="2691934056"/>
+        <p14:creationId xmlns:p14="http://schemas.microsoft.com/office/powerpoint/2010/main" val="2062341719"/>
+      </p:ext>
+    </p:extLst>
+  </p:cSld>
+  <p:clrMapOvr>
+    <a:masterClrMapping/>
+  </p:clrMapOvr>
+</p:sld>
+</file>
+
+<file path=ppt/slides/slide16.xml><?xml version="1.0" encoding="utf-8"?>
+<p:sld xmlns:a="http://schemas.openxmlformats.org/drawingml/2006/main" xmlns:r="http://schemas.openxmlformats.org/officeDocument/2006/relationships" xmlns:p="http://schemas.openxmlformats.org/presentationml/2006/main">
+  <p:cSld>
+    <p:spTree>
+      <p:nvGrpSpPr>
+        <p:cNvPr id="1" name=""/>
+        <p:cNvGrpSpPr/>
+        <p:nvPr/>
+      </p:nvGrpSpPr>
+      <p:grpSpPr>
+        <a:xfrm>
+          <a:off x="0" y="0"/>
+          <a:ext cx="0" cy="0"/>
+          <a:chOff x="0" y="0"/>
+          <a:chExt cx="0" cy="0"/>
+        </a:xfrm>
+      </p:grpSpPr>
+      <p:pic>
+        <p:nvPicPr>
+          <p:cNvPr id="1026" name="Picture 2" descr="스프링 부트 3 백엔드 개발자 되기: 자바 편 대표 이미지"/>
+          <p:cNvPicPr>
+            <a:picLocks noChangeAspect="1" noChangeArrowheads="1"/>
+          </p:cNvPicPr>
+          <p:nvPr/>
+        </p:nvPicPr>
+        <p:blipFill>
+          <a:blip r:embed="rId2">
+            <a:extLst>
+              <a:ext uri="{28A0092B-C50C-407E-A947-70E740481C1C}">
+                <a14:useLocalDpi xmlns:a14="http://schemas.microsoft.com/office/drawing/2010/main" val="0"/>
+              </a:ext>
+            </a:extLst>
+          </a:blip>
+          <a:srcRect/>
+          <a:stretch>
+            <a:fillRect/>
+          </a:stretch>
+        </p:blipFill>
+        <p:spPr bwMode="auto">
+          <a:xfrm>
+            <a:off x="1231341" y="1673889"/>
+            <a:ext cx="3211568" cy="4130161"/>
+          </a:xfrm>
+          <a:prstGeom prst="rect">
+            <a:avLst/>
+          </a:prstGeom>
+          <a:noFill/>
+          <a:extLst>
+            <a:ext uri="{909E8E84-426E-40DD-AFC4-6F175D3DCCD1}">
+              <a14:hiddenFill xmlns:a14="http://schemas.microsoft.com/office/drawing/2010/main">
+                <a:solidFill>
+                  <a:srgbClr val="FFFFFF"/>
+                </a:solidFill>
+              </a14:hiddenFill>
+            </a:ext>
+          </a:extLst>
+        </p:spPr>
+      </p:pic>
+      <p:sp>
+        <p:nvSpPr>
+          <p:cNvPr id="4" name="TextBox 3"/>
+          <p:cNvSpPr txBox="1"/>
+          <p:nvPr/>
+        </p:nvSpPr>
+        <p:spPr>
+          <a:xfrm>
+            <a:off x="6658984" y="1673889"/>
+            <a:ext cx="4368504" cy="923330"/>
+          </a:xfrm>
+          <a:prstGeom prst="rect">
+            <a:avLst/>
+          </a:prstGeom>
+          <a:noFill/>
+        </p:spPr>
+        <p:txBody>
+          <a:bodyPr wrap="none" rtlCol="0">
+            <a:spAutoFit/>
+          </a:bodyPr>
+          <a:lstStyle/>
+          <a:p>
+            <a:r>
+              <a:rPr lang="ko-KR" altLang="en-US" dirty="0" smtClean="0"/>
+              <a:t>스프링 부트 </a:t>
+            </a:r>
+            <a:r>
+              <a:rPr lang="en-US" altLang="ko-KR" dirty="0" smtClean="0"/>
+              <a:t>3 </a:t>
+            </a:r>
+            <a:r>
+              <a:rPr lang="ko-KR" altLang="en-US" dirty="0" err="1" smtClean="0"/>
+              <a:t>백엔드</a:t>
+            </a:r>
+            <a:r>
+              <a:rPr lang="ko-KR" altLang="en-US" dirty="0" smtClean="0"/>
+              <a:t> 개발자 되기</a:t>
+            </a:r>
+            <a:r>
+              <a:rPr lang="en-US" altLang="ko-KR" dirty="0" smtClean="0"/>
+              <a:t>: </a:t>
+            </a:r>
+            <a:r>
+              <a:rPr lang="ko-KR" altLang="en-US" dirty="0" smtClean="0"/>
+              <a:t>자바 편</a:t>
+            </a:r>
+            <a:endParaRPr lang="en-US" altLang="ko-KR" dirty="0" smtClean="0"/>
+          </a:p>
+          <a:p>
+            <a:r>
+              <a:rPr lang="ko-KR" altLang="en-US" dirty="0" err="1" smtClean="0"/>
+              <a:t>골든래빗</a:t>
+            </a:r>
+            <a:r>
+              <a:rPr lang="ko-KR" altLang="en-US" dirty="0" smtClean="0"/>
+              <a:t>㈜</a:t>
+            </a:r>
+            <a:endParaRPr lang="en-US" altLang="ko-KR" dirty="0" smtClean="0"/>
+          </a:p>
+          <a:p>
+            <a:r>
+              <a:rPr lang="ko-KR" altLang="en-US" dirty="0" smtClean="0"/>
+              <a:t>신선영</a:t>
+            </a:r>
+            <a:endParaRPr lang="ko-KR" altLang="en-US" dirty="0"/>
+          </a:p>
+        </p:txBody>
+      </p:sp>
+    </p:spTree>
+    <p:extLst>
+      <p:ext uri="{BB962C8B-B14F-4D97-AF65-F5344CB8AC3E}">
+        <p14:creationId xmlns:p14="http://schemas.microsoft.com/office/powerpoint/2010/main" val="996494654"/>
+      </p:ext>
+    </p:extLst>
+  </p:cSld>
+  <p:clrMapOvr>
+    <a:masterClrMapping/>
+  </p:clrMapOvr>
+  <p:timing>
+    <p:tnLst>
+      <p:par>
+        <p:cTn id="1" dur="indefinite" restart="never" nodeType="tmRoot"/>
+      </p:par>
+    </p:tnLst>
+  </p:timing>
+</p:sld>
+</file>
+
+<file path=ppt/slides/slide17.xml><?xml version="1.0" encoding="utf-8"?>
+<p:sld xmlns:a="http://schemas.openxmlformats.org/drawingml/2006/main" xmlns:r="http://schemas.openxmlformats.org/officeDocument/2006/relationships" xmlns:p="http://schemas.openxmlformats.org/presentationml/2006/main">
+  <p:cSld>
+    <p:spTree>
+      <p:nvGrpSpPr>
+        <p:cNvPr id="1" name=""/>
+        <p:cNvGrpSpPr/>
+        <p:nvPr/>
+      </p:nvGrpSpPr>
+      <p:grpSpPr>
+        <a:xfrm>
+          <a:off x="0" y="0"/>
+          <a:ext cx="0" cy="0"/>
+          <a:chOff x="0" y="0"/>
+          <a:chExt cx="0" cy="0"/>
+        </a:xfrm>
+      </p:grpSpPr>
+      <p:pic>
+        <p:nvPicPr>
+          <p:cNvPr id="2" name="그림 1"/>
+          <p:cNvPicPr>
+            <a:picLocks noChangeAspect="1"/>
+          </p:cNvPicPr>
+          <p:nvPr/>
+        </p:nvPicPr>
+        <p:blipFill>
+          <a:blip r:embed="rId2"/>
+          <a:stretch>
+            <a:fillRect/>
+          </a:stretch>
+        </p:blipFill>
+        <p:spPr>
+          <a:xfrm>
+            <a:off x="1268572" y="2099193"/>
+            <a:ext cx="8358536" cy="3958733"/>
+          </a:xfrm>
+          <a:prstGeom prst="rect">
+            <a:avLst/>
+          </a:prstGeom>
+        </p:spPr>
+      </p:pic>
+      <p:sp>
+        <p:nvSpPr>
+          <p:cNvPr id="6" name="직사각형 5"/>
+          <p:cNvSpPr/>
+          <p:nvPr/>
+        </p:nvSpPr>
+        <p:spPr>
+          <a:xfrm>
+            <a:off x="4185301" y="1255650"/>
+            <a:ext cx="3047629" cy="646331"/>
+          </a:xfrm>
+          <a:prstGeom prst="rect">
+            <a:avLst/>
+          </a:prstGeom>
+        </p:spPr>
+        <p:txBody>
+          <a:bodyPr wrap="none">
+            <a:spAutoFit/>
+          </a:bodyPr>
+          <a:lstStyle/>
+          <a:p>
+            <a:r>
+              <a:rPr lang="ko-KR" altLang="en-US" dirty="0" err="1" smtClean="0"/>
+              <a:t>스프링부트</a:t>
+            </a:r>
+            <a:r>
+              <a:rPr lang="ko-KR" altLang="en-US" dirty="0" smtClean="0"/>
+              <a:t> 프로젝트 만들기</a:t>
+            </a:r>
+            <a:endParaRPr lang="en-US" altLang="ko-KR" dirty="0" smtClean="0"/>
+          </a:p>
+          <a:p>
+            <a:r>
+              <a:rPr lang="ko-KR" altLang="en-US" dirty="0" smtClean="0"/>
+              <a:t>https</a:t>
+            </a:r>
+            <a:r>
+              <a:rPr lang="ko-KR" altLang="en-US" dirty="0"/>
+              <a:t>://start.spring.io/</a:t>
+            </a:r>
+          </a:p>
+        </p:txBody>
+      </p:sp>
+    </p:spTree>
+    <p:extLst>
+      <p:ext uri="{BB962C8B-B14F-4D97-AF65-F5344CB8AC3E}">
+        <p14:creationId xmlns:p14="http://schemas.microsoft.com/office/powerpoint/2010/main" val="1570855491"/>
+      </p:ext>
+    </p:extLst>
+  </p:cSld>
+  <p:clrMapOvr>
+    <a:masterClrMapping/>
+  </p:clrMapOvr>
+</p:sld>
+</file>
+
+<file path=ppt/slides/slide18.xml><?xml version="1.0" encoding="utf-8"?>
+<p:sld xmlns:a="http://schemas.openxmlformats.org/drawingml/2006/main" xmlns:r="http://schemas.openxmlformats.org/officeDocument/2006/relationships" xmlns:p="http://schemas.openxmlformats.org/presentationml/2006/main">
+  <p:cSld>
+    <p:spTree>
+      <p:nvGrpSpPr>
+        <p:cNvPr id="1" name=""/>
+        <p:cNvGrpSpPr/>
+        <p:nvPr/>
+      </p:nvGrpSpPr>
+      <p:grpSpPr>
+        <a:xfrm>
+          <a:off x="0" y="0"/>
+          <a:ext cx="0" cy="0"/>
+          <a:chOff x="0" y="0"/>
+          <a:chExt cx="0" cy="0"/>
+        </a:xfrm>
+      </p:grpSpPr>
+      <p:sp>
+        <p:nvSpPr>
+          <p:cNvPr id="3" name="TextBox 2"/>
+          <p:cNvSpPr txBox="1"/>
+          <p:nvPr/>
+        </p:nvSpPr>
+        <p:spPr>
+          <a:xfrm>
+            <a:off x="4195482" y="344245"/>
+            <a:ext cx="1322798" cy="369332"/>
+          </a:xfrm>
+          <a:prstGeom prst="rect">
+            <a:avLst/>
+          </a:prstGeom>
+          <a:noFill/>
+        </p:spPr>
+        <p:txBody>
+          <a:bodyPr wrap="none" rtlCol="0">
+            <a:spAutoFit/>
+          </a:bodyPr>
+          <a:lstStyle/>
+          <a:p>
+            <a:r>
+              <a:rPr lang="en-US" altLang="ko-KR" dirty="0" err="1" smtClean="0"/>
+              <a:t>build.gradle</a:t>
+            </a:r>
+            <a:endParaRPr lang="ko-KR" altLang="en-US" dirty="0"/>
+          </a:p>
+        </p:txBody>
+      </p:sp>
+      <p:sp>
+        <p:nvSpPr>
+          <p:cNvPr id="4" name="직사각형 3"/>
+          <p:cNvSpPr/>
+          <p:nvPr/>
+        </p:nvSpPr>
+        <p:spPr>
+          <a:xfrm>
+            <a:off x="1036319" y="1033911"/>
+            <a:ext cx="8979049" cy="5076432"/>
+          </a:xfrm>
+          <a:prstGeom prst="rect">
+            <a:avLst/>
+          </a:prstGeom>
+        </p:spPr>
+        <p:txBody>
+          <a:bodyPr wrap="square" numCol="2">
+            <a:spAutoFit/>
+          </a:bodyPr>
+          <a:lstStyle/>
+          <a:p>
+            <a:r>
+              <a:rPr lang="en-US" altLang="ko-KR" sz="1200" dirty="0">
+                <a:solidFill>
+                  <a:srgbClr val="0AA3D6"/>
+                </a:solidFill>
+                <a:latin typeface="Consolas" panose="020B0609020204030204" pitchFamily="49" charset="0"/>
+              </a:rPr>
+              <a:t>plugins</a:t>
+            </a:r>
+            <a:r>
+              <a:rPr lang="en-US" altLang="ko-KR" sz="1200" dirty="0">
+                <a:solidFill>
+                  <a:srgbClr val="3F4750"/>
+                </a:solidFill>
+                <a:latin typeface="Consolas" panose="020B0609020204030204" pitchFamily="49" charset="0"/>
+              </a:rPr>
+              <a:t> {</a:t>
+            </a:r>
+            <a:endParaRPr lang="en-US" altLang="ko-KR" sz="1200" dirty="0">
+              <a:solidFill>
+                <a:srgbClr val="272D34"/>
+              </a:solidFill>
+              <a:latin typeface="Consolas" panose="020B0609020204030204" pitchFamily="49" charset="0"/>
+            </a:endParaRPr>
+          </a:p>
+          <a:p>
+            <a:r>
+              <a:rPr lang="en-US" altLang="ko-KR" sz="1200" dirty="0">
+                <a:solidFill>
+                  <a:srgbClr val="3F4750"/>
+                </a:solidFill>
+                <a:latin typeface="Consolas" panose="020B0609020204030204" pitchFamily="49" charset="0"/>
+              </a:rPr>
+              <a:t>    </a:t>
+            </a:r>
+            <a:r>
+              <a:rPr lang="en-US" altLang="ko-KR" sz="1200" dirty="0">
+                <a:solidFill>
+                  <a:srgbClr val="0AA3D6"/>
+                </a:solidFill>
+                <a:latin typeface="Consolas" panose="020B0609020204030204" pitchFamily="49" charset="0"/>
+              </a:rPr>
+              <a:t>id</a:t>
+            </a:r>
+            <a:r>
+              <a:rPr lang="en-US" altLang="ko-KR" sz="1200" dirty="0">
+                <a:solidFill>
+                  <a:srgbClr val="3F4750"/>
+                </a:solidFill>
+                <a:latin typeface="Consolas" panose="020B0609020204030204" pitchFamily="49" charset="0"/>
+              </a:rPr>
+              <a:t> </a:t>
+            </a:r>
+            <a:r>
+              <a:rPr lang="en-US" altLang="ko-KR" sz="1200" dirty="0">
+                <a:solidFill>
+                  <a:srgbClr val="41AD4E"/>
+                </a:solidFill>
+                <a:latin typeface="Consolas" panose="020B0609020204030204" pitchFamily="49" charset="0"/>
+              </a:rPr>
+              <a:t>'java'</a:t>
+            </a:r>
+            <a:endParaRPr lang="en-US" altLang="ko-KR" sz="1200" dirty="0">
+              <a:solidFill>
+                <a:srgbClr val="272D34"/>
+              </a:solidFill>
+              <a:latin typeface="Consolas" panose="020B0609020204030204" pitchFamily="49" charset="0"/>
+            </a:endParaRPr>
+          </a:p>
+          <a:p>
+            <a:r>
+              <a:rPr lang="en-US" altLang="ko-KR" sz="1200" dirty="0">
+                <a:solidFill>
+                  <a:srgbClr val="3F4750"/>
+                </a:solidFill>
+                <a:latin typeface="Consolas" panose="020B0609020204030204" pitchFamily="49" charset="0"/>
+              </a:rPr>
+              <a:t>    </a:t>
+            </a:r>
+            <a:r>
+              <a:rPr lang="en-US" altLang="ko-KR" sz="1200" dirty="0">
+                <a:solidFill>
+                  <a:srgbClr val="0AA3D6"/>
+                </a:solidFill>
+                <a:latin typeface="Consolas" panose="020B0609020204030204" pitchFamily="49" charset="0"/>
+              </a:rPr>
+              <a:t>id</a:t>
+            </a:r>
+            <a:r>
+              <a:rPr lang="en-US" altLang="ko-KR" sz="1200" dirty="0">
+                <a:solidFill>
+                  <a:srgbClr val="3F4750"/>
+                </a:solidFill>
+                <a:latin typeface="Consolas" panose="020B0609020204030204" pitchFamily="49" charset="0"/>
+              </a:rPr>
+              <a:t> </a:t>
+            </a:r>
+            <a:r>
+              <a:rPr lang="en-US" altLang="ko-KR" sz="1200" dirty="0">
+                <a:solidFill>
+                  <a:srgbClr val="41AD4E"/>
+                </a:solidFill>
+                <a:latin typeface="Consolas" panose="020B0609020204030204" pitchFamily="49" charset="0"/>
+              </a:rPr>
+              <a:t>'</a:t>
+            </a:r>
+            <a:r>
+              <a:rPr lang="en-US" altLang="ko-KR" sz="1200" dirty="0" err="1">
+                <a:solidFill>
+                  <a:srgbClr val="41AD4E"/>
+                </a:solidFill>
+                <a:latin typeface="Consolas" panose="020B0609020204030204" pitchFamily="49" charset="0"/>
+              </a:rPr>
+              <a:t>org.springframework.boot</a:t>
+            </a:r>
+            <a:r>
+              <a:rPr lang="en-US" altLang="ko-KR" sz="1200" dirty="0">
+                <a:solidFill>
+                  <a:srgbClr val="41AD4E"/>
+                </a:solidFill>
+                <a:latin typeface="Consolas" panose="020B0609020204030204" pitchFamily="49" charset="0"/>
+              </a:rPr>
+              <a:t>'</a:t>
+            </a:r>
+            <a:r>
+              <a:rPr lang="en-US" altLang="ko-KR" sz="1200" dirty="0">
+                <a:solidFill>
+                  <a:srgbClr val="3F4750"/>
+                </a:solidFill>
+                <a:latin typeface="Consolas" panose="020B0609020204030204" pitchFamily="49" charset="0"/>
+              </a:rPr>
+              <a:t> </a:t>
+            </a:r>
+            <a:r>
+              <a:rPr lang="en-US" altLang="ko-KR" sz="1200" dirty="0">
+                <a:solidFill>
+                  <a:srgbClr val="0AA3D6"/>
+                </a:solidFill>
+                <a:latin typeface="Consolas" panose="020B0609020204030204" pitchFamily="49" charset="0"/>
+              </a:rPr>
+              <a:t>version</a:t>
+            </a:r>
+            <a:r>
+              <a:rPr lang="en-US" altLang="ko-KR" sz="1200" dirty="0">
+                <a:solidFill>
+                  <a:srgbClr val="3F4750"/>
+                </a:solidFill>
+                <a:latin typeface="Consolas" panose="020B0609020204030204" pitchFamily="49" charset="0"/>
+              </a:rPr>
+              <a:t> </a:t>
+            </a:r>
+            <a:r>
+              <a:rPr lang="en-US" altLang="ko-KR" sz="1200" dirty="0">
+                <a:solidFill>
+                  <a:srgbClr val="41AD4E"/>
+                </a:solidFill>
+                <a:latin typeface="Consolas" panose="020B0609020204030204" pitchFamily="49" charset="0"/>
+              </a:rPr>
+              <a:t>'3.2.0'</a:t>
+            </a:r>
+            <a:endParaRPr lang="en-US" altLang="ko-KR" sz="1200" dirty="0">
+              <a:solidFill>
+                <a:srgbClr val="272D34"/>
+              </a:solidFill>
+              <a:latin typeface="Consolas" panose="020B0609020204030204" pitchFamily="49" charset="0"/>
+            </a:endParaRPr>
+          </a:p>
+          <a:p>
+            <a:r>
+              <a:rPr lang="en-US" altLang="ko-KR" sz="1200" dirty="0">
+                <a:solidFill>
+                  <a:srgbClr val="3F4750"/>
+                </a:solidFill>
+                <a:latin typeface="Consolas" panose="020B0609020204030204" pitchFamily="49" charset="0"/>
+              </a:rPr>
+              <a:t>    </a:t>
+            </a:r>
+            <a:r>
+              <a:rPr lang="en-US" altLang="ko-KR" sz="1200" dirty="0">
+                <a:solidFill>
+                  <a:srgbClr val="0AA3D6"/>
+                </a:solidFill>
+                <a:latin typeface="Consolas" panose="020B0609020204030204" pitchFamily="49" charset="0"/>
+              </a:rPr>
+              <a:t>id</a:t>
+            </a:r>
+            <a:r>
+              <a:rPr lang="en-US" altLang="ko-KR" sz="1200" dirty="0">
+                <a:solidFill>
+                  <a:srgbClr val="3F4750"/>
+                </a:solidFill>
+                <a:latin typeface="Consolas" panose="020B0609020204030204" pitchFamily="49" charset="0"/>
+              </a:rPr>
+              <a:t> </a:t>
+            </a:r>
+            <a:r>
+              <a:rPr lang="en-US" altLang="ko-KR" sz="1200" dirty="0">
+                <a:solidFill>
+                  <a:srgbClr val="41AD4E"/>
+                </a:solidFill>
+                <a:latin typeface="Consolas" panose="020B0609020204030204" pitchFamily="49" charset="0"/>
+              </a:rPr>
+              <a:t>'</a:t>
+            </a:r>
+            <a:r>
+              <a:rPr lang="en-US" altLang="ko-KR" sz="1200" dirty="0" err="1">
+                <a:solidFill>
+                  <a:srgbClr val="41AD4E"/>
+                </a:solidFill>
+                <a:latin typeface="Consolas" panose="020B0609020204030204" pitchFamily="49" charset="0"/>
+              </a:rPr>
+              <a:t>io.spring.dependency</a:t>
+            </a:r>
+            <a:r>
+              <a:rPr lang="en-US" altLang="ko-KR" sz="1200" dirty="0">
+                <a:solidFill>
+                  <a:srgbClr val="41AD4E"/>
+                </a:solidFill>
+                <a:latin typeface="Consolas" panose="020B0609020204030204" pitchFamily="49" charset="0"/>
+              </a:rPr>
+              <a:t>-management'</a:t>
+            </a:r>
+            <a:r>
+              <a:rPr lang="en-US" altLang="ko-KR" sz="1200" dirty="0">
+                <a:solidFill>
+                  <a:srgbClr val="3F4750"/>
+                </a:solidFill>
+                <a:latin typeface="Consolas" panose="020B0609020204030204" pitchFamily="49" charset="0"/>
+              </a:rPr>
+              <a:t> </a:t>
+            </a:r>
+            <a:r>
+              <a:rPr lang="en-US" altLang="ko-KR" sz="1200" dirty="0">
+                <a:solidFill>
+                  <a:srgbClr val="0AA3D6"/>
+                </a:solidFill>
+                <a:latin typeface="Consolas" panose="020B0609020204030204" pitchFamily="49" charset="0"/>
+              </a:rPr>
+              <a:t>version</a:t>
+            </a:r>
+            <a:r>
+              <a:rPr lang="en-US" altLang="ko-KR" sz="1200" dirty="0">
+                <a:solidFill>
+                  <a:srgbClr val="3F4750"/>
+                </a:solidFill>
+                <a:latin typeface="Consolas" panose="020B0609020204030204" pitchFamily="49" charset="0"/>
+              </a:rPr>
+              <a:t> </a:t>
+            </a:r>
+            <a:r>
+              <a:rPr lang="en-US" altLang="ko-KR" sz="1200" dirty="0">
+                <a:solidFill>
+                  <a:srgbClr val="41AD4E"/>
+                </a:solidFill>
+                <a:latin typeface="Consolas" panose="020B0609020204030204" pitchFamily="49" charset="0"/>
+              </a:rPr>
+              <a:t>'1.1.6'</a:t>
+            </a:r>
+            <a:endParaRPr lang="en-US" altLang="ko-KR" sz="1200" dirty="0">
+              <a:solidFill>
+                <a:srgbClr val="272D34"/>
+              </a:solidFill>
+              <a:latin typeface="Consolas" panose="020B0609020204030204" pitchFamily="49" charset="0"/>
+            </a:endParaRPr>
+          </a:p>
+          <a:p>
+            <a:r>
+              <a:rPr lang="en-US" altLang="ko-KR" sz="1200" dirty="0">
+                <a:solidFill>
+                  <a:srgbClr val="3F4750"/>
+                </a:solidFill>
+                <a:latin typeface="Consolas" panose="020B0609020204030204" pitchFamily="49" charset="0"/>
+              </a:rPr>
+              <a:t>}</a:t>
+            </a:r>
+            <a:endParaRPr lang="en-US" altLang="ko-KR" sz="1200" dirty="0">
+              <a:solidFill>
+                <a:srgbClr val="272D34"/>
+              </a:solidFill>
+              <a:latin typeface="Consolas" panose="020B0609020204030204" pitchFamily="49" charset="0"/>
+            </a:endParaRPr>
+          </a:p>
+          <a:p>
+            <a:r>
+              <a:rPr lang="en-US" altLang="ko-KR" sz="1200" dirty="0">
+                <a:solidFill>
+                  <a:srgbClr val="272D34"/>
+                </a:solidFill>
+                <a:latin typeface="Consolas" panose="020B0609020204030204" pitchFamily="49" charset="0"/>
+              </a:rPr>
+              <a:t/>
+            </a:r>
+            <a:br>
+              <a:rPr lang="en-US" altLang="ko-KR" sz="1200" dirty="0">
+                <a:solidFill>
+                  <a:srgbClr val="272D34"/>
+                </a:solidFill>
+                <a:latin typeface="Consolas" panose="020B0609020204030204" pitchFamily="49" charset="0"/>
+              </a:rPr>
+            </a:br>
+            <a:r>
+              <a:rPr lang="en-US" altLang="ko-KR" sz="1200" dirty="0">
+                <a:solidFill>
+                  <a:srgbClr val="ED7B89"/>
+                </a:solidFill>
+                <a:latin typeface="Consolas" panose="020B0609020204030204" pitchFamily="49" charset="0"/>
+              </a:rPr>
+              <a:t>group</a:t>
+            </a:r>
+            <a:r>
+              <a:rPr lang="en-US" altLang="ko-KR" sz="1200" dirty="0">
+                <a:solidFill>
+                  <a:srgbClr val="3F4750"/>
+                </a:solidFill>
+                <a:latin typeface="Consolas" panose="020B0609020204030204" pitchFamily="49" charset="0"/>
+              </a:rPr>
+              <a:t> </a:t>
+            </a:r>
+            <a:r>
+              <a:rPr lang="en-US" altLang="ko-KR" sz="1200" dirty="0">
+                <a:solidFill>
+                  <a:srgbClr val="E39C03"/>
+                </a:solidFill>
+                <a:latin typeface="Consolas" panose="020B0609020204030204" pitchFamily="49" charset="0"/>
+              </a:rPr>
+              <a:t>=</a:t>
+            </a:r>
+            <a:r>
+              <a:rPr lang="en-US" altLang="ko-KR" sz="1200" dirty="0">
+                <a:solidFill>
+                  <a:srgbClr val="3F4750"/>
+                </a:solidFill>
+                <a:latin typeface="Consolas" panose="020B0609020204030204" pitchFamily="49" charset="0"/>
+              </a:rPr>
+              <a:t> </a:t>
+            </a:r>
+            <a:r>
+              <a:rPr lang="en-US" altLang="ko-KR" sz="1200" dirty="0">
+                <a:solidFill>
+                  <a:srgbClr val="41AD4E"/>
+                </a:solidFill>
+                <a:latin typeface="Consolas" panose="020B0609020204030204" pitchFamily="49" charset="0"/>
+              </a:rPr>
+              <a:t>'</a:t>
+            </a:r>
+            <a:r>
+              <a:rPr lang="en-US" altLang="ko-KR" sz="1200" dirty="0" err="1">
+                <a:solidFill>
+                  <a:srgbClr val="41AD4E"/>
+                </a:solidFill>
+                <a:latin typeface="Consolas" panose="020B0609020204030204" pitchFamily="49" charset="0"/>
+              </a:rPr>
+              <a:t>com.recommend</a:t>
+            </a:r>
+            <a:r>
+              <a:rPr lang="en-US" altLang="ko-KR" sz="1200" dirty="0">
+                <a:solidFill>
+                  <a:srgbClr val="41AD4E"/>
+                </a:solidFill>
+                <a:latin typeface="Consolas" panose="020B0609020204030204" pitchFamily="49" charset="0"/>
+              </a:rPr>
+              <a:t>'</a:t>
+            </a:r>
+            <a:endParaRPr lang="en-US" altLang="ko-KR" sz="1200" dirty="0">
+              <a:solidFill>
+                <a:srgbClr val="272D34"/>
+              </a:solidFill>
+              <a:latin typeface="Consolas" panose="020B0609020204030204" pitchFamily="49" charset="0"/>
+            </a:endParaRPr>
+          </a:p>
+          <a:p>
+            <a:r>
+              <a:rPr lang="en-US" altLang="ko-KR" sz="1200" dirty="0">
+                <a:solidFill>
+                  <a:srgbClr val="ED7B89"/>
+                </a:solidFill>
+                <a:latin typeface="Consolas" panose="020B0609020204030204" pitchFamily="49" charset="0"/>
+              </a:rPr>
+              <a:t>version</a:t>
+            </a:r>
+            <a:r>
+              <a:rPr lang="en-US" altLang="ko-KR" sz="1200" dirty="0">
+                <a:solidFill>
+                  <a:srgbClr val="3F4750"/>
+                </a:solidFill>
+                <a:latin typeface="Consolas" panose="020B0609020204030204" pitchFamily="49" charset="0"/>
+              </a:rPr>
+              <a:t> </a:t>
+            </a:r>
+            <a:r>
+              <a:rPr lang="en-US" altLang="ko-KR" sz="1200" dirty="0">
+                <a:solidFill>
+                  <a:srgbClr val="E39C03"/>
+                </a:solidFill>
+                <a:latin typeface="Consolas" panose="020B0609020204030204" pitchFamily="49" charset="0"/>
+              </a:rPr>
+              <a:t>=</a:t>
+            </a:r>
+            <a:r>
+              <a:rPr lang="en-US" altLang="ko-KR" sz="1200" dirty="0">
+                <a:solidFill>
+                  <a:srgbClr val="3F4750"/>
+                </a:solidFill>
+                <a:latin typeface="Consolas" panose="020B0609020204030204" pitchFamily="49" charset="0"/>
+              </a:rPr>
+              <a:t> </a:t>
+            </a:r>
+            <a:r>
+              <a:rPr lang="en-US" altLang="ko-KR" sz="1200" dirty="0">
+                <a:solidFill>
+                  <a:srgbClr val="41AD4E"/>
+                </a:solidFill>
+                <a:latin typeface="Consolas" panose="020B0609020204030204" pitchFamily="49" charset="0"/>
+              </a:rPr>
+              <a:t>'0.0.1-SNAPSHOT'</a:t>
+            </a:r>
+            <a:endParaRPr lang="en-US" altLang="ko-KR" sz="1200" dirty="0">
+              <a:solidFill>
+                <a:srgbClr val="272D34"/>
+              </a:solidFill>
+              <a:latin typeface="Consolas" panose="020B0609020204030204" pitchFamily="49" charset="0"/>
+            </a:endParaRPr>
+          </a:p>
+          <a:p>
+            <a:r>
+              <a:rPr lang="en-US" altLang="ko-KR" sz="1200" dirty="0">
+                <a:solidFill>
+                  <a:srgbClr val="272D34"/>
+                </a:solidFill>
+                <a:latin typeface="Consolas" panose="020B0609020204030204" pitchFamily="49" charset="0"/>
+              </a:rPr>
+              <a:t/>
+            </a:r>
+            <a:br>
+              <a:rPr lang="en-US" altLang="ko-KR" sz="1200" dirty="0">
+                <a:solidFill>
+                  <a:srgbClr val="272D34"/>
+                </a:solidFill>
+                <a:latin typeface="Consolas" panose="020B0609020204030204" pitchFamily="49" charset="0"/>
+              </a:rPr>
+            </a:br>
+            <a:r>
+              <a:rPr lang="en-US" altLang="ko-KR" sz="1200" dirty="0">
+                <a:solidFill>
+                  <a:srgbClr val="0AA3D6"/>
+                </a:solidFill>
+                <a:latin typeface="Consolas" panose="020B0609020204030204" pitchFamily="49" charset="0"/>
+              </a:rPr>
+              <a:t>java</a:t>
+            </a:r>
+            <a:r>
+              <a:rPr lang="en-US" altLang="ko-KR" sz="1200" dirty="0">
+                <a:solidFill>
+                  <a:srgbClr val="3F4750"/>
+                </a:solidFill>
+                <a:latin typeface="Consolas" panose="020B0609020204030204" pitchFamily="49" charset="0"/>
+              </a:rPr>
+              <a:t> {</a:t>
+            </a:r>
+            <a:endParaRPr lang="en-US" altLang="ko-KR" sz="1200" dirty="0">
+              <a:solidFill>
+                <a:srgbClr val="272D34"/>
+              </a:solidFill>
+              <a:latin typeface="Consolas" panose="020B0609020204030204" pitchFamily="49" charset="0"/>
+            </a:endParaRPr>
+          </a:p>
+          <a:p>
+            <a:r>
+              <a:rPr lang="en-US" altLang="ko-KR" sz="1200" dirty="0">
+                <a:solidFill>
+                  <a:srgbClr val="3F4750"/>
+                </a:solidFill>
+                <a:latin typeface="Consolas" panose="020B0609020204030204" pitchFamily="49" charset="0"/>
+              </a:rPr>
+              <a:t>    </a:t>
+            </a:r>
+            <a:r>
+              <a:rPr lang="en-US" altLang="ko-KR" sz="1200" dirty="0">
+                <a:solidFill>
+                  <a:srgbClr val="0AA3D6"/>
+                </a:solidFill>
+                <a:latin typeface="Consolas" panose="020B0609020204030204" pitchFamily="49" charset="0"/>
+              </a:rPr>
+              <a:t>toolchain</a:t>
+            </a:r>
+            <a:r>
+              <a:rPr lang="en-US" altLang="ko-KR" sz="1200" dirty="0">
+                <a:solidFill>
+                  <a:srgbClr val="3F4750"/>
+                </a:solidFill>
+                <a:latin typeface="Consolas" panose="020B0609020204030204" pitchFamily="49" charset="0"/>
+              </a:rPr>
+              <a:t> {</a:t>
+            </a:r>
+            <a:endParaRPr lang="en-US" altLang="ko-KR" sz="1200" dirty="0">
+              <a:solidFill>
+                <a:srgbClr val="272D34"/>
+              </a:solidFill>
+              <a:latin typeface="Consolas" panose="020B0609020204030204" pitchFamily="49" charset="0"/>
+            </a:endParaRPr>
+          </a:p>
+          <a:p>
+            <a:r>
+              <a:rPr lang="en-US" altLang="ko-KR" sz="1200" dirty="0">
+                <a:solidFill>
+                  <a:srgbClr val="3F4750"/>
+                </a:solidFill>
+                <a:latin typeface="Consolas" panose="020B0609020204030204" pitchFamily="49" charset="0"/>
+              </a:rPr>
+              <a:t>        </a:t>
+            </a:r>
+            <a:r>
+              <a:rPr lang="en-US" altLang="ko-KR" sz="1200" dirty="0" err="1">
+                <a:solidFill>
+                  <a:srgbClr val="ED7B89"/>
+                </a:solidFill>
+                <a:latin typeface="Consolas" panose="020B0609020204030204" pitchFamily="49" charset="0"/>
+              </a:rPr>
+              <a:t>languageVersion</a:t>
+            </a:r>
+            <a:r>
+              <a:rPr lang="en-US" altLang="ko-KR" sz="1200" dirty="0">
+                <a:solidFill>
+                  <a:srgbClr val="3F4750"/>
+                </a:solidFill>
+                <a:latin typeface="Consolas" panose="020B0609020204030204" pitchFamily="49" charset="0"/>
+              </a:rPr>
+              <a:t> </a:t>
+            </a:r>
+            <a:r>
+              <a:rPr lang="en-US" altLang="ko-KR" sz="1200" dirty="0">
+                <a:solidFill>
+                  <a:srgbClr val="E39C03"/>
+                </a:solidFill>
+                <a:latin typeface="Consolas" panose="020B0609020204030204" pitchFamily="49" charset="0"/>
+              </a:rPr>
+              <a:t>=</a:t>
+            </a:r>
+            <a:r>
+              <a:rPr lang="en-US" altLang="ko-KR" sz="1200" dirty="0">
+                <a:solidFill>
+                  <a:srgbClr val="3F4750"/>
+                </a:solidFill>
+                <a:latin typeface="Consolas" panose="020B0609020204030204" pitchFamily="49" charset="0"/>
+              </a:rPr>
+              <a:t> </a:t>
+            </a:r>
+            <a:r>
+              <a:rPr lang="en-US" altLang="ko-KR" sz="1200" dirty="0" err="1">
+                <a:solidFill>
+                  <a:srgbClr val="ED7B89"/>
+                </a:solidFill>
+                <a:latin typeface="Consolas" panose="020B0609020204030204" pitchFamily="49" charset="0"/>
+              </a:rPr>
+              <a:t>JavaLanguageVersion</a:t>
+            </a:r>
+            <a:r>
+              <a:rPr lang="en-US" altLang="ko-KR" sz="1200" dirty="0" err="1">
+                <a:solidFill>
+                  <a:srgbClr val="272D34"/>
+                </a:solidFill>
+                <a:latin typeface="Consolas" panose="020B0609020204030204" pitchFamily="49" charset="0"/>
+              </a:rPr>
+              <a:t>.</a:t>
+            </a:r>
+            <a:r>
+              <a:rPr lang="en-US" altLang="ko-KR" sz="1200" dirty="0" err="1">
+                <a:solidFill>
+                  <a:srgbClr val="0AA3D6"/>
+                </a:solidFill>
+                <a:latin typeface="Consolas" panose="020B0609020204030204" pitchFamily="49" charset="0"/>
+              </a:rPr>
+              <a:t>of</a:t>
+            </a:r>
+            <a:r>
+              <a:rPr lang="en-US" altLang="ko-KR" sz="1200" dirty="0">
+                <a:solidFill>
+                  <a:srgbClr val="272D34"/>
+                </a:solidFill>
+                <a:latin typeface="Consolas" panose="020B0609020204030204" pitchFamily="49" charset="0"/>
+              </a:rPr>
+              <a:t>(</a:t>
+            </a:r>
+            <a:r>
+              <a:rPr lang="en-US" altLang="ko-KR" sz="1200" dirty="0">
+                <a:solidFill>
+                  <a:srgbClr val="E3946A"/>
+                </a:solidFill>
+                <a:latin typeface="Consolas" panose="020B0609020204030204" pitchFamily="49" charset="0"/>
+              </a:rPr>
+              <a:t>17</a:t>
+            </a:r>
+            <a:r>
+              <a:rPr lang="en-US" altLang="ko-KR" sz="1200" dirty="0">
+                <a:solidFill>
+                  <a:srgbClr val="272D34"/>
+                </a:solidFill>
+                <a:latin typeface="Consolas" panose="020B0609020204030204" pitchFamily="49" charset="0"/>
+              </a:rPr>
+              <a:t>)</a:t>
+            </a:r>
+          </a:p>
+          <a:p>
+            <a:r>
+              <a:rPr lang="en-US" altLang="ko-KR" sz="1200" dirty="0">
+                <a:solidFill>
+                  <a:srgbClr val="3F4750"/>
+                </a:solidFill>
+                <a:latin typeface="Consolas" panose="020B0609020204030204" pitchFamily="49" charset="0"/>
+              </a:rPr>
+              <a:t>    }</a:t>
+            </a:r>
+            <a:endParaRPr lang="en-US" altLang="ko-KR" sz="1200" dirty="0">
+              <a:solidFill>
+                <a:srgbClr val="272D34"/>
+              </a:solidFill>
+              <a:latin typeface="Consolas" panose="020B0609020204030204" pitchFamily="49" charset="0"/>
+            </a:endParaRPr>
+          </a:p>
+          <a:p>
+            <a:r>
+              <a:rPr lang="en-US" altLang="ko-KR" sz="1200" dirty="0">
+                <a:solidFill>
+                  <a:srgbClr val="3F4750"/>
+                </a:solidFill>
+                <a:latin typeface="Consolas" panose="020B0609020204030204" pitchFamily="49" charset="0"/>
+              </a:rPr>
+              <a:t>}</a:t>
+            </a:r>
+            <a:endParaRPr lang="en-US" altLang="ko-KR" sz="1200" dirty="0">
+              <a:solidFill>
+                <a:srgbClr val="272D34"/>
+              </a:solidFill>
+              <a:latin typeface="Consolas" panose="020B0609020204030204" pitchFamily="49" charset="0"/>
+            </a:endParaRPr>
+          </a:p>
+          <a:p>
+            <a:r>
+              <a:rPr lang="en-US" altLang="ko-KR" sz="1200" dirty="0">
+                <a:solidFill>
+                  <a:srgbClr val="272D34"/>
+                </a:solidFill>
+                <a:latin typeface="Consolas" panose="020B0609020204030204" pitchFamily="49" charset="0"/>
+              </a:rPr>
+              <a:t/>
+            </a:r>
+            <a:br>
+              <a:rPr lang="en-US" altLang="ko-KR" sz="1200" dirty="0">
+                <a:solidFill>
+                  <a:srgbClr val="272D34"/>
+                </a:solidFill>
+                <a:latin typeface="Consolas" panose="020B0609020204030204" pitchFamily="49" charset="0"/>
+              </a:rPr>
+            </a:br>
+            <a:r>
+              <a:rPr lang="en-US" altLang="ko-KR" sz="1200" dirty="0">
+                <a:solidFill>
+                  <a:srgbClr val="0AA3D6"/>
+                </a:solidFill>
+                <a:latin typeface="Consolas" panose="020B0609020204030204" pitchFamily="49" charset="0"/>
+              </a:rPr>
+              <a:t>configurations</a:t>
+            </a:r>
+            <a:r>
+              <a:rPr lang="en-US" altLang="ko-KR" sz="1200" dirty="0">
+                <a:solidFill>
+                  <a:srgbClr val="3F4750"/>
+                </a:solidFill>
+                <a:latin typeface="Consolas" panose="020B0609020204030204" pitchFamily="49" charset="0"/>
+              </a:rPr>
+              <a:t> {</a:t>
+            </a:r>
+            <a:endParaRPr lang="en-US" altLang="ko-KR" sz="1200" dirty="0">
+              <a:solidFill>
+                <a:srgbClr val="272D34"/>
+              </a:solidFill>
+              <a:latin typeface="Consolas" panose="020B0609020204030204" pitchFamily="49" charset="0"/>
+            </a:endParaRPr>
+          </a:p>
+          <a:p>
+            <a:r>
+              <a:rPr lang="en-US" altLang="ko-KR" sz="1200" dirty="0">
+                <a:solidFill>
+                  <a:srgbClr val="3F4750"/>
+                </a:solidFill>
+                <a:latin typeface="Consolas" panose="020B0609020204030204" pitchFamily="49" charset="0"/>
+              </a:rPr>
+              <a:t>    </a:t>
+            </a:r>
+            <a:r>
+              <a:rPr lang="en-US" altLang="ko-KR" sz="1200" dirty="0" err="1">
+                <a:solidFill>
+                  <a:srgbClr val="0AA3D6"/>
+                </a:solidFill>
+                <a:latin typeface="Consolas" panose="020B0609020204030204" pitchFamily="49" charset="0"/>
+              </a:rPr>
+              <a:t>compileOnly</a:t>
+            </a:r>
+            <a:r>
+              <a:rPr lang="en-US" altLang="ko-KR" sz="1200" dirty="0">
+                <a:solidFill>
+                  <a:srgbClr val="3F4750"/>
+                </a:solidFill>
+                <a:latin typeface="Consolas" panose="020B0609020204030204" pitchFamily="49" charset="0"/>
+              </a:rPr>
+              <a:t> {</a:t>
+            </a:r>
+            <a:endParaRPr lang="en-US" altLang="ko-KR" sz="1200" dirty="0">
+              <a:solidFill>
+                <a:srgbClr val="272D34"/>
+              </a:solidFill>
+              <a:latin typeface="Consolas" panose="020B0609020204030204" pitchFamily="49" charset="0"/>
+            </a:endParaRPr>
+          </a:p>
+          <a:p>
+            <a:r>
+              <a:rPr lang="en-US" altLang="ko-KR" sz="1200" dirty="0">
+                <a:solidFill>
+                  <a:srgbClr val="3F4750"/>
+                </a:solidFill>
+                <a:latin typeface="Consolas" panose="020B0609020204030204" pitchFamily="49" charset="0"/>
+              </a:rPr>
+              <a:t>        </a:t>
+            </a:r>
+            <a:r>
+              <a:rPr lang="en-US" altLang="ko-KR" sz="1200" dirty="0" err="1">
+                <a:solidFill>
+                  <a:srgbClr val="0AA3D6"/>
+                </a:solidFill>
+                <a:latin typeface="Consolas" panose="020B0609020204030204" pitchFamily="49" charset="0"/>
+              </a:rPr>
+              <a:t>extendsFrom</a:t>
+            </a:r>
+            <a:r>
+              <a:rPr lang="en-US" altLang="ko-KR" sz="1200" dirty="0">
+                <a:solidFill>
+                  <a:srgbClr val="3F4750"/>
+                </a:solidFill>
+                <a:latin typeface="Consolas" panose="020B0609020204030204" pitchFamily="49" charset="0"/>
+              </a:rPr>
+              <a:t> </a:t>
+            </a:r>
+            <a:r>
+              <a:rPr lang="en-US" altLang="ko-KR" sz="1200" dirty="0" err="1">
+                <a:solidFill>
+                  <a:srgbClr val="ED7B89"/>
+                </a:solidFill>
+                <a:latin typeface="Consolas" panose="020B0609020204030204" pitchFamily="49" charset="0"/>
+              </a:rPr>
+              <a:t>annotationProcessor</a:t>
+            </a:r>
+            <a:endParaRPr lang="en-US" altLang="ko-KR" sz="1200" dirty="0">
+              <a:solidFill>
+                <a:srgbClr val="272D34"/>
+              </a:solidFill>
+              <a:latin typeface="Consolas" panose="020B0609020204030204" pitchFamily="49" charset="0"/>
+            </a:endParaRPr>
+          </a:p>
+          <a:p>
+            <a:r>
+              <a:rPr lang="en-US" altLang="ko-KR" sz="1200" dirty="0">
+                <a:solidFill>
+                  <a:srgbClr val="3F4750"/>
+                </a:solidFill>
+                <a:latin typeface="Consolas" panose="020B0609020204030204" pitchFamily="49" charset="0"/>
+              </a:rPr>
+              <a:t>    }</a:t>
+            </a:r>
+            <a:endParaRPr lang="en-US" altLang="ko-KR" sz="1200" dirty="0">
+              <a:solidFill>
+                <a:srgbClr val="272D34"/>
+              </a:solidFill>
+              <a:latin typeface="Consolas" panose="020B0609020204030204" pitchFamily="49" charset="0"/>
+            </a:endParaRPr>
+          </a:p>
+          <a:p>
+            <a:r>
+              <a:rPr lang="en-US" altLang="ko-KR" sz="1200" dirty="0">
+                <a:solidFill>
+                  <a:srgbClr val="3F4750"/>
+                </a:solidFill>
+                <a:latin typeface="Consolas" panose="020B0609020204030204" pitchFamily="49" charset="0"/>
+              </a:rPr>
+              <a:t>}</a:t>
+            </a:r>
+            <a:endParaRPr lang="en-US" altLang="ko-KR" sz="1200" dirty="0">
+              <a:solidFill>
+                <a:srgbClr val="272D34"/>
+              </a:solidFill>
+              <a:latin typeface="Consolas" panose="020B0609020204030204" pitchFamily="49" charset="0"/>
+            </a:endParaRPr>
+          </a:p>
+          <a:p>
+            <a:r>
+              <a:rPr lang="en-US" altLang="ko-KR" sz="1200" dirty="0">
+                <a:solidFill>
+                  <a:srgbClr val="272D34"/>
+                </a:solidFill>
+                <a:latin typeface="Consolas" panose="020B0609020204030204" pitchFamily="49" charset="0"/>
+              </a:rPr>
+              <a:t/>
+            </a:r>
+            <a:br>
+              <a:rPr lang="en-US" altLang="ko-KR" sz="1200" dirty="0">
+                <a:solidFill>
+                  <a:srgbClr val="272D34"/>
+                </a:solidFill>
+                <a:latin typeface="Consolas" panose="020B0609020204030204" pitchFamily="49" charset="0"/>
+              </a:rPr>
+            </a:br>
+            <a:r>
+              <a:rPr lang="en-US" altLang="ko-KR" sz="1200" dirty="0">
+                <a:solidFill>
+                  <a:srgbClr val="0AA3D6"/>
+                </a:solidFill>
+                <a:latin typeface="Consolas" panose="020B0609020204030204" pitchFamily="49" charset="0"/>
+              </a:rPr>
+              <a:t>repositories</a:t>
+            </a:r>
+            <a:r>
+              <a:rPr lang="en-US" altLang="ko-KR" sz="1200" dirty="0">
+                <a:solidFill>
+                  <a:srgbClr val="3F4750"/>
+                </a:solidFill>
+                <a:latin typeface="Consolas" panose="020B0609020204030204" pitchFamily="49" charset="0"/>
+              </a:rPr>
+              <a:t> {</a:t>
+            </a:r>
+            <a:endParaRPr lang="en-US" altLang="ko-KR" sz="1200" dirty="0">
+              <a:solidFill>
+                <a:srgbClr val="272D34"/>
+              </a:solidFill>
+              <a:latin typeface="Consolas" panose="020B0609020204030204" pitchFamily="49" charset="0"/>
+            </a:endParaRPr>
+          </a:p>
+          <a:p>
+            <a:r>
+              <a:rPr lang="en-US" altLang="ko-KR" sz="1200" dirty="0">
+                <a:solidFill>
+                  <a:srgbClr val="3F4750"/>
+                </a:solidFill>
+                <a:latin typeface="Consolas" panose="020B0609020204030204" pitchFamily="49" charset="0"/>
+              </a:rPr>
+              <a:t>    </a:t>
+            </a:r>
+            <a:r>
+              <a:rPr lang="en-US" altLang="ko-KR" sz="1200" dirty="0" err="1">
+                <a:solidFill>
+                  <a:srgbClr val="0AA3D6"/>
+                </a:solidFill>
+                <a:latin typeface="Consolas" panose="020B0609020204030204" pitchFamily="49" charset="0"/>
+              </a:rPr>
+              <a:t>mavenCentral</a:t>
+            </a:r>
+            <a:r>
+              <a:rPr lang="en-US" altLang="ko-KR" sz="1200" dirty="0">
+                <a:solidFill>
+                  <a:srgbClr val="272D34"/>
+                </a:solidFill>
+                <a:latin typeface="Consolas" panose="020B0609020204030204" pitchFamily="49" charset="0"/>
+              </a:rPr>
+              <a:t>()</a:t>
+            </a:r>
+          </a:p>
+          <a:p>
+            <a:r>
+              <a:rPr lang="en-US" altLang="ko-KR" sz="1200" dirty="0">
+                <a:solidFill>
+                  <a:srgbClr val="3F4750"/>
+                </a:solidFill>
+                <a:latin typeface="Consolas" panose="020B0609020204030204" pitchFamily="49" charset="0"/>
+              </a:rPr>
+              <a:t>}</a:t>
+            </a:r>
+            <a:endParaRPr lang="en-US" altLang="ko-KR" sz="1200" dirty="0">
+              <a:solidFill>
+                <a:srgbClr val="272D34"/>
+              </a:solidFill>
+              <a:latin typeface="Consolas" panose="020B0609020204030204" pitchFamily="49" charset="0"/>
+            </a:endParaRPr>
+          </a:p>
+          <a:p>
+            <a:r>
+              <a:rPr lang="en-US" altLang="ko-KR" sz="1200" dirty="0">
+                <a:solidFill>
+                  <a:srgbClr val="272D34"/>
+                </a:solidFill>
+                <a:latin typeface="Consolas" panose="020B0609020204030204" pitchFamily="49" charset="0"/>
+              </a:rPr>
+              <a:t/>
+            </a:r>
+            <a:br>
+              <a:rPr lang="en-US" altLang="ko-KR" sz="1200" dirty="0">
+                <a:solidFill>
+                  <a:srgbClr val="272D34"/>
+                </a:solidFill>
+                <a:latin typeface="Consolas" panose="020B0609020204030204" pitchFamily="49" charset="0"/>
+              </a:rPr>
+            </a:br>
+            <a:r>
+              <a:rPr lang="en-US" altLang="ko-KR" sz="1200" dirty="0">
+                <a:solidFill>
+                  <a:srgbClr val="0AA3D6"/>
+                </a:solidFill>
+                <a:latin typeface="Consolas" panose="020B0609020204030204" pitchFamily="49" charset="0"/>
+              </a:rPr>
+              <a:t>dependencies</a:t>
+            </a:r>
+            <a:r>
+              <a:rPr lang="en-US" altLang="ko-KR" sz="1200" dirty="0">
+                <a:solidFill>
+                  <a:srgbClr val="3F4750"/>
+                </a:solidFill>
+                <a:latin typeface="Consolas" panose="020B0609020204030204" pitchFamily="49" charset="0"/>
+              </a:rPr>
+              <a:t> {</a:t>
+            </a:r>
+            <a:endParaRPr lang="en-US" altLang="ko-KR" sz="1200" dirty="0">
+              <a:solidFill>
+                <a:srgbClr val="272D34"/>
+              </a:solidFill>
+              <a:latin typeface="Consolas" panose="020B0609020204030204" pitchFamily="49" charset="0"/>
+            </a:endParaRPr>
+          </a:p>
+          <a:p>
+            <a:r>
+              <a:rPr lang="en-US" altLang="ko-KR" sz="1200" dirty="0">
+                <a:solidFill>
+                  <a:srgbClr val="3F4750"/>
+                </a:solidFill>
+                <a:latin typeface="Consolas" panose="020B0609020204030204" pitchFamily="49" charset="0"/>
+              </a:rPr>
+              <a:t>    </a:t>
+            </a:r>
+            <a:r>
+              <a:rPr lang="en-US" altLang="ko-KR" sz="1200" dirty="0">
+                <a:solidFill>
+                  <a:srgbClr val="0AA3D6"/>
+                </a:solidFill>
+                <a:latin typeface="Consolas" panose="020B0609020204030204" pitchFamily="49" charset="0"/>
+              </a:rPr>
+              <a:t>implementation</a:t>
+            </a:r>
+            <a:r>
+              <a:rPr lang="en-US" altLang="ko-KR" sz="1200" dirty="0">
+                <a:solidFill>
+                  <a:srgbClr val="3F4750"/>
+                </a:solidFill>
+                <a:latin typeface="Consolas" panose="020B0609020204030204" pitchFamily="49" charset="0"/>
+              </a:rPr>
+              <a:t> </a:t>
+            </a:r>
+            <a:r>
+              <a:rPr lang="en-US" altLang="ko-KR" sz="1200" dirty="0">
+                <a:solidFill>
+                  <a:srgbClr val="41AD4E"/>
+                </a:solidFill>
+                <a:latin typeface="Consolas" panose="020B0609020204030204" pitchFamily="49" charset="0"/>
+              </a:rPr>
+              <a:t>'</a:t>
+            </a:r>
+            <a:r>
+              <a:rPr lang="en-US" altLang="ko-KR" sz="1200" dirty="0" err="1">
+                <a:solidFill>
+                  <a:srgbClr val="41AD4E"/>
+                </a:solidFill>
+                <a:latin typeface="Consolas" panose="020B0609020204030204" pitchFamily="49" charset="0"/>
+              </a:rPr>
+              <a:t>org.springframework.boot:spring-boot-starter-data-jpa</a:t>
+            </a:r>
+            <a:r>
+              <a:rPr lang="en-US" altLang="ko-KR" sz="1200" dirty="0">
+                <a:solidFill>
+                  <a:srgbClr val="41AD4E"/>
+                </a:solidFill>
+                <a:latin typeface="Consolas" panose="020B0609020204030204" pitchFamily="49" charset="0"/>
+              </a:rPr>
+              <a:t>'</a:t>
+            </a:r>
+            <a:endParaRPr lang="en-US" altLang="ko-KR" sz="1200" dirty="0">
+              <a:solidFill>
+                <a:srgbClr val="272D34"/>
+              </a:solidFill>
+              <a:latin typeface="Consolas" panose="020B0609020204030204" pitchFamily="49" charset="0"/>
+            </a:endParaRPr>
+          </a:p>
+          <a:p>
+            <a:r>
+              <a:rPr lang="en-US" altLang="ko-KR" sz="1200" dirty="0">
+                <a:solidFill>
+                  <a:srgbClr val="3F4750"/>
+                </a:solidFill>
+                <a:latin typeface="Consolas" panose="020B0609020204030204" pitchFamily="49" charset="0"/>
+              </a:rPr>
+              <a:t>    </a:t>
+            </a:r>
+            <a:r>
+              <a:rPr lang="en-US" altLang="ko-KR" sz="1200" dirty="0">
+                <a:solidFill>
+                  <a:srgbClr val="0AA3D6"/>
+                </a:solidFill>
+                <a:latin typeface="Consolas" panose="020B0609020204030204" pitchFamily="49" charset="0"/>
+              </a:rPr>
+              <a:t>implementation</a:t>
+            </a:r>
+            <a:r>
+              <a:rPr lang="en-US" altLang="ko-KR" sz="1200" dirty="0">
+                <a:solidFill>
+                  <a:srgbClr val="3F4750"/>
+                </a:solidFill>
+                <a:latin typeface="Consolas" panose="020B0609020204030204" pitchFamily="49" charset="0"/>
+              </a:rPr>
+              <a:t> </a:t>
+            </a:r>
+            <a:r>
+              <a:rPr lang="en-US" altLang="ko-KR" sz="1200" dirty="0">
+                <a:solidFill>
+                  <a:srgbClr val="41AD4E"/>
+                </a:solidFill>
+                <a:latin typeface="Consolas" panose="020B0609020204030204" pitchFamily="49" charset="0"/>
+              </a:rPr>
+              <a:t>'</a:t>
+            </a:r>
+            <a:r>
+              <a:rPr lang="en-US" altLang="ko-KR" sz="1200" dirty="0" err="1">
+                <a:solidFill>
+                  <a:srgbClr val="41AD4E"/>
+                </a:solidFill>
+                <a:latin typeface="Consolas" panose="020B0609020204030204" pitchFamily="49" charset="0"/>
+              </a:rPr>
+              <a:t>org.springframework.boot:spring-boot-starter-web</a:t>
+            </a:r>
+            <a:r>
+              <a:rPr lang="en-US" altLang="ko-KR" sz="1200" dirty="0">
+                <a:solidFill>
+                  <a:srgbClr val="41AD4E"/>
+                </a:solidFill>
+                <a:latin typeface="Consolas" panose="020B0609020204030204" pitchFamily="49" charset="0"/>
+              </a:rPr>
+              <a:t>'</a:t>
+            </a:r>
+            <a:endParaRPr lang="en-US" altLang="ko-KR" sz="1200" dirty="0">
+              <a:solidFill>
+                <a:srgbClr val="272D34"/>
+              </a:solidFill>
+              <a:latin typeface="Consolas" panose="020B0609020204030204" pitchFamily="49" charset="0"/>
+            </a:endParaRPr>
+          </a:p>
+          <a:p>
+            <a:r>
+              <a:rPr lang="en-US" altLang="ko-KR" sz="1200" dirty="0">
+                <a:solidFill>
+                  <a:srgbClr val="3F4750"/>
+                </a:solidFill>
+                <a:latin typeface="Consolas" panose="020B0609020204030204" pitchFamily="49" charset="0"/>
+              </a:rPr>
+              <a:t>    </a:t>
+            </a:r>
+            <a:r>
+              <a:rPr lang="en-US" altLang="ko-KR" sz="1200" dirty="0" err="1">
+                <a:solidFill>
+                  <a:srgbClr val="0AA3D6"/>
+                </a:solidFill>
+                <a:latin typeface="Consolas" panose="020B0609020204030204" pitchFamily="49" charset="0"/>
+              </a:rPr>
+              <a:t>compileOnly</a:t>
+            </a:r>
+            <a:r>
+              <a:rPr lang="en-US" altLang="ko-KR" sz="1200" dirty="0">
+                <a:solidFill>
+                  <a:srgbClr val="3F4750"/>
+                </a:solidFill>
+                <a:latin typeface="Consolas" panose="020B0609020204030204" pitchFamily="49" charset="0"/>
+              </a:rPr>
+              <a:t> </a:t>
+            </a:r>
+            <a:r>
+              <a:rPr lang="en-US" altLang="ko-KR" sz="1200" dirty="0">
+                <a:solidFill>
+                  <a:srgbClr val="41AD4E"/>
+                </a:solidFill>
+                <a:latin typeface="Consolas" panose="020B0609020204030204" pitchFamily="49" charset="0"/>
+              </a:rPr>
+              <a:t>'</a:t>
+            </a:r>
+            <a:r>
+              <a:rPr lang="en-US" altLang="ko-KR" sz="1200" dirty="0" err="1">
+                <a:solidFill>
+                  <a:srgbClr val="41AD4E"/>
+                </a:solidFill>
+                <a:latin typeface="Consolas" panose="020B0609020204030204" pitchFamily="49" charset="0"/>
+              </a:rPr>
+              <a:t>org.projectlombok:lombok</a:t>
+            </a:r>
+            <a:r>
+              <a:rPr lang="en-US" altLang="ko-KR" sz="1200" dirty="0">
+                <a:solidFill>
+                  <a:srgbClr val="41AD4E"/>
+                </a:solidFill>
+                <a:latin typeface="Consolas" panose="020B0609020204030204" pitchFamily="49" charset="0"/>
+              </a:rPr>
+              <a:t>'</a:t>
+            </a:r>
+            <a:endParaRPr lang="en-US" altLang="ko-KR" sz="1200" dirty="0">
+              <a:solidFill>
+                <a:srgbClr val="272D34"/>
+              </a:solidFill>
+              <a:latin typeface="Consolas" panose="020B0609020204030204" pitchFamily="49" charset="0"/>
+            </a:endParaRPr>
+          </a:p>
+          <a:p>
+            <a:r>
+              <a:rPr lang="en-US" altLang="ko-KR" sz="1200" dirty="0">
+                <a:solidFill>
+                  <a:srgbClr val="3F4750"/>
+                </a:solidFill>
+                <a:latin typeface="Consolas" panose="020B0609020204030204" pitchFamily="49" charset="0"/>
+              </a:rPr>
+              <a:t>    </a:t>
+            </a:r>
+            <a:r>
+              <a:rPr lang="en-US" altLang="ko-KR" sz="1200" dirty="0" err="1">
+                <a:solidFill>
+                  <a:srgbClr val="0AA3D6"/>
+                </a:solidFill>
+                <a:latin typeface="Consolas" panose="020B0609020204030204" pitchFamily="49" charset="0"/>
+              </a:rPr>
+              <a:t>developmentOnly</a:t>
+            </a:r>
+            <a:r>
+              <a:rPr lang="en-US" altLang="ko-KR" sz="1200" dirty="0">
+                <a:solidFill>
+                  <a:srgbClr val="3F4750"/>
+                </a:solidFill>
+                <a:latin typeface="Consolas" panose="020B0609020204030204" pitchFamily="49" charset="0"/>
+              </a:rPr>
+              <a:t> </a:t>
+            </a:r>
+            <a:r>
+              <a:rPr lang="en-US" altLang="ko-KR" sz="1200" dirty="0">
+                <a:solidFill>
+                  <a:srgbClr val="41AD4E"/>
+                </a:solidFill>
+                <a:latin typeface="Consolas" panose="020B0609020204030204" pitchFamily="49" charset="0"/>
+              </a:rPr>
+              <a:t>'</a:t>
+            </a:r>
+            <a:r>
+              <a:rPr lang="en-US" altLang="ko-KR" sz="1200" dirty="0" err="1">
+                <a:solidFill>
+                  <a:srgbClr val="41AD4E"/>
+                </a:solidFill>
+                <a:latin typeface="Consolas" panose="020B0609020204030204" pitchFamily="49" charset="0"/>
+              </a:rPr>
+              <a:t>org.springframework.boot:spring-boot-devtools</a:t>
+            </a:r>
+            <a:r>
+              <a:rPr lang="en-US" altLang="ko-KR" sz="1200" dirty="0">
+                <a:solidFill>
+                  <a:srgbClr val="41AD4E"/>
+                </a:solidFill>
+                <a:latin typeface="Consolas" panose="020B0609020204030204" pitchFamily="49" charset="0"/>
+              </a:rPr>
+              <a:t>'</a:t>
+            </a:r>
+            <a:endParaRPr lang="en-US" altLang="ko-KR" sz="1200" dirty="0">
+              <a:solidFill>
+                <a:srgbClr val="272D34"/>
+              </a:solidFill>
+              <a:latin typeface="Consolas" panose="020B0609020204030204" pitchFamily="49" charset="0"/>
+            </a:endParaRPr>
+          </a:p>
+          <a:p>
+            <a:r>
+              <a:rPr lang="en-US" altLang="ko-KR" sz="1200" dirty="0">
+                <a:solidFill>
+                  <a:srgbClr val="3F4750"/>
+                </a:solidFill>
+                <a:latin typeface="Consolas" panose="020B0609020204030204" pitchFamily="49" charset="0"/>
+              </a:rPr>
+              <a:t>    </a:t>
+            </a:r>
+            <a:r>
+              <a:rPr lang="en-US" altLang="ko-KR" sz="1200" dirty="0" err="1">
+                <a:solidFill>
+                  <a:srgbClr val="0AA3D6"/>
+                </a:solidFill>
+                <a:latin typeface="Consolas" panose="020B0609020204030204" pitchFamily="49" charset="0"/>
+              </a:rPr>
+              <a:t>runtimeOnly</a:t>
+            </a:r>
+            <a:r>
+              <a:rPr lang="en-US" altLang="ko-KR" sz="1200" dirty="0">
+                <a:solidFill>
+                  <a:srgbClr val="3F4750"/>
+                </a:solidFill>
+                <a:latin typeface="Consolas" panose="020B0609020204030204" pitchFamily="49" charset="0"/>
+              </a:rPr>
+              <a:t> </a:t>
+            </a:r>
+            <a:r>
+              <a:rPr lang="en-US" altLang="ko-KR" sz="1200" dirty="0">
+                <a:solidFill>
+                  <a:srgbClr val="41AD4E"/>
+                </a:solidFill>
+                <a:latin typeface="Consolas" panose="020B0609020204030204" pitchFamily="49" charset="0"/>
+              </a:rPr>
+              <a:t>'</a:t>
+            </a:r>
+            <a:r>
+              <a:rPr lang="en-US" altLang="ko-KR" sz="1200" dirty="0" err="1">
+                <a:solidFill>
+                  <a:srgbClr val="41AD4E"/>
+                </a:solidFill>
+                <a:latin typeface="Consolas" panose="020B0609020204030204" pitchFamily="49" charset="0"/>
+              </a:rPr>
+              <a:t>com.mysql:mysql-connector-j</a:t>
+            </a:r>
+            <a:r>
+              <a:rPr lang="en-US" altLang="ko-KR" sz="1200" dirty="0">
+                <a:solidFill>
+                  <a:srgbClr val="41AD4E"/>
+                </a:solidFill>
+                <a:latin typeface="Consolas" panose="020B0609020204030204" pitchFamily="49" charset="0"/>
+              </a:rPr>
+              <a:t>'</a:t>
+            </a:r>
+            <a:endParaRPr lang="en-US" altLang="ko-KR" sz="1200" dirty="0">
+              <a:solidFill>
+                <a:srgbClr val="272D34"/>
+              </a:solidFill>
+              <a:latin typeface="Consolas" panose="020B0609020204030204" pitchFamily="49" charset="0"/>
+            </a:endParaRPr>
+          </a:p>
+          <a:p>
+            <a:r>
+              <a:rPr lang="en-US" altLang="ko-KR" sz="1200" dirty="0">
+                <a:solidFill>
+                  <a:srgbClr val="3F4750"/>
+                </a:solidFill>
+                <a:latin typeface="Consolas" panose="020B0609020204030204" pitchFamily="49" charset="0"/>
+              </a:rPr>
+              <a:t>    </a:t>
+            </a:r>
+            <a:r>
+              <a:rPr lang="en-US" altLang="ko-KR" sz="1200" dirty="0" err="1">
+                <a:solidFill>
+                  <a:srgbClr val="0AA3D6"/>
+                </a:solidFill>
+                <a:latin typeface="Consolas" panose="020B0609020204030204" pitchFamily="49" charset="0"/>
+              </a:rPr>
+              <a:t>annotationProcessor</a:t>
+            </a:r>
+            <a:r>
+              <a:rPr lang="en-US" altLang="ko-KR" sz="1200" dirty="0">
+                <a:solidFill>
+                  <a:srgbClr val="3F4750"/>
+                </a:solidFill>
+                <a:latin typeface="Consolas" panose="020B0609020204030204" pitchFamily="49" charset="0"/>
+              </a:rPr>
+              <a:t> </a:t>
+            </a:r>
+            <a:r>
+              <a:rPr lang="en-US" altLang="ko-KR" sz="1200" dirty="0">
+                <a:solidFill>
+                  <a:srgbClr val="41AD4E"/>
+                </a:solidFill>
+                <a:latin typeface="Consolas" panose="020B0609020204030204" pitchFamily="49" charset="0"/>
+              </a:rPr>
+              <a:t>'</a:t>
+            </a:r>
+            <a:r>
+              <a:rPr lang="en-US" altLang="ko-KR" sz="1200" dirty="0" err="1">
+                <a:solidFill>
+                  <a:srgbClr val="41AD4E"/>
+                </a:solidFill>
+                <a:latin typeface="Consolas" panose="020B0609020204030204" pitchFamily="49" charset="0"/>
+              </a:rPr>
+              <a:t>org.projectlombok:lombok</a:t>
+            </a:r>
+            <a:r>
+              <a:rPr lang="en-US" altLang="ko-KR" sz="1200" dirty="0">
+                <a:solidFill>
+                  <a:srgbClr val="41AD4E"/>
+                </a:solidFill>
+                <a:latin typeface="Consolas" panose="020B0609020204030204" pitchFamily="49" charset="0"/>
+              </a:rPr>
+              <a:t>'</a:t>
+            </a:r>
+            <a:endParaRPr lang="en-US" altLang="ko-KR" sz="1200" dirty="0">
+              <a:solidFill>
+                <a:srgbClr val="272D34"/>
+              </a:solidFill>
+              <a:latin typeface="Consolas" panose="020B0609020204030204" pitchFamily="49" charset="0"/>
+            </a:endParaRPr>
+          </a:p>
+          <a:p>
+            <a:r>
+              <a:rPr lang="en-US" altLang="ko-KR" sz="1200" dirty="0">
+                <a:solidFill>
+                  <a:srgbClr val="3F4750"/>
+                </a:solidFill>
+                <a:latin typeface="Consolas" panose="020B0609020204030204" pitchFamily="49" charset="0"/>
+              </a:rPr>
+              <a:t>    </a:t>
+            </a:r>
+            <a:r>
+              <a:rPr lang="en-US" altLang="ko-KR" sz="1200" dirty="0" err="1">
+                <a:solidFill>
+                  <a:srgbClr val="0AA3D6"/>
+                </a:solidFill>
+                <a:latin typeface="Consolas" panose="020B0609020204030204" pitchFamily="49" charset="0"/>
+              </a:rPr>
+              <a:t>testImplementation</a:t>
+            </a:r>
+            <a:r>
+              <a:rPr lang="en-US" altLang="ko-KR" sz="1200" dirty="0">
+                <a:solidFill>
+                  <a:srgbClr val="3F4750"/>
+                </a:solidFill>
+                <a:latin typeface="Consolas" panose="020B0609020204030204" pitchFamily="49" charset="0"/>
+              </a:rPr>
+              <a:t> </a:t>
+            </a:r>
+            <a:r>
+              <a:rPr lang="en-US" altLang="ko-KR" sz="1200" dirty="0">
+                <a:solidFill>
+                  <a:srgbClr val="41AD4E"/>
+                </a:solidFill>
+                <a:latin typeface="Consolas" panose="020B0609020204030204" pitchFamily="49" charset="0"/>
+              </a:rPr>
+              <a:t>'</a:t>
+            </a:r>
+            <a:r>
+              <a:rPr lang="en-US" altLang="ko-KR" sz="1200" dirty="0" err="1">
+                <a:solidFill>
+                  <a:srgbClr val="41AD4E"/>
+                </a:solidFill>
+                <a:latin typeface="Consolas" panose="020B0609020204030204" pitchFamily="49" charset="0"/>
+              </a:rPr>
+              <a:t>org.springframework.boot:spring-boot-starter-test</a:t>
+            </a:r>
+            <a:r>
+              <a:rPr lang="en-US" altLang="ko-KR" sz="1200" dirty="0">
+                <a:solidFill>
+                  <a:srgbClr val="41AD4E"/>
+                </a:solidFill>
+                <a:latin typeface="Consolas" panose="020B0609020204030204" pitchFamily="49" charset="0"/>
+              </a:rPr>
+              <a:t>'</a:t>
+            </a:r>
+            <a:endParaRPr lang="en-US" altLang="ko-KR" sz="1200" dirty="0">
+              <a:solidFill>
+                <a:srgbClr val="272D34"/>
+              </a:solidFill>
+              <a:latin typeface="Consolas" panose="020B0609020204030204" pitchFamily="49" charset="0"/>
+            </a:endParaRPr>
+          </a:p>
+          <a:p>
+            <a:r>
+              <a:rPr lang="en-US" altLang="ko-KR" sz="1200" dirty="0">
+                <a:solidFill>
+                  <a:srgbClr val="3F4750"/>
+                </a:solidFill>
+                <a:latin typeface="Consolas" panose="020B0609020204030204" pitchFamily="49" charset="0"/>
+              </a:rPr>
+              <a:t>    </a:t>
+            </a:r>
+            <a:r>
+              <a:rPr lang="en-US" altLang="ko-KR" sz="1200" dirty="0" err="1">
+                <a:solidFill>
+                  <a:srgbClr val="0AA3D6"/>
+                </a:solidFill>
+                <a:latin typeface="Consolas" panose="020B0609020204030204" pitchFamily="49" charset="0"/>
+              </a:rPr>
+              <a:t>testRuntimeOnly</a:t>
+            </a:r>
+            <a:r>
+              <a:rPr lang="en-US" altLang="ko-KR" sz="1200" dirty="0">
+                <a:solidFill>
+                  <a:srgbClr val="3F4750"/>
+                </a:solidFill>
+                <a:latin typeface="Consolas" panose="020B0609020204030204" pitchFamily="49" charset="0"/>
+              </a:rPr>
+              <a:t> </a:t>
+            </a:r>
+            <a:r>
+              <a:rPr lang="en-US" altLang="ko-KR" sz="1200" dirty="0">
+                <a:solidFill>
+                  <a:srgbClr val="41AD4E"/>
+                </a:solidFill>
+                <a:latin typeface="Consolas" panose="020B0609020204030204" pitchFamily="49" charset="0"/>
+              </a:rPr>
+              <a:t>'</a:t>
+            </a:r>
+            <a:r>
+              <a:rPr lang="en-US" altLang="ko-KR" sz="1200" dirty="0" err="1">
+                <a:solidFill>
+                  <a:srgbClr val="41AD4E"/>
+                </a:solidFill>
+                <a:latin typeface="Consolas" panose="020B0609020204030204" pitchFamily="49" charset="0"/>
+              </a:rPr>
+              <a:t>org.junit.platform:junit-platform-launcher</a:t>
+            </a:r>
+            <a:r>
+              <a:rPr lang="en-US" altLang="ko-KR" sz="1200" dirty="0">
+                <a:solidFill>
+                  <a:srgbClr val="41AD4E"/>
+                </a:solidFill>
+                <a:latin typeface="Consolas" panose="020B0609020204030204" pitchFamily="49" charset="0"/>
+              </a:rPr>
+              <a:t>'</a:t>
+            </a:r>
+            <a:endParaRPr lang="en-US" altLang="ko-KR" sz="1200" dirty="0">
+              <a:solidFill>
+                <a:srgbClr val="272D34"/>
+              </a:solidFill>
+              <a:latin typeface="Consolas" panose="020B0609020204030204" pitchFamily="49" charset="0"/>
+            </a:endParaRPr>
+          </a:p>
+          <a:p>
+            <a:r>
+              <a:rPr lang="en-US" altLang="ko-KR" sz="1200" dirty="0">
+                <a:solidFill>
+                  <a:srgbClr val="3F4750"/>
+                </a:solidFill>
+                <a:latin typeface="Consolas" panose="020B0609020204030204" pitchFamily="49" charset="0"/>
+              </a:rPr>
+              <a:t>}</a:t>
+            </a:r>
+            <a:endParaRPr lang="en-US" altLang="ko-KR" sz="1200" dirty="0">
+              <a:solidFill>
+                <a:srgbClr val="272D34"/>
+              </a:solidFill>
+              <a:latin typeface="Consolas" panose="020B0609020204030204" pitchFamily="49" charset="0"/>
+            </a:endParaRPr>
+          </a:p>
+          <a:p>
+            <a:r>
+              <a:rPr lang="en-US" altLang="ko-KR" sz="1200" dirty="0">
+                <a:solidFill>
+                  <a:srgbClr val="272D34"/>
+                </a:solidFill>
+                <a:latin typeface="Consolas" panose="020B0609020204030204" pitchFamily="49" charset="0"/>
+              </a:rPr>
+              <a:t/>
+            </a:r>
+            <a:br>
+              <a:rPr lang="en-US" altLang="ko-KR" sz="1200" dirty="0">
+                <a:solidFill>
+                  <a:srgbClr val="272D34"/>
+                </a:solidFill>
+                <a:latin typeface="Consolas" panose="020B0609020204030204" pitchFamily="49" charset="0"/>
+              </a:rPr>
+            </a:br>
+            <a:r>
+              <a:rPr lang="en-US" altLang="ko-KR" sz="1200" dirty="0" err="1">
+                <a:solidFill>
+                  <a:srgbClr val="ED7B89"/>
+                </a:solidFill>
+                <a:latin typeface="Consolas" panose="020B0609020204030204" pitchFamily="49" charset="0"/>
+              </a:rPr>
+              <a:t>tasks</a:t>
+            </a:r>
+            <a:r>
+              <a:rPr lang="en-US" altLang="ko-KR" sz="1200" dirty="0" err="1">
+                <a:solidFill>
+                  <a:srgbClr val="272D34"/>
+                </a:solidFill>
+                <a:latin typeface="Consolas" panose="020B0609020204030204" pitchFamily="49" charset="0"/>
+              </a:rPr>
+              <a:t>.</a:t>
+            </a:r>
+            <a:r>
+              <a:rPr lang="en-US" altLang="ko-KR" sz="1200" dirty="0" err="1">
+                <a:solidFill>
+                  <a:srgbClr val="0AA3D6"/>
+                </a:solidFill>
+                <a:latin typeface="Consolas" panose="020B0609020204030204" pitchFamily="49" charset="0"/>
+              </a:rPr>
+              <a:t>named</a:t>
+            </a:r>
+            <a:r>
+              <a:rPr lang="en-US" altLang="ko-KR" sz="1200" dirty="0">
+                <a:solidFill>
+                  <a:srgbClr val="272D34"/>
+                </a:solidFill>
+                <a:latin typeface="Consolas" panose="020B0609020204030204" pitchFamily="49" charset="0"/>
+              </a:rPr>
+              <a:t>(</a:t>
+            </a:r>
+            <a:r>
+              <a:rPr lang="en-US" altLang="ko-KR" sz="1200" dirty="0">
+                <a:solidFill>
+                  <a:srgbClr val="41AD4E"/>
+                </a:solidFill>
+                <a:latin typeface="Consolas" panose="020B0609020204030204" pitchFamily="49" charset="0"/>
+              </a:rPr>
+              <a:t>'test'</a:t>
+            </a:r>
+            <a:r>
+              <a:rPr lang="en-US" altLang="ko-KR" sz="1200" dirty="0">
+                <a:solidFill>
+                  <a:srgbClr val="272D34"/>
+                </a:solidFill>
+                <a:latin typeface="Consolas" panose="020B0609020204030204" pitchFamily="49" charset="0"/>
+              </a:rPr>
+              <a:t>)</a:t>
+            </a:r>
+            <a:r>
+              <a:rPr lang="en-US" altLang="ko-KR" sz="1200" dirty="0">
+                <a:solidFill>
+                  <a:srgbClr val="3F4750"/>
+                </a:solidFill>
+                <a:latin typeface="Consolas" panose="020B0609020204030204" pitchFamily="49" charset="0"/>
+              </a:rPr>
+              <a:t> {</a:t>
+            </a:r>
+            <a:endParaRPr lang="en-US" altLang="ko-KR" sz="1200" dirty="0">
+              <a:solidFill>
+                <a:srgbClr val="272D34"/>
+              </a:solidFill>
+              <a:latin typeface="Consolas" panose="020B0609020204030204" pitchFamily="49" charset="0"/>
+            </a:endParaRPr>
+          </a:p>
+          <a:p>
+            <a:r>
+              <a:rPr lang="en-US" altLang="ko-KR" sz="1200" dirty="0">
+                <a:solidFill>
+                  <a:srgbClr val="3F4750"/>
+                </a:solidFill>
+                <a:latin typeface="Consolas" panose="020B0609020204030204" pitchFamily="49" charset="0"/>
+              </a:rPr>
+              <a:t>    </a:t>
+            </a:r>
+            <a:r>
+              <a:rPr lang="en-US" altLang="ko-KR" sz="1200" dirty="0" err="1">
+                <a:solidFill>
+                  <a:srgbClr val="0AA3D6"/>
+                </a:solidFill>
+                <a:latin typeface="Consolas" panose="020B0609020204030204" pitchFamily="49" charset="0"/>
+              </a:rPr>
+              <a:t>useJUnitPlatform</a:t>
+            </a:r>
+            <a:r>
+              <a:rPr lang="en-US" altLang="ko-KR" sz="1200" dirty="0">
+                <a:solidFill>
+                  <a:srgbClr val="272D34"/>
+                </a:solidFill>
+                <a:latin typeface="Consolas" panose="020B0609020204030204" pitchFamily="49" charset="0"/>
+              </a:rPr>
+              <a:t>()</a:t>
+            </a:r>
+          </a:p>
+          <a:p>
+            <a:r>
+              <a:rPr lang="en-US" altLang="ko-KR" sz="1200" dirty="0">
+                <a:solidFill>
+                  <a:srgbClr val="3F4750"/>
+                </a:solidFill>
+                <a:latin typeface="Consolas" panose="020B0609020204030204" pitchFamily="49" charset="0"/>
+              </a:rPr>
+              <a:t>}</a:t>
+            </a:r>
+            <a:endParaRPr lang="en-US" altLang="ko-KR" sz="1200" dirty="0">
+              <a:solidFill>
+                <a:srgbClr val="272D34"/>
+              </a:solidFill>
+              <a:latin typeface="Consolas" panose="020B0609020204030204" pitchFamily="49" charset="0"/>
+            </a:endParaRPr>
+          </a:p>
+          <a:p>
+            <a:r>
+              <a:rPr lang="en-US" altLang="ko-KR" sz="1200" dirty="0">
+                <a:solidFill>
+                  <a:srgbClr val="272D34"/>
+                </a:solidFill>
+                <a:latin typeface="Consolas" panose="020B0609020204030204" pitchFamily="49" charset="0"/>
+              </a:rPr>
+              <a:t/>
+            </a:r>
+            <a:br>
+              <a:rPr lang="en-US" altLang="ko-KR" sz="1200" dirty="0">
+                <a:solidFill>
+                  <a:srgbClr val="272D34"/>
+                </a:solidFill>
+                <a:latin typeface="Consolas" panose="020B0609020204030204" pitchFamily="49" charset="0"/>
+              </a:rPr>
+            </a:br>
+            <a:endParaRPr lang="en-US" altLang="ko-KR" sz="1200" b="0" dirty="0">
+              <a:solidFill>
+                <a:srgbClr val="272D34"/>
+              </a:solidFill>
+              <a:effectLst/>
+              <a:latin typeface="Consolas" panose="020B0609020204030204" pitchFamily="49" charset="0"/>
+            </a:endParaRPr>
+          </a:p>
+        </p:txBody>
+      </p:sp>
+    </p:spTree>
+    <p:extLst>
+      <p:ext uri="{BB962C8B-B14F-4D97-AF65-F5344CB8AC3E}">
+        <p14:creationId xmlns:p14="http://schemas.microsoft.com/office/powerpoint/2010/main" val="2091596982"/>
+      </p:ext>
+    </p:extLst>
+  </p:cSld>
+  <p:clrMapOvr>
+    <a:masterClrMapping/>
+  </p:clrMapOvr>
+</p:sld>
+</file>
+
+<file path=ppt/slides/slide19.xml><?xml version="1.0" encoding="utf-8"?>
+<p:sld xmlns:a="http://schemas.openxmlformats.org/drawingml/2006/main" xmlns:r="http://schemas.openxmlformats.org/officeDocument/2006/relationships" xmlns:p="http://schemas.openxmlformats.org/presentationml/2006/main">
+  <p:cSld>
+    <p:spTree>
+      <p:nvGrpSpPr>
+        <p:cNvPr id="1" name=""/>
+        <p:cNvGrpSpPr/>
+        <p:nvPr/>
+      </p:nvGrpSpPr>
+      <p:grpSpPr>
+        <a:xfrm>
+          <a:off x="0" y="0"/>
+          <a:ext cx="0" cy="0"/>
+          <a:chOff x="0" y="0"/>
+          <a:chExt cx="0" cy="0"/>
+        </a:xfrm>
+      </p:grpSpPr>
+      <p:sp>
+        <p:nvSpPr>
+          <p:cNvPr id="6" name="직사각형 5"/>
+          <p:cNvSpPr/>
+          <p:nvPr/>
+        </p:nvSpPr>
+        <p:spPr>
+          <a:xfrm>
+            <a:off x="649045" y="1065006"/>
+            <a:ext cx="10807849" cy="4959276"/>
+          </a:xfrm>
+          <a:prstGeom prst="rect">
+            <a:avLst/>
+          </a:prstGeom>
+        </p:spPr>
+        <p:txBody>
+          <a:bodyPr wrap="square" numCol="2">
+            <a:spAutoFit/>
+          </a:bodyPr>
+          <a:lstStyle/>
+          <a:p>
+            <a:r>
+              <a:rPr lang="en-US" altLang="ko-KR" sz="1200" dirty="0">
+                <a:solidFill>
+                  <a:srgbClr val="3F4750"/>
+                </a:solidFill>
+                <a:latin typeface="Consolas" panose="020B0609020204030204" pitchFamily="49" charset="0"/>
+              </a:rPr>
+              <a:t>spring.application.name</a:t>
+            </a:r>
+            <a:r>
+              <a:rPr lang="en-US" altLang="ko-KR" sz="1200" dirty="0">
+                <a:solidFill>
+                  <a:srgbClr val="272D34"/>
+                </a:solidFill>
+                <a:latin typeface="Consolas" panose="020B0609020204030204" pitchFamily="49" charset="0"/>
+              </a:rPr>
+              <a:t>=</a:t>
+            </a:r>
+            <a:r>
+              <a:rPr lang="en-US" altLang="ko-KR" sz="1200" dirty="0">
+                <a:solidFill>
+                  <a:srgbClr val="41AD4E"/>
+                </a:solidFill>
+                <a:latin typeface="Consolas" panose="020B0609020204030204" pitchFamily="49" charset="0"/>
+              </a:rPr>
+              <a:t>movie</a:t>
+            </a:r>
+            <a:endParaRPr lang="en-US" altLang="ko-KR" sz="1200" dirty="0">
+              <a:solidFill>
+                <a:srgbClr val="272D34"/>
+              </a:solidFill>
+              <a:latin typeface="Consolas" panose="020B0609020204030204" pitchFamily="49" charset="0"/>
+            </a:endParaRPr>
+          </a:p>
+          <a:p>
+            <a:r>
+              <a:rPr lang="en-US" altLang="ko-KR" sz="1200" dirty="0">
+                <a:solidFill>
+                  <a:srgbClr val="272D34"/>
+                </a:solidFill>
+                <a:latin typeface="Consolas" panose="020B0609020204030204" pitchFamily="49" charset="0"/>
+              </a:rPr>
+              <a:t/>
+            </a:r>
+            <a:br>
+              <a:rPr lang="en-US" altLang="ko-KR" sz="1200" dirty="0">
+                <a:solidFill>
+                  <a:srgbClr val="272D34"/>
+                </a:solidFill>
+                <a:latin typeface="Consolas" panose="020B0609020204030204" pitchFamily="49" charset="0"/>
+              </a:rPr>
+            </a:br>
+            <a:r>
+              <a:rPr lang="en-US" altLang="ko-KR" sz="1200" dirty="0">
+                <a:solidFill>
+                  <a:srgbClr val="3F4750"/>
+                </a:solidFill>
+                <a:latin typeface="Consolas" panose="020B0609020204030204" pitchFamily="49" charset="0"/>
+              </a:rPr>
+              <a:t>spring.datasource.url</a:t>
+            </a:r>
+            <a:r>
+              <a:rPr lang="en-US" altLang="ko-KR" sz="1200" dirty="0">
+                <a:solidFill>
+                  <a:srgbClr val="272D34"/>
+                </a:solidFill>
+                <a:latin typeface="Consolas" panose="020B0609020204030204" pitchFamily="49" charset="0"/>
+              </a:rPr>
+              <a:t>=</a:t>
+            </a:r>
+            <a:r>
+              <a:rPr lang="en-US" altLang="ko-KR" sz="1200" dirty="0" err="1">
+                <a:solidFill>
+                  <a:srgbClr val="41AD4E"/>
+                </a:solidFill>
+                <a:latin typeface="Consolas" panose="020B0609020204030204" pitchFamily="49" charset="0"/>
+              </a:rPr>
+              <a:t>jdbc:mysql</a:t>
+            </a:r>
+            <a:r>
+              <a:rPr lang="en-US" altLang="ko-KR" sz="1200" dirty="0">
+                <a:solidFill>
+                  <a:srgbClr val="41AD4E"/>
+                </a:solidFill>
+                <a:latin typeface="Consolas" panose="020B0609020204030204" pitchFamily="49" charset="0"/>
+              </a:rPr>
+              <a:t>://192.168.0.26:3306/movie</a:t>
+            </a:r>
+            <a:endParaRPr lang="en-US" altLang="ko-KR" sz="1200" dirty="0">
+              <a:solidFill>
+                <a:srgbClr val="272D34"/>
+              </a:solidFill>
+              <a:latin typeface="Consolas" panose="020B0609020204030204" pitchFamily="49" charset="0"/>
+            </a:endParaRPr>
+          </a:p>
+          <a:p>
+            <a:r>
+              <a:rPr lang="en-US" altLang="ko-KR" sz="1200" dirty="0" err="1">
+                <a:solidFill>
+                  <a:srgbClr val="3F4750"/>
+                </a:solidFill>
+                <a:latin typeface="Consolas" panose="020B0609020204030204" pitchFamily="49" charset="0"/>
+              </a:rPr>
+              <a:t>spring.datasource.username</a:t>
+            </a:r>
+            <a:r>
+              <a:rPr lang="en-US" altLang="ko-KR" sz="1200" dirty="0">
+                <a:solidFill>
+                  <a:srgbClr val="272D34"/>
+                </a:solidFill>
+                <a:latin typeface="Consolas" panose="020B0609020204030204" pitchFamily="49" charset="0"/>
+              </a:rPr>
+              <a:t>=</a:t>
+            </a:r>
+            <a:r>
+              <a:rPr lang="en-US" altLang="ko-KR" sz="1200" dirty="0" err="1">
+                <a:solidFill>
+                  <a:srgbClr val="41AD4E"/>
+                </a:solidFill>
+                <a:latin typeface="Consolas" panose="020B0609020204030204" pitchFamily="49" charset="0"/>
+              </a:rPr>
+              <a:t>ahncho</a:t>
+            </a:r>
+            <a:endParaRPr lang="en-US" altLang="ko-KR" sz="1200" dirty="0">
+              <a:solidFill>
+                <a:srgbClr val="272D34"/>
+              </a:solidFill>
+              <a:latin typeface="Consolas" panose="020B0609020204030204" pitchFamily="49" charset="0"/>
+            </a:endParaRPr>
+          </a:p>
+          <a:p>
+            <a:r>
+              <a:rPr lang="en-US" altLang="ko-KR" sz="1200" dirty="0" err="1" smtClean="0">
+                <a:solidFill>
+                  <a:srgbClr val="3F4750"/>
+                </a:solidFill>
+                <a:latin typeface="Consolas" panose="020B0609020204030204" pitchFamily="49" charset="0"/>
+              </a:rPr>
+              <a:t>spring.datasource.driver</a:t>
+            </a:r>
+            <a:r>
+              <a:rPr lang="en-US" altLang="ko-KR" sz="1200" dirty="0" smtClean="0">
+                <a:solidFill>
+                  <a:srgbClr val="3F4750"/>
+                </a:solidFill>
+                <a:latin typeface="Consolas" panose="020B0609020204030204" pitchFamily="49" charset="0"/>
+              </a:rPr>
+              <a:t>-class-name</a:t>
+            </a:r>
+            <a:r>
+              <a:rPr lang="en-US" altLang="ko-KR" sz="1200" dirty="0" smtClean="0">
+                <a:solidFill>
+                  <a:srgbClr val="272D34"/>
+                </a:solidFill>
+                <a:latin typeface="Consolas" panose="020B0609020204030204" pitchFamily="49" charset="0"/>
+              </a:rPr>
+              <a:t>=</a:t>
+            </a:r>
+            <a:r>
+              <a:rPr lang="en-US" altLang="ko-KR" sz="1200" dirty="0" err="1" smtClean="0">
+                <a:solidFill>
+                  <a:srgbClr val="41AD4E"/>
+                </a:solidFill>
+                <a:latin typeface="Consolas" panose="020B0609020204030204" pitchFamily="49" charset="0"/>
+              </a:rPr>
+              <a:t>com.mysql.cj.jdbc.Driver</a:t>
+            </a:r>
+            <a:endParaRPr lang="en-US" altLang="ko-KR" sz="1200" dirty="0">
+              <a:solidFill>
+                <a:srgbClr val="272D34"/>
+              </a:solidFill>
+              <a:latin typeface="Consolas" panose="020B0609020204030204" pitchFamily="49" charset="0"/>
+            </a:endParaRPr>
+          </a:p>
+          <a:p>
+            <a:r>
+              <a:rPr lang="en-US" altLang="ko-KR" sz="1200" dirty="0" err="1" smtClean="0">
+                <a:solidFill>
+                  <a:srgbClr val="3F4750"/>
+                </a:solidFill>
+                <a:latin typeface="Consolas" panose="020B0609020204030204" pitchFamily="49" charset="0"/>
+              </a:rPr>
+              <a:t>spring.datasource.initialization</a:t>
+            </a:r>
+            <a:r>
+              <a:rPr lang="en-US" altLang="ko-KR" sz="1200" dirty="0" smtClean="0">
+                <a:solidFill>
+                  <a:srgbClr val="3F4750"/>
+                </a:solidFill>
+                <a:latin typeface="Consolas" panose="020B0609020204030204" pitchFamily="49" charset="0"/>
+              </a:rPr>
+              <a:t>-mode</a:t>
+            </a:r>
+            <a:r>
+              <a:rPr lang="en-US" altLang="ko-KR" sz="1200" dirty="0" smtClean="0">
+                <a:solidFill>
+                  <a:srgbClr val="272D34"/>
+                </a:solidFill>
+                <a:latin typeface="Consolas" panose="020B0609020204030204" pitchFamily="49" charset="0"/>
+              </a:rPr>
+              <a:t>=</a:t>
+            </a:r>
+            <a:r>
+              <a:rPr lang="en-US" altLang="ko-KR" sz="1200" dirty="0" smtClean="0">
+                <a:solidFill>
+                  <a:srgbClr val="41AD4E"/>
+                </a:solidFill>
+                <a:latin typeface="Consolas" panose="020B0609020204030204" pitchFamily="49" charset="0"/>
+              </a:rPr>
+              <a:t>always</a:t>
+            </a:r>
+          </a:p>
+          <a:p>
+            <a:r>
+              <a:rPr lang="en-US" altLang="ko-KR" sz="1200" dirty="0" smtClean="0">
+                <a:solidFill>
+                  <a:srgbClr val="41AD4E"/>
+                </a:solidFill>
+                <a:latin typeface="Consolas" panose="020B0609020204030204" pitchFamily="49" charset="0"/>
+              </a:rPr>
+              <a:t># </a:t>
+            </a:r>
+            <a:r>
+              <a:rPr lang="ko-KR" altLang="en-US" sz="1200" dirty="0" smtClean="0">
+                <a:solidFill>
+                  <a:srgbClr val="41AD4E"/>
+                </a:solidFill>
+                <a:latin typeface="Consolas" panose="020B0609020204030204" pitchFamily="49" charset="0"/>
+              </a:rPr>
+              <a:t>애플리케이션 시작 시 데이터 소스 초기화 스크립트를 항상 실행하도록 강제한다</a:t>
+            </a:r>
+            <a:endParaRPr lang="en-US" altLang="ko-KR" sz="1200" dirty="0" smtClean="0">
+              <a:solidFill>
+                <a:srgbClr val="41AD4E"/>
+              </a:solidFill>
+              <a:latin typeface="Consolas" panose="020B0609020204030204" pitchFamily="49" charset="0"/>
+            </a:endParaRPr>
+          </a:p>
+          <a:p>
+            <a:r>
+              <a:rPr lang="en-US" altLang="ko-KR" sz="1200" dirty="0" smtClean="0">
+                <a:solidFill>
+                  <a:srgbClr val="41AD4E"/>
+                </a:solidFill>
+                <a:latin typeface="Consolas" panose="020B0609020204030204" pitchFamily="49" charset="0"/>
+              </a:rPr>
+              <a:t># </a:t>
+            </a:r>
+            <a:r>
+              <a:rPr lang="ko-KR" altLang="en-US" sz="1200" dirty="0" smtClean="0">
+                <a:solidFill>
+                  <a:srgbClr val="41AD4E"/>
+                </a:solidFill>
+                <a:latin typeface="Consolas" panose="020B0609020204030204" pitchFamily="49" charset="0"/>
+              </a:rPr>
+              <a:t>데이터베이스 초기화와 관련된 문제를 해결한다</a:t>
+            </a:r>
+            <a:endParaRPr lang="en-US" altLang="ko-KR" sz="1200" dirty="0">
+              <a:solidFill>
+                <a:srgbClr val="272D34"/>
+              </a:solidFill>
+              <a:latin typeface="Consolas" panose="020B0609020204030204" pitchFamily="49" charset="0"/>
+            </a:endParaRPr>
+          </a:p>
+          <a:p>
+            <a:r>
+              <a:rPr lang="en-US" altLang="ko-KR" sz="1200" dirty="0" smtClean="0">
+                <a:solidFill>
+                  <a:srgbClr val="272D34"/>
+                </a:solidFill>
+                <a:latin typeface="Consolas" panose="020B0609020204030204" pitchFamily="49" charset="0"/>
+              </a:rPr>
+              <a:t># </a:t>
+            </a:r>
+            <a:r>
+              <a:rPr lang="ko-KR" altLang="en-US" sz="1200" dirty="0" smtClean="0">
+                <a:solidFill>
+                  <a:srgbClr val="272D34"/>
+                </a:solidFill>
+                <a:latin typeface="Consolas" panose="020B0609020204030204" pitchFamily="49" charset="0"/>
+              </a:rPr>
+              <a:t>이 설정으로 인해 스크립트가 자동으로 실행된다</a:t>
+            </a:r>
+            <a:endParaRPr lang="en-US" altLang="ko-KR" sz="1200" dirty="0" smtClean="0">
+              <a:solidFill>
+                <a:srgbClr val="272D34"/>
+              </a:solidFill>
+              <a:latin typeface="Consolas" panose="020B0609020204030204" pitchFamily="49" charset="0"/>
+            </a:endParaRPr>
+          </a:p>
+          <a:p>
+            <a:r>
+              <a:rPr lang="en-US" altLang="ko-KR" sz="1200" dirty="0">
+                <a:solidFill>
+                  <a:srgbClr val="272D34"/>
+                </a:solidFill>
+                <a:latin typeface="Consolas" panose="020B0609020204030204" pitchFamily="49" charset="0"/>
+              </a:rPr>
+              <a:t/>
+            </a:r>
+            <a:br>
+              <a:rPr lang="en-US" altLang="ko-KR" sz="1200" dirty="0">
+                <a:solidFill>
+                  <a:srgbClr val="272D34"/>
+                </a:solidFill>
+                <a:latin typeface="Consolas" panose="020B0609020204030204" pitchFamily="49" charset="0"/>
+              </a:rPr>
+            </a:br>
+            <a:r>
+              <a:rPr lang="en-US" altLang="ko-KR" sz="1200" i="1" dirty="0">
+                <a:solidFill>
+                  <a:srgbClr val="202C3B"/>
+                </a:solidFill>
+                <a:latin typeface="Consolas" panose="020B0609020204030204" pitchFamily="49" charset="0"/>
+              </a:rPr>
+              <a:t># JPA </a:t>
+            </a:r>
+            <a:r>
+              <a:rPr lang="ko-KR" altLang="en-US" sz="1200" i="1" dirty="0">
+                <a:solidFill>
+                  <a:srgbClr val="202C3B"/>
+                </a:solidFill>
+                <a:latin typeface="Consolas" panose="020B0609020204030204" pitchFamily="49" charset="0"/>
+              </a:rPr>
+              <a:t>설정</a:t>
+            </a:r>
+            <a:endParaRPr lang="ko-KR" altLang="en-US" sz="1200" dirty="0">
+              <a:solidFill>
+                <a:srgbClr val="272D34"/>
+              </a:solidFill>
+              <a:latin typeface="Consolas" panose="020B0609020204030204" pitchFamily="49" charset="0"/>
+            </a:endParaRPr>
+          </a:p>
+          <a:p>
+            <a:r>
+              <a:rPr lang="en-US" altLang="ko-KR" sz="1200" dirty="0" err="1" smtClean="0">
+                <a:solidFill>
+                  <a:srgbClr val="3F4750"/>
+                </a:solidFill>
+                <a:latin typeface="Consolas" panose="020B0609020204030204" pitchFamily="49" charset="0"/>
+              </a:rPr>
+              <a:t>spring.jpa.hibernate.ddl</a:t>
+            </a:r>
+            <a:r>
+              <a:rPr lang="en-US" altLang="ko-KR" sz="1200" dirty="0" smtClean="0">
+                <a:solidFill>
+                  <a:srgbClr val="3F4750"/>
+                </a:solidFill>
+                <a:latin typeface="Consolas" panose="020B0609020204030204" pitchFamily="49" charset="0"/>
+              </a:rPr>
+              <a:t>-auto</a:t>
+            </a:r>
+            <a:r>
+              <a:rPr lang="en-US" altLang="ko-KR" sz="1200" dirty="0" smtClean="0">
+                <a:solidFill>
+                  <a:srgbClr val="272D34"/>
+                </a:solidFill>
+                <a:latin typeface="Consolas" panose="020B0609020204030204" pitchFamily="49" charset="0"/>
+              </a:rPr>
+              <a:t>=</a:t>
+            </a:r>
+            <a:r>
+              <a:rPr lang="en-US" altLang="ko-KR" sz="1200" dirty="0" smtClean="0">
+                <a:solidFill>
+                  <a:srgbClr val="41AD4E"/>
+                </a:solidFill>
+                <a:latin typeface="Consolas" panose="020B0609020204030204" pitchFamily="49" charset="0"/>
+              </a:rPr>
+              <a:t>update</a:t>
+            </a:r>
+          </a:p>
+          <a:p>
+            <a:r>
+              <a:rPr lang="en-US" altLang="ko-KR" sz="1200" dirty="0" smtClean="0">
+                <a:solidFill>
+                  <a:srgbClr val="41AD4E"/>
+                </a:solidFill>
+                <a:latin typeface="Consolas" panose="020B0609020204030204" pitchFamily="49" charset="0"/>
+              </a:rPr>
+              <a:t># </a:t>
+            </a:r>
+            <a:r>
+              <a:rPr lang="ko-KR" altLang="en-US" sz="1200" dirty="0" err="1" smtClean="0">
+                <a:solidFill>
+                  <a:srgbClr val="41AD4E"/>
+                </a:solidFill>
+                <a:latin typeface="Consolas" panose="020B0609020204030204" pitchFamily="49" charset="0"/>
+              </a:rPr>
+              <a:t>엔티티</a:t>
+            </a:r>
+            <a:r>
+              <a:rPr lang="ko-KR" altLang="en-US" sz="1200" dirty="0" smtClean="0">
+                <a:solidFill>
+                  <a:srgbClr val="41AD4E"/>
+                </a:solidFill>
+                <a:latin typeface="Consolas" panose="020B0609020204030204" pitchFamily="49" charset="0"/>
+              </a:rPr>
+              <a:t> 클래스를 기준으로 데이터베이스 테이블을 자동 생성하거나 수정한다</a:t>
+            </a:r>
+            <a:endParaRPr lang="en-US" altLang="ko-KR" sz="1200" dirty="0">
+              <a:solidFill>
+                <a:srgbClr val="272D34"/>
+              </a:solidFill>
+              <a:latin typeface="Consolas" panose="020B0609020204030204" pitchFamily="49" charset="0"/>
+            </a:endParaRPr>
+          </a:p>
+          <a:p>
+            <a:r>
+              <a:rPr lang="en-US" altLang="ko-KR" sz="1200" dirty="0" err="1">
+                <a:solidFill>
+                  <a:srgbClr val="3F4750"/>
+                </a:solidFill>
+                <a:latin typeface="Consolas" panose="020B0609020204030204" pitchFamily="49" charset="0"/>
+              </a:rPr>
+              <a:t>spring.jpa.show-sql</a:t>
+            </a:r>
+            <a:r>
+              <a:rPr lang="en-US" altLang="ko-KR" sz="1200" dirty="0">
+                <a:solidFill>
+                  <a:srgbClr val="272D34"/>
+                </a:solidFill>
+                <a:latin typeface="Consolas" panose="020B0609020204030204" pitchFamily="49" charset="0"/>
+              </a:rPr>
+              <a:t>=</a:t>
+            </a:r>
+            <a:r>
+              <a:rPr lang="en-US" altLang="ko-KR" sz="1200" dirty="0">
+                <a:solidFill>
+                  <a:srgbClr val="41AD4E"/>
+                </a:solidFill>
+                <a:latin typeface="Consolas" panose="020B0609020204030204" pitchFamily="49" charset="0"/>
+              </a:rPr>
+              <a:t>true</a:t>
+            </a:r>
+            <a:endParaRPr lang="en-US" altLang="ko-KR" sz="1200" dirty="0">
+              <a:solidFill>
+                <a:srgbClr val="272D34"/>
+              </a:solidFill>
+              <a:latin typeface="Consolas" panose="020B0609020204030204" pitchFamily="49" charset="0"/>
+            </a:endParaRPr>
+          </a:p>
+          <a:p>
+            <a:r>
+              <a:rPr lang="en-US" altLang="ko-KR" sz="1200" dirty="0" err="1">
+                <a:solidFill>
+                  <a:srgbClr val="3F4750"/>
+                </a:solidFill>
+                <a:latin typeface="Consolas" panose="020B0609020204030204" pitchFamily="49" charset="0"/>
+              </a:rPr>
+              <a:t>spring.jpa.properties.hibernate.format_sql</a:t>
+            </a:r>
+            <a:r>
+              <a:rPr lang="en-US" altLang="ko-KR" sz="1200" dirty="0">
+                <a:solidFill>
+                  <a:srgbClr val="272D34"/>
+                </a:solidFill>
+                <a:latin typeface="Consolas" panose="020B0609020204030204" pitchFamily="49" charset="0"/>
+              </a:rPr>
+              <a:t>=</a:t>
+            </a:r>
+            <a:r>
+              <a:rPr lang="en-US" altLang="ko-KR" sz="1200" dirty="0">
+                <a:solidFill>
+                  <a:srgbClr val="41AD4E"/>
+                </a:solidFill>
+                <a:latin typeface="Consolas" panose="020B0609020204030204" pitchFamily="49" charset="0"/>
+              </a:rPr>
+              <a:t>true</a:t>
+            </a:r>
+            <a:endParaRPr lang="en-US" altLang="ko-KR" sz="1200" dirty="0">
+              <a:solidFill>
+                <a:srgbClr val="272D34"/>
+              </a:solidFill>
+              <a:latin typeface="Consolas" panose="020B0609020204030204" pitchFamily="49" charset="0"/>
+            </a:endParaRPr>
+          </a:p>
+          <a:p>
+            <a:r>
+              <a:rPr lang="en-US" altLang="ko-KR" sz="1200" dirty="0" err="1" smtClean="0">
+                <a:solidFill>
+                  <a:srgbClr val="3F4750"/>
+                </a:solidFill>
+                <a:latin typeface="Consolas" panose="020B0609020204030204" pitchFamily="49" charset="0"/>
+              </a:rPr>
+              <a:t>spring.jpa.defer</a:t>
+            </a:r>
+            <a:r>
+              <a:rPr lang="en-US" altLang="ko-KR" sz="1200" dirty="0" smtClean="0">
+                <a:solidFill>
+                  <a:srgbClr val="3F4750"/>
+                </a:solidFill>
+                <a:latin typeface="Consolas" panose="020B0609020204030204" pitchFamily="49" charset="0"/>
+              </a:rPr>
+              <a:t>-</a:t>
+            </a:r>
+            <a:r>
+              <a:rPr lang="en-US" altLang="ko-KR" sz="1200" dirty="0" err="1" smtClean="0">
+                <a:solidFill>
+                  <a:srgbClr val="3F4750"/>
+                </a:solidFill>
+                <a:latin typeface="Consolas" panose="020B0609020204030204" pitchFamily="49" charset="0"/>
+              </a:rPr>
+              <a:t>datasource</a:t>
+            </a:r>
+            <a:r>
+              <a:rPr lang="en-US" altLang="ko-KR" sz="1200" dirty="0" smtClean="0">
+                <a:solidFill>
+                  <a:srgbClr val="3F4750"/>
+                </a:solidFill>
+                <a:latin typeface="Consolas" panose="020B0609020204030204" pitchFamily="49" charset="0"/>
+              </a:rPr>
+              <a:t>-initialization</a:t>
+            </a:r>
+            <a:r>
+              <a:rPr lang="en-US" altLang="ko-KR" sz="1200" dirty="0" smtClean="0">
+                <a:solidFill>
+                  <a:srgbClr val="272D34"/>
+                </a:solidFill>
+                <a:latin typeface="Consolas" panose="020B0609020204030204" pitchFamily="49" charset="0"/>
+              </a:rPr>
+              <a:t>=</a:t>
+            </a:r>
+            <a:r>
+              <a:rPr lang="en-US" altLang="ko-KR" sz="1200" dirty="0" smtClean="0">
+                <a:solidFill>
+                  <a:srgbClr val="41AD4E"/>
+                </a:solidFill>
+                <a:latin typeface="Consolas" panose="020B0609020204030204" pitchFamily="49" charset="0"/>
+              </a:rPr>
+              <a:t>true</a:t>
+            </a:r>
+          </a:p>
+          <a:p>
+            <a:r>
+              <a:rPr lang="en-US" altLang="ko-KR" sz="1200" dirty="0" smtClean="0">
+                <a:solidFill>
+                  <a:srgbClr val="41AD4E"/>
+                </a:solidFill>
+                <a:latin typeface="Consolas" panose="020B0609020204030204" pitchFamily="49" charset="0"/>
+              </a:rPr>
+              <a:t># </a:t>
+            </a:r>
+            <a:r>
+              <a:rPr lang="ko-KR" altLang="en-US" sz="1200" dirty="0" smtClean="0">
+                <a:solidFill>
+                  <a:srgbClr val="41AD4E"/>
+                </a:solidFill>
+                <a:latin typeface="Consolas" panose="020B0609020204030204" pitchFamily="49" charset="0"/>
+              </a:rPr>
+              <a:t>데이터 소스 초기화를 </a:t>
+            </a:r>
+            <a:r>
+              <a:rPr lang="en-US" altLang="ko-KR" sz="1200" dirty="0" smtClean="0">
+                <a:solidFill>
+                  <a:srgbClr val="41AD4E"/>
+                </a:solidFill>
+                <a:latin typeface="Consolas" panose="020B0609020204030204" pitchFamily="49" charset="0"/>
+              </a:rPr>
+              <a:t>hibernate</a:t>
+            </a:r>
+            <a:r>
+              <a:rPr lang="ko-KR" altLang="en-US" sz="1200" dirty="0" smtClean="0">
+                <a:solidFill>
+                  <a:srgbClr val="41AD4E"/>
+                </a:solidFill>
+                <a:latin typeface="Consolas" panose="020B0609020204030204" pitchFamily="49" charset="0"/>
+              </a:rPr>
+              <a:t>나 </a:t>
+            </a:r>
+            <a:r>
+              <a:rPr lang="en-US" altLang="ko-KR" sz="1200" dirty="0" err="1" smtClean="0">
+                <a:solidFill>
+                  <a:srgbClr val="41AD4E"/>
+                </a:solidFill>
+                <a:latin typeface="Consolas" panose="020B0609020204030204" pitchFamily="49" charset="0"/>
+              </a:rPr>
+              <a:t>jpa</a:t>
+            </a:r>
+            <a:r>
+              <a:rPr lang="en-US" altLang="ko-KR" sz="1200" dirty="0" smtClean="0">
+                <a:solidFill>
+                  <a:srgbClr val="41AD4E"/>
+                </a:solidFill>
+                <a:latin typeface="Consolas" panose="020B0609020204030204" pitchFamily="49" charset="0"/>
+              </a:rPr>
+              <a:t> </a:t>
+            </a:r>
+            <a:r>
+              <a:rPr lang="ko-KR" altLang="en-US" sz="1200" dirty="0" smtClean="0">
+                <a:solidFill>
+                  <a:srgbClr val="41AD4E"/>
+                </a:solidFill>
+                <a:latin typeface="Consolas" panose="020B0609020204030204" pitchFamily="49" charset="0"/>
+              </a:rPr>
+              <a:t>관련 작업보다 나중에 실현되도록 지연한다</a:t>
+            </a:r>
+            <a:endParaRPr lang="en-US" altLang="ko-KR" sz="1200" dirty="0" smtClean="0">
+              <a:solidFill>
+                <a:srgbClr val="41AD4E"/>
+              </a:solidFill>
+              <a:latin typeface="Consolas" panose="020B0609020204030204" pitchFamily="49" charset="0"/>
+            </a:endParaRPr>
+          </a:p>
+          <a:p>
+            <a:r>
+              <a:rPr lang="en-US" altLang="ko-KR" sz="1200" dirty="0" smtClean="0">
+                <a:solidFill>
+                  <a:srgbClr val="41AD4E"/>
+                </a:solidFill>
+                <a:latin typeface="Consolas" panose="020B0609020204030204" pitchFamily="49" charset="0"/>
+              </a:rPr>
+              <a:t># </a:t>
+            </a:r>
+            <a:r>
+              <a:rPr lang="ko-KR" altLang="en-US" sz="1200" dirty="0" smtClean="0">
+                <a:solidFill>
+                  <a:srgbClr val="41AD4E"/>
+                </a:solidFill>
+                <a:latin typeface="Consolas" panose="020B0609020204030204" pitchFamily="49" charset="0"/>
+              </a:rPr>
+              <a:t>데이터 소스 초기화와 </a:t>
+            </a:r>
+            <a:r>
+              <a:rPr lang="en-US" altLang="ko-KR" sz="1200" dirty="0" err="1" smtClean="0">
+                <a:solidFill>
+                  <a:srgbClr val="41AD4E"/>
+                </a:solidFill>
+                <a:latin typeface="Consolas" panose="020B0609020204030204" pitchFamily="49" charset="0"/>
+              </a:rPr>
+              <a:t>hibernat</a:t>
+            </a:r>
+            <a:r>
+              <a:rPr lang="ko-KR" altLang="en-US" sz="1200" dirty="0" smtClean="0">
+                <a:solidFill>
+                  <a:srgbClr val="41AD4E"/>
+                </a:solidFill>
+                <a:latin typeface="Consolas" panose="020B0609020204030204" pitchFamily="49" charset="0"/>
+              </a:rPr>
+              <a:t>의 테이블 생성이 올바른 순서로 진행되도록 한다</a:t>
+            </a:r>
+            <a:endParaRPr lang="en-US" altLang="ko-KR" sz="1200" dirty="0">
+              <a:solidFill>
+                <a:srgbClr val="272D34"/>
+              </a:solidFill>
+              <a:latin typeface="Consolas" panose="020B0609020204030204" pitchFamily="49" charset="0"/>
+            </a:endParaRPr>
+          </a:p>
+          <a:p>
+            <a:r>
+              <a:rPr lang="en-US" altLang="ko-KR" sz="1200" dirty="0">
+                <a:solidFill>
+                  <a:srgbClr val="272D34"/>
+                </a:solidFill>
+                <a:latin typeface="Consolas" panose="020B0609020204030204" pitchFamily="49" charset="0"/>
+              </a:rPr>
+              <a:t/>
+            </a:r>
+            <a:br>
+              <a:rPr lang="en-US" altLang="ko-KR" sz="1200" dirty="0">
+                <a:solidFill>
+                  <a:srgbClr val="272D34"/>
+                </a:solidFill>
+                <a:latin typeface="Consolas" panose="020B0609020204030204" pitchFamily="49" charset="0"/>
+              </a:rPr>
+            </a:br>
+            <a:r>
+              <a:rPr lang="en-US" altLang="ko-KR" sz="1200" i="1" dirty="0">
+                <a:solidFill>
+                  <a:srgbClr val="202C3B"/>
+                </a:solidFill>
+                <a:latin typeface="Consolas" panose="020B0609020204030204" pitchFamily="49" charset="0"/>
+              </a:rPr>
+              <a:t># SQL </a:t>
+            </a:r>
+            <a:r>
+              <a:rPr lang="ko-KR" altLang="en-US" sz="1200" i="1" dirty="0">
+                <a:solidFill>
+                  <a:srgbClr val="202C3B"/>
+                </a:solidFill>
+                <a:latin typeface="Consolas" panose="020B0609020204030204" pitchFamily="49" charset="0"/>
+              </a:rPr>
+              <a:t>로그 레벨 설정</a:t>
+            </a:r>
+            <a:endParaRPr lang="ko-KR" altLang="en-US" sz="1200" dirty="0">
+              <a:solidFill>
+                <a:srgbClr val="272D34"/>
+              </a:solidFill>
+              <a:latin typeface="Consolas" panose="020B0609020204030204" pitchFamily="49" charset="0"/>
+            </a:endParaRPr>
+          </a:p>
+          <a:p>
+            <a:r>
+              <a:rPr lang="en-US" altLang="ko-KR" sz="1200" dirty="0" err="1">
+                <a:solidFill>
+                  <a:srgbClr val="3F4750"/>
+                </a:solidFill>
+                <a:latin typeface="Consolas" panose="020B0609020204030204" pitchFamily="49" charset="0"/>
+              </a:rPr>
+              <a:t>logging.level.org.hibernate.SQL</a:t>
+            </a:r>
+            <a:r>
+              <a:rPr lang="en-US" altLang="ko-KR" sz="1200" dirty="0">
+                <a:solidFill>
+                  <a:srgbClr val="272D34"/>
+                </a:solidFill>
+                <a:latin typeface="Consolas" panose="020B0609020204030204" pitchFamily="49" charset="0"/>
+              </a:rPr>
+              <a:t>=</a:t>
+            </a:r>
+            <a:r>
+              <a:rPr lang="en-US" altLang="ko-KR" sz="1200" dirty="0">
+                <a:solidFill>
+                  <a:srgbClr val="41AD4E"/>
+                </a:solidFill>
+                <a:latin typeface="Consolas" panose="020B0609020204030204" pitchFamily="49" charset="0"/>
+              </a:rPr>
+              <a:t>DEBUG</a:t>
+            </a:r>
+            <a:endParaRPr lang="en-US" altLang="ko-KR" sz="1200" dirty="0">
+              <a:solidFill>
+                <a:srgbClr val="272D34"/>
+              </a:solidFill>
+              <a:latin typeface="Consolas" panose="020B0609020204030204" pitchFamily="49" charset="0"/>
+            </a:endParaRPr>
+          </a:p>
+          <a:p>
+            <a:r>
+              <a:rPr lang="en-US" altLang="ko-KR" sz="1200" dirty="0" err="1">
+                <a:solidFill>
+                  <a:srgbClr val="3F4750"/>
+                </a:solidFill>
+                <a:latin typeface="Consolas" panose="020B0609020204030204" pitchFamily="49" charset="0"/>
+              </a:rPr>
+              <a:t>logging.level.org.hibernate.type.descriptor.sql.BasicBinder</a:t>
+            </a:r>
+            <a:r>
+              <a:rPr lang="en-US" altLang="ko-KR" sz="1200" dirty="0">
+                <a:solidFill>
+                  <a:srgbClr val="272D34"/>
+                </a:solidFill>
+                <a:latin typeface="Consolas" panose="020B0609020204030204" pitchFamily="49" charset="0"/>
+              </a:rPr>
+              <a:t>=</a:t>
+            </a:r>
+            <a:r>
+              <a:rPr lang="en-US" altLang="ko-KR" sz="1200" dirty="0">
+                <a:solidFill>
+                  <a:srgbClr val="41AD4E"/>
+                </a:solidFill>
+                <a:latin typeface="Consolas" panose="020B0609020204030204" pitchFamily="49" charset="0"/>
+              </a:rPr>
+              <a:t>TRACE</a:t>
+            </a:r>
+            <a:endParaRPr lang="en-US" altLang="ko-KR" sz="1200" dirty="0">
+              <a:solidFill>
+                <a:srgbClr val="272D34"/>
+              </a:solidFill>
+              <a:latin typeface="Consolas" panose="020B0609020204030204" pitchFamily="49" charset="0"/>
+            </a:endParaRPr>
+          </a:p>
+          <a:p>
+            <a:r>
+              <a:rPr lang="en-US" altLang="ko-KR" sz="1200" dirty="0">
+                <a:solidFill>
+                  <a:srgbClr val="272D34"/>
+                </a:solidFill>
+                <a:latin typeface="Consolas" panose="020B0609020204030204" pitchFamily="49" charset="0"/>
+              </a:rPr>
+              <a:t/>
+            </a:r>
+            <a:br>
+              <a:rPr lang="en-US" altLang="ko-KR" sz="1200" dirty="0">
+                <a:solidFill>
+                  <a:srgbClr val="272D34"/>
+                </a:solidFill>
+                <a:latin typeface="Consolas" panose="020B0609020204030204" pitchFamily="49" charset="0"/>
+              </a:rPr>
+            </a:br>
+            <a:r>
+              <a:rPr lang="en-US" altLang="ko-KR" sz="1200" i="1" dirty="0">
+                <a:solidFill>
+                  <a:srgbClr val="202C3B"/>
+                </a:solidFill>
+                <a:latin typeface="Consolas" panose="020B0609020204030204" pitchFamily="49" charset="0"/>
+              </a:rPr>
+              <a:t># </a:t>
+            </a:r>
+            <a:r>
+              <a:rPr lang="ko-KR" altLang="en-US" sz="1200" i="1" dirty="0" err="1">
+                <a:solidFill>
+                  <a:srgbClr val="202C3B"/>
+                </a:solidFill>
+                <a:latin typeface="Consolas" panose="020B0609020204030204" pitchFamily="49" charset="0"/>
+              </a:rPr>
+              <a:t>엔티티</a:t>
+            </a:r>
+            <a:r>
+              <a:rPr lang="ko-KR" altLang="en-US" sz="1200" i="1" dirty="0">
+                <a:solidFill>
+                  <a:srgbClr val="202C3B"/>
+                </a:solidFill>
+                <a:latin typeface="Consolas" panose="020B0609020204030204" pitchFamily="49" charset="0"/>
+              </a:rPr>
+              <a:t> 스캔 및 </a:t>
+            </a:r>
+            <a:r>
+              <a:rPr lang="en-US" altLang="ko-KR" sz="1200" i="1" dirty="0">
+                <a:solidFill>
+                  <a:srgbClr val="202C3B"/>
+                </a:solidFill>
+                <a:latin typeface="Consolas" panose="020B0609020204030204" pitchFamily="49" charset="0"/>
+              </a:rPr>
+              <a:t>JPA </a:t>
+            </a:r>
+            <a:r>
+              <a:rPr lang="ko-KR" altLang="en-US" sz="1200" i="1" dirty="0" err="1">
+                <a:solidFill>
+                  <a:srgbClr val="202C3B"/>
+                </a:solidFill>
+                <a:latin typeface="Consolas" panose="020B0609020204030204" pitchFamily="49" charset="0"/>
+              </a:rPr>
+              <a:t>리포지토리</a:t>
+            </a:r>
+            <a:r>
+              <a:rPr lang="ko-KR" altLang="en-US" sz="1200" i="1" dirty="0">
+                <a:solidFill>
+                  <a:srgbClr val="202C3B"/>
+                </a:solidFill>
+                <a:latin typeface="Consolas" panose="020B0609020204030204" pitchFamily="49" charset="0"/>
+              </a:rPr>
+              <a:t> 활성화 </a:t>
+            </a:r>
+            <a:r>
+              <a:rPr lang="en-US" altLang="ko-KR" sz="1200" i="1" dirty="0">
+                <a:solidFill>
+                  <a:srgbClr val="202C3B"/>
+                </a:solidFill>
+                <a:latin typeface="Consolas" panose="020B0609020204030204" pitchFamily="49" charset="0"/>
+              </a:rPr>
+              <a:t>(</a:t>
+            </a:r>
+            <a:r>
+              <a:rPr lang="ko-KR" altLang="en-US" sz="1200" i="1" dirty="0">
+                <a:solidFill>
+                  <a:srgbClr val="202C3B"/>
+                </a:solidFill>
+                <a:latin typeface="Consolas" panose="020B0609020204030204" pitchFamily="49" charset="0"/>
+              </a:rPr>
+              <a:t>필요한 경우</a:t>
+            </a:r>
+            <a:r>
+              <a:rPr lang="en-US" altLang="ko-KR" sz="1200" i="1" dirty="0">
+                <a:solidFill>
+                  <a:srgbClr val="202C3B"/>
+                </a:solidFill>
+                <a:latin typeface="Consolas" panose="020B0609020204030204" pitchFamily="49" charset="0"/>
+              </a:rPr>
+              <a:t>)</a:t>
+            </a:r>
+            <a:endParaRPr lang="ko-KR" altLang="en-US" sz="1200" dirty="0">
+              <a:solidFill>
+                <a:srgbClr val="272D34"/>
+              </a:solidFill>
+              <a:latin typeface="Consolas" panose="020B0609020204030204" pitchFamily="49" charset="0"/>
+            </a:endParaRPr>
+          </a:p>
+          <a:p>
+            <a:r>
+              <a:rPr lang="en-US" altLang="ko-KR" sz="1200" dirty="0" err="1">
+                <a:solidFill>
+                  <a:srgbClr val="3F4750"/>
+                </a:solidFill>
+                <a:latin typeface="Consolas" panose="020B0609020204030204" pitchFamily="49" charset="0"/>
+              </a:rPr>
+              <a:t>spring.jpa.entity</a:t>
+            </a:r>
+            <a:r>
+              <a:rPr lang="en-US" altLang="ko-KR" sz="1200" dirty="0">
+                <a:solidFill>
+                  <a:srgbClr val="3F4750"/>
+                </a:solidFill>
+                <a:latin typeface="Consolas" panose="020B0609020204030204" pitchFamily="49" charset="0"/>
+              </a:rPr>
+              <a:t>-scan</a:t>
+            </a:r>
+            <a:r>
+              <a:rPr lang="en-US" altLang="ko-KR" sz="1200" dirty="0">
+                <a:solidFill>
+                  <a:srgbClr val="272D34"/>
+                </a:solidFill>
+                <a:latin typeface="Consolas" panose="020B0609020204030204" pitchFamily="49" charset="0"/>
+              </a:rPr>
+              <a:t>=</a:t>
+            </a:r>
+            <a:r>
+              <a:rPr lang="en-US" altLang="ko-KR" sz="1200" dirty="0">
+                <a:solidFill>
+                  <a:srgbClr val="41AD4E"/>
+                </a:solidFill>
+                <a:latin typeface="Consolas" panose="020B0609020204030204" pitchFamily="49" charset="0"/>
+              </a:rPr>
+              <a:t>base-packages=</a:t>
+            </a:r>
+            <a:r>
+              <a:rPr lang="en-US" altLang="ko-KR" sz="1200" dirty="0" err="1">
+                <a:solidFill>
+                  <a:srgbClr val="41AD4E"/>
+                </a:solidFill>
+                <a:latin typeface="Consolas" panose="020B0609020204030204" pitchFamily="49" charset="0"/>
+              </a:rPr>
+              <a:t>com.recommend.movie.springbootdeveloper.domain</a:t>
+            </a:r>
+            <a:endParaRPr lang="en-US" altLang="ko-KR" sz="1200" b="0" dirty="0">
+              <a:solidFill>
+                <a:srgbClr val="272D34"/>
+              </a:solidFill>
+              <a:effectLst/>
+              <a:latin typeface="Consolas" panose="020B0609020204030204" pitchFamily="49" charset="0"/>
+            </a:endParaRPr>
+          </a:p>
+        </p:txBody>
+      </p:sp>
+      <p:sp>
+        <p:nvSpPr>
+          <p:cNvPr id="7" name="TextBox 6"/>
+          <p:cNvSpPr txBox="1"/>
+          <p:nvPr/>
+        </p:nvSpPr>
+        <p:spPr>
+          <a:xfrm>
+            <a:off x="1581374" y="279699"/>
+            <a:ext cx="2311851" cy="369332"/>
+          </a:xfrm>
+          <a:prstGeom prst="rect">
+            <a:avLst/>
+          </a:prstGeom>
+          <a:noFill/>
+        </p:spPr>
+        <p:txBody>
+          <a:bodyPr wrap="none" rtlCol="0">
+            <a:spAutoFit/>
+          </a:bodyPr>
+          <a:lstStyle/>
+          <a:p>
+            <a:r>
+              <a:rPr lang="en-US" altLang="ko-KR" dirty="0" err="1" smtClean="0"/>
+              <a:t>application.properties</a:t>
+            </a:r>
+            <a:endParaRPr lang="ko-KR" altLang="en-US" dirty="0"/>
+          </a:p>
+        </p:txBody>
+      </p:sp>
+    </p:spTree>
+    <p:extLst>
+      <p:ext uri="{BB962C8B-B14F-4D97-AF65-F5344CB8AC3E}">
+        <p14:creationId xmlns:p14="http://schemas.microsoft.com/office/powerpoint/2010/main" val="3266583565"/>
       </p:ext>
     </p:extLst>
   </p:cSld>
@@ -4520,6 +8329,1138 @@
     <p:extLst>
       <p:ext uri="{BB962C8B-B14F-4D97-AF65-F5344CB8AC3E}">
         <p14:creationId xmlns:p14="http://schemas.microsoft.com/office/powerpoint/2010/main" val="3505129498"/>
+      </p:ext>
+    </p:extLst>
+  </p:cSld>
+  <p:clrMapOvr>
+    <a:masterClrMapping/>
+  </p:clrMapOvr>
+</p:sld>
+</file>
+
+<file path=ppt/slides/slide20.xml><?xml version="1.0" encoding="utf-8"?>
+<p:sld xmlns:a="http://schemas.openxmlformats.org/drawingml/2006/main" xmlns:r="http://schemas.openxmlformats.org/officeDocument/2006/relationships" xmlns:p="http://schemas.openxmlformats.org/presentationml/2006/main">
+  <p:cSld>
+    <p:spTree>
+      <p:nvGrpSpPr>
+        <p:cNvPr id="1" name=""/>
+        <p:cNvGrpSpPr/>
+        <p:nvPr/>
+      </p:nvGrpSpPr>
+      <p:grpSpPr>
+        <a:xfrm>
+          <a:off x="0" y="0"/>
+          <a:ext cx="0" cy="0"/>
+          <a:chOff x="0" y="0"/>
+          <a:chExt cx="0" cy="0"/>
+        </a:xfrm>
+      </p:grpSpPr>
+      <p:sp>
+        <p:nvSpPr>
+          <p:cNvPr id="2" name="직사각형 1"/>
+          <p:cNvSpPr/>
+          <p:nvPr/>
+        </p:nvSpPr>
+        <p:spPr>
+          <a:xfrm>
+            <a:off x="788895" y="1145285"/>
+            <a:ext cx="6096000" cy="2862322"/>
+          </a:xfrm>
+          <a:prstGeom prst="rect">
+            <a:avLst/>
+          </a:prstGeom>
+        </p:spPr>
+        <p:txBody>
+          <a:bodyPr>
+            <a:spAutoFit/>
+          </a:bodyPr>
+          <a:lstStyle/>
+          <a:p>
+            <a:r>
+              <a:rPr lang="ko-KR" altLang="en-US" dirty="0" smtClean="0"/>
+              <a:t>쿼리 자동 생성</a:t>
+            </a:r>
+            <a:endParaRPr lang="en-US" altLang="ko-KR" dirty="0" smtClean="0"/>
+          </a:p>
+          <a:p>
+            <a:endParaRPr lang="en-US" altLang="ko-KR" dirty="0"/>
+          </a:p>
+          <a:p>
+            <a:r>
+              <a:rPr lang="ko-KR" altLang="en-US" dirty="0" smtClean="0"/>
+              <a:t>2024-12-10T14:14:27.436+09:00 </a:t>
+            </a:r>
+            <a:r>
+              <a:rPr lang="ko-KR" altLang="en-US" dirty="0"/>
+              <a:t>DEBUG 3008 --- [</a:t>
+            </a:r>
+            <a:r>
+              <a:rPr lang="ko-KR" altLang="en-US" dirty="0" err="1"/>
+              <a:t>movie</a:t>
+            </a:r>
+            <a:r>
+              <a:rPr lang="ko-KR" altLang="en-US" dirty="0"/>
+              <a:t>] [  </a:t>
+            </a:r>
+            <a:r>
+              <a:rPr lang="ko-KR" altLang="en-US" dirty="0" err="1"/>
+              <a:t>restartedMain</a:t>
+            </a:r>
+            <a:r>
+              <a:rPr lang="ko-KR" altLang="en-US" dirty="0"/>
+              <a:t>] </a:t>
+            </a:r>
+            <a:r>
+              <a:rPr lang="ko-KR" altLang="en-US" dirty="0" err="1"/>
+              <a:t>org.hibernate.SQL</a:t>
+            </a:r>
+            <a:r>
+              <a:rPr lang="ko-KR" altLang="en-US" dirty="0"/>
+              <a:t>                        : </a:t>
+            </a:r>
+          </a:p>
+          <a:p>
+            <a:r>
+              <a:rPr lang="ko-KR" altLang="en-US" dirty="0"/>
+              <a:t>    </a:t>
+            </a:r>
+            <a:r>
+              <a:rPr lang="ko-KR" altLang="en-US" dirty="0" err="1"/>
+              <a:t>create</a:t>
+            </a:r>
+            <a:r>
+              <a:rPr lang="ko-KR" altLang="en-US" dirty="0"/>
+              <a:t> </a:t>
+            </a:r>
+            <a:r>
+              <a:rPr lang="ko-KR" altLang="en-US" dirty="0" err="1"/>
+              <a:t>table</a:t>
+            </a:r>
+            <a:r>
+              <a:rPr lang="ko-KR" altLang="en-US" dirty="0"/>
+              <a:t> </a:t>
+            </a:r>
+            <a:r>
+              <a:rPr lang="ko-KR" altLang="en-US" dirty="0" err="1"/>
+              <a:t>article</a:t>
+            </a:r>
+            <a:r>
+              <a:rPr lang="ko-KR" altLang="en-US" dirty="0"/>
+              <a:t> (</a:t>
+            </a:r>
+          </a:p>
+          <a:p>
+            <a:r>
+              <a:rPr lang="ko-KR" altLang="en-US" dirty="0"/>
+              <a:t>        </a:t>
+            </a:r>
+            <a:r>
+              <a:rPr lang="ko-KR" altLang="en-US" dirty="0" err="1"/>
+              <a:t>id</a:t>
+            </a:r>
+            <a:r>
+              <a:rPr lang="ko-KR" altLang="en-US" dirty="0"/>
+              <a:t> </a:t>
+            </a:r>
+            <a:r>
+              <a:rPr lang="ko-KR" altLang="en-US" dirty="0" err="1"/>
+              <a:t>bigint</a:t>
+            </a:r>
+            <a:r>
+              <a:rPr lang="ko-KR" altLang="en-US" dirty="0"/>
+              <a:t> </a:t>
+            </a:r>
+            <a:r>
+              <a:rPr lang="ko-KR" altLang="en-US" dirty="0" err="1"/>
+              <a:t>not</a:t>
+            </a:r>
+            <a:r>
+              <a:rPr lang="ko-KR" altLang="en-US" dirty="0"/>
+              <a:t> </a:t>
+            </a:r>
+            <a:r>
+              <a:rPr lang="ko-KR" altLang="en-US" dirty="0" err="1"/>
+              <a:t>null</a:t>
+            </a:r>
+            <a:r>
+              <a:rPr lang="ko-KR" altLang="en-US" dirty="0"/>
+              <a:t> </a:t>
+            </a:r>
+            <a:r>
+              <a:rPr lang="ko-KR" altLang="en-US" dirty="0" err="1"/>
+              <a:t>auto_increment</a:t>
+            </a:r>
+            <a:r>
+              <a:rPr lang="ko-KR" altLang="en-US" dirty="0"/>
+              <a:t>,</a:t>
+            </a:r>
+          </a:p>
+          <a:p>
+            <a:r>
+              <a:rPr lang="ko-KR" altLang="en-US" dirty="0"/>
+              <a:t>        </a:t>
+            </a:r>
+            <a:r>
+              <a:rPr lang="ko-KR" altLang="en-US" dirty="0" err="1"/>
+              <a:t>content</a:t>
+            </a:r>
+            <a:r>
+              <a:rPr lang="ko-KR" altLang="en-US" dirty="0"/>
+              <a:t> </a:t>
+            </a:r>
+            <a:r>
+              <a:rPr lang="ko-KR" altLang="en-US" dirty="0" err="1"/>
+              <a:t>varchar</a:t>
+            </a:r>
+            <a:r>
+              <a:rPr lang="ko-KR" altLang="en-US" dirty="0"/>
+              <a:t>(255) </a:t>
+            </a:r>
+            <a:r>
+              <a:rPr lang="ko-KR" altLang="en-US" dirty="0" err="1"/>
+              <a:t>not</a:t>
+            </a:r>
+            <a:r>
+              <a:rPr lang="ko-KR" altLang="en-US" dirty="0"/>
+              <a:t> </a:t>
+            </a:r>
+            <a:r>
+              <a:rPr lang="ko-KR" altLang="en-US" dirty="0" err="1"/>
+              <a:t>null</a:t>
+            </a:r>
+            <a:r>
+              <a:rPr lang="ko-KR" altLang="en-US" dirty="0"/>
+              <a:t>,</a:t>
+            </a:r>
+          </a:p>
+          <a:p>
+            <a:r>
+              <a:rPr lang="ko-KR" altLang="en-US" dirty="0"/>
+              <a:t>        </a:t>
+            </a:r>
+            <a:r>
+              <a:rPr lang="ko-KR" altLang="en-US" dirty="0" err="1"/>
+              <a:t>title</a:t>
+            </a:r>
+            <a:r>
+              <a:rPr lang="ko-KR" altLang="en-US" dirty="0"/>
+              <a:t> </a:t>
+            </a:r>
+            <a:r>
+              <a:rPr lang="ko-KR" altLang="en-US" dirty="0" err="1"/>
+              <a:t>varchar</a:t>
+            </a:r>
+            <a:r>
+              <a:rPr lang="ko-KR" altLang="en-US" dirty="0"/>
+              <a:t>(255) </a:t>
+            </a:r>
+            <a:r>
+              <a:rPr lang="ko-KR" altLang="en-US" dirty="0" err="1"/>
+              <a:t>not</a:t>
+            </a:r>
+            <a:r>
+              <a:rPr lang="ko-KR" altLang="en-US" dirty="0"/>
+              <a:t> </a:t>
+            </a:r>
+            <a:r>
+              <a:rPr lang="ko-KR" altLang="en-US" dirty="0" err="1"/>
+              <a:t>null</a:t>
+            </a:r>
+            <a:r>
+              <a:rPr lang="ko-KR" altLang="en-US" dirty="0"/>
+              <a:t>,</a:t>
+            </a:r>
+          </a:p>
+          <a:p>
+            <a:r>
+              <a:rPr lang="ko-KR" altLang="en-US" dirty="0"/>
+              <a:t>        </a:t>
+            </a:r>
+            <a:r>
+              <a:rPr lang="ko-KR" altLang="en-US" dirty="0" err="1"/>
+              <a:t>primary</a:t>
+            </a:r>
+            <a:r>
+              <a:rPr lang="ko-KR" altLang="en-US" dirty="0"/>
+              <a:t> </a:t>
+            </a:r>
+            <a:r>
+              <a:rPr lang="ko-KR" altLang="en-US" dirty="0" err="1"/>
+              <a:t>key</a:t>
+            </a:r>
+            <a:r>
+              <a:rPr lang="ko-KR" altLang="en-US" dirty="0"/>
+              <a:t> (</a:t>
+            </a:r>
+            <a:r>
+              <a:rPr lang="ko-KR" altLang="en-US" dirty="0" err="1"/>
+              <a:t>id</a:t>
+            </a:r>
+            <a:r>
+              <a:rPr lang="ko-KR" altLang="en-US" dirty="0"/>
+              <a:t>)</a:t>
+            </a:r>
+          </a:p>
+          <a:p>
+            <a:r>
+              <a:rPr lang="ko-KR" altLang="en-US" dirty="0"/>
+              <a:t>    ) </a:t>
+            </a:r>
+            <a:r>
+              <a:rPr lang="ko-KR" altLang="en-US" dirty="0" err="1" smtClean="0"/>
+              <a:t>engine</a:t>
+            </a:r>
+            <a:r>
+              <a:rPr lang="ko-KR" altLang="en-US" dirty="0" smtClean="0"/>
+              <a:t>=</a:t>
+            </a:r>
+            <a:r>
+              <a:rPr lang="ko-KR" altLang="en-US" dirty="0" err="1" smtClean="0"/>
+              <a:t>InnoDB</a:t>
+            </a:r>
+            <a:endParaRPr lang="en-US" altLang="ko-KR" dirty="0" smtClean="0"/>
+          </a:p>
+        </p:txBody>
+      </p:sp>
+      <p:pic>
+        <p:nvPicPr>
+          <p:cNvPr id="3" name="그림 2"/>
+          <p:cNvPicPr>
+            <a:picLocks noChangeAspect="1"/>
+          </p:cNvPicPr>
+          <p:nvPr/>
+        </p:nvPicPr>
+        <p:blipFill>
+          <a:blip r:embed="rId2"/>
+          <a:stretch>
+            <a:fillRect/>
+          </a:stretch>
+        </p:blipFill>
+        <p:spPr>
+          <a:xfrm>
+            <a:off x="1404792" y="4953280"/>
+            <a:ext cx="2067213" cy="781159"/>
+          </a:xfrm>
+          <a:prstGeom prst="rect">
+            <a:avLst/>
+          </a:prstGeom>
+        </p:spPr>
+      </p:pic>
+      <p:sp>
+        <p:nvSpPr>
+          <p:cNvPr id="4" name="TextBox 3"/>
+          <p:cNvSpPr txBox="1"/>
+          <p:nvPr/>
+        </p:nvSpPr>
+        <p:spPr>
+          <a:xfrm>
+            <a:off x="1129553" y="4313816"/>
+            <a:ext cx="3377901" cy="523220"/>
+          </a:xfrm>
+          <a:prstGeom prst="rect">
+            <a:avLst/>
+          </a:prstGeom>
+          <a:noFill/>
+        </p:spPr>
+        <p:txBody>
+          <a:bodyPr wrap="square" rtlCol="0">
+            <a:spAutoFit/>
+          </a:bodyPr>
+          <a:lstStyle/>
+          <a:p>
+            <a:r>
+              <a:rPr lang="ko-KR" altLang="en-US" sz="1400" dirty="0" smtClean="0"/>
+              <a:t>애플리케이션을 실행하면 데이터베이스 내 테이블이 자동으로 만들어진다</a:t>
+            </a:r>
+            <a:endParaRPr lang="ko-KR" altLang="en-US" sz="1400" dirty="0"/>
+          </a:p>
+        </p:txBody>
+      </p:sp>
+      <p:pic>
+        <p:nvPicPr>
+          <p:cNvPr id="5" name="그림 4"/>
+          <p:cNvPicPr>
+            <a:picLocks noChangeAspect="1"/>
+          </p:cNvPicPr>
+          <p:nvPr/>
+        </p:nvPicPr>
+        <p:blipFill>
+          <a:blip r:embed="rId3"/>
+          <a:stretch>
+            <a:fillRect/>
+          </a:stretch>
+        </p:blipFill>
+        <p:spPr>
+          <a:xfrm>
+            <a:off x="5536601" y="2824392"/>
+            <a:ext cx="5465968" cy="3150970"/>
+          </a:xfrm>
+          <a:prstGeom prst="rect">
+            <a:avLst/>
+          </a:prstGeom>
+        </p:spPr>
+      </p:pic>
+      <p:sp>
+        <p:nvSpPr>
+          <p:cNvPr id="6" name="TextBox 5"/>
+          <p:cNvSpPr txBox="1"/>
+          <p:nvPr/>
+        </p:nvSpPr>
+        <p:spPr>
+          <a:xfrm>
+            <a:off x="6438711" y="1070066"/>
+            <a:ext cx="4596130" cy="1600438"/>
+          </a:xfrm>
+          <a:prstGeom prst="rect">
+            <a:avLst/>
+          </a:prstGeom>
+          <a:noFill/>
+        </p:spPr>
+        <p:txBody>
+          <a:bodyPr wrap="none" rtlCol="0">
+            <a:spAutoFit/>
+          </a:bodyPr>
+          <a:lstStyle/>
+          <a:p>
+            <a:r>
+              <a:rPr lang="ko-KR" altLang="en-US" sz="1400" dirty="0" smtClean="0"/>
+              <a:t>실제 값이 스프링 부트 서버에 저장된 모습</a:t>
+            </a:r>
+            <a:endParaRPr lang="en-US" altLang="ko-KR" sz="1400" dirty="0" smtClean="0"/>
+          </a:p>
+          <a:p>
+            <a:r>
+              <a:rPr lang="ko-KR" altLang="en-US" sz="1400" dirty="0" smtClean="0"/>
+              <a:t>아래 테스트는 </a:t>
+            </a:r>
+            <a:r>
+              <a:rPr lang="ko-KR" altLang="en-US" sz="1400" dirty="0" err="1" smtClean="0"/>
+              <a:t>포스트맨을</a:t>
+            </a:r>
+            <a:r>
+              <a:rPr lang="ko-KR" altLang="en-US" sz="1400" dirty="0" smtClean="0"/>
+              <a:t> 이용해 진행했다</a:t>
+            </a:r>
+            <a:endParaRPr lang="en-US" altLang="ko-KR" sz="1400" dirty="0" smtClean="0"/>
+          </a:p>
+          <a:p>
+            <a:endParaRPr lang="en-US" altLang="ko-KR" sz="1400" dirty="0"/>
+          </a:p>
+          <a:p>
+            <a:r>
+              <a:rPr lang="ko-KR" altLang="en-US" sz="1400" dirty="0" err="1" smtClean="0"/>
+              <a:t>포스트맨</a:t>
+            </a:r>
+            <a:endParaRPr lang="en-US" altLang="ko-KR" sz="1400" dirty="0" smtClean="0"/>
+          </a:p>
+          <a:p>
+            <a:r>
+              <a:rPr lang="en-US" altLang="ko-KR" sz="1400" dirty="0"/>
+              <a:t>https://www.postman.com/</a:t>
+            </a:r>
+            <a:endParaRPr lang="en-US" altLang="ko-KR" sz="1400" dirty="0" smtClean="0"/>
+          </a:p>
+          <a:p>
+            <a:r>
+              <a:rPr lang="en-US" altLang="ko-KR" sz="1400" dirty="0" smtClean="0"/>
+              <a:t>http </a:t>
+            </a:r>
+            <a:r>
+              <a:rPr lang="ko-KR" altLang="en-US" sz="1400" dirty="0" smtClean="0"/>
+              <a:t>요청을 보낼 수 있는 클라이언트 프로그램</a:t>
+            </a:r>
+            <a:endParaRPr lang="en-US" altLang="ko-KR" sz="1400" dirty="0" smtClean="0"/>
+          </a:p>
+          <a:p>
+            <a:r>
+              <a:rPr lang="en-US" altLang="ko-KR" sz="1400" dirty="0" err="1" smtClean="0"/>
+              <a:t>Api</a:t>
+            </a:r>
+            <a:r>
+              <a:rPr lang="en-US" altLang="ko-KR" sz="1400" dirty="0" smtClean="0"/>
+              <a:t> </a:t>
+            </a:r>
+            <a:r>
+              <a:rPr lang="ko-KR" altLang="en-US" sz="1400" dirty="0" smtClean="0"/>
+              <a:t>개발을 마치고 웹 브라우저에서의 테스트를 대신한다</a:t>
+            </a:r>
+            <a:endParaRPr lang="ko-KR" altLang="en-US" sz="1400" dirty="0"/>
+          </a:p>
+        </p:txBody>
+      </p:sp>
+    </p:spTree>
+    <p:extLst>
+      <p:ext uri="{BB962C8B-B14F-4D97-AF65-F5344CB8AC3E}">
+        <p14:creationId xmlns:p14="http://schemas.microsoft.com/office/powerpoint/2010/main" val="2373039684"/>
+      </p:ext>
+    </p:extLst>
+  </p:cSld>
+  <p:clrMapOvr>
+    <a:masterClrMapping/>
+  </p:clrMapOvr>
+</p:sld>
+</file>
+
+<file path=ppt/slides/slide21.xml><?xml version="1.0" encoding="utf-8"?>
+<p:sld xmlns:a="http://schemas.openxmlformats.org/drawingml/2006/main" xmlns:r="http://schemas.openxmlformats.org/officeDocument/2006/relationships" xmlns:p="http://schemas.openxmlformats.org/presentationml/2006/main">
+  <p:cSld>
+    <p:spTree>
+      <p:nvGrpSpPr>
+        <p:cNvPr id="1" name=""/>
+        <p:cNvGrpSpPr/>
+        <p:nvPr/>
+      </p:nvGrpSpPr>
+      <p:grpSpPr>
+        <a:xfrm>
+          <a:off x="0" y="0"/>
+          <a:ext cx="0" cy="0"/>
+          <a:chOff x="0" y="0"/>
+          <a:chExt cx="0" cy="0"/>
+        </a:xfrm>
+      </p:grpSpPr>
+      <p:sp>
+        <p:nvSpPr>
+          <p:cNvPr id="2" name="직사각형 1"/>
+          <p:cNvSpPr/>
+          <p:nvPr/>
+        </p:nvSpPr>
+        <p:spPr>
+          <a:xfrm>
+            <a:off x="583580" y="1029465"/>
+            <a:ext cx="4434469" cy="2677656"/>
+          </a:xfrm>
+          <a:prstGeom prst="rect">
+            <a:avLst/>
+          </a:prstGeom>
+        </p:spPr>
+        <p:txBody>
+          <a:bodyPr wrap="square">
+            <a:spAutoFit/>
+          </a:bodyPr>
+          <a:lstStyle/>
+          <a:p>
+            <a:r>
+              <a:rPr lang="en-US" altLang="ko-KR" sz="1200" dirty="0" err="1" smtClean="0"/>
+              <a:t>Mysql</a:t>
+            </a:r>
+            <a:r>
+              <a:rPr lang="ko-KR" altLang="en-US" sz="1200" dirty="0" smtClean="0"/>
+              <a:t>에 등록된 사용자와 호스트 정보 확인 </a:t>
+            </a:r>
+            <a:endParaRPr lang="en-US" altLang="ko-KR" sz="1200" dirty="0" smtClean="0"/>
+          </a:p>
+          <a:p>
+            <a:endParaRPr lang="en-US" altLang="ko-KR" sz="1200" dirty="0"/>
+          </a:p>
+          <a:p>
+            <a:r>
+              <a:rPr lang="ko-KR" altLang="en-US" sz="1200" dirty="0" err="1" smtClean="0"/>
+              <a:t>mysql</a:t>
+            </a:r>
+            <a:r>
+              <a:rPr lang="ko-KR" altLang="en-US" sz="1200" dirty="0"/>
+              <a:t>&gt; SELECT </a:t>
+            </a:r>
+            <a:r>
+              <a:rPr lang="ko-KR" altLang="en-US" sz="1200" dirty="0" err="1"/>
+              <a:t>User</a:t>
+            </a:r>
+            <a:r>
+              <a:rPr lang="ko-KR" altLang="en-US" sz="1200" dirty="0"/>
+              <a:t>, Host FROM </a:t>
+            </a:r>
+            <a:r>
+              <a:rPr lang="ko-KR" altLang="en-US" sz="1200" dirty="0" err="1"/>
+              <a:t>mysql.user</a:t>
+            </a:r>
+            <a:r>
+              <a:rPr lang="ko-KR" altLang="en-US" sz="1200" dirty="0"/>
+              <a:t>;</a:t>
+            </a:r>
+          </a:p>
+          <a:p>
+            <a:r>
+              <a:rPr lang="ko-KR" altLang="en-US" sz="1200" dirty="0"/>
+              <a:t>+------------------+-----------+</a:t>
+            </a:r>
+          </a:p>
+          <a:p>
+            <a:r>
+              <a:rPr lang="ko-KR" altLang="en-US" sz="1200" dirty="0"/>
+              <a:t>| </a:t>
+            </a:r>
+            <a:r>
+              <a:rPr lang="ko-KR" altLang="en-US" sz="1200" dirty="0" err="1"/>
+              <a:t>User</a:t>
+            </a:r>
+            <a:r>
+              <a:rPr lang="ko-KR" altLang="en-US" sz="1200" dirty="0"/>
+              <a:t>             | Host      |</a:t>
+            </a:r>
+          </a:p>
+          <a:p>
+            <a:r>
+              <a:rPr lang="ko-KR" altLang="en-US" sz="1200" dirty="0"/>
+              <a:t>+------------------+-----------+</a:t>
+            </a:r>
+          </a:p>
+          <a:p>
+            <a:r>
+              <a:rPr lang="ko-KR" altLang="en-US" sz="1200" dirty="0"/>
+              <a:t>| </a:t>
+            </a:r>
+            <a:r>
+              <a:rPr lang="ko-KR" altLang="en-US" sz="1200" dirty="0" err="1"/>
+              <a:t>ahncho</a:t>
+            </a:r>
+            <a:r>
+              <a:rPr lang="ko-KR" altLang="en-US" sz="1200" dirty="0"/>
+              <a:t>           | %         |</a:t>
+            </a:r>
+          </a:p>
+          <a:p>
+            <a:r>
+              <a:rPr lang="ko-KR" altLang="en-US" sz="1200" dirty="0"/>
+              <a:t>| </a:t>
+            </a:r>
+            <a:r>
+              <a:rPr lang="ko-KR" altLang="en-US" sz="1200" dirty="0" err="1"/>
+              <a:t>debian-sys-maint</a:t>
+            </a:r>
+            <a:r>
+              <a:rPr lang="ko-KR" altLang="en-US" sz="1200" dirty="0"/>
+              <a:t> | </a:t>
+            </a:r>
+            <a:r>
+              <a:rPr lang="ko-KR" altLang="en-US" sz="1200" dirty="0" err="1"/>
+              <a:t>localhost</a:t>
+            </a:r>
+            <a:r>
+              <a:rPr lang="ko-KR" altLang="en-US" sz="1200" dirty="0"/>
+              <a:t> |</a:t>
+            </a:r>
+          </a:p>
+          <a:p>
+            <a:r>
+              <a:rPr lang="ko-KR" altLang="en-US" sz="1200" dirty="0"/>
+              <a:t>| </a:t>
+            </a:r>
+            <a:r>
+              <a:rPr lang="ko-KR" altLang="en-US" sz="1200" dirty="0" err="1"/>
+              <a:t>mysql.infoschema</a:t>
+            </a:r>
+            <a:r>
+              <a:rPr lang="ko-KR" altLang="en-US" sz="1200" dirty="0"/>
+              <a:t> | </a:t>
+            </a:r>
+            <a:r>
+              <a:rPr lang="ko-KR" altLang="en-US" sz="1200" dirty="0" err="1"/>
+              <a:t>localhost</a:t>
+            </a:r>
+            <a:r>
+              <a:rPr lang="ko-KR" altLang="en-US" sz="1200" dirty="0"/>
+              <a:t> |</a:t>
+            </a:r>
+          </a:p>
+          <a:p>
+            <a:r>
+              <a:rPr lang="ko-KR" altLang="en-US" sz="1200" dirty="0"/>
+              <a:t>| </a:t>
+            </a:r>
+            <a:r>
+              <a:rPr lang="ko-KR" altLang="en-US" sz="1200" dirty="0" err="1"/>
+              <a:t>mysql.session</a:t>
+            </a:r>
+            <a:r>
+              <a:rPr lang="ko-KR" altLang="en-US" sz="1200" dirty="0"/>
+              <a:t>    | </a:t>
+            </a:r>
+            <a:r>
+              <a:rPr lang="ko-KR" altLang="en-US" sz="1200" dirty="0" err="1"/>
+              <a:t>localhost</a:t>
+            </a:r>
+            <a:r>
+              <a:rPr lang="ko-KR" altLang="en-US" sz="1200" dirty="0"/>
+              <a:t> |</a:t>
+            </a:r>
+          </a:p>
+          <a:p>
+            <a:r>
+              <a:rPr lang="ko-KR" altLang="en-US" sz="1200" dirty="0"/>
+              <a:t>| mysql.sys        | </a:t>
+            </a:r>
+            <a:r>
+              <a:rPr lang="ko-KR" altLang="en-US" sz="1200" dirty="0" err="1"/>
+              <a:t>localhost</a:t>
+            </a:r>
+            <a:r>
+              <a:rPr lang="ko-KR" altLang="en-US" sz="1200" dirty="0"/>
+              <a:t> |</a:t>
+            </a:r>
+          </a:p>
+          <a:p>
+            <a:r>
+              <a:rPr lang="ko-KR" altLang="en-US" sz="1200" dirty="0"/>
+              <a:t>| </a:t>
+            </a:r>
+            <a:r>
+              <a:rPr lang="ko-KR" altLang="en-US" sz="1200" dirty="0" err="1"/>
+              <a:t>root</a:t>
+            </a:r>
+            <a:r>
+              <a:rPr lang="ko-KR" altLang="en-US" sz="1200" dirty="0"/>
+              <a:t>             | </a:t>
+            </a:r>
+            <a:r>
+              <a:rPr lang="ko-KR" altLang="en-US" sz="1200" dirty="0" err="1"/>
+              <a:t>localhost</a:t>
+            </a:r>
+            <a:r>
+              <a:rPr lang="ko-KR" altLang="en-US" sz="1200" dirty="0"/>
+              <a:t> |</a:t>
+            </a:r>
+          </a:p>
+          <a:p>
+            <a:r>
+              <a:rPr lang="ko-KR" altLang="en-US" sz="1200" dirty="0"/>
+              <a:t>+------------------+-----------+</a:t>
+            </a:r>
+          </a:p>
+          <a:p>
+            <a:r>
+              <a:rPr lang="ko-KR" altLang="en-US" sz="1200" dirty="0"/>
+              <a:t>6 </a:t>
+            </a:r>
+            <a:r>
+              <a:rPr lang="ko-KR" altLang="en-US" sz="1200" dirty="0" err="1"/>
+              <a:t>rows</a:t>
+            </a:r>
+            <a:r>
+              <a:rPr lang="ko-KR" altLang="en-US" sz="1200" dirty="0"/>
+              <a:t> </a:t>
+            </a:r>
+            <a:r>
+              <a:rPr lang="ko-KR" altLang="en-US" sz="1200" dirty="0" err="1"/>
+              <a:t>in</a:t>
+            </a:r>
+            <a:r>
+              <a:rPr lang="ko-KR" altLang="en-US" sz="1200" dirty="0"/>
+              <a:t> </a:t>
+            </a:r>
+            <a:r>
+              <a:rPr lang="ko-KR" altLang="en-US" sz="1200" dirty="0" err="1"/>
+              <a:t>set</a:t>
+            </a:r>
+            <a:r>
+              <a:rPr lang="ko-KR" altLang="en-US" sz="1200" dirty="0"/>
+              <a:t> (0.00 </a:t>
+            </a:r>
+            <a:r>
+              <a:rPr lang="ko-KR" altLang="en-US" sz="1200" dirty="0" err="1"/>
+              <a:t>sec</a:t>
+            </a:r>
+            <a:r>
+              <a:rPr lang="ko-KR" altLang="en-US" sz="1200" dirty="0"/>
+              <a:t>)</a:t>
+            </a:r>
+          </a:p>
+        </p:txBody>
+      </p:sp>
+      <p:sp>
+        <p:nvSpPr>
+          <p:cNvPr id="3" name="직사각형 2"/>
+          <p:cNvSpPr/>
+          <p:nvPr/>
+        </p:nvSpPr>
+        <p:spPr>
+          <a:xfrm>
+            <a:off x="4899103" y="1029465"/>
+            <a:ext cx="6096000" cy="2677656"/>
+          </a:xfrm>
+          <a:prstGeom prst="rect">
+            <a:avLst/>
+          </a:prstGeom>
+        </p:spPr>
+        <p:txBody>
+          <a:bodyPr>
+            <a:spAutoFit/>
+          </a:bodyPr>
+          <a:lstStyle/>
+          <a:p>
+            <a:r>
+              <a:rPr lang="ko-KR" altLang="en-US" sz="1200" dirty="0" smtClean="0"/>
+              <a:t>사용자의 권한 확인</a:t>
+            </a:r>
+            <a:endParaRPr lang="en-US" altLang="ko-KR" sz="1200" dirty="0" smtClean="0"/>
+          </a:p>
+          <a:p>
+            <a:r>
+              <a:rPr lang="ko-KR" altLang="en-US" sz="1200" dirty="0" smtClean="0"/>
+              <a:t>대충 내용은 모든 권한을 </a:t>
+            </a:r>
+            <a:r>
+              <a:rPr lang="ko-KR" altLang="en-US" sz="1200" dirty="0" err="1" smtClean="0"/>
+              <a:t>부여받았다</a:t>
+            </a:r>
+            <a:endParaRPr lang="en-US" altLang="ko-KR" sz="1200" dirty="0" smtClean="0"/>
+          </a:p>
+          <a:p>
+            <a:endParaRPr lang="en-US" altLang="ko-KR" sz="1200" dirty="0"/>
+          </a:p>
+          <a:p>
+            <a:r>
+              <a:rPr lang="ko-KR" altLang="en-US" sz="1200" dirty="0" err="1" smtClean="0"/>
+              <a:t>mysql</a:t>
+            </a:r>
+            <a:r>
+              <a:rPr lang="ko-KR" altLang="en-US" sz="1200" dirty="0"/>
+              <a:t>&gt; SHOW GRANTS FOR '</a:t>
+            </a:r>
+            <a:r>
+              <a:rPr lang="ko-KR" altLang="en-US" sz="1200" dirty="0" err="1"/>
+              <a:t>ahncho</a:t>
+            </a:r>
+            <a:r>
+              <a:rPr lang="ko-KR" altLang="en-US" sz="1200" dirty="0"/>
+              <a:t>'@'%';</a:t>
+            </a:r>
+          </a:p>
+          <a:p>
+            <a:r>
+              <a:rPr lang="ko-KR" altLang="en-US" sz="1200" dirty="0"/>
+              <a:t>+----------------------------------------------------------------------------------------------------------------------------------------------------------------------------------------------------------------------------------------------------------------------------------------------------------------------------------------------------------------------------------------------------------------------------------------------------------------------------------------------------------------------------------------------------------------------------------------------------------------------------------------------------------------------------------------------------------------------------------------------------------------------+</a:t>
+            </a:r>
+          </a:p>
+          <a:p>
+            <a:r>
+              <a:rPr lang="ko-KR" altLang="en-US" sz="1200" dirty="0"/>
+              <a:t>| </a:t>
+            </a:r>
+            <a:r>
+              <a:rPr lang="ko-KR" altLang="en-US" sz="1200" dirty="0" err="1"/>
+              <a:t>Grants</a:t>
+            </a:r>
+            <a:r>
+              <a:rPr lang="ko-KR" altLang="en-US" sz="1200" dirty="0"/>
+              <a:t> </a:t>
+            </a:r>
+            <a:r>
+              <a:rPr lang="ko-KR" altLang="en-US" sz="1200" dirty="0" err="1"/>
+              <a:t>for</a:t>
+            </a:r>
+            <a:r>
+              <a:rPr lang="ko-KR" altLang="en-US" sz="1200" dirty="0"/>
+              <a:t> </a:t>
+            </a:r>
+            <a:r>
+              <a:rPr lang="ko-KR" altLang="en-US" sz="1200" dirty="0" err="1"/>
+              <a:t>ahncho</a:t>
+            </a:r>
+            <a:r>
+              <a:rPr lang="ko-KR" altLang="en-US" sz="1200" dirty="0"/>
+              <a:t>@%</a:t>
+            </a:r>
+          </a:p>
+          <a:p>
+            <a:endParaRPr lang="en-US" altLang="ko-KR" sz="1200" dirty="0" smtClean="0"/>
+          </a:p>
+          <a:p>
+            <a:r>
+              <a:rPr lang="en-US" altLang="ko-KR" sz="1200" dirty="0" smtClean="0"/>
+              <a:t>…</a:t>
+            </a:r>
+            <a:endParaRPr lang="ko-KR" altLang="en-US" sz="1200" dirty="0"/>
+          </a:p>
+        </p:txBody>
+      </p:sp>
+      <p:sp>
+        <p:nvSpPr>
+          <p:cNvPr id="4" name="TextBox 3"/>
+          <p:cNvSpPr txBox="1"/>
+          <p:nvPr/>
+        </p:nvSpPr>
+        <p:spPr>
+          <a:xfrm>
+            <a:off x="3021980" y="3479180"/>
+            <a:ext cx="6986208" cy="2492990"/>
+          </a:xfrm>
+          <a:prstGeom prst="rect">
+            <a:avLst/>
+          </a:prstGeom>
+          <a:noFill/>
+        </p:spPr>
+        <p:txBody>
+          <a:bodyPr wrap="none" rtlCol="0">
+            <a:spAutoFit/>
+          </a:bodyPr>
+          <a:lstStyle/>
+          <a:p>
+            <a:r>
+              <a:rPr lang="en-US" altLang="ko-KR" sz="1200" dirty="0" smtClean="0"/>
+              <a:t>Spring.datasource.url</a:t>
+            </a:r>
+            <a:r>
+              <a:rPr lang="ko-KR" altLang="en-US" sz="1200" dirty="0" smtClean="0"/>
+              <a:t>과 </a:t>
+            </a:r>
+            <a:r>
+              <a:rPr lang="en-US" altLang="ko-KR" sz="1200" dirty="0" err="1" smtClean="0"/>
+              <a:t>mysql</a:t>
+            </a:r>
+            <a:r>
+              <a:rPr lang="ko-KR" altLang="en-US" sz="1200" dirty="0" smtClean="0"/>
+              <a:t>의 </a:t>
+            </a:r>
+            <a:r>
+              <a:rPr lang="en-US" altLang="ko-KR" sz="1200" dirty="0" smtClean="0"/>
+              <a:t>user()</a:t>
+            </a:r>
+            <a:r>
+              <a:rPr lang="ko-KR" altLang="en-US" sz="1200" dirty="0" smtClean="0"/>
+              <a:t>의</a:t>
+            </a:r>
+            <a:r>
+              <a:rPr lang="en-US" altLang="ko-KR" sz="1200" dirty="0" smtClean="0"/>
+              <a:t> </a:t>
+            </a:r>
+            <a:r>
+              <a:rPr lang="ko-KR" altLang="en-US" sz="1200" dirty="0" smtClean="0"/>
+              <a:t>차이점</a:t>
+            </a:r>
+            <a:endParaRPr lang="en-US" altLang="ko-KR" sz="1200" dirty="0" smtClean="0"/>
+          </a:p>
+          <a:p>
+            <a:endParaRPr lang="en-US" altLang="ko-KR" sz="1200" dirty="0"/>
+          </a:p>
+          <a:p>
+            <a:r>
+              <a:rPr lang="en-US" altLang="ko-KR" sz="1200" dirty="0"/>
+              <a:t>spring.datasource.url=</a:t>
+            </a:r>
+            <a:r>
+              <a:rPr lang="en-US" altLang="ko-KR" sz="1200" dirty="0" err="1"/>
+              <a:t>jdbc:mysql</a:t>
+            </a:r>
+            <a:r>
+              <a:rPr lang="en-US" altLang="ko-KR" sz="1200" dirty="0"/>
+              <a:t>://</a:t>
+            </a:r>
+            <a:r>
+              <a:rPr lang="en-US" altLang="ko-KR" sz="1200" dirty="0" smtClean="0"/>
+              <a:t>192.168.0.26:3306/movie</a:t>
+            </a:r>
+          </a:p>
+          <a:p>
+            <a:endParaRPr lang="en-US" altLang="ko-KR" sz="1200" dirty="0"/>
+          </a:p>
+          <a:p>
+            <a:r>
+              <a:rPr lang="en-US" altLang="ko-KR" sz="1200" dirty="0" err="1"/>
+              <a:t>mysql</a:t>
+            </a:r>
+            <a:r>
+              <a:rPr lang="en-US" altLang="ko-KR" sz="1200" dirty="0"/>
+              <a:t>&gt; select user();</a:t>
+            </a:r>
+          </a:p>
+          <a:p>
+            <a:r>
+              <a:rPr lang="en-US" altLang="ko-KR" sz="1200" dirty="0"/>
+              <a:t>+----------------------+</a:t>
+            </a:r>
+          </a:p>
+          <a:p>
+            <a:r>
+              <a:rPr lang="en-US" altLang="ko-KR" sz="1200" dirty="0"/>
+              <a:t>| user()               |</a:t>
+            </a:r>
+          </a:p>
+          <a:p>
+            <a:r>
+              <a:rPr lang="en-US" altLang="ko-KR" sz="1200" dirty="0"/>
+              <a:t>+----------------------+</a:t>
+            </a:r>
+          </a:p>
+          <a:p>
+            <a:r>
+              <a:rPr lang="en-US" altLang="ko-KR" sz="1200" dirty="0"/>
+              <a:t>| ahncho@192.168.0.100 |</a:t>
+            </a:r>
+          </a:p>
+          <a:p>
+            <a:r>
+              <a:rPr lang="en-US" altLang="ko-KR" sz="1200" dirty="0"/>
+              <a:t>+----------------------+</a:t>
+            </a:r>
+          </a:p>
+          <a:p>
+            <a:r>
+              <a:rPr lang="en-US" altLang="ko-KR" sz="1200" dirty="0"/>
+              <a:t>1 row in set (0.00 sec</a:t>
+            </a:r>
+            <a:r>
+              <a:rPr lang="en-US" altLang="ko-KR" sz="1200" dirty="0" smtClean="0"/>
+              <a:t>)</a:t>
+            </a:r>
+          </a:p>
+          <a:p>
+            <a:endParaRPr lang="en-US" altLang="ko-KR" sz="1200" dirty="0" smtClean="0"/>
+          </a:p>
+          <a:p>
+            <a:r>
+              <a:rPr lang="ko-KR" altLang="en-US" sz="1200" dirty="0" smtClean="0"/>
+              <a:t>전자는 데이터베이스 서버가 위치한 </a:t>
+            </a:r>
+            <a:r>
+              <a:rPr lang="en-US" altLang="ko-KR" sz="1200" dirty="0" err="1" smtClean="0"/>
+              <a:t>ip</a:t>
+            </a:r>
+            <a:r>
+              <a:rPr lang="en-US" altLang="ko-KR" sz="1200" dirty="0" smtClean="0"/>
+              <a:t> </a:t>
+            </a:r>
+            <a:r>
+              <a:rPr lang="ko-KR" altLang="en-US" sz="1200" dirty="0" smtClean="0"/>
+              <a:t>주소이고</a:t>
+            </a:r>
+            <a:r>
+              <a:rPr lang="en-US" altLang="ko-KR" sz="1200" dirty="0" smtClean="0"/>
+              <a:t>,</a:t>
+            </a:r>
+            <a:r>
+              <a:rPr lang="ko-KR" altLang="en-US" sz="1200" dirty="0" smtClean="0"/>
+              <a:t>후자는 현재 세션의 사용자와 호스트 정보를 반환한다</a:t>
+            </a:r>
+            <a:endParaRPr lang="en-US" altLang="ko-KR" sz="1200" dirty="0" smtClean="0"/>
+          </a:p>
+        </p:txBody>
+      </p:sp>
+    </p:spTree>
+    <p:extLst>
+      <p:ext uri="{BB962C8B-B14F-4D97-AF65-F5344CB8AC3E}">
+        <p14:creationId xmlns:p14="http://schemas.microsoft.com/office/powerpoint/2010/main" val="2783879454"/>
+      </p:ext>
+    </p:extLst>
+  </p:cSld>
+  <p:clrMapOvr>
+    <a:masterClrMapping/>
+  </p:clrMapOvr>
+</p:sld>
+</file>
+
+<file path=ppt/slides/slide22.xml><?xml version="1.0" encoding="utf-8"?>
+<p:sld xmlns:a="http://schemas.openxmlformats.org/drawingml/2006/main" xmlns:r="http://schemas.openxmlformats.org/officeDocument/2006/relationships" xmlns:p="http://schemas.openxmlformats.org/presentationml/2006/main">
+  <p:cSld>
+    <p:spTree>
+      <p:nvGrpSpPr>
+        <p:cNvPr id="1" name=""/>
+        <p:cNvGrpSpPr/>
+        <p:nvPr/>
+      </p:nvGrpSpPr>
+      <p:grpSpPr>
+        <a:xfrm>
+          <a:off x="0" y="0"/>
+          <a:ext cx="0" cy="0"/>
+          <a:chOff x="0" y="0"/>
+          <a:chExt cx="0" cy="0"/>
+        </a:xfrm>
+      </p:grpSpPr>
+      <p:sp>
+        <p:nvSpPr>
+          <p:cNvPr id="2" name="직사각형 1"/>
+          <p:cNvSpPr/>
+          <p:nvPr/>
+        </p:nvSpPr>
+        <p:spPr>
+          <a:xfrm>
+            <a:off x="617035" y="993569"/>
+            <a:ext cx="6096000" cy="923330"/>
+          </a:xfrm>
+          <a:prstGeom prst="rect">
+            <a:avLst/>
+          </a:prstGeom>
+        </p:spPr>
+        <p:txBody>
+          <a:bodyPr>
+            <a:spAutoFit/>
+          </a:bodyPr>
+          <a:lstStyle/>
+          <a:p>
+            <a:r>
+              <a:rPr lang="ko-KR" altLang="en-US" dirty="0" smtClean="0">
+                <a:solidFill>
+                  <a:srgbClr val="3F4750"/>
+                </a:solidFill>
+                <a:latin typeface="Consolas" panose="020B0609020204030204" pitchFamily="49" charset="0"/>
+              </a:rPr>
+              <a:t>삽입한 데이터 값이 반영이 안 될 경우 다음 코드를 </a:t>
+            </a:r>
+            <a:r>
+              <a:rPr lang="en-US" altLang="ko-KR" dirty="0" err="1" smtClean="0">
+                <a:solidFill>
+                  <a:srgbClr val="3F4750"/>
+                </a:solidFill>
+                <a:latin typeface="Consolas" panose="020B0609020204030204" pitchFamily="49" charset="0"/>
+              </a:rPr>
+              <a:t>application.properties</a:t>
+            </a:r>
+            <a:r>
+              <a:rPr lang="ko-KR" altLang="en-US" dirty="0" smtClean="0">
+                <a:solidFill>
+                  <a:srgbClr val="3F4750"/>
+                </a:solidFill>
+                <a:latin typeface="Consolas" panose="020B0609020204030204" pitchFamily="49" charset="0"/>
+              </a:rPr>
+              <a:t>에 추가한다</a:t>
+            </a:r>
+            <a:endParaRPr lang="en-US" altLang="ko-KR" dirty="0" smtClean="0">
+              <a:solidFill>
+                <a:srgbClr val="3F4750"/>
+              </a:solidFill>
+              <a:latin typeface="Consolas" panose="020B0609020204030204" pitchFamily="49" charset="0"/>
+            </a:endParaRPr>
+          </a:p>
+          <a:p>
+            <a:r>
+              <a:rPr lang="en-US" altLang="ko-KR" dirty="0" err="1" smtClean="0">
+                <a:solidFill>
+                  <a:srgbClr val="3F4750"/>
+                </a:solidFill>
+                <a:latin typeface="Consolas" panose="020B0609020204030204" pitchFamily="49" charset="0"/>
+              </a:rPr>
+              <a:t>spring.sql.init.mode</a:t>
+            </a:r>
+            <a:r>
+              <a:rPr lang="en-US" altLang="ko-KR" dirty="0" smtClean="0">
+                <a:solidFill>
+                  <a:srgbClr val="272D34"/>
+                </a:solidFill>
+                <a:latin typeface="Consolas" panose="020B0609020204030204" pitchFamily="49" charset="0"/>
+              </a:rPr>
+              <a:t>=</a:t>
+            </a:r>
+            <a:r>
+              <a:rPr lang="en-US" altLang="ko-KR" dirty="0" smtClean="0">
+                <a:solidFill>
+                  <a:srgbClr val="41AD4E"/>
+                </a:solidFill>
+                <a:latin typeface="Consolas" panose="020B0609020204030204" pitchFamily="49" charset="0"/>
+              </a:rPr>
+              <a:t>always</a:t>
+            </a:r>
+            <a:endParaRPr lang="en-US" altLang="ko-KR" dirty="0">
+              <a:solidFill>
+                <a:srgbClr val="272D34"/>
+              </a:solidFill>
+              <a:latin typeface="Consolas" panose="020B0609020204030204" pitchFamily="49" charset="0"/>
+            </a:endParaRPr>
+          </a:p>
+        </p:txBody>
+      </p:sp>
+    </p:spTree>
+    <p:extLst>
+      <p:ext uri="{BB962C8B-B14F-4D97-AF65-F5344CB8AC3E}">
+        <p14:creationId xmlns:p14="http://schemas.microsoft.com/office/powerpoint/2010/main" val="395740316"/>
       </p:ext>
     </p:extLst>
   </p:cSld>
@@ -6723,7 +11664,7 @@
         <p:spPr>
           <a:xfrm>
             <a:off x="736078" y="1178540"/>
-            <a:ext cx="5152767" cy="3108543"/>
+            <a:ext cx="5152767" cy="2923877"/>
           </a:xfrm>
           <a:prstGeom prst="rect">
             <a:avLst/>
@@ -6986,7 +11927,7 @@
               <a:t> </a:t>
             </a:r>
             <a:r>
-              <a:rPr lang="en-US" altLang="ko-KR" sz="1200" dirty="0" err="1">
+              <a:rPr lang="en-US" altLang="ko-KR" sz="1200" dirty="0" err="1" smtClean="0">
                 <a:latin typeface="+mn-ea"/>
               </a:rPr>
               <a:t>whoami</a:t>
@@ -6997,55 +11938,14 @@
           </a:p>
           <a:p>
             <a:r>
-              <a:rPr lang="en-US" altLang="ko-KR" sz="1200" dirty="0">
-                <a:latin typeface="+mn-ea"/>
-              </a:rPr>
-              <a:t>[</a:t>
-            </a:r>
-            <a:r>
-              <a:rPr lang="en-US" altLang="ko-KR" sz="1200" dirty="0" err="1">
-                <a:latin typeface="+mn-ea"/>
-              </a:rPr>
-              <a:t>sudo</a:t>
-            </a:r>
-            <a:r>
-              <a:rPr lang="en-US" altLang="ko-KR" sz="1200" dirty="0">
-                <a:latin typeface="+mn-ea"/>
-              </a:rPr>
-              <a:t>] </a:t>
-            </a:r>
-            <a:r>
-              <a:rPr lang="en-US" altLang="ko-KR" sz="1200" dirty="0" err="1">
-                <a:latin typeface="+mn-ea"/>
-              </a:rPr>
-              <a:t>ahncy</a:t>
-            </a:r>
-            <a:r>
-              <a:rPr lang="en-US" altLang="ko-KR" sz="1200" dirty="0">
-                <a:latin typeface="+mn-ea"/>
-              </a:rPr>
-              <a:t> </a:t>
-            </a:r>
-            <a:r>
-              <a:rPr lang="ko-KR" altLang="en-US" sz="1200" dirty="0">
-                <a:latin typeface="+mn-ea"/>
-              </a:rPr>
-              <a:t>암호</a:t>
-            </a:r>
-            <a:r>
-              <a:rPr lang="en-US" altLang="ko-KR" sz="1200" dirty="0">
-                <a:latin typeface="+mn-ea"/>
-              </a:rPr>
-              <a:t>:</a:t>
-            </a:r>
-          </a:p>
-          <a:p>
-            <a:r>
-              <a:rPr lang="en-US" altLang="ko-KR" sz="1200" dirty="0">
+              <a:rPr lang="en-US" altLang="ko-KR" sz="1200" dirty="0" smtClean="0">
                 <a:latin typeface="+mn-ea"/>
               </a:rPr>
               <a:t>root</a:t>
             </a:r>
+            <a:endParaRPr lang="en-US" altLang="ko-KR" sz="1200" dirty="0">
+              <a:latin typeface="+mn-ea"/>
+            </a:endParaRPr>
           </a:p>
         </p:txBody>
       </p:sp>
@@ -7459,7 +12359,7 @@
         <p:spPr>
           <a:xfrm>
             <a:off x="815999" y="1149178"/>
-            <a:ext cx="5152767" cy="4585871"/>
+            <a:ext cx="5152767" cy="4031873"/>
           </a:xfrm>
           <a:prstGeom prst="rect">
             <a:avLst/>
@@ -7817,14 +12717,6 @@
             </a:endParaRPr>
           </a:p>
           <a:p>
-            <a:r>
-              <a:rPr lang="en-US" altLang="ko-KR" sz="1200" dirty="0">
-                <a:latin typeface="+mn-ea"/>
-              </a:rPr>
-              <a:t>Query OK, 0 rows affected (0.02 sec)</a:t>
-            </a:r>
-          </a:p>
-          <a:p>
             <a:endParaRPr lang="en-US" altLang="ko-KR" sz="1200" dirty="0" smtClean="0">
               <a:latin typeface="+mn-ea"/>
             </a:endParaRPr>
@@ -7873,14 +12765,6 @@
             </a:r>
           </a:p>
           <a:p>
-            <a:r>
-              <a:rPr lang="en-US" altLang="ko-KR" sz="1200" dirty="0">
-                <a:latin typeface="+mn-ea"/>
-              </a:rPr>
-              <a:t>Query OK, 0 rows affected (0.01 sec)</a:t>
-            </a:r>
-          </a:p>
-          <a:p>
             <a:endParaRPr lang="en-US" altLang="ko-KR" sz="1200" dirty="0" smtClean="0">
               <a:latin typeface="+mn-ea"/>
             </a:endParaRPr>
@@ -7907,16 +12791,17 @@
               <a:rPr lang="en-US" altLang="ko-KR" sz="1200" dirty="0">
                 <a:latin typeface="+mn-ea"/>
               </a:rPr>
-              <a:t>&gt; FLUSH PRIVILEGES;</a:t>
-            </a:r>
-          </a:p>
-          <a:p>
-            <a:r>
-              <a:rPr lang="en-US" altLang="ko-KR" sz="1200" dirty="0">
-                <a:latin typeface="+mn-ea"/>
-              </a:rPr>
-              <a:t>Query OK, 0 rows affected (0.01 sec)</a:t>
-            </a:r>
+              <a:t>&gt; FLUSH PRIVILEGES</a:t>
+            </a:r>
+            <a:r>
+              <a:rPr lang="en-US" altLang="ko-KR" sz="1200" dirty="0" smtClean="0">
+                <a:latin typeface="+mn-ea"/>
+              </a:rPr>
+              <a:t>;</a:t>
+            </a:r>
+            <a:endParaRPr lang="en-US" altLang="ko-KR" sz="1200" dirty="0">
+              <a:latin typeface="+mn-ea"/>
+            </a:endParaRPr>
           </a:p>
         </p:txBody>
       </p:sp>

--- a/doc/세종교육_AI프로젝트.pptx
+++ b/doc/세종교육_AI프로젝트.pptx
@@ -217,7 +217,7 @@
           <a:p>
             <a:fld id="{F2131863-6368-41AB-AE25-E2C3DBA8B704}" type="datetimeFigureOut">
               <a:rPr lang="ko-KR" altLang="en-US" smtClean="0"/>
-              <a:t>2024-12-11</a:t>
+              <a:t>2024-12-12</a:t>
             </a:fld>
             <a:endParaRPr lang="ko-KR" altLang="en-US"/>
           </a:p>
@@ -853,7 +853,7 @@
             <a:fld id="{5586B75A-687E-405C-8A0B-8D00578BA2C3}" type="datetimeFigureOut">
               <a:rPr lang="en-US" dirty="0"/>
               <a:pPr/>
-              <a:t>12/11/2024</a:t>
+              <a:t>12/12/2024</a:t>
             </a:fld>
             <a:endParaRPr lang="en-US" dirty="0"/>
           </a:p>
@@ -1020,7 +1020,7 @@
             <a:fld id="{5586B75A-687E-405C-8A0B-8D00578BA2C3}" type="datetimeFigureOut">
               <a:rPr lang="en-US" dirty="0"/>
               <a:pPr/>
-              <a:t>12/11/2024</a:t>
+              <a:t>12/12/2024</a:t>
             </a:fld>
             <a:endParaRPr lang="en-US" dirty="0"/>
           </a:p>
@@ -1197,7 +1197,7 @@
             <a:fld id="{5586B75A-687E-405C-8A0B-8D00578BA2C3}" type="datetimeFigureOut">
               <a:rPr lang="en-US" dirty="0"/>
               <a:pPr/>
-              <a:t>12/11/2024</a:t>
+              <a:t>12/12/2024</a:t>
             </a:fld>
             <a:endParaRPr lang="en-US" dirty="0"/>
           </a:p>
@@ -1364,7 +1364,7 @@
             <a:fld id="{5586B75A-687E-405C-8A0B-8D00578BA2C3}" type="datetimeFigureOut">
               <a:rPr lang="en-US" dirty="0"/>
               <a:pPr/>
-              <a:t>12/11/2024</a:t>
+              <a:t>12/12/2024</a:t>
             </a:fld>
             <a:endParaRPr lang="en-US" dirty="0"/>
           </a:p>
@@ -1619,7 +1619,7 @@
             <a:fld id="{5586B75A-687E-405C-8A0B-8D00578BA2C3}" type="datetimeFigureOut">
               <a:rPr lang="en-US" dirty="0"/>
               <a:pPr/>
-              <a:t>12/11/2024</a:t>
+              <a:t>12/12/2024</a:t>
             </a:fld>
             <a:endParaRPr lang="en-US" dirty="0"/>
           </a:p>
@@ -1904,7 +1904,7 @@
             <a:fld id="{5586B75A-687E-405C-8A0B-8D00578BA2C3}" type="datetimeFigureOut">
               <a:rPr lang="en-US" dirty="0"/>
               <a:pPr/>
-              <a:t>12/11/2024</a:t>
+              <a:t>12/12/2024</a:t>
             </a:fld>
             <a:endParaRPr lang="en-US" dirty="0"/>
           </a:p>
@@ -2343,7 +2343,7 @@
             <a:fld id="{5586B75A-687E-405C-8A0B-8D00578BA2C3}" type="datetimeFigureOut">
               <a:rPr lang="en-US" dirty="0"/>
               <a:pPr/>
-              <a:t>12/11/2024</a:t>
+              <a:t>12/12/2024</a:t>
             </a:fld>
             <a:endParaRPr lang="en-US" dirty="0"/>
           </a:p>
@@ -2458,7 +2458,7 @@
             <a:fld id="{5586B75A-687E-405C-8A0B-8D00578BA2C3}" type="datetimeFigureOut">
               <a:rPr lang="en-US" dirty="0"/>
               <a:pPr/>
-              <a:t>12/11/2024</a:t>
+              <a:t>12/12/2024</a:t>
             </a:fld>
             <a:endParaRPr lang="en-US" dirty="0"/>
           </a:p>
@@ -2550,7 +2550,7 @@
             <a:fld id="{5586B75A-687E-405C-8A0B-8D00578BA2C3}" type="datetimeFigureOut">
               <a:rPr lang="en-US" dirty="0"/>
               <a:pPr/>
-              <a:t>12/11/2024</a:t>
+              <a:t>12/12/2024</a:t>
             </a:fld>
             <a:endParaRPr lang="en-US" dirty="0"/>
           </a:p>
@@ -3193,7 +3193,7 @@
             <a:fld id="{5586B75A-687E-405C-8A0B-8D00578BA2C3}" type="datetimeFigureOut">
               <a:rPr lang="en-US" dirty="0"/>
               <a:pPr/>
-              <a:t>12/11/2024</a:t>
+              <a:t>12/12/2024</a:t>
             </a:fld>
             <a:endParaRPr lang="en-US" dirty="0"/>
           </a:p>
@@ -3463,7 +3463,7 @@
             <a:fld id="{5586B75A-687E-405C-8A0B-8D00578BA2C3}" type="datetimeFigureOut">
               <a:rPr lang="en-US" dirty="0"/>
               <a:pPr/>
-              <a:t>12/11/2024</a:t>
+              <a:t>12/12/2024</a:t>
             </a:fld>
             <a:endParaRPr lang="en-US" dirty="0"/>
           </a:p>
@@ -3757,7 +3757,7 @@
             <a:fld id="{5586B75A-687E-405C-8A0B-8D00578BA2C3}" type="datetimeFigureOut">
               <a:rPr lang="en-US" dirty="0"/>
               <a:pPr/>
-              <a:t>12/11/2024</a:t>
+              <a:t>12/12/2024</a:t>
             </a:fld>
             <a:endParaRPr lang="en-US" dirty="0"/>
           </a:p>
@@ -4786,54 +4786,6 @@
           </a:p>
         </p:txBody>
       </p:sp>
-      <p:pic>
-        <p:nvPicPr>
-          <p:cNvPr id="3" name="그림 2"/>
-          <p:cNvPicPr>
-            <a:picLocks noChangeAspect="1"/>
-          </p:cNvPicPr>
-          <p:nvPr/>
-        </p:nvPicPr>
-        <p:blipFill>
-          <a:blip r:embed="rId2"/>
-          <a:stretch>
-            <a:fillRect/>
-          </a:stretch>
-        </p:blipFill>
-        <p:spPr>
-          <a:xfrm>
-            <a:off x="1324692" y="2100791"/>
-            <a:ext cx="4921305" cy="3297666"/>
-          </a:xfrm>
-          <a:prstGeom prst="rect">
-            <a:avLst/>
-          </a:prstGeom>
-        </p:spPr>
-      </p:pic>
-      <p:pic>
-        <p:nvPicPr>
-          <p:cNvPr id="4" name="그림 3"/>
-          <p:cNvPicPr>
-            <a:picLocks noChangeAspect="1"/>
-          </p:cNvPicPr>
-          <p:nvPr/>
-        </p:nvPicPr>
-        <p:blipFill>
-          <a:blip r:embed="rId3"/>
-          <a:stretch>
-            <a:fillRect/>
-          </a:stretch>
-        </p:blipFill>
-        <p:spPr>
-          <a:xfrm>
-            <a:off x="6921459" y="2664400"/>
-            <a:ext cx="3534268" cy="2734057"/>
-          </a:xfrm>
-          <a:prstGeom prst="rect">
-            <a:avLst/>
-          </a:prstGeom>
-        </p:spPr>
-      </p:pic>
     </p:spTree>
     <p:extLst>
       <p:ext uri="{BB962C8B-B14F-4D97-AF65-F5344CB8AC3E}">
@@ -6630,7 +6582,7 @@
         <p:spPr>
           <a:xfrm>
             <a:off x="3021980" y="3479180"/>
-            <a:ext cx="6986208" cy="2492990"/>
+            <a:ext cx="6986208" cy="2123658"/>
           </a:xfrm>
           <a:prstGeom prst="rect">
             <a:avLst/>
@@ -6676,27 +6628,6 @@
               <a:t>차이점</a:t>
             </a:r>
             <a:endParaRPr lang="en-US" altLang="ko-KR" sz="1200" dirty="0" smtClean="0"/>
-          </a:p>
-          <a:p>
-            <a:endParaRPr lang="en-US" altLang="ko-KR" sz="1200" dirty="0"/>
-          </a:p>
-          <a:p>
-            <a:r>
-              <a:rPr lang="en-US" altLang="ko-KR" sz="1200" dirty="0"/>
-              <a:t>spring.datasource.url=</a:t>
-            </a:r>
-            <a:r>
-              <a:rPr lang="en-US" altLang="ko-KR" sz="1200" dirty="0" err="1"/>
-              <a:t>jdbc:mysql</a:t>
-            </a:r>
-            <a:r>
-              <a:rPr lang="en-US" altLang="ko-KR" sz="1200" dirty="0"/>
-              <a:t>://</a:t>
-            </a:r>
-            <a:r>
-              <a:rPr lang="en-US" altLang="ko-KR" sz="1200" dirty="0" smtClean="0"/>
-              <a:t>192.168.0.26:3306/movie</a:t>
-            </a:r>
           </a:p>
           <a:p>
             <a:endParaRPr lang="en-US" altLang="ko-KR" sz="1200" dirty="0"/>
@@ -7411,11 +7342,7 @@
           <a:p>
             <a:r>
               <a:rPr lang="ko-KR" altLang="en-US" dirty="0" smtClean="0"/>
-              <a:t>기능 테스트 및 </a:t>
-            </a:r>
-            <a:r>
-              <a:rPr lang="ko-KR" altLang="en-US" dirty="0" smtClean="0"/>
-              <a:t>배포</a:t>
+              <a:t>기능 테스트 및 배포</a:t>
             </a:r>
             <a:endParaRPr lang="en-US" altLang="ko-KR" dirty="0" smtClean="0"/>
           </a:p>
@@ -10591,19 +10518,7 @@
                 <a:rPr lang="ko-KR" altLang="en-US" sz="1100" dirty="0" smtClean="0">
                   <a:latin typeface="+mn-ea"/>
                 </a:rPr>
-                <a:t>사용자 </a:t>
-              </a:r>
-              <a:r>
-                <a:rPr lang="ko-KR" altLang="en-US" sz="1100" dirty="0" smtClean="0">
-                  <a:latin typeface="+mn-ea"/>
-                </a:rPr>
-                <a:t>계정 </a:t>
-              </a:r>
-              <a:r>
-                <a:rPr lang="ko-KR" altLang="en-US" sz="1100" dirty="0" smtClean="0">
-                  <a:latin typeface="+mn-ea"/>
-                </a:rPr>
-                <a:t>생성</a:t>
+                <a:t>사용자 계정 생성</a:t>
               </a:r>
               <a:endParaRPr lang="en-US" altLang="ko-KR" sz="1100" dirty="0" smtClean="0">
                 <a:latin typeface="+mn-ea"/>
@@ -10753,13 +10668,7 @@
                 <a:rPr lang="ko-KR" altLang="en-US" sz="1100" dirty="0" smtClean="0">
                   <a:latin typeface="+mn-ea"/>
                 </a:rPr>
-                <a:t>파일의 끝 부분에 다음과 같은 </a:t>
-              </a:r>
-              <a:r>
-                <a:rPr lang="ko-KR" altLang="en-US" sz="1100" dirty="0" smtClean="0">
-                  <a:latin typeface="+mn-ea"/>
-                </a:rPr>
-                <a:t>내용 추가</a:t>
+                <a:t>파일의 끝 부분에 다음과 같은 내용 추가</a:t>
               </a:r>
               <a:endParaRPr lang="en-US" altLang="ko-KR" sz="1100" dirty="0" smtClean="0">
                 <a:latin typeface="+mn-ea"/>
@@ -10926,19 +10835,7 @@
                 <a:rPr lang="ko-KR" altLang="en-US" sz="1100" dirty="0" smtClean="0">
                   <a:latin typeface="+mn-ea"/>
                 </a:rPr>
-                <a:t>이때 이미 설치된 패키지는 변경되지 </a:t>
-              </a:r>
-              <a:r>
-                <a:rPr lang="ko-KR" altLang="en-US" sz="1100" dirty="0" smtClean="0">
-                  <a:latin typeface="+mn-ea"/>
-                </a:rPr>
-                <a:t>않</a:t>
-              </a:r>
-              <a:r>
-                <a:rPr lang="ko-KR" altLang="en-US" sz="1100" dirty="0" smtClean="0">
-                  <a:latin typeface="+mn-ea"/>
-                </a:rPr>
-                <a:t>는다</a:t>
+                <a:t>이때 이미 설치된 패키지는 변경되지 않는다</a:t>
               </a:r>
               <a:r>
                 <a:rPr lang="en-US" altLang="ko-KR" sz="1100" dirty="0" smtClean="0">
@@ -10946,9 +10843,6 @@
                 </a:rPr>
                 <a:t>)</a:t>
               </a:r>
-              <a:endParaRPr lang="en-US" altLang="ko-KR" sz="1100" dirty="0" smtClean="0">
-                <a:latin typeface="+mn-ea"/>
-              </a:endParaRPr>
             </a:p>
             <a:p>
               <a:r>
@@ -11174,13 +11068,7 @@
                 <a:rPr lang="ko-KR" altLang="en-US" sz="1400" b="1" dirty="0" smtClean="0">
                   <a:latin typeface="+mn-ea"/>
                 </a:rPr>
-                <a:t>에 </a:t>
-              </a:r>
-              <a:r>
-                <a:rPr lang="ko-KR" altLang="en-US" sz="1400" b="1" dirty="0" smtClean="0">
-                  <a:latin typeface="+mn-ea"/>
-                </a:rPr>
-                <a:t>접속 가능하도록 설정</a:t>
+                <a:t>에 접속 가능하도록 설정</a:t>
               </a:r>
               <a:endParaRPr lang="en-US" altLang="ko-KR" sz="1400" b="1" dirty="0" smtClean="0">
                 <a:latin typeface="+mn-ea"/>
@@ -11512,13 +11400,7 @@
                 <a:rPr lang="ko-KR" altLang="en-US" sz="1100" dirty="0" smtClean="0">
                   <a:latin typeface="+mn-ea"/>
                 </a:rPr>
-                <a:t>사용자에게 </a:t>
-              </a:r>
-              <a:r>
-                <a:rPr lang="ko-KR" altLang="en-US" sz="1100" dirty="0" smtClean="0">
-                  <a:latin typeface="+mn-ea"/>
-                </a:rPr>
-                <a:t>모든 권한 부여</a:t>
+                <a:t>사용자에게 모든 권한 부여</a:t>
               </a:r>
               <a:endParaRPr lang="en-US" altLang="ko-KR" sz="1100" dirty="0">
                 <a:latin typeface="+mn-ea"/>
@@ -11683,7 +11565,7 @@
         <p:spPr>
           <a:xfrm>
             <a:off x="865318" y="1216290"/>
-            <a:ext cx="3429846" cy="4755148"/>
+            <a:ext cx="3429846" cy="4416594"/>
           </a:xfrm>
           <a:prstGeom prst="rect">
             <a:avLst/>
@@ -11742,41 +11624,9 @@
               </a:rPr>
               <a:t>접속</a:t>
             </a:r>
-            <a:endParaRPr lang="en-US" altLang="ko-KR" sz="1100" dirty="0">
+            <a:endParaRPr lang="en-US" altLang="ko-KR" sz="1100" dirty="0" smtClean="0">
               <a:latin typeface="+mn-ea"/>
             </a:endParaRPr>
-          </a:p>
-          <a:p>
-            <a:r>
-              <a:rPr lang="en-US" altLang="ko-KR" sz="1100" dirty="0" smtClean="0">
-                <a:latin typeface="+mn-ea"/>
-              </a:rPr>
-              <a:t>PS C:\Users\acy&gt; </a:t>
-            </a:r>
-            <a:r>
-              <a:rPr lang="en-US" altLang="ko-KR" sz="1100" dirty="0" err="1" smtClean="0">
-                <a:latin typeface="+mn-ea"/>
-              </a:rPr>
-              <a:t>mysql</a:t>
-            </a:r>
-            <a:r>
-              <a:rPr lang="en-US" altLang="ko-KR" sz="1100" dirty="0" smtClean="0">
-                <a:latin typeface="+mn-ea"/>
-              </a:rPr>
-              <a:t> –u </a:t>
-            </a:r>
-            <a:r>
-              <a:rPr lang="en-US" altLang="ko-KR" sz="1100" dirty="0" err="1" smtClean="0">
-                <a:latin typeface="+mn-ea"/>
-              </a:rPr>
-              <a:t>ahncho</a:t>
-            </a:r>
-            <a:r>
-              <a:rPr lang="en-US" altLang="ko-KR" sz="1100" dirty="0" smtClean="0">
-                <a:latin typeface="+mn-ea"/>
-              </a:rPr>
-              <a:t> –p –h 192.168.0.26 –P 3306</a:t>
-            </a:r>
           </a:p>
           <a:p>
             <a:endParaRPr lang="en-US" altLang="ko-KR" sz="1100" dirty="0">

--- a/doc/세종교육_AI프로젝트.pptx
+++ b/doc/세종교육_AI프로젝트.pptx
@@ -14,14 +14,14 @@
     <p:sldId id="258" r:id="rId5"/>
     <p:sldId id="259" r:id="rId6"/>
     <p:sldId id="262" r:id="rId7"/>
-    <p:sldId id="263" r:id="rId8"/>
-    <p:sldId id="264" r:id="rId9"/>
-    <p:sldId id="265" r:id="rId10"/>
-    <p:sldId id="268" r:id="rId11"/>
-    <p:sldId id="269" r:id="rId12"/>
-    <p:sldId id="270" r:id="rId13"/>
-    <p:sldId id="271" r:id="rId14"/>
-    <p:sldId id="274" r:id="rId15"/>
+    <p:sldId id="285" r:id="rId8"/>
+    <p:sldId id="263" r:id="rId9"/>
+    <p:sldId id="264" r:id="rId10"/>
+    <p:sldId id="265" r:id="rId11"/>
+    <p:sldId id="268" r:id="rId12"/>
+    <p:sldId id="269" r:id="rId13"/>
+    <p:sldId id="270" r:id="rId14"/>
+    <p:sldId id="271" r:id="rId15"/>
     <p:sldId id="272" r:id="rId16"/>
     <p:sldId id="276" r:id="rId17"/>
     <p:sldId id="277" r:id="rId18"/>
@@ -217,7 +217,7 @@
           <a:p>
             <a:fld id="{F2131863-6368-41AB-AE25-E2C3DBA8B704}" type="datetimeFigureOut">
               <a:rPr lang="ko-KR" altLang="en-US" smtClean="0"/>
-              <a:t>2024-12-12</a:t>
+              <a:t>2024-12-16</a:t>
             </a:fld>
             <a:endParaRPr lang="ko-KR" altLang="en-US"/>
           </a:p>
@@ -628,6 +628,149 @@
 </p:notes>
 </file>
 
+<file path=ppt/notesSlides/notesSlide2.xml><?xml version="1.0" encoding="utf-8"?>
+<p:notes xmlns:a="http://schemas.openxmlformats.org/drawingml/2006/main" xmlns:r="http://schemas.openxmlformats.org/officeDocument/2006/relationships" xmlns:p="http://schemas.openxmlformats.org/presentationml/2006/main">
+  <p:cSld>
+    <p:spTree>
+      <p:nvGrpSpPr>
+        <p:cNvPr id="1" name=""/>
+        <p:cNvGrpSpPr/>
+        <p:nvPr/>
+      </p:nvGrpSpPr>
+      <p:grpSpPr>
+        <a:xfrm>
+          <a:off x="0" y="0"/>
+          <a:ext cx="0" cy="0"/>
+          <a:chOff x="0" y="0"/>
+          <a:chExt cx="0" cy="0"/>
+        </a:xfrm>
+      </p:grpSpPr>
+      <p:sp>
+        <p:nvSpPr>
+          <p:cNvPr id="2" name="슬라이드 이미지 개체 틀 1"/>
+          <p:cNvSpPr>
+            <a:spLocks noGrp="1" noRot="1" noChangeAspect="1"/>
+          </p:cNvSpPr>
+          <p:nvPr>
+            <p:ph type="sldImg"/>
+          </p:nvPr>
+        </p:nvSpPr>
+        <p:spPr/>
+      </p:sp>
+      <p:sp>
+        <p:nvSpPr>
+          <p:cNvPr id="3" name="슬라이드 노트 개체 틀 2"/>
+          <p:cNvSpPr>
+            <a:spLocks noGrp="1"/>
+          </p:cNvSpPr>
+          <p:nvPr>
+            <p:ph type="body" idx="1"/>
+          </p:nvPr>
+        </p:nvSpPr>
+        <p:spPr/>
+        <p:txBody>
+          <a:bodyPr/>
+          <a:lstStyle/>
+          <a:p>
+            <a:pPr marL="0" marR="0" indent="0" algn="l" defTabSz="914400" rtl="0" eaLnBrk="1" fontAlgn="auto" latinLnBrk="1" hangingPunct="1">
+              <a:lnSpc>
+                <a:spcPct val="100000"/>
+              </a:lnSpc>
+              <a:spcBef>
+                <a:spcPts val="0"/>
+              </a:spcBef>
+              <a:spcAft>
+                <a:spcPts val="0"/>
+              </a:spcAft>
+              <a:buClrTx/>
+              <a:buSzTx/>
+              <a:buFontTx/>
+              <a:buNone/>
+              <a:tabLst/>
+              <a:defRPr/>
+            </a:pPr>
+            <a:r>
+              <a:rPr lang="ko-KR" altLang="en-US" dirty="0" smtClean="0"/>
+              <a:t>라마</a:t>
+            </a:r>
+            <a:r>
+              <a:rPr lang="en-US" altLang="ko-KR" dirty="0" smtClean="0"/>
+              <a:t> </a:t>
+            </a:r>
+            <a:r>
+              <a:rPr lang="ko-KR" altLang="en-US" dirty="0" smtClean="0"/>
+              <a:t>모델을 활용한 파인 튜닝과 </a:t>
+            </a:r>
+            <a:r>
+              <a:rPr lang="ko-KR" altLang="en-US" dirty="0" err="1" smtClean="0"/>
+              <a:t>랭체인을</a:t>
+            </a:r>
+            <a:r>
+              <a:rPr lang="ko-KR" altLang="en-US" dirty="0" smtClean="0"/>
+              <a:t> 적용한 실시간 전문지식 </a:t>
+            </a:r>
+            <a:r>
+              <a:rPr lang="ko-KR" altLang="en-US" dirty="0" err="1" smtClean="0"/>
+              <a:t>챗봇</a:t>
+            </a:r>
+            <a:r>
+              <a:rPr lang="ko-KR" altLang="en-US" dirty="0" smtClean="0"/>
+              <a:t> </a:t>
+            </a:r>
+            <a:r>
+              <a:rPr lang="en-US" altLang="ko-KR" dirty="0" err="1" smtClean="0"/>
+              <a:t>ai</a:t>
+            </a:r>
+            <a:r>
+              <a:rPr lang="en-US" altLang="ko-KR" dirty="0" smtClean="0"/>
+              <a:t> </a:t>
+            </a:r>
+            <a:r>
+              <a:rPr lang="ko-KR" altLang="en-US" dirty="0" smtClean="0"/>
+              <a:t>시스템</a:t>
+            </a:r>
+          </a:p>
+          <a:p>
+            <a:endParaRPr lang="ko-KR" altLang="en-US" dirty="0"/>
+          </a:p>
+        </p:txBody>
+      </p:sp>
+      <p:sp>
+        <p:nvSpPr>
+          <p:cNvPr id="4" name="슬라이드 번호 개체 틀 3"/>
+          <p:cNvSpPr>
+            <a:spLocks noGrp="1"/>
+          </p:cNvSpPr>
+          <p:nvPr>
+            <p:ph type="sldNum" sz="quarter" idx="10"/>
+          </p:nvPr>
+        </p:nvSpPr>
+        <p:spPr/>
+        <p:txBody>
+          <a:bodyPr/>
+          <a:lstStyle/>
+          <a:p>
+            <a:fld id="{8E7EA7D0-8583-4BD7-8573-1330AC5B3243}" type="slidenum">
+              <a:rPr lang="ko-KR" altLang="en-US" smtClean="0"/>
+              <a:t>7</a:t>
+            </a:fld>
+            <a:endParaRPr lang="ko-KR" altLang="en-US"/>
+          </a:p>
+        </p:txBody>
+      </p:sp>
+    </p:spTree>
+    <p:extLst>
+      <p:ext uri="{BB962C8B-B14F-4D97-AF65-F5344CB8AC3E}">
+        <p14:creationId xmlns:p14="http://schemas.microsoft.com/office/powerpoint/2010/main" val="32327480"/>
+      </p:ext>
+    </p:extLst>
+  </p:cSld>
+  <p:clrMapOvr>
+    <a:masterClrMapping/>
+  </p:clrMapOvr>
+</p:notes>
+</file>
+
 <file path=ppt/slideLayouts/slideLayout1.xml><?xml version="1.0" encoding="utf-8"?>
 <p:sldLayout xmlns:a="http://schemas.openxmlformats.org/drawingml/2006/main" xmlns:r="http://schemas.openxmlformats.org/officeDocument/2006/relationships" xmlns:p="http://schemas.openxmlformats.org/presentationml/2006/main" showMasterSp="0" type="title" preserve="1">
   <p:cSld name="제목 슬라이드">
@@ -853,7 +996,7 @@
             <a:fld id="{5586B75A-687E-405C-8A0B-8D00578BA2C3}" type="datetimeFigureOut">
               <a:rPr lang="en-US" dirty="0"/>
               <a:pPr/>
-              <a:t>12/12/2024</a:t>
+              <a:t>12/16/2024</a:t>
             </a:fld>
             <a:endParaRPr lang="en-US" dirty="0"/>
           </a:p>
@@ -1020,7 +1163,7 @@
             <a:fld id="{5586B75A-687E-405C-8A0B-8D00578BA2C3}" type="datetimeFigureOut">
               <a:rPr lang="en-US" dirty="0"/>
               <a:pPr/>
-              <a:t>12/12/2024</a:t>
+              <a:t>12/16/2024</a:t>
             </a:fld>
             <a:endParaRPr lang="en-US" dirty="0"/>
           </a:p>
@@ -1197,7 +1340,7 @@
             <a:fld id="{5586B75A-687E-405C-8A0B-8D00578BA2C3}" type="datetimeFigureOut">
               <a:rPr lang="en-US" dirty="0"/>
               <a:pPr/>
-              <a:t>12/12/2024</a:t>
+              <a:t>12/16/2024</a:t>
             </a:fld>
             <a:endParaRPr lang="en-US" dirty="0"/>
           </a:p>
@@ -1364,7 +1507,7 @@
             <a:fld id="{5586B75A-687E-405C-8A0B-8D00578BA2C3}" type="datetimeFigureOut">
               <a:rPr lang="en-US" dirty="0"/>
               <a:pPr/>
-              <a:t>12/12/2024</a:t>
+              <a:t>12/16/2024</a:t>
             </a:fld>
             <a:endParaRPr lang="en-US" dirty="0"/>
           </a:p>
@@ -1619,7 +1762,7 @@
             <a:fld id="{5586B75A-687E-405C-8A0B-8D00578BA2C3}" type="datetimeFigureOut">
               <a:rPr lang="en-US" dirty="0"/>
               <a:pPr/>
-              <a:t>12/12/2024</a:t>
+              <a:t>12/16/2024</a:t>
             </a:fld>
             <a:endParaRPr lang="en-US" dirty="0"/>
           </a:p>
@@ -1904,7 +2047,7 @@
             <a:fld id="{5586B75A-687E-405C-8A0B-8D00578BA2C3}" type="datetimeFigureOut">
               <a:rPr lang="en-US" dirty="0"/>
               <a:pPr/>
-              <a:t>12/12/2024</a:t>
+              <a:t>12/16/2024</a:t>
             </a:fld>
             <a:endParaRPr lang="en-US" dirty="0"/>
           </a:p>
@@ -2343,7 +2486,7 @@
             <a:fld id="{5586B75A-687E-405C-8A0B-8D00578BA2C3}" type="datetimeFigureOut">
               <a:rPr lang="en-US" dirty="0"/>
               <a:pPr/>
-              <a:t>12/12/2024</a:t>
+              <a:t>12/16/2024</a:t>
             </a:fld>
             <a:endParaRPr lang="en-US" dirty="0"/>
           </a:p>
@@ -2458,7 +2601,7 @@
             <a:fld id="{5586B75A-687E-405C-8A0B-8D00578BA2C3}" type="datetimeFigureOut">
               <a:rPr lang="en-US" dirty="0"/>
               <a:pPr/>
-              <a:t>12/12/2024</a:t>
+              <a:t>12/16/2024</a:t>
             </a:fld>
             <a:endParaRPr lang="en-US" dirty="0"/>
           </a:p>
@@ -2550,7 +2693,7 @@
             <a:fld id="{5586B75A-687E-405C-8A0B-8D00578BA2C3}" type="datetimeFigureOut">
               <a:rPr lang="en-US" dirty="0"/>
               <a:pPr/>
-              <a:t>12/12/2024</a:t>
+              <a:t>12/16/2024</a:t>
             </a:fld>
             <a:endParaRPr lang="en-US" dirty="0"/>
           </a:p>
@@ -3193,7 +3336,7 @@
             <a:fld id="{5586B75A-687E-405C-8A0B-8D00578BA2C3}" type="datetimeFigureOut">
               <a:rPr lang="en-US" dirty="0"/>
               <a:pPr/>
-              <a:t>12/12/2024</a:t>
+              <a:t>12/16/2024</a:t>
             </a:fld>
             <a:endParaRPr lang="en-US" dirty="0"/>
           </a:p>
@@ -3463,7 +3606,7 @@
             <a:fld id="{5586B75A-687E-405C-8A0B-8D00578BA2C3}" type="datetimeFigureOut">
               <a:rPr lang="en-US" dirty="0"/>
               <a:pPr/>
-              <a:t>12/12/2024</a:t>
+              <a:t>12/16/2024</a:t>
             </a:fld>
             <a:endParaRPr lang="en-US" dirty="0"/>
           </a:p>
@@ -3757,7 +3900,7 @@
             <a:fld id="{5586B75A-687E-405C-8A0B-8D00578BA2C3}" type="datetimeFigureOut">
               <a:rPr lang="en-US" dirty="0"/>
               <a:pPr/>
-              <a:t>12/12/2024</a:t>
+              <a:t>12/16/2024</a:t>
             </a:fld>
             <a:endParaRPr lang="en-US" dirty="0"/>
           </a:p>
@@ -4332,6 +4475,468 @@
       </p:grpSpPr>
       <p:sp>
         <p:nvSpPr>
+          <p:cNvPr id="3" name="TextBox 2"/>
+          <p:cNvSpPr txBox="1"/>
+          <p:nvPr/>
+        </p:nvSpPr>
+        <p:spPr>
+          <a:xfrm>
+            <a:off x="4683211" y="2063578"/>
+            <a:ext cx="184731" cy="369332"/>
+          </a:xfrm>
+          <a:prstGeom prst="rect">
+            <a:avLst/>
+          </a:prstGeom>
+          <a:noFill/>
+        </p:spPr>
+        <p:txBody>
+          <a:bodyPr wrap="none" rtlCol="0">
+            <a:spAutoFit/>
+          </a:bodyPr>
+          <a:lstStyle/>
+          <a:p>
+            <a:endParaRPr lang="ko-KR" altLang="en-US" dirty="0"/>
+          </a:p>
+        </p:txBody>
+      </p:sp>
+      <p:sp>
+        <p:nvSpPr>
+          <p:cNvPr id="4" name="TextBox 3"/>
+          <p:cNvSpPr txBox="1"/>
+          <p:nvPr/>
+        </p:nvSpPr>
+        <p:spPr>
+          <a:xfrm>
+            <a:off x="4683211" y="1606378"/>
+            <a:ext cx="45719" cy="369332"/>
+          </a:xfrm>
+          <a:prstGeom prst="rect">
+            <a:avLst/>
+          </a:prstGeom>
+          <a:noFill/>
+        </p:spPr>
+        <p:txBody>
+          <a:bodyPr wrap="square" rtlCol="0">
+            <a:spAutoFit/>
+          </a:bodyPr>
+          <a:lstStyle/>
+          <a:p>
+            <a:endParaRPr lang="ko-KR" altLang="en-US" dirty="0"/>
+          </a:p>
+        </p:txBody>
+      </p:sp>
+      <p:sp>
+        <p:nvSpPr>
+          <p:cNvPr id="6" name="TextBox 5"/>
+          <p:cNvSpPr txBox="1"/>
+          <p:nvPr/>
+        </p:nvSpPr>
+        <p:spPr>
+          <a:xfrm>
+            <a:off x="865318" y="1216290"/>
+            <a:ext cx="3429846" cy="4416594"/>
+          </a:xfrm>
+          <a:prstGeom prst="rect">
+            <a:avLst/>
+          </a:prstGeom>
+          <a:noFill/>
+        </p:spPr>
+        <p:txBody>
+          <a:bodyPr wrap="square" rtlCol="0">
+            <a:spAutoFit/>
+          </a:bodyPr>
+          <a:lstStyle/>
+          <a:p>
+            <a:r>
+              <a:rPr lang="ko-KR" altLang="en-US" sz="1400" b="1" dirty="0" smtClean="0">
+                <a:latin typeface="+mn-ea"/>
+              </a:rPr>
+              <a:t>외부에서 </a:t>
+            </a:r>
+            <a:r>
+              <a:rPr lang="en-US" altLang="ko-KR" sz="1400" b="1" dirty="0">
+                <a:latin typeface="+mn-ea"/>
+              </a:rPr>
+              <a:t>MySQL </a:t>
+            </a:r>
+            <a:r>
+              <a:rPr lang="ko-KR" altLang="en-US" sz="1400" b="1" dirty="0" smtClean="0">
+                <a:latin typeface="+mn-ea"/>
+              </a:rPr>
+              <a:t>접속 및 데이터베이스의 테이블 생성</a:t>
+            </a:r>
+            <a:endParaRPr lang="en-US" altLang="ko-KR" sz="1400" b="1" dirty="0" smtClean="0">
+              <a:latin typeface="+mn-ea"/>
+            </a:endParaRPr>
+          </a:p>
+          <a:p>
+            <a:endParaRPr lang="en-US" altLang="ko-KR" sz="1100" dirty="0" smtClean="0">
+              <a:latin typeface="+mn-ea"/>
+            </a:endParaRPr>
+          </a:p>
+          <a:p>
+            <a:r>
+              <a:rPr lang="ko-KR" altLang="en-US" sz="1100" dirty="0">
+                <a:latin typeface="+mn-ea"/>
+              </a:rPr>
+              <a:t>생성한 외부 사용자로 </a:t>
+            </a:r>
+            <a:r>
+              <a:rPr lang="en-US" altLang="ko-KR" sz="1100" dirty="0" smtClean="0">
+                <a:latin typeface="+mn-ea"/>
+              </a:rPr>
+              <a:t>MySQL </a:t>
+            </a:r>
+            <a:r>
+              <a:rPr lang="ko-KR" altLang="en-US" sz="1100" dirty="0" smtClean="0">
+                <a:latin typeface="+mn-ea"/>
+              </a:rPr>
+              <a:t>접속</a:t>
+            </a:r>
+            <a:endParaRPr lang="en-US" altLang="ko-KR" sz="1100" dirty="0" smtClean="0">
+              <a:latin typeface="+mn-ea"/>
+            </a:endParaRPr>
+          </a:p>
+          <a:p>
+            <a:endParaRPr lang="en-US" altLang="ko-KR" sz="1100" dirty="0">
+              <a:latin typeface="+mn-ea"/>
+            </a:endParaRPr>
+          </a:p>
+          <a:p>
+            <a:r>
+              <a:rPr lang="ko-KR" altLang="en-US" sz="1100" dirty="0" smtClean="0">
+                <a:latin typeface="+mn-ea"/>
+              </a:rPr>
+              <a:t>데이터베이스 생성</a:t>
+            </a:r>
+            <a:endParaRPr lang="en-US" altLang="ko-KR" sz="1100" dirty="0" smtClean="0">
+              <a:latin typeface="+mn-ea"/>
+            </a:endParaRPr>
+          </a:p>
+          <a:p>
+            <a:r>
+              <a:rPr lang="en-US" altLang="ko-KR" sz="1100" dirty="0" err="1">
+                <a:latin typeface="+mn-ea"/>
+              </a:rPr>
+              <a:t>mysql</a:t>
+            </a:r>
+            <a:r>
+              <a:rPr lang="en-US" altLang="ko-KR" sz="1100" dirty="0">
+                <a:latin typeface="+mn-ea"/>
+              </a:rPr>
+              <a:t>&gt; create database movie</a:t>
+            </a:r>
+            <a:r>
+              <a:rPr lang="en-US" altLang="ko-KR" sz="1100" dirty="0" smtClean="0">
+                <a:latin typeface="+mn-ea"/>
+              </a:rPr>
+              <a:t>;</a:t>
+            </a:r>
+          </a:p>
+          <a:p>
+            <a:endParaRPr lang="en-US" altLang="ko-KR" sz="1100" dirty="0">
+              <a:latin typeface="+mn-ea"/>
+            </a:endParaRPr>
+          </a:p>
+          <a:p>
+            <a:r>
+              <a:rPr lang="ko-KR" altLang="en-US" sz="1100" dirty="0" smtClean="0">
+                <a:latin typeface="+mn-ea"/>
+              </a:rPr>
+              <a:t>해당 데이터베이스에서 테이블 생성</a:t>
+            </a:r>
+            <a:endParaRPr lang="en-US" altLang="ko-KR" sz="1100" dirty="0" smtClean="0">
+              <a:latin typeface="+mn-ea"/>
+            </a:endParaRPr>
+          </a:p>
+          <a:p>
+            <a:r>
+              <a:rPr lang="en-US" altLang="ko-KR" sz="1100" dirty="0" err="1" smtClean="0">
+                <a:latin typeface="+mn-ea"/>
+              </a:rPr>
+              <a:t>Mysql</a:t>
+            </a:r>
+            <a:r>
+              <a:rPr lang="en-US" altLang="ko-KR" sz="1100" dirty="0" smtClean="0">
+                <a:latin typeface="+mn-ea"/>
+              </a:rPr>
+              <a:t>&gt; create </a:t>
+            </a:r>
+            <a:r>
+              <a:rPr lang="en-US" altLang="ko-KR" sz="1100" dirty="0">
+                <a:latin typeface="+mn-ea"/>
+              </a:rPr>
+              <a:t>table posters </a:t>
+            </a:r>
+            <a:r>
+              <a:rPr lang="en-US" altLang="ko-KR" sz="1100" dirty="0" smtClean="0">
+                <a:latin typeface="+mn-ea"/>
+              </a:rPr>
+              <a:t>(</a:t>
+            </a:r>
+          </a:p>
+          <a:p>
+            <a:r>
+              <a:rPr lang="en-US" altLang="ko-KR" sz="1100" dirty="0">
+                <a:latin typeface="+mn-ea"/>
+              </a:rPr>
+              <a:t> </a:t>
+            </a:r>
+            <a:r>
+              <a:rPr lang="en-US" altLang="ko-KR" sz="1100" dirty="0" smtClean="0">
+                <a:latin typeface="+mn-ea"/>
+              </a:rPr>
+              <a:t>   id </a:t>
+            </a:r>
+            <a:r>
+              <a:rPr lang="en-US" altLang="ko-KR" sz="1100" dirty="0" err="1">
+                <a:latin typeface="+mn-ea"/>
+              </a:rPr>
+              <a:t>int</a:t>
+            </a:r>
+            <a:r>
+              <a:rPr lang="en-US" altLang="ko-KR" sz="1100" dirty="0">
+                <a:latin typeface="+mn-ea"/>
+              </a:rPr>
+              <a:t> auto-increment primary key</a:t>
+            </a:r>
+            <a:r>
+              <a:rPr lang="en-US" altLang="ko-KR" sz="1100" dirty="0" smtClean="0">
+                <a:latin typeface="+mn-ea"/>
+              </a:rPr>
+              <a:t>,</a:t>
+            </a:r>
+            <a:endParaRPr lang="en-US" altLang="ko-KR" sz="1100" dirty="0">
+              <a:latin typeface="+mn-ea"/>
+            </a:endParaRPr>
+          </a:p>
+          <a:p>
+            <a:r>
+              <a:rPr lang="en-US" altLang="ko-KR" sz="1100" dirty="0">
+                <a:latin typeface="+mn-ea"/>
+              </a:rPr>
+              <a:t>    image </a:t>
+            </a:r>
+            <a:r>
+              <a:rPr lang="en-US" altLang="ko-KR" sz="1100" dirty="0" err="1">
+                <a:latin typeface="+mn-ea"/>
+              </a:rPr>
+              <a:t>longblob</a:t>
+            </a:r>
+            <a:r>
+              <a:rPr lang="en-US" altLang="ko-KR" sz="1100" dirty="0">
+                <a:latin typeface="+mn-ea"/>
+              </a:rPr>
+              <a:t> not null, </a:t>
+            </a:r>
+          </a:p>
+          <a:p>
+            <a:r>
+              <a:rPr lang="en-US" altLang="ko-KR" sz="1100" dirty="0">
+                <a:latin typeface="+mn-ea"/>
+              </a:rPr>
+              <a:t>    title varchar(255) not null,</a:t>
+            </a:r>
+          </a:p>
+          <a:p>
+            <a:r>
+              <a:rPr lang="en-US" altLang="ko-KR" sz="1100" dirty="0">
+                <a:latin typeface="+mn-ea"/>
+              </a:rPr>
+              <a:t>    </a:t>
+            </a:r>
+            <a:r>
+              <a:rPr lang="en-US" altLang="ko-KR" sz="1100" dirty="0" err="1">
+                <a:latin typeface="+mn-ea"/>
+              </a:rPr>
+              <a:t>relYear</a:t>
+            </a:r>
+            <a:r>
+              <a:rPr lang="en-US" altLang="ko-KR" sz="1100" dirty="0">
+                <a:latin typeface="+mn-ea"/>
+              </a:rPr>
+              <a:t> </a:t>
+            </a:r>
+            <a:r>
+              <a:rPr lang="en-US" altLang="ko-KR" sz="1100" dirty="0" err="1">
+                <a:latin typeface="+mn-ea"/>
+              </a:rPr>
+              <a:t>int</a:t>
+            </a:r>
+            <a:r>
+              <a:rPr lang="en-US" altLang="ko-KR" sz="1100" dirty="0">
+                <a:latin typeface="+mn-ea"/>
+              </a:rPr>
+              <a:t> not null,</a:t>
+            </a:r>
+          </a:p>
+          <a:p>
+            <a:r>
+              <a:rPr lang="en-US" altLang="ko-KR" sz="1100" dirty="0">
+                <a:latin typeface="+mn-ea"/>
+              </a:rPr>
+              <a:t>    rating varchar(20) not null,</a:t>
+            </a:r>
+          </a:p>
+          <a:p>
+            <a:r>
+              <a:rPr lang="en-US" altLang="ko-KR" sz="1100" dirty="0">
+                <a:latin typeface="+mn-ea"/>
+              </a:rPr>
+              <a:t>    </a:t>
+            </a:r>
+            <a:r>
+              <a:rPr lang="en-US" altLang="ko-KR" sz="1100" dirty="0" err="1">
+                <a:latin typeface="+mn-ea"/>
+              </a:rPr>
+              <a:t>runTime</a:t>
+            </a:r>
+            <a:r>
+              <a:rPr lang="en-US" altLang="ko-KR" sz="1100" dirty="0">
+                <a:latin typeface="+mn-ea"/>
+              </a:rPr>
+              <a:t> float not null,</a:t>
+            </a:r>
+          </a:p>
+          <a:p>
+            <a:r>
+              <a:rPr lang="en-US" altLang="ko-KR" sz="1100" dirty="0">
+                <a:latin typeface="+mn-ea"/>
+              </a:rPr>
+              <a:t>    genre varchar(255) not null,</a:t>
+            </a:r>
+          </a:p>
+          <a:p>
+            <a:r>
+              <a:rPr lang="en-US" altLang="ko-KR" sz="1100" dirty="0">
+                <a:latin typeface="+mn-ea"/>
+              </a:rPr>
+              <a:t>    director varchar(255) not null,</a:t>
+            </a:r>
+          </a:p>
+          <a:p>
+            <a:r>
+              <a:rPr lang="en-US" altLang="ko-KR" sz="1100" dirty="0">
+                <a:latin typeface="+mn-ea"/>
+              </a:rPr>
+              <a:t>    story varchar(2000) not null,</a:t>
+            </a:r>
+          </a:p>
+          <a:p>
+            <a:r>
+              <a:rPr lang="en-US" altLang="ko-KR" sz="1100" dirty="0">
+                <a:latin typeface="+mn-ea"/>
+              </a:rPr>
+              <a:t>    actor varchar(255) not null,</a:t>
+            </a:r>
+          </a:p>
+          <a:p>
+            <a:r>
+              <a:rPr lang="en-US" altLang="ko-KR" sz="1100" dirty="0">
+                <a:latin typeface="+mn-ea"/>
+              </a:rPr>
+              <a:t>    prod varchar(255) not null,</a:t>
+            </a:r>
+          </a:p>
+          <a:p>
+            <a:r>
+              <a:rPr lang="en-US" altLang="ko-KR" sz="1100" dirty="0">
+                <a:latin typeface="+mn-ea"/>
+              </a:rPr>
+              <a:t>    nation varchar(255) not null,</a:t>
+            </a:r>
+          </a:p>
+          <a:p>
+            <a:r>
+              <a:rPr lang="en-US" altLang="ko-KR" sz="1100" dirty="0">
+                <a:latin typeface="+mn-ea"/>
+              </a:rPr>
+              <a:t>    </a:t>
+            </a:r>
+            <a:r>
+              <a:rPr lang="en-US" altLang="ko-KR" sz="1100" dirty="0" err="1">
+                <a:latin typeface="+mn-ea"/>
+              </a:rPr>
+              <a:t>etc</a:t>
+            </a:r>
+            <a:r>
+              <a:rPr lang="en-US" altLang="ko-KR" sz="1100" dirty="0">
+                <a:latin typeface="+mn-ea"/>
+              </a:rPr>
+              <a:t> varchar(255)</a:t>
+            </a:r>
+          </a:p>
+          <a:p>
+            <a:r>
+              <a:rPr lang="en-US" altLang="ko-KR" sz="1100" dirty="0">
+                <a:latin typeface="+mn-ea"/>
+              </a:rPr>
+              <a:t>);</a:t>
+            </a:r>
+          </a:p>
+          <a:p>
+            <a:endParaRPr lang="en-US" altLang="ko-KR" sz="1100" dirty="0">
+              <a:latin typeface="+mn-ea"/>
+            </a:endParaRPr>
+          </a:p>
+        </p:txBody>
+      </p:sp>
+      <p:pic>
+        <p:nvPicPr>
+          <p:cNvPr id="7" name="그림 6"/>
+          <p:cNvPicPr>
+            <a:picLocks noChangeAspect="1"/>
+          </p:cNvPicPr>
+          <p:nvPr/>
+        </p:nvPicPr>
+        <p:blipFill>
+          <a:blip r:embed="rId2"/>
+          <a:stretch>
+            <a:fillRect/>
+          </a:stretch>
+        </p:blipFill>
+        <p:spPr>
+          <a:xfrm>
+            <a:off x="5116977" y="1888799"/>
+            <a:ext cx="5847261" cy="3410130"/>
+          </a:xfrm>
+          <a:prstGeom prst="rect">
+            <a:avLst/>
+          </a:prstGeom>
+        </p:spPr>
+      </p:pic>
+    </p:spTree>
+    <p:extLst>
+      <p:ext uri="{BB962C8B-B14F-4D97-AF65-F5344CB8AC3E}">
+        <p14:creationId xmlns:p14="http://schemas.microsoft.com/office/powerpoint/2010/main" val="2165939787"/>
+      </p:ext>
+    </p:extLst>
+  </p:cSld>
+  <p:clrMapOvr>
+    <a:masterClrMapping/>
+  </p:clrMapOvr>
+</p:sld>
+</file>
+
+<file path=ppt/slides/slide11.xml><?xml version="1.0" encoding="utf-8"?>
+<p:sld xmlns:a="http://schemas.openxmlformats.org/drawingml/2006/main" xmlns:r="http://schemas.openxmlformats.org/officeDocument/2006/relationships" xmlns:p="http://schemas.openxmlformats.org/presentationml/2006/main">
+  <p:cSld>
+    <p:spTree>
+      <p:nvGrpSpPr>
+        <p:cNvPr id="1" name=""/>
+        <p:cNvGrpSpPr/>
+        <p:nvPr/>
+      </p:nvGrpSpPr>
+      <p:grpSpPr>
+        <a:xfrm>
+          <a:off x="0" y="0"/>
+          <a:ext cx="0" cy="0"/>
+          <a:chOff x="0" y="0"/>
+          <a:chExt cx="0" cy="0"/>
+        </a:xfrm>
+      </p:grpSpPr>
+      <p:sp>
+        <p:nvSpPr>
           <p:cNvPr id="2" name="TextBox 1"/>
           <p:cNvSpPr txBox="1"/>
           <p:nvPr/>
@@ -4498,7 +5103,7 @@
 </p:sld>
 </file>
 
-<file path=ppt/slides/slide11.xml><?xml version="1.0" encoding="utf-8"?>
+<file path=ppt/slides/slide12.xml><?xml version="1.0" encoding="utf-8"?>
 <p:sld xmlns:a="http://schemas.openxmlformats.org/drawingml/2006/main" xmlns:r="http://schemas.openxmlformats.org/officeDocument/2006/relationships" xmlns:p="http://schemas.openxmlformats.org/presentationml/2006/main">
   <p:cSld>
     <p:spTree>
@@ -4721,84 +5326,6 @@
 </p:sld>
 </file>
 
-<file path=ppt/slides/slide12.xml><?xml version="1.0" encoding="utf-8"?>
-<p:sld xmlns:a="http://schemas.openxmlformats.org/drawingml/2006/main" xmlns:r="http://schemas.openxmlformats.org/officeDocument/2006/relationships" xmlns:p="http://schemas.openxmlformats.org/presentationml/2006/main">
-  <p:cSld>
-    <p:spTree>
-      <p:nvGrpSpPr>
-        <p:cNvPr id="1" name=""/>
-        <p:cNvGrpSpPr/>
-        <p:nvPr/>
-      </p:nvGrpSpPr>
-      <p:grpSpPr>
-        <a:xfrm>
-          <a:off x="0" y="0"/>
-          <a:ext cx="0" cy="0"/>
-          <a:chOff x="0" y="0"/>
-          <a:chExt cx="0" cy="0"/>
-        </a:xfrm>
-      </p:grpSpPr>
-      <p:sp>
-        <p:nvSpPr>
-          <p:cNvPr id="2" name="TextBox 1"/>
-          <p:cNvSpPr txBox="1"/>
-          <p:nvPr/>
-        </p:nvSpPr>
-        <p:spPr>
-          <a:xfrm>
-            <a:off x="3399416" y="1366221"/>
-            <a:ext cx="5693162" cy="923330"/>
-          </a:xfrm>
-          <a:prstGeom prst="rect">
-            <a:avLst/>
-          </a:prstGeom>
-          <a:noFill/>
-        </p:spPr>
-        <p:txBody>
-          <a:bodyPr wrap="none" rtlCol="0">
-            <a:spAutoFit/>
-          </a:bodyPr>
-          <a:lstStyle/>
-          <a:p>
-            <a:r>
-              <a:rPr lang="ko-KR" altLang="en-US" dirty="0" smtClean="0"/>
-              <a:t>가시성을 위해 </a:t>
-            </a:r>
-            <a:r>
-              <a:rPr lang="en-US" altLang="ko-KR" dirty="0" err="1" smtClean="0"/>
-              <a:t>mysql</a:t>
-            </a:r>
-            <a:r>
-              <a:rPr lang="en-US" altLang="ko-KR" dirty="0" smtClean="0"/>
-              <a:t> workbench 8.0 CE</a:t>
-            </a:r>
-            <a:r>
-              <a:rPr lang="ko-KR" altLang="en-US" dirty="0" smtClean="0"/>
-              <a:t>에서 작업을 진행</a:t>
-            </a:r>
-            <a:endParaRPr lang="en-US" altLang="ko-KR" dirty="0" smtClean="0"/>
-          </a:p>
-          <a:p>
-            <a:endParaRPr lang="en-US" altLang="ko-KR" dirty="0"/>
-          </a:p>
-          <a:p>
-            <a:endParaRPr lang="en-US" altLang="ko-KR" dirty="0" smtClean="0"/>
-          </a:p>
-        </p:txBody>
-      </p:sp>
-    </p:spTree>
-    <p:extLst>
-      <p:ext uri="{BB962C8B-B14F-4D97-AF65-F5344CB8AC3E}">
-        <p14:creationId xmlns:p14="http://schemas.microsoft.com/office/powerpoint/2010/main" val="1638172412"/>
-      </p:ext>
-    </p:extLst>
-  </p:cSld>
-  <p:clrMapOvr>
-    <a:masterClrMapping/>
-  </p:clrMapOvr>
-</p:sld>
-</file>
-
 <file path=ppt/slides/slide13.xml><?xml version="1.0" encoding="utf-8"?>
 <p:sld xmlns:a="http://schemas.openxmlformats.org/drawingml/2006/main" xmlns:r="http://schemas.openxmlformats.org/officeDocument/2006/relationships" xmlns:p="http://schemas.openxmlformats.org/presentationml/2006/main">
   <p:cSld>
@@ -4818,606 +5345,56 @@
       </p:grpSpPr>
       <p:sp>
         <p:nvSpPr>
-          <p:cNvPr id="2" name="직사각형 1"/>
-          <p:cNvSpPr/>
+          <p:cNvPr id="2" name="TextBox 1"/>
+          <p:cNvSpPr txBox="1"/>
           <p:nvPr/>
         </p:nvSpPr>
         <p:spPr>
           <a:xfrm>
-            <a:off x="908700" y="1092806"/>
-            <a:ext cx="2327881" cy="369332"/>
+            <a:off x="3399416" y="1366221"/>
+            <a:ext cx="5693162" cy="923330"/>
           </a:xfrm>
           <a:prstGeom prst="rect">
             <a:avLst/>
           </a:prstGeom>
+          <a:noFill/>
         </p:spPr>
         <p:txBody>
-          <a:bodyPr wrap="none">
+          <a:bodyPr wrap="none" rtlCol="0">
             <a:spAutoFit/>
           </a:bodyPr>
           <a:lstStyle/>
           <a:p>
             <a:r>
-              <a:rPr lang="ko-KR" altLang="en-US" dirty="0" err="1"/>
-              <a:t>select</a:t>
-            </a:r>
-            <a:r>
-              <a:rPr lang="ko-KR" altLang="en-US" dirty="0"/>
-              <a:t> * </a:t>
-            </a:r>
-            <a:r>
-              <a:rPr lang="ko-KR" altLang="en-US" dirty="0" err="1"/>
-              <a:t>from</a:t>
-            </a:r>
-            <a:r>
-              <a:rPr lang="ko-KR" altLang="en-US" dirty="0"/>
-              <a:t> </a:t>
-            </a:r>
-            <a:r>
-              <a:rPr lang="ko-KR" altLang="en-US" dirty="0" err="1"/>
-              <a:t>movInfo</a:t>
-            </a:r>
-            <a:r>
               <a:rPr lang="ko-KR" altLang="en-US" dirty="0" smtClean="0"/>
-              <a:t>;</a:t>
+              <a:t>가시성을 위해 </a:t>
+            </a:r>
+            <a:r>
+              <a:rPr lang="en-US" altLang="ko-KR" dirty="0" err="1" smtClean="0"/>
+              <a:t>mysql</a:t>
+            </a:r>
+            <a:r>
+              <a:rPr lang="en-US" altLang="ko-KR" dirty="0" smtClean="0"/>
+              <a:t> workbench 8.0 CE</a:t>
+            </a:r>
+            <a:r>
+              <a:rPr lang="ko-KR" altLang="en-US" dirty="0" smtClean="0"/>
+              <a:t>에서 작업을 진행</a:t>
             </a:r>
             <a:endParaRPr lang="en-US" altLang="ko-KR" dirty="0" smtClean="0"/>
           </a:p>
-        </p:txBody>
-      </p:sp>
-      <p:pic>
-        <p:nvPicPr>
-          <p:cNvPr id="3" name="그림 2"/>
-          <p:cNvPicPr>
-            <a:picLocks noChangeAspect="1"/>
-          </p:cNvPicPr>
-          <p:nvPr/>
-        </p:nvPicPr>
-        <p:blipFill>
-          <a:blip r:embed="rId2"/>
-          <a:stretch>
-            <a:fillRect/>
-          </a:stretch>
-        </p:blipFill>
-        <p:spPr>
-          <a:xfrm>
-            <a:off x="908700" y="1606260"/>
-            <a:ext cx="7830643" cy="676369"/>
-          </a:xfrm>
-          <a:prstGeom prst="rect">
-            <a:avLst/>
-          </a:prstGeom>
-        </p:spPr>
-      </p:pic>
-      <p:sp>
-        <p:nvSpPr>
-          <p:cNvPr id="4" name="직사각형 3"/>
-          <p:cNvSpPr/>
-          <p:nvPr/>
-        </p:nvSpPr>
-        <p:spPr>
-          <a:xfrm>
-            <a:off x="946082" y="2641906"/>
-            <a:ext cx="2290499" cy="369332"/>
-          </a:xfrm>
-          <a:prstGeom prst="rect">
-            <a:avLst/>
-          </a:prstGeom>
-        </p:spPr>
-        <p:txBody>
-          <a:bodyPr wrap="none">
-            <a:spAutoFit/>
-          </a:bodyPr>
-          <a:lstStyle/>
-          <a:p>
-            <a:r>
-              <a:rPr lang="ko-KR" altLang="en-US" dirty="0" err="1"/>
-              <a:t>select</a:t>
-            </a:r>
-            <a:r>
-              <a:rPr lang="ko-KR" altLang="en-US" dirty="0"/>
-              <a:t> * </a:t>
-            </a:r>
-            <a:r>
-              <a:rPr lang="ko-KR" altLang="en-US" dirty="0" err="1"/>
-              <a:t>from</a:t>
-            </a:r>
-            <a:r>
-              <a:rPr lang="ko-KR" altLang="en-US" dirty="0"/>
-              <a:t> </a:t>
-            </a:r>
-            <a:r>
-              <a:rPr lang="ko-KR" altLang="en-US" dirty="0" err="1"/>
-              <a:t>movPos</a:t>
-            </a:r>
-            <a:r>
-              <a:rPr lang="ko-KR" altLang="en-US" dirty="0"/>
-              <a:t>;</a:t>
-            </a:r>
-          </a:p>
-        </p:txBody>
-      </p:sp>
-      <p:pic>
-        <p:nvPicPr>
-          <p:cNvPr id="5" name="그림 4"/>
-          <p:cNvPicPr>
-            <a:picLocks noChangeAspect="1"/>
-          </p:cNvPicPr>
-          <p:nvPr/>
-        </p:nvPicPr>
-        <p:blipFill>
-          <a:blip r:embed="rId3"/>
-          <a:stretch>
-            <a:fillRect/>
-          </a:stretch>
-        </p:blipFill>
-        <p:spPr>
-          <a:xfrm>
-            <a:off x="1122241" y="3051383"/>
-            <a:ext cx="1190791" cy="638264"/>
-          </a:xfrm>
-          <a:prstGeom prst="rect">
-            <a:avLst/>
-          </a:prstGeom>
-        </p:spPr>
-      </p:pic>
-      <p:sp>
-        <p:nvSpPr>
-          <p:cNvPr id="6" name="직사각형 5"/>
-          <p:cNvSpPr/>
-          <p:nvPr/>
-        </p:nvSpPr>
-        <p:spPr>
-          <a:xfrm>
-            <a:off x="5028141" y="2282629"/>
-            <a:ext cx="4031969" cy="3600986"/>
-          </a:xfrm>
-          <a:prstGeom prst="rect">
-            <a:avLst/>
-          </a:prstGeom>
-        </p:spPr>
-        <p:txBody>
-          <a:bodyPr wrap="square">
-            <a:spAutoFit/>
-          </a:bodyPr>
-          <a:lstStyle/>
-          <a:p>
-            <a:r>
-              <a:rPr lang="ko-KR" altLang="en-US" sz="1200" dirty="0" err="1"/>
-              <a:t>mysql</a:t>
-            </a:r>
-            <a:r>
-              <a:rPr lang="ko-KR" altLang="en-US" sz="1200" dirty="0"/>
-              <a:t>&gt; DESCRIBE </a:t>
-            </a:r>
-            <a:r>
-              <a:rPr lang="ko-KR" altLang="en-US" sz="1200" dirty="0" err="1"/>
-              <a:t>posters</a:t>
-            </a:r>
-            <a:r>
-              <a:rPr lang="ko-KR" altLang="en-US" sz="1200" dirty="0"/>
-              <a:t>;</a:t>
-            </a:r>
-          </a:p>
-          <a:p>
-            <a:r>
-              <a:rPr lang="ko-KR" altLang="en-US" sz="1200" dirty="0"/>
-              <a:t>+----------+---------------+------+-----+---------+----------------+</a:t>
-            </a:r>
-          </a:p>
-          <a:p>
-            <a:r>
-              <a:rPr lang="ko-KR" altLang="en-US" sz="1200" dirty="0"/>
-              <a:t>| </a:t>
-            </a:r>
-            <a:r>
-              <a:rPr lang="ko-KR" altLang="en-US" sz="1200" dirty="0" err="1"/>
-              <a:t>Field</a:t>
-            </a:r>
-            <a:r>
-              <a:rPr lang="ko-KR" altLang="en-US" sz="1200" dirty="0"/>
-              <a:t>    | </a:t>
-            </a:r>
-            <a:r>
-              <a:rPr lang="ko-KR" altLang="en-US" sz="1200" dirty="0" err="1"/>
-              <a:t>Type</a:t>
-            </a:r>
-            <a:r>
-              <a:rPr lang="ko-KR" altLang="en-US" sz="1200" dirty="0"/>
-              <a:t>          | </a:t>
-            </a:r>
-            <a:r>
-              <a:rPr lang="ko-KR" altLang="en-US" sz="1200" dirty="0" err="1"/>
-              <a:t>Null</a:t>
-            </a:r>
-            <a:r>
-              <a:rPr lang="ko-KR" altLang="en-US" sz="1200" dirty="0"/>
-              <a:t> | </a:t>
-            </a:r>
-            <a:r>
-              <a:rPr lang="ko-KR" altLang="en-US" sz="1200" dirty="0" err="1"/>
-              <a:t>Key</a:t>
-            </a:r>
-            <a:r>
-              <a:rPr lang="ko-KR" altLang="en-US" sz="1200" dirty="0"/>
-              <a:t> | </a:t>
-            </a:r>
-            <a:r>
-              <a:rPr lang="ko-KR" altLang="en-US" sz="1200" dirty="0" err="1"/>
-              <a:t>Default</a:t>
-            </a:r>
-            <a:r>
-              <a:rPr lang="ko-KR" altLang="en-US" sz="1200" dirty="0"/>
-              <a:t> | </a:t>
-            </a:r>
-            <a:r>
-              <a:rPr lang="ko-KR" altLang="en-US" sz="1200" dirty="0" err="1"/>
-              <a:t>Extra</a:t>
-            </a:r>
-            <a:r>
-              <a:rPr lang="ko-KR" altLang="en-US" sz="1200" dirty="0"/>
-              <a:t>          |</a:t>
-            </a:r>
-          </a:p>
-          <a:p>
-            <a:r>
-              <a:rPr lang="ko-KR" altLang="en-US" sz="1200" dirty="0"/>
-              <a:t>+----------+---------------+------+-----+---------+----------------+</a:t>
-            </a:r>
-          </a:p>
-          <a:p>
-            <a:r>
-              <a:rPr lang="ko-KR" altLang="en-US" sz="1200" dirty="0"/>
-              <a:t>| </a:t>
-            </a:r>
-            <a:r>
-              <a:rPr lang="ko-KR" altLang="en-US" sz="1200" dirty="0" err="1"/>
-              <a:t>id</a:t>
-            </a:r>
-            <a:r>
-              <a:rPr lang="ko-KR" altLang="en-US" sz="1200" dirty="0"/>
-              <a:t>       | </a:t>
-            </a:r>
-            <a:r>
-              <a:rPr lang="ko-KR" altLang="en-US" sz="1200" dirty="0" err="1"/>
-              <a:t>int</a:t>
-            </a:r>
-            <a:r>
-              <a:rPr lang="ko-KR" altLang="en-US" sz="1200" dirty="0"/>
-              <a:t>           | NO   | PRI | NULL    | </a:t>
-            </a:r>
-            <a:r>
-              <a:rPr lang="ko-KR" altLang="en-US" sz="1200" dirty="0" err="1"/>
-              <a:t>auto_increment</a:t>
-            </a:r>
-            <a:r>
-              <a:rPr lang="ko-KR" altLang="en-US" sz="1200" dirty="0"/>
-              <a:t> </a:t>
-            </a:r>
-            <a:r>
-              <a:rPr lang="ko-KR" altLang="en-US" sz="1200" dirty="0" smtClean="0"/>
-              <a:t>| </a:t>
-            </a:r>
-            <a:r>
-              <a:rPr lang="en-US" altLang="ko-KR" sz="1200" dirty="0"/>
-              <a:t> </a:t>
-            </a:r>
-            <a:endParaRPr lang="ko-KR" altLang="en-US" sz="1200" dirty="0"/>
-          </a:p>
-          <a:p>
-            <a:r>
-              <a:rPr lang="ko-KR" altLang="en-US" sz="1200" dirty="0"/>
-              <a:t>| </a:t>
-            </a:r>
-            <a:r>
-              <a:rPr lang="ko-KR" altLang="en-US" sz="1200" dirty="0" err="1"/>
-              <a:t>image</a:t>
-            </a:r>
-            <a:r>
-              <a:rPr lang="ko-KR" altLang="en-US" sz="1200" dirty="0"/>
-              <a:t>    | </a:t>
-            </a:r>
-            <a:r>
-              <a:rPr lang="ko-KR" altLang="en-US" sz="1200" dirty="0" err="1"/>
-              <a:t>longblob</a:t>
-            </a:r>
-            <a:r>
-              <a:rPr lang="ko-KR" altLang="en-US" sz="1200" dirty="0"/>
-              <a:t>      | NO   |     | NULL    |                |</a:t>
-            </a:r>
-          </a:p>
-          <a:p>
-            <a:r>
-              <a:rPr lang="ko-KR" altLang="en-US" sz="1200" dirty="0"/>
-              <a:t>| </a:t>
-            </a:r>
-            <a:r>
-              <a:rPr lang="ko-KR" altLang="en-US" sz="1200" dirty="0" err="1"/>
-              <a:t>title</a:t>
-            </a:r>
-            <a:r>
-              <a:rPr lang="ko-KR" altLang="en-US" sz="1200" dirty="0"/>
-              <a:t>    | </a:t>
-            </a:r>
-            <a:r>
-              <a:rPr lang="ko-KR" altLang="en-US" sz="1200" dirty="0" err="1"/>
-              <a:t>varchar</a:t>
-            </a:r>
-            <a:r>
-              <a:rPr lang="ko-KR" altLang="en-US" sz="1200" dirty="0"/>
-              <a:t>(255)  | NO   |     | NULL    |                |</a:t>
-            </a:r>
-          </a:p>
-          <a:p>
-            <a:r>
-              <a:rPr lang="ko-KR" altLang="en-US" sz="1200" dirty="0"/>
-              <a:t>| </a:t>
-            </a:r>
-            <a:r>
-              <a:rPr lang="ko-KR" altLang="en-US" sz="1200" dirty="0" err="1"/>
-              <a:t>relYear</a:t>
-            </a:r>
-            <a:r>
-              <a:rPr lang="ko-KR" altLang="en-US" sz="1200" dirty="0"/>
-              <a:t>  | </a:t>
-            </a:r>
-            <a:r>
-              <a:rPr lang="ko-KR" altLang="en-US" sz="1200" dirty="0" err="1"/>
-              <a:t>int</a:t>
-            </a:r>
-            <a:r>
-              <a:rPr lang="ko-KR" altLang="en-US" sz="1200" dirty="0"/>
-              <a:t>           | NO   |     | NULL    |                |</a:t>
-            </a:r>
-          </a:p>
-          <a:p>
-            <a:r>
-              <a:rPr lang="ko-KR" altLang="en-US" sz="1200" dirty="0"/>
-              <a:t>| </a:t>
-            </a:r>
-            <a:r>
-              <a:rPr lang="ko-KR" altLang="en-US" sz="1200" dirty="0" err="1"/>
-              <a:t>rating</a:t>
-            </a:r>
-            <a:r>
-              <a:rPr lang="ko-KR" altLang="en-US" sz="1200" dirty="0"/>
-              <a:t>   | </a:t>
-            </a:r>
-            <a:r>
-              <a:rPr lang="ko-KR" altLang="en-US" sz="1200" dirty="0" err="1"/>
-              <a:t>varchar</a:t>
-            </a:r>
-            <a:r>
-              <a:rPr lang="ko-KR" altLang="en-US" sz="1200" dirty="0"/>
-              <a:t>(20)   | NO   |     | NULL    |                |</a:t>
-            </a:r>
-          </a:p>
-          <a:p>
-            <a:r>
-              <a:rPr lang="ko-KR" altLang="en-US" sz="1200" dirty="0"/>
-              <a:t>| </a:t>
-            </a:r>
-            <a:r>
-              <a:rPr lang="ko-KR" altLang="en-US" sz="1200" dirty="0" err="1"/>
-              <a:t>runTime</a:t>
-            </a:r>
-            <a:r>
-              <a:rPr lang="ko-KR" altLang="en-US" sz="1200" dirty="0"/>
-              <a:t>  | </a:t>
-            </a:r>
-            <a:r>
-              <a:rPr lang="ko-KR" altLang="en-US" sz="1200" dirty="0" err="1"/>
-              <a:t>float</a:t>
-            </a:r>
-            <a:r>
-              <a:rPr lang="ko-KR" altLang="en-US" sz="1200" dirty="0"/>
-              <a:t>         | NO   |     | NULL    |                |</a:t>
-            </a:r>
-          </a:p>
-          <a:p>
-            <a:r>
-              <a:rPr lang="ko-KR" altLang="en-US" sz="1200" dirty="0"/>
-              <a:t>| </a:t>
-            </a:r>
-            <a:r>
-              <a:rPr lang="ko-KR" altLang="en-US" sz="1200" dirty="0" err="1"/>
-              <a:t>genre</a:t>
-            </a:r>
-            <a:r>
-              <a:rPr lang="ko-KR" altLang="en-US" sz="1200" dirty="0"/>
-              <a:t>    | </a:t>
-            </a:r>
-            <a:r>
-              <a:rPr lang="ko-KR" altLang="en-US" sz="1200" dirty="0" err="1"/>
-              <a:t>varchar</a:t>
-            </a:r>
-            <a:r>
-              <a:rPr lang="ko-KR" altLang="en-US" sz="1200" dirty="0"/>
-              <a:t>(255)  | NO   |     | NULL    |                |</a:t>
-            </a:r>
-          </a:p>
-          <a:p>
-            <a:r>
-              <a:rPr lang="ko-KR" altLang="en-US" sz="1200" dirty="0"/>
-              <a:t>| </a:t>
-            </a:r>
-            <a:r>
-              <a:rPr lang="ko-KR" altLang="en-US" sz="1200" dirty="0" err="1"/>
-              <a:t>director</a:t>
-            </a:r>
-            <a:r>
-              <a:rPr lang="ko-KR" altLang="en-US" sz="1200" dirty="0"/>
-              <a:t> | </a:t>
-            </a:r>
-            <a:r>
-              <a:rPr lang="ko-KR" altLang="en-US" sz="1200" dirty="0" err="1"/>
-              <a:t>varchar</a:t>
-            </a:r>
-            <a:r>
-              <a:rPr lang="ko-KR" altLang="en-US" sz="1200" dirty="0"/>
-              <a:t>(255)  | NO   |     | NULL    |                |</a:t>
-            </a:r>
-          </a:p>
-          <a:p>
-            <a:r>
-              <a:rPr lang="ko-KR" altLang="en-US" sz="1200" dirty="0"/>
-              <a:t>| </a:t>
-            </a:r>
-            <a:r>
-              <a:rPr lang="ko-KR" altLang="en-US" sz="1200" dirty="0" err="1"/>
-              <a:t>actor</a:t>
-            </a:r>
-            <a:r>
-              <a:rPr lang="ko-KR" altLang="en-US" sz="1200" dirty="0"/>
-              <a:t>    | </a:t>
-            </a:r>
-            <a:r>
-              <a:rPr lang="ko-KR" altLang="en-US" sz="1200" dirty="0" err="1"/>
-              <a:t>varchar</a:t>
-            </a:r>
-            <a:r>
-              <a:rPr lang="ko-KR" altLang="en-US" sz="1200" dirty="0"/>
-              <a:t>(255)  | NO   |     | NULL    |                |</a:t>
-            </a:r>
-          </a:p>
-          <a:p>
-            <a:r>
-              <a:rPr lang="ko-KR" altLang="en-US" sz="1200" dirty="0"/>
-              <a:t>| </a:t>
-            </a:r>
-            <a:r>
-              <a:rPr lang="ko-KR" altLang="en-US" sz="1200" dirty="0" err="1"/>
-              <a:t>story</a:t>
-            </a:r>
-            <a:r>
-              <a:rPr lang="ko-KR" altLang="en-US" sz="1200" dirty="0"/>
-              <a:t>    | </a:t>
-            </a:r>
-            <a:r>
-              <a:rPr lang="ko-KR" altLang="en-US" sz="1200" dirty="0" err="1"/>
-              <a:t>varchar</a:t>
-            </a:r>
-            <a:r>
-              <a:rPr lang="ko-KR" altLang="en-US" sz="1200" dirty="0"/>
-              <a:t>(2000) | NO   |     | NULL    |                |</a:t>
-            </a:r>
-          </a:p>
-          <a:p>
-            <a:r>
-              <a:rPr lang="ko-KR" altLang="en-US" sz="1200" dirty="0"/>
-              <a:t>| </a:t>
-            </a:r>
-            <a:r>
-              <a:rPr lang="ko-KR" altLang="en-US" sz="1200" dirty="0" err="1"/>
-              <a:t>prod</a:t>
-            </a:r>
-            <a:r>
-              <a:rPr lang="ko-KR" altLang="en-US" sz="1200" dirty="0"/>
-              <a:t>     | </a:t>
-            </a:r>
-            <a:r>
-              <a:rPr lang="ko-KR" altLang="en-US" sz="1200" dirty="0" err="1"/>
-              <a:t>varchar</a:t>
-            </a:r>
-            <a:r>
-              <a:rPr lang="ko-KR" altLang="en-US" sz="1200" dirty="0"/>
-              <a:t>(255)  | NO   |     | NULL    |                |</a:t>
-            </a:r>
-          </a:p>
-          <a:p>
-            <a:r>
-              <a:rPr lang="ko-KR" altLang="en-US" sz="1200" dirty="0"/>
-              <a:t>| </a:t>
-            </a:r>
-            <a:r>
-              <a:rPr lang="ko-KR" altLang="en-US" sz="1200" dirty="0" err="1"/>
-              <a:t>nation</a:t>
-            </a:r>
-            <a:r>
-              <a:rPr lang="ko-KR" altLang="en-US" sz="1200" dirty="0"/>
-              <a:t>   | </a:t>
-            </a:r>
-            <a:r>
-              <a:rPr lang="ko-KR" altLang="en-US" sz="1200" dirty="0" err="1"/>
-              <a:t>varchar</a:t>
-            </a:r>
-            <a:r>
-              <a:rPr lang="ko-KR" altLang="en-US" sz="1200" dirty="0"/>
-              <a:t>(255)  | NO   |     | NULL    |                |</a:t>
-            </a:r>
-          </a:p>
-          <a:p>
-            <a:r>
-              <a:rPr lang="ko-KR" altLang="en-US" sz="1200" dirty="0"/>
-              <a:t>| </a:t>
-            </a:r>
-            <a:r>
-              <a:rPr lang="ko-KR" altLang="en-US" sz="1200" dirty="0" err="1"/>
-              <a:t>etc</a:t>
-            </a:r>
-            <a:r>
-              <a:rPr lang="ko-KR" altLang="en-US" sz="1200" dirty="0"/>
-              <a:t>      | </a:t>
-            </a:r>
-            <a:r>
-              <a:rPr lang="ko-KR" altLang="en-US" sz="1200" dirty="0" err="1"/>
-              <a:t>varchar</a:t>
-            </a:r>
-            <a:r>
-              <a:rPr lang="ko-KR" altLang="en-US" sz="1200" dirty="0"/>
-              <a:t>(255)  | YES  |     | NULL    |                |</a:t>
-            </a:r>
-          </a:p>
-          <a:p>
-            <a:r>
-              <a:rPr lang="ko-KR" altLang="en-US" sz="1200" dirty="0"/>
-              <a:t>+----------+---------------+------+-----+---------+----------------+</a:t>
-            </a:r>
-          </a:p>
-          <a:p>
-            <a:r>
-              <a:rPr lang="ko-KR" altLang="en-US" sz="1200" dirty="0"/>
-              <a:t>13 </a:t>
-            </a:r>
-            <a:r>
-              <a:rPr lang="ko-KR" altLang="en-US" sz="1200" dirty="0" err="1"/>
-              <a:t>rows</a:t>
-            </a:r>
-            <a:r>
-              <a:rPr lang="ko-KR" altLang="en-US" sz="1200" dirty="0"/>
-              <a:t> </a:t>
-            </a:r>
-            <a:r>
-              <a:rPr lang="ko-KR" altLang="en-US" sz="1200" dirty="0" err="1"/>
-              <a:t>in</a:t>
-            </a:r>
-            <a:r>
-              <a:rPr lang="ko-KR" altLang="en-US" sz="1200" dirty="0"/>
-              <a:t> </a:t>
-            </a:r>
-            <a:r>
-              <a:rPr lang="ko-KR" altLang="en-US" sz="1200" dirty="0" err="1"/>
-              <a:t>set</a:t>
-            </a:r>
-            <a:r>
-              <a:rPr lang="ko-KR" altLang="en-US" sz="1200" dirty="0"/>
-              <a:t> (0.00 </a:t>
-            </a:r>
-            <a:r>
-              <a:rPr lang="ko-KR" altLang="en-US" sz="1200" dirty="0" err="1"/>
-              <a:t>sec</a:t>
-            </a:r>
-            <a:r>
-              <a:rPr lang="ko-KR" altLang="en-US" sz="1200" dirty="0"/>
-              <a:t>)</a:t>
-            </a:r>
+          <a:p>
+            <a:endParaRPr lang="en-US" altLang="ko-KR" dirty="0"/>
+          </a:p>
+          <a:p>
+            <a:endParaRPr lang="en-US" altLang="ko-KR" dirty="0" smtClean="0"/>
           </a:p>
         </p:txBody>
       </p:sp>
     </p:spTree>
     <p:extLst>
       <p:ext uri="{BB962C8B-B14F-4D97-AF65-F5344CB8AC3E}">
-        <p14:creationId xmlns:p14="http://schemas.microsoft.com/office/powerpoint/2010/main" val="1311893779"/>
+        <p14:creationId xmlns:p14="http://schemas.microsoft.com/office/powerpoint/2010/main" val="1638172412"/>
       </p:ext>
     </p:extLst>
   </p:cSld>
@@ -5444,132 +5421,614 @@
           <a:chExt cx="0" cy="0"/>
         </a:xfrm>
       </p:grpSpPr>
+      <p:sp>
+        <p:nvSpPr>
+          <p:cNvPr id="2" name="직사각형 1"/>
+          <p:cNvSpPr/>
+          <p:nvPr/>
+        </p:nvSpPr>
+        <p:spPr>
+          <a:xfrm>
+            <a:off x="908700" y="1092806"/>
+            <a:ext cx="2327881" cy="369332"/>
+          </a:xfrm>
+          <a:prstGeom prst="rect">
+            <a:avLst/>
+          </a:prstGeom>
+        </p:spPr>
+        <p:txBody>
+          <a:bodyPr wrap="none">
+            <a:spAutoFit/>
+          </a:bodyPr>
+          <a:lstStyle/>
+          <a:p>
+            <a:r>
+              <a:rPr lang="ko-KR" altLang="en-US" dirty="0" err="1"/>
+              <a:t>select</a:t>
+            </a:r>
+            <a:r>
+              <a:rPr lang="ko-KR" altLang="en-US" dirty="0"/>
+              <a:t> * </a:t>
+            </a:r>
+            <a:r>
+              <a:rPr lang="ko-KR" altLang="en-US" dirty="0" err="1"/>
+              <a:t>from</a:t>
+            </a:r>
+            <a:r>
+              <a:rPr lang="ko-KR" altLang="en-US" dirty="0"/>
+              <a:t> </a:t>
+            </a:r>
+            <a:r>
+              <a:rPr lang="ko-KR" altLang="en-US" dirty="0" err="1"/>
+              <a:t>movInfo</a:t>
+            </a:r>
+            <a:r>
+              <a:rPr lang="ko-KR" altLang="en-US" dirty="0" smtClean="0"/>
+              <a:t>;</a:t>
+            </a:r>
+            <a:endParaRPr lang="en-US" altLang="ko-KR" dirty="0" smtClean="0"/>
+          </a:p>
+        </p:txBody>
+      </p:sp>
       <p:pic>
         <p:nvPicPr>
-          <p:cNvPr id="1026" name="Picture 2" descr="스프링 부트 3 백엔드 개발자 되기: 자바 편 대표 이미지"/>
+          <p:cNvPr id="3" name="그림 2"/>
           <p:cNvPicPr>
-            <a:picLocks noChangeAspect="1" noChangeArrowheads="1"/>
+            <a:picLocks noChangeAspect="1"/>
           </p:cNvPicPr>
           <p:nvPr/>
         </p:nvPicPr>
         <p:blipFill>
-          <a:blip r:embed="rId2">
-            <a:extLst>
-              <a:ext uri="{28A0092B-C50C-407E-A947-70E740481C1C}">
-                <a14:useLocalDpi xmlns:a14="http://schemas.microsoft.com/office/drawing/2010/main" val="0"/>
-              </a:ext>
-            </a:extLst>
-          </a:blip>
-          <a:srcRect/>
+          <a:blip r:embed="rId2"/>
           <a:stretch>
             <a:fillRect/>
           </a:stretch>
         </p:blipFill>
-        <p:spPr bwMode="auto">
+        <p:spPr>
           <a:xfrm>
-            <a:off x="1231341" y="1673889"/>
-            <a:ext cx="3211568" cy="4130161"/>
+            <a:off x="908700" y="1606260"/>
+            <a:ext cx="7830643" cy="676369"/>
           </a:xfrm>
           <a:prstGeom prst="rect">
             <a:avLst/>
           </a:prstGeom>
-          <a:noFill/>
-          <a:extLst>
-            <a:ext uri="{909E8E84-426E-40DD-AFC4-6F175D3DCCD1}">
-              <a14:hiddenFill xmlns:a14="http://schemas.microsoft.com/office/drawing/2010/main">
-                <a:solidFill>
-                  <a:srgbClr val="FFFFFF"/>
-                </a:solidFill>
-              </a14:hiddenFill>
-            </a:ext>
-          </a:extLst>
         </p:spPr>
       </p:pic>
       <p:sp>
         <p:nvSpPr>
-          <p:cNvPr id="4" name="TextBox 3"/>
-          <p:cNvSpPr txBox="1"/>
+          <p:cNvPr id="4" name="직사각형 3"/>
+          <p:cNvSpPr/>
           <p:nvPr/>
         </p:nvSpPr>
         <p:spPr>
           <a:xfrm>
-            <a:off x="6658984" y="1673889"/>
-            <a:ext cx="4368504" cy="923330"/>
+            <a:off x="946082" y="2641906"/>
+            <a:ext cx="2290499" cy="369332"/>
           </a:xfrm>
           <a:prstGeom prst="rect">
             <a:avLst/>
           </a:prstGeom>
-          <a:noFill/>
         </p:spPr>
         <p:txBody>
-          <a:bodyPr wrap="none" rtlCol="0">
+          <a:bodyPr wrap="none">
             <a:spAutoFit/>
           </a:bodyPr>
           <a:lstStyle/>
           <a:p>
             <a:r>
-              <a:rPr lang="ko-KR" altLang="en-US" dirty="0" smtClean="0"/>
-              <a:t>스프링 부트 </a:t>
-            </a:r>
-            <a:r>
-              <a:rPr lang="en-US" altLang="ko-KR" dirty="0" smtClean="0"/>
-              <a:t>3 </a:t>
-            </a:r>
-            <a:r>
-              <a:rPr lang="ko-KR" altLang="en-US" dirty="0" err="1" smtClean="0"/>
-              <a:t>백엔드</a:t>
-            </a:r>
-            <a:r>
-              <a:rPr lang="ko-KR" altLang="en-US" dirty="0" smtClean="0"/>
-              <a:t> 개발자 되기</a:t>
-            </a:r>
-            <a:r>
-              <a:rPr lang="en-US" altLang="ko-KR" dirty="0" smtClean="0"/>
-              <a:t>: </a:t>
-            </a:r>
-            <a:r>
-              <a:rPr lang="ko-KR" altLang="en-US" dirty="0" smtClean="0"/>
-              <a:t>자바 편</a:t>
-            </a:r>
-            <a:endParaRPr lang="en-US" altLang="ko-KR" dirty="0" smtClean="0"/>
-          </a:p>
-          <a:p>
-            <a:r>
-              <a:rPr lang="ko-KR" altLang="en-US" dirty="0" err="1" smtClean="0"/>
-              <a:t>골든래빗</a:t>
-            </a:r>
-            <a:r>
-              <a:rPr lang="ko-KR" altLang="en-US" dirty="0" smtClean="0"/>
-              <a:t>㈜</a:t>
-            </a:r>
-            <a:endParaRPr lang="en-US" altLang="ko-KR" dirty="0" smtClean="0"/>
-          </a:p>
-          <a:p>
-            <a:r>
-              <a:rPr lang="ko-KR" altLang="en-US" dirty="0" smtClean="0"/>
-              <a:t>신선영</a:t>
-            </a:r>
-            <a:endParaRPr lang="ko-KR" altLang="en-US" dirty="0"/>
+              <a:rPr lang="ko-KR" altLang="en-US" dirty="0" err="1"/>
+              <a:t>select</a:t>
+            </a:r>
+            <a:r>
+              <a:rPr lang="ko-KR" altLang="en-US" dirty="0"/>
+              <a:t> * </a:t>
+            </a:r>
+            <a:r>
+              <a:rPr lang="ko-KR" altLang="en-US" dirty="0" err="1"/>
+              <a:t>from</a:t>
+            </a:r>
+            <a:r>
+              <a:rPr lang="ko-KR" altLang="en-US" dirty="0"/>
+              <a:t> </a:t>
+            </a:r>
+            <a:r>
+              <a:rPr lang="ko-KR" altLang="en-US" dirty="0" err="1"/>
+              <a:t>movPos</a:t>
+            </a:r>
+            <a:r>
+              <a:rPr lang="ko-KR" altLang="en-US" dirty="0"/>
+              <a:t>;</a:t>
+            </a:r>
+          </a:p>
+        </p:txBody>
+      </p:sp>
+      <p:pic>
+        <p:nvPicPr>
+          <p:cNvPr id="5" name="그림 4"/>
+          <p:cNvPicPr>
+            <a:picLocks noChangeAspect="1"/>
+          </p:cNvPicPr>
+          <p:nvPr/>
+        </p:nvPicPr>
+        <p:blipFill>
+          <a:blip r:embed="rId3"/>
+          <a:stretch>
+            <a:fillRect/>
+          </a:stretch>
+        </p:blipFill>
+        <p:spPr>
+          <a:xfrm>
+            <a:off x="1122241" y="3051383"/>
+            <a:ext cx="1190791" cy="638264"/>
+          </a:xfrm>
+          <a:prstGeom prst="rect">
+            <a:avLst/>
+          </a:prstGeom>
+        </p:spPr>
+      </p:pic>
+      <p:sp>
+        <p:nvSpPr>
+          <p:cNvPr id="6" name="직사각형 5"/>
+          <p:cNvSpPr/>
+          <p:nvPr/>
+        </p:nvSpPr>
+        <p:spPr>
+          <a:xfrm>
+            <a:off x="5028141" y="2282629"/>
+            <a:ext cx="4031969" cy="3600986"/>
+          </a:xfrm>
+          <a:prstGeom prst="rect">
+            <a:avLst/>
+          </a:prstGeom>
+        </p:spPr>
+        <p:txBody>
+          <a:bodyPr wrap="square">
+            <a:spAutoFit/>
+          </a:bodyPr>
+          <a:lstStyle/>
+          <a:p>
+            <a:r>
+              <a:rPr lang="ko-KR" altLang="en-US" sz="1200" dirty="0" err="1"/>
+              <a:t>mysql</a:t>
+            </a:r>
+            <a:r>
+              <a:rPr lang="ko-KR" altLang="en-US" sz="1200" dirty="0"/>
+              <a:t>&gt; DESCRIBE </a:t>
+            </a:r>
+            <a:r>
+              <a:rPr lang="ko-KR" altLang="en-US" sz="1200" dirty="0" err="1"/>
+              <a:t>posters</a:t>
+            </a:r>
+            <a:r>
+              <a:rPr lang="ko-KR" altLang="en-US" sz="1200" dirty="0"/>
+              <a:t>;</a:t>
+            </a:r>
+          </a:p>
+          <a:p>
+            <a:r>
+              <a:rPr lang="ko-KR" altLang="en-US" sz="1200" dirty="0"/>
+              <a:t>+----------+---------------+------+-----+---------+----------------+</a:t>
+            </a:r>
+          </a:p>
+          <a:p>
+            <a:r>
+              <a:rPr lang="ko-KR" altLang="en-US" sz="1200" dirty="0"/>
+              <a:t>| </a:t>
+            </a:r>
+            <a:r>
+              <a:rPr lang="ko-KR" altLang="en-US" sz="1200" dirty="0" err="1"/>
+              <a:t>Field</a:t>
+            </a:r>
+            <a:r>
+              <a:rPr lang="ko-KR" altLang="en-US" sz="1200" dirty="0"/>
+              <a:t>    | </a:t>
+            </a:r>
+            <a:r>
+              <a:rPr lang="ko-KR" altLang="en-US" sz="1200" dirty="0" err="1"/>
+              <a:t>Type</a:t>
+            </a:r>
+            <a:r>
+              <a:rPr lang="ko-KR" altLang="en-US" sz="1200" dirty="0"/>
+              <a:t>          | </a:t>
+            </a:r>
+            <a:r>
+              <a:rPr lang="ko-KR" altLang="en-US" sz="1200" dirty="0" err="1"/>
+              <a:t>Null</a:t>
+            </a:r>
+            <a:r>
+              <a:rPr lang="ko-KR" altLang="en-US" sz="1200" dirty="0"/>
+              <a:t> | </a:t>
+            </a:r>
+            <a:r>
+              <a:rPr lang="ko-KR" altLang="en-US" sz="1200" dirty="0" err="1"/>
+              <a:t>Key</a:t>
+            </a:r>
+            <a:r>
+              <a:rPr lang="ko-KR" altLang="en-US" sz="1200" dirty="0"/>
+              <a:t> | </a:t>
+            </a:r>
+            <a:r>
+              <a:rPr lang="ko-KR" altLang="en-US" sz="1200" dirty="0" err="1"/>
+              <a:t>Default</a:t>
+            </a:r>
+            <a:r>
+              <a:rPr lang="ko-KR" altLang="en-US" sz="1200" dirty="0"/>
+              <a:t> | </a:t>
+            </a:r>
+            <a:r>
+              <a:rPr lang="ko-KR" altLang="en-US" sz="1200" dirty="0" err="1"/>
+              <a:t>Extra</a:t>
+            </a:r>
+            <a:r>
+              <a:rPr lang="ko-KR" altLang="en-US" sz="1200" dirty="0"/>
+              <a:t>          |</a:t>
+            </a:r>
+          </a:p>
+          <a:p>
+            <a:r>
+              <a:rPr lang="ko-KR" altLang="en-US" sz="1200" dirty="0"/>
+              <a:t>+----------+---------------+------+-----+---------+----------------+</a:t>
+            </a:r>
+          </a:p>
+          <a:p>
+            <a:r>
+              <a:rPr lang="ko-KR" altLang="en-US" sz="1200" dirty="0"/>
+              <a:t>| </a:t>
+            </a:r>
+            <a:r>
+              <a:rPr lang="ko-KR" altLang="en-US" sz="1200" dirty="0" err="1"/>
+              <a:t>id</a:t>
+            </a:r>
+            <a:r>
+              <a:rPr lang="ko-KR" altLang="en-US" sz="1200" dirty="0"/>
+              <a:t>       | </a:t>
+            </a:r>
+            <a:r>
+              <a:rPr lang="ko-KR" altLang="en-US" sz="1200" dirty="0" err="1"/>
+              <a:t>int</a:t>
+            </a:r>
+            <a:r>
+              <a:rPr lang="ko-KR" altLang="en-US" sz="1200" dirty="0"/>
+              <a:t>           | NO   | PRI | NULL    | </a:t>
+            </a:r>
+            <a:r>
+              <a:rPr lang="ko-KR" altLang="en-US" sz="1200" dirty="0" err="1"/>
+              <a:t>auto_increment</a:t>
+            </a:r>
+            <a:r>
+              <a:rPr lang="ko-KR" altLang="en-US" sz="1200" dirty="0"/>
+              <a:t> </a:t>
+            </a:r>
+            <a:r>
+              <a:rPr lang="ko-KR" altLang="en-US" sz="1200" dirty="0" smtClean="0"/>
+              <a:t>| </a:t>
+            </a:r>
+            <a:r>
+              <a:rPr lang="en-US" altLang="ko-KR" sz="1200" dirty="0"/>
+              <a:t> </a:t>
+            </a:r>
+            <a:endParaRPr lang="ko-KR" altLang="en-US" sz="1200" dirty="0"/>
+          </a:p>
+          <a:p>
+            <a:r>
+              <a:rPr lang="ko-KR" altLang="en-US" sz="1200" dirty="0"/>
+              <a:t>| </a:t>
+            </a:r>
+            <a:r>
+              <a:rPr lang="ko-KR" altLang="en-US" sz="1200" dirty="0" err="1"/>
+              <a:t>image</a:t>
+            </a:r>
+            <a:r>
+              <a:rPr lang="ko-KR" altLang="en-US" sz="1200" dirty="0"/>
+              <a:t>    | </a:t>
+            </a:r>
+            <a:r>
+              <a:rPr lang="ko-KR" altLang="en-US" sz="1200" dirty="0" err="1"/>
+              <a:t>longblob</a:t>
+            </a:r>
+            <a:r>
+              <a:rPr lang="ko-KR" altLang="en-US" sz="1200" dirty="0"/>
+              <a:t>      | NO   |     | NULL    |                |</a:t>
+            </a:r>
+          </a:p>
+          <a:p>
+            <a:r>
+              <a:rPr lang="ko-KR" altLang="en-US" sz="1200" dirty="0"/>
+              <a:t>| </a:t>
+            </a:r>
+            <a:r>
+              <a:rPr lang="ko-KR" altLang="en-US" sz="1200" dirty="0" err="1"/>
+              <a:t>title</a:t>
+            </a:r>
+            <a:r>
+              <a:rPr lang="ko-KR" altLang="en-US" sz="1200" dirty="0"/>
+              <a:t>    | </a:t>
+            </a:r>
+            <a:r>
+              <a:rPr lang="ko-KR" altLang="en-US" sz="1200" dirty="0" err="1"/>
+              <a:t>varchar</a:t>
+            </a:r>
+            <a:r>
+              <a:rPr lang="ko-KR" altLang="en-US" sz="1200" dirty="0"/>
+              <a:t>(255)  | NO   |     | NULL    |                |</a:t>
+            </a:r>
+          </a:p>
+          <a:p>
+            <a:r>
+              <a:rPr lang="ko-KR" altLang="en-US" sz="1200" dirty="0"/>
+              <a:t>| </a:t>
+            </a:r>
+            <a:r>
+              <a:rPr lang="ko-KR" altLang="en-US" sz="1200" dirty="0" err="1"/>
+              <a:t>relYear</a:t>
+            </a:r>
+            <a:r>
+              <a:rPr lang="ko-KR" altLang="en-US" sz="1200" dirty="0"/>
+              <a:t>  | </a:t>
+            </a:r>
+            <a:r>
+              <a:rPr lang="ko-KR" altLang="en-US" sz="1200" dirty="0" err="1"/>
+              <a:t>int</a:t>
+            </a:r>
+            <a:r>
+              <a:rPr lang="ko-KR" altLang="en-US" sz="1200" dirty="0"/>
+              <a:t>           | NO   |     | NULL    |                |</a:t>
+            </a:r>
+          </a:p>
+          <a:p>
+            <a:r>
+              <a:rPr lang="ko-KR" altLang="en-US" sz="1200" dirty="0"/>
+              <a:t>| </a:t>
+            </a:r>
+            <a:r>
+              <a:rPr lang="ko-KR" altLang="en-US" sz="1200" dirty="0" err="1"/>
+              <a:t>rating</a:t>
+            </a:r>
+            <a:r>
+              <a:rPr lang="ko-KR" altLang="en-US" sz="1200" dirty="0"/>
+              <a:t>   | </a:t>
+            </a:r>
+            <a:r>
+              <a:rPr lang="ko-KR" altLang="en-US" sz="1200" dirty="0" err="1"/>
+              <a:t>varchar</a:t>
+            </a:r>
+            <a:r>
+              <a:rPr lang="ko-KR" altLang="en-US" sz="1200" dirty="0"/>
+              <a:t>(20)   | NO   |     | NULL    |                |</a:t>
+            </a:r>
+          </a:p>
+          <a:p>
+            <a:r>
+              <a:rPr lang="ko-KR" altLang="en-US" sz="1200" dirty="0"/>
+              <a:t>| </a:t>
+            </a:r>
+            <a:r>
+              <a:rPr lang="ko-KR" altLang="en-US" sz="1200" dirty="0" err="1"/>
+              <a:t>runTime</a:t>
+            </a:r>
+            <a:r>
+              <a:rPr lang="ko-KR" altLang="en-US" sz="1200" dirty="0"/>
+              <a:t>  | </a:t>
+            </a:r>
+            <a:r>
+              <a:rPr lang="ko-KR" altLang="en-US" sz="1200" dirty="0" err="1"/>
+              <a:t>float</a:t>
+            </a:r>
+            <a:r>
+              <a:rPr lang="ko-KR" altLang="en-US" sz="1200" dirty="0"/>
+              <a:t>         | NO   |     | NULL    |                |</a:t>
+            </a:r>
+          </a:p>
+          <a:p>
+            <a:r>
+              <a:rPr lang="ko-KR" altLang="en-US" sz="1200" dirty="0"/>
+              <a:t>| </a:t>
+            </a:r>
+            <a:r>
+              <a:rPr lang="ko-KR" altLang="en-US" sz="1200" dirty="0" err="1"/>
+              <a:t>genre</a:t>
+            </a:r>
+            <a:r>
+              <a:rPr lang="ko-KR" altLang="en-US" sz="1200" dirty="0"/>
+              <a:t>    | </a:t>
+            </a:r>
+            <a:r>
+              <a:rPr lang="ko-KR" altLang="en-US" sz="1200" dirty="0" err="1"/>
+              <a:t>varchar</a:t>
+            </a:r>
+            <a:r>
+              <a:rPr lang="ko-KR" altLang="en-US" sz="1200" dirty="0"/>
+              <a:t>(255)  | NO   |     | NULL    |                |</a:t>
+            </a:r>
+          </a:p>
+          <a:p>
+            <a:r>
+              <a:rPr lang="ko-KR" altLang="en-US" sz="1200" dirty="0"/>
+              <a:t>| </a:t>
+            </a:r>
+            <a:r>
+              <a:rPr lang="ko-KR" altLang="en-US" sz="1200" dirty="0" err="1"/>
+              <a:t>director</a:t>
+            </a:r>
+            <a:r>
+              <a:rPr lang="ko-KR" altLang="en-US" sz="1200" dirty="0"/>
+              <a:t> | </a:t>
+            </a:r>
+            <a:r>
+              <a:rPr lang="ko-KR" altLang="en-US" sz="1200" dirty="0" err="1"/>
+              <a:t>varchar</a:t>
+            </a:r>
+            <a:r>
+              <a:rPr lang="ko-KR" altLang="en-US" sz="1200" dirty="0"/>
+              <a:t>(255)  | NO   |     | NULL    |                |</a:t>
+            </a:r>
+          </a:p>
+          <a:p>
+            <a:r>
+              <a:rPr lang="ko-KR" altLang="en-US" sz="1200" dirty="0"/>
+              <a:t>| </a:t>
+            </a:r>
+            <a:r>
+              <a:rPr lang="ko-KR" altLang="en-US" sz="1200" dirty="0" err="1"/>
+              <a:t>actor</a:t>
+            </a:r>
+            <a:r>
+              <a:rPr lang="ko-KR" altLang="en-US" sz="1200" dirty="0"/>
+              <a:t>    | </a:t>
+            </a:r>
+            <a:r>
+              <a:rPr lang="ko-KR" altLang="en-US" sz="1200" dirty="0" err="1"/>
+              <a:t>varchar</a:t>
+            </a:r>
+            <a:r>
+              <a:rPr lang="ko-KR" altLang="en-US" sz="1200" dirty="0"/>
+              <a:t>(255)  | NO   |     | NULL    |                |</a:t>
+            </a:r>
+          </a:p>
+          <a:p>
+            <a:r>
+              <a:rPr lang="ko-KR" altLang="en-US" sz="1200" dirty="0"/>
+              <a:t>| </a:t>
+            </a:r>
+            <a:r>
+              <a:rPr lang="ko-KR" altLang="en-US" sz="1200" dirty="0" err="1"/>
+              <a:t>story</a:t>
+            </a:r>
+            <a:r>
+              <a:rPr lang="ko-KR" altLang="en-US" sz="1200" dirty="0"/>
+              <a:t>    | </a:t>
+            </a:r>
+            <a:r>
+              <a:rPr lang="ko-KR" altLang="en-US" sz="1200" dirty="0" err="1"/>
+              <a:t>varchar</a:t>
+            </a:r>
+            <a:r>
+              <a:rPr lang="ko-KR" altLang="en-US" sz="1200" dirty="0"/>
+              <a:t>(2000) | NO   |     | NULL    |                |</a:t>
+            </a:r>
+          </a:p>
+          <a:p>
+            <a:r>
+              <a:rPr lang="ko-KR" altLang="en-US" sz="1200" dirty="0"/>
+              <a:t>| </a:t>
+            </a:r>
+            <a:r>
+              <a:rPr lang="ko-KR" altLang="en-US" sz="1200" dirty="0" err="1"/>
+              <a:t>prod</a:t>
+            </a:r>
+            <a:r>
+              <a:rPr lang="ko-KR" altLang="en-US" sz="1200" dirty="0"/>
+              <a:t>     | </a:t>
+            </a:r>
+            <a:r>
+              <a:rPr lang="ko-KR" altLang="en-US" sz="1200" dirty="0" err="1"/>
+              <a:t>varchar</a:t>
+            </a:r>
+            <a:r>
+              <a:rPr lang="ko-KR" altLang="en-US" sz="1200" dirty="0"/>
+              <a:t>(255)  | NO   |     | NULL    |                |</a:t>
+            </a:r>
+          </a:p>
+          <a:p>
+            <a:r>
+              <a:rPr lang="ko-KR" altLang="en-US" sz="1200" dirty="0"/>
+              <a:t>| </a:t>
+            </a:r>
+            <a:r>
+              <a:rPr lang="ko-KR" altLang="en-US" sz="1200" dirty="0" err="1"/>
+              <a:t>nation</a:t>
+            </a:r>
+            <a:r>
+              <a:rPr lang="ko-KR" altLang="en-US" sz="1200" dirty="0"/>
+              <a:t>   | </a:t>
+            </a:r>
+            <a:r>
+              <a:rPr lang="ko-KR" altLang="en-US" sz="1200" dirty="0" err="1"/>
+              <a:t>varchar</a:t>
+            </a:r>
+            <a:r>
+              <a:rPr lang="ko-KR" altLang="en-US" sz="1200" dirty="0"/>
+              <a:t>(255)  | NO   |     | NULL    |                |</a:t>
+            </a:r>
+          </a:p>
+          <a:p>
+            <a:r>
+              <a:rPr lang="ko-KR" altLang="en-US" sz="1200" dirty="0"/>
+              <a:t>| </a:t>
+            </a:r>
+            <a:r>
+              <a:rPr lang="ko-KR" altLang="en-US" sz="1200" dirty="0" err="1"/>
+              <a:t>etc</a:t>
+            </a:r>
+            <a:r>
+              <a:rPr lang="ko-KR" altLang="en-US" sz="1200" dirty="0"/>
+              <a:t>      | </a:t>
+            </a:r>
+            <a:r>
+              <a:rPr lang="ko-KR" altLang="en-US" sz="1200" dirty="0" err="1"/>
+              <a:t>varchar</a:t>
+            </a:r>
+            <a:r>
+              <a:rPr lang="ko-KR" altLang="en-US" sz="1200" dirty="0"/>
+              <a:t>(255)  | YES  |     | NULL    |                |</a:t>
+            </a:r>
+          </a:p>
+          <a:p>
+            <a:r>
+              <a:rPr lang="ko-KR" altLang="en-US" sz="1200" dirty="0"/>
+              <a:t>+----------+---------------+------+-----+---------+----------------+</a:t>
+            </a:r>
+          </a:p>
+          <a:p>
+            <a:r>
+              <a:rPr lang="ko-KR" altLang="en-US" sz="1200" dirty="0"/>
+              <a:t>13 </a:t>
+            </a:r>
+            <a:r>
+              <a:rPr lang="ko-KR" altLang="en-US" sz="1200" dirty="0" err="1"/>
+              <a:t>rows</a:t>
+            </a:r>
+            <a:r>
+              <a:rPr lang="ko-KR" altLang="en-US" sz="1200" dirty="0"/>
+              <a:t> </a:t>
+            </a:r>
+            <a:r>
+              <a:rPr lang="ko-KR" altLang="en-US" sz="1200" dirty="0" err="1"/>
+              <a:t>in</a:t>
+            </a:r>
+            <a:r>
+              <a:rPr lang="ko-KR" altLang="en-US" sz="1200" dirty="0"/>
+              <a:t> </a:t>
+            </a:r>
+            <a:r>
+              <a:rPr lang="ko-KR" altLang="en-US" sz="1200" dirty="0" err="1"/>
+              <a:t>set</a:t>
+            </a:r>
+            <a:r>
+              <a:rPr lang="ko-KR" altLang="en-US" sz="1200" dirty="0"/>
+              <a:t> (0.00 </a:t>
+            </a:r>
+            <a:r>
+              <a:rPr lang="ko-KR" altLang="en-US" sz="1200" dirty="0" err="1"/>
+              <a:t>sec</a:t>
+            </a:r>
+            <a:r>
+              <a:rPr lang="ko-KR" altLang="en-US" sz="1200" dirty="0"/>
+              <a:t>)</a:t>
+            </a:r>
           </a:p>
         </p:txBody>
       </p:sp>
     </p:spTree>
     <p:extLst>
       <p:ext uri="{BB962C8B-B14F-4D97-AF65-F5344CB8AC3E}">
-        <p14:creationId xmlns:p14="http://schemas.microsoft.com/office/powerpoint/2010/main" val="996494654"/>
+        <p14:creationId xmlns:p14="http://schemas.microsoft.com/office/powerpoint/2010/main" val="1311893779"/>
       </p:ext>
     </p:extLst>
   </p:cSld>
   <p:clrMapOvr>
     <a:masterClrMapping/>
   </p:clrMapOvr>
-  <p:timing>
-    <p:tnLst>
-      <p:par>
-        <p:cTn id="1" dur="indefinite" restart="never" nodeType="tmRoot"/>
-      </p:par>
-    </p:tnLst>
-  </p:timing>
 </p:sld>
 </file>
 
@@ -7352,7 +7811,31 @@
           <a:p>
             <a:r>
               <a:rPr lang="ko-KR" altLang="en-US" dirty="0" smtClean="0"/>
-              <a:t>팀원 및 담당 작업</a:t>
+              <a:t>팀원 및 담당 </a:t>
+            </a:r>
+            <a:r>
+              <a:rPr lang="ko-KR" altLang="en-US" dirty="0" smtClean="0"/>
+              <a:t>작업 </a:t>
+            </a:r>
+            <a:r>
+              <a:rPr lang="en-US" altLang="ko-KR" dirty="0" smtClean="0"/>
+              <a:t>(</a:t>
+            </a:r>
+            <a:r>
+              <a:rPr lang="ko-KR" altLang="en-US" dirty="0" smtClean="0"/>
+              <a:t>강사</a:t>
+            </a:r>
+            <a:r>
+              <a:rPr lang="en-US" altLang="ko-KR" dirty="0" smtClean="0"/>
+              <a:t>: </a:t>
+            </a:r>
+            <a:r>
+              <a:rPr lang="ko-KR" altLang="en-US" dirty="0" err="1" smtClean="0"/>
+              <a:t>장영완</a:t>
+            </a:r>
+            <a:r>
+              <a:rPr lang="en-US" altLang="ko-KR" dirty="0" smtClean="0"/>
+              <a:t>)</a:t>
             </a:r>
             <a:endParaRPr lang="en-US" altLang="ko-KR" dirty="0"/>
           </a:p>
@@ -8296,180 +8779,228 @@
           <a:effectLst/>
         </p:spPr>
         <p:txBody>
-          <a:bodyPr/>
+          <a:bodyPr>
+            <a:noAutofit/>
+          </a:bodyPr>
           <a:lstStyle/>
           <a:p>
-            <a:r>
-              <a:rPr lang="ko-KR" altLang="en-US" dirty="0" smtClean="0"/>
-              <a:t>목적</a:t>
-            </a:r>
-            <a:endParaRPr lang="en-US" altLang="ko-KR" dirty="0" smtClean="0"/>
+            <a:endParaRPr lang="en-US" altLang="ko-KR" sz="1600" dirty="0" smtClean="0"/>
+          </a:p>
+          <a:p>
+            <a:r>
+              <a:rPr lang="ko-KR" altLang="en-US" sz="1600" dirty="0" smtClean="0"/>
+              <a:t>배경</a:t>
+            </a:r>
+            <a:endParaRPr lang="en-US" altLang="ko-KR" sz="1600" dirty="0" smtClean="0"/>
           </a:p>
           <a:p>
             <a:pPr marL="0" indent="0">
               <a:buNone/>
             </a:pPr>
             <a:r>
-              <a:rPr lang="ko-KR" altLang="en-US" dirty="0" smtClean="0"/>
-              <a:t>사용자가 </a:t>
-            </a:r>
-            <a:r>
-              <a:rPr lang="ko-KR" altLang="en-US" dirty="0"/>
-              <a:t>입력한 키워드를 </a:t>
-            </a:r>
-            <a:r>
-              <a:rPr lang="ko-KR" altLang="en-US" dirty="0" smtClean="0"/>
-              <a:t>바탕으로 관련 </a:t>
-            </a:r>
-            <a:r>
-              <a:rPr lang="ko-KR" altLang="en-US" dirty="0"/>
-              <a:t>영화들을 분석</a:t>
-            </a:r>
-            <a:r>
-              <a:rPr lang="en-US" altLang="ko-KR" dirty="0"/>
-              <a:t>, </a:t>
-            </a:r>
-            <a:r>
-              <a:rPr lang="ko-KR" altLang="en-US" dirty="0"/>
-              <a:t>검색</a:t>
-            </a:r>
-            <a:r>
-              <a:rPr lang="en-US" altLang="ko-KR" dirty="0"/>
-              <a:t>, </a:t>
-            </a:r>
-            <a:r>
-              <a:rPr lang="ko-KR" altLang="en-US" dirty="0"/>
-              <a:t>추천하는 </a:t>
-            </a:r>
-            <a:r>
-              <a:rPr lang="ko-KR" altLang="en-US" dirty="0" smtClean="0"/>
-              <a:t>시스템 구현</a:t>
-            </a:r>
-            <a:endParaRPr lang="en-US" altLang="ko-KR" dirty="0" smtClean="0"/>
+              <a:rPr lang="ko-KR" altLang="en-US" sz="1600" dirty="0"/>
+              <a:t>기본 </a:t>
+            </a:r>
+            <a:r>
+              <a:rPr lang="ko-KR" altLang="en-US" sz="1600" dirty="0" err="1"/>
+              <a:t>검색창에서</a:t>
+            </a:r>
+            <a:r>
+              <a:rPr lang="ko-KR" altLang="en-US" sz="1600" dirty="0"/>
+              <a:t> 부가적인 </a:t>
+            </a:r>
+            <a:r>
+              <a:rPr lang="ko-KR" altLang="en-US" sz="1600" dirty="0" smtClean="0"/>
+              <a:t>정보만으로 </a:t>
+            </a:r>
+            <a:r>
+              <a:rPr lang="ko-KR" altLang="en-US" sz="1600" dirty="0"/>
+              <a:t>영화를 찾으면 사용자가 원하는 결과가 쉽게 나오지 </a:t>
+            </a:r>
+            <a:r>
+              <a:rPr lang="ko-KR" altLang="en-US" sz="1600" dirty="0" smtClean="0"/>
+              <a:t>않는다</a:t>
+            </a:r>
+            <a:endParaRPr lang="en-US" altLang="ko-KR" sz="1600" dirty="0" smtClean="0"/>
           </a:p>
           <a:p>
             <a:pPr marL="0" indent="0">
               <a:buNone/>
             </a:pPr>
-            <a:endParaRPr lang="en-US" altLang="ko-KR" dirty="0"/>
-          </a:p>
-          <a:p>
-            <a:r>
-              <a:rPr lang="ko-KR" altLang="en-US" dirty="0" smtClean="0"/>
-              <a:t>핵심 기술</a:t>
-            </a:r>
-            <a:endParaRPr lang="en-US" altLang="ko-KR" dirty="0"/>
+            <a:endParaRPr lang="en-US" altLang="ko-KR" sz="1600" dirty="0"/>
+          </a:p>
+          <a:p>
+            <a:r>
+              <a:rPr lang="ko-KR" altLang="en-US" sz="1600" dirty="0" smtClean="0"/>
+              <a:t>목적</a:t>
+            </a:r>
+            <a:endParaRPr lang="en-US" altLang="ko-KR" sz="1600" dirty="0" smtClean="0"/>
           </a:p>
           <a:p>
             <a:pPr marL="0" indent="0">
               <a:buNone/>
             </a:pPr>
             <a:r>
-              <a:rPr lang="en-US" altLang="ko-KR" dirty="0" smtClean="0"/>
-              <a:t>LLM </a:t>
-            </a:r>
-            <a:r>
-              <a:rPr lang="en-US" altLang="ko-KR" dirty="0"/>
-              <a:t>(</a:t>
-            </a:r>
-            <a:r>
-              <a:rPr lang="ko-KR" altLang="en-US" dirty="0"/>
-              <a:t>대규모 언어 모델</a:t>
-            </a:r>
-            <a:r>
-              <a:rPr lang="en-US" altLang="ko-KR" dirty="0"/>
-              <a:t>), MySQL</a:t>
-            </a:r>
-            <a:r>
-              <a:rPr lang="en-US" altLang="ko-KR" dirty="0" smtClean="0"/>
+              <a:rPr lang="ko-KR" altLang="en-US" sz="1600" dirty="0" smtClean="0"/>
+              <a:t>사용자가 </a:t>
+            </a:r>
+            <a:r>
+              <a:rPr lang="ko-KR" altLang="en-US" sz="1600" dirty="0"/>
+              <a:t>입력한 키워드를 </a:t>
+            </a:r>
+            <a:r>
+              <a:rPr lang="ko-KR" altLang="en-US" sz="1600" dirty="0" smtClean="0"/>
+              <a:t>바탕으로 관련 </a:t>
+            </a:r>
+            <a:r>
+              <a:rPr lang="ko-KR" altLang="en-US" sz="1600" dirty="0"/>
+              <a:t>영화들을 분석</a:t>
+            </a:r>
+            <a:r>
+              <a:rPr lang="en-US" altLang="ko-KR" sz="1600" dirty="0"/>
               <a:t>, </a:t>
             </a:r>
             <a:r>
-              <a:rPr lang="ko-KR" altLang="en-US" dirty="0" smtClean="0"/>
-              <a:t>웹 </a:t>
-            </a:r>
-            <a:r>
-              <a:rPr lang="ko-KR" altLang="en-US" dirty="0" err="1"/>
-              <a:t>크롤링</a:t>
-            </a:r>
-            <a:r>
-              <a:rPr lang="en-US" altLang="ko-KR" dirty="0"/>
+              <a:rPr lang="ko-KR" altLang="en-US" sz="1600" dirty="0"/>
+              <a:t>검색</a:t>
+            </a:r>
+            <a:r>
+              <a:rPr lang="en-US" altLang="ko-KR" sz="1600" dirty="0"/>
               <a:t>, </a:t>
             </a:r>
             <a:r>
-              <a:rPr lang="ko-KR" altLang="en-US" dirty="0" err="1" smtClean="0"/>
-              <a:t>스트림릿</a:t>
-            </a:r>
-            <a:endParaRPr lang="en-US" altLang="ko-KR" dirty="0" smtClean="0"/>
+              <a:rPr lang="ko-KR" altLang="en-US" sz="1600" dirty="0"/>
+              <a:t>추천하는 </a:t>
+            </a:r>
+            <a:r>
+              <a:rPr lang="ko-KR" altLang="en-US" sz="1600" dirty="0" smtClean="0"/>
+              <a:t>시스템 구현</a:t>
+            </a:r>
+            <a:endParaRPr lang="en-US" altLang="ko-KR" sz="1600" dirty="0" smtClean="0"/>
           </a:p>
           <a:p>
             <a:pPr marL="0" indent="0">
               <a:buNone/>
             </a:pPr>
-            <a:endParaRPr lang="en-US" altLang="ko-KR" dirty="0" smtClean="0"/>
-          </a:p>
-          <a:p>
-            <a:r>
-              <a:rPr lang="ko-KR" altLang="en-US" dirty="0" smtClean="0"/>
-              <a:t>주요기능</a:t>
-            </a:r>
-            <a:endParaRPr lang="en-US" altLang="ko-KR" dirty="0" smtClean="0"/>
+            <a:endParaRPr lang="en-US" altLang="ko-KR" sz="1600" dirty="0"/>
+          </a:p>
+          <a:p>
+            <a:r>
+              <a:rPr lang="ko-KR" altLang="en-US" sz="1600" dirty="0" smtClean="0"/>
+              <a:t>핵심 기술</a:t>
+            </a:r>
+            <a:endParaRPr lang="en-US" altLang="ko-KR" sz="1600" dirty="0"/>
           </a:p>
           <a:p>
             <a:pPr marL="0" indent="0">
               <a:buNone/>
             </a:pPr>
             <a:r>
-              <a:rPr lang="en-US" altLang="ko-KR" dirty="0" smtClean="0"/>
+              <a:rPr lang="en-US" altLang="ko-KR" sz="1600" dirty="0" smtClean="0"/>
               <a:t>LLM </a:t>
             </a:r>
             <a:r>
-              <a:rPr lang="ko-KR" altLang="en-US" dirty="0" smtClean="0"/>
-              <a:t>기반 분석</a:t>
-            </a:r>
-            <a:r>
-              <a:rPr lang="en-US" altLang="ko-KR" dirty="0" smtClean="0"/>
-              <a:t>, MySQL </a:t>
-            </a:r>
-            <a:r>
-              <a:rPr lang="ko-KR" altLang="en-US" dirty="0" smtClean="0"/>
-              <a:t>기반 검색</a:t>
-            </a:r>
-            <a:r>
-              <a:rPr lang="en-US" altLang="ko-KR" dirty="0" smtClean="0"/>
+              <a:rPr lang="en-US" altLang="ko-KR" sz="1600" dirty="0"/>
+              <a:t>(</a:t>
+            </a:r>
+            <a:r>
+              <a:rPr lang="ko-KR" altLang="en-US" sz="1600" dirty="0"/>
+              <a:t>대규모 언어 모델</a:t>
+            </a:r>
+            <a:r>
+              <a:rPr lang="en-US" altLang="ko-KR" sz="1600" dirty="0"/>
+              <a:t>), MySQL</a:t>
+            </a:r>
+            <a:r>
+              <a:rPr lang="en-US" altLang="ko-KR" sz="1600" dirty="0" smtClean="0"/>
               <a:t>, </a:t>
             </a:r>
             <a:r>
-              <a:rPr lang="ko-KR" altLang="en-US" dirty="0" smtClean="0"/>
+              <a:rPr lang="ko-KR" altLang="en-US" sz="1600" dirty="0" smtClean="0"/>
               <a:t>웹 </a:t>
             </a:r>
             <a:r>
-              <a:rPr lang="ko-KR" altLang="en-US" dirty="0" err="1" smtClean="0"/>
+              <a:rPr lang="ko-KR" altLang="en-US" sz="1600" dirty="0" err="1"/>
               <a:t>크롤링</a:t>
             </a:r>
             <a:r>
-              <a:rPr lang="ko-KR" altLang="en-US" dirty="0" smtClean="0"/>
-              <a:t> 기반 검색</a:t>
-            </a:r>
-            <a:r>
-              <a:rPr lang="en-US" altLang="ko-KR" dirty="0" smtClean="0"/>
+              <a:rPr lang="en-US" altLang="ko-KR" sz="1600" dirty="0"/>
               <a:t>, </a:t>
             </a:r>
             <a:r>
-              <a:rPr lang="ko-KR" altLang="en-US" dirty="0" smtClean="0"/>
-              <a:t>장르 선택 및 맞춤형 </a:t>
-            </a:r>
-            <a:r>
-              <a:rPr lang="ko-KR" altLang="en-US" dirty="0" err="1" smtClean="0"/>
-              <a:t>필터링</a:t>
-            </a:r>
-            <a:endParaRPr lang="en-US" altLang="ko-KR" dirty="0" smtClean="0"/>
+              <a:rPr lang="ko-KR" altLang="en-US" sz="1600" dirty="0" err="1" smtClean="0"/>
+              <a:t>스트림릿</a:t>
+            </a:r>
+            <a:endParaRPr lang="en-US" altLang="ko-KR" sz="1600" dirty="0" smtClean="0"/>
           </a:p>
           <a:p>
             <a:pPr marL="0" indent="0">
               <a:buNone/>
             </a:pPr>
-            <a:endParaRPr lang="en-US" altLang="ko-KR" dirty="0"/>
+            <a:endParaRPr lang="en-US" altLang="ko-KR" sz="1600" dirty="0" smtClean="0"/>
+          </a:p>
+          <a:p>
+            <a:r>
+              <a:rPr lang="ko-KR" altLang="en-US" sz="1600" dirty="0" smtClean="0"/>
+              <a:t>주요기능</a:t>
+            </a:r>
+            <a:endParaRPr lang="en-US" altLang="ko-KR" sz="1600" dirty="0" smtClean="0"/>
+          </a:p>
+          <a:p>
+            <a:pPr marL="0" indent="0">
+              <a:buNone/>
+            </a:pPr>
+            <a:r>
+              <a:rPr lang="en-US" altLang="ko-KR" sz="1600" dirty="0" smtClean="0"/>
+              <a:t>LLM </a:t>
+            </a:r>
+            <a:r>
+              <a:rPr lang="ko-KR" altLang="en-US" sz="1600" dirty="0" smtClean="0"/>
+              <a:t>기반 분석</a:t>
+            </a:r>
+            <a:r>
+              <a:rPr lang="en-US" altLang="ko-KR" sz="1600" dirty="0" smtClean="0"/>
+              <a:t>, MySQL </a:t>
+            </a:r>
+            <a:r>
+              <a:rPr lang="ko-KR" altLang="en-US" sz="1600" dirty="0" smtClean="0"/>
+              <a:t>기반 검색</a:t>
+            </a:r>
+            <a:r>
+              <a:rPr lang="en-US" altLang="ko-KR" sz="1600" dirty="0" smtClean="0"/>
+              <a:t>, </a:t>
+            </a:r>
+            <a:r>
+              <a:rPr lang="ko-KR" altLang="en-US" sz="1600" dirty="0" smtClean="0"/>
+              <a:t>웹 </a:t>
+            </a:r>
+            <a:r>
+              <a:rPr lang="ko-KR" altLang="en-US" sz="1600" dirty="0" err="1" smtClean="0"/>
+              <a:t>크롤링</a:t>
+            </a:r>
+            <a:r>
+              <a:rPr lang="ko-KR" altLang="en-US" sz="1600" dirty="0" smtClean="0"/>
+              <a:t> 기반 검색</a:t>
+            </a:r>
+            <a:r>
+              <a:rPr lang="en-US" altLang="ko-KR" sz="1600" dirty="0" smtClean="0"/>
+              <a:t>, </a:t>
+            </a:r>
+            <a:r>
+              <a:rPr lang="ko-KR" altLang="en-US" sz="1600" dirty="0" smtClean="0"/>
+              <a:t>장르 선택 및 맞춤형 </a:t>
+            </a:r>
+            <a:r>
+              <a:rPr lang="ko-KR" altLang="en-US" sz="1600" dirty="0" err="1" smtClean="0"/>
+              <a:t>필터링</a:t>
+            </a:r>
+            <a:endParaRPr lang="en-US" altLang="ko-KR" sz="1600" dirty="0" smtClean="0"/>
+          </a:p>
+          <a:p>
+            <a:pPr marL="0" indent="0">
+              <a:buNone/>
+            </a:pPr>
+            <a:endParaRPr lang="en-US" altLang="ko-KR" sz="1600" dirty="0"/>
           </a:p>
         </p:txBody>
       </p:sp>
@@ -10208,6 +10739,70 @@
       </p:grpSpPr>
       <p:sp>
         <p:nvSpPr>
+          <p:cNvPr id="2" name="제목 1"/>
+          <p:cNvSpPr>
+            <a:spLocks noGrp="1"/>
+          </p:cNvSpPr>
+          <p:nvPr>
+            <p:ph type="ctrTitle"/>
+          </p:nvPr>
+        </p:nvSpPr>
+        <p:spPr/>
+        <p:txBody>
+          <a:bodyPr/>
+          <a:lstStyle/>
+          <a:p>
+            <a:r>
+              <a:rPr lang="ko-KR" altLang="en-US" dirty="0" smtClean="0"/>
+              <a:t>프로젝트 진행</a:t>
+            </a:r>
+            <a:r>
+              <a:rPr lang="en-US" altLang="ko-KR" dirty="0" smtClean="0"/>
+              <a:t/>
+            </a:r>
+            <a:br>
+              <a:rPr lang="en-US" altLang="ko-KR" dirty="0" smtClean="0"/>
+            </a:br>
+            <a:r>
+              <a:rPr lang="ko-KR" altLang="en-US" dirty="0" smtClean="0"/>
+              <a:t>자료 정리</a:t>
+            </a:r>
+            <a:endParaRPr lang="ko-KR" altLang="en-US" dirty="0"/>
+          </a:p>
+        </p:txBody>
+      </p:sp>
+    </p:spTree>
+    <p:extLst>
+      <p:ext uri="{BB962C8B-B14F-4D97-AF65-F5344CB8AC3E}">
+        <p14:creationId xmlns:p14="http://schemas.microsoft.com/office/powerpoint/2010/main" val="2139713740"/>
+      </p:ext>
+    </p:extLst>
+  </p:cSld>
+  <p:clrMapOvr>
+    <a:masterClrMapping/>
+  </p:clrMapOvr>
+</p:sld>
+</file>
+
+<file path=ppt/slides/slide8.xml><?xml version="1.0" encoding="utf-8"?>
+<p:sld xmlns:a="http://schemas.openxmlformats.org/drawingml/2006/main" xmlns:r="http://schemas.openxmlformats.org/officeDocument/2006/relationships" xmlns:p="http://schemas.openxmlformats.org/presentationml/2006/main">
+  <p:cSld>
+    <p:spTree>
+      <p:nvGrpSpPr>
+        <p:cNvPr id="1" name=""/>
+        <p:cNvGrpSpPr/>
+        <p:nvPr/>
+      </p:nvGrpSpPr>
+      <p:grpSpPr>
+        <a:xfrm>
+          <a:off x="0" y="0"/>
+          <a:ext cx="0" cy="0"/>
+          <a:chOff x="0" y="0"/>
+          <a:chExt cx="0" cy="0"/>
+        </a:xfrm>
+      </p:grpSpPr>
+      <p:sp>
+        <p:nvSpPr>
           <p:cNvPr id="2" name="직사각형 1"/>
           <p:cNvSpPr/>
           <p:nvPr/>
@@ -10346,7 +10941,7 @@
 </p:sld>
 </file>
 
-<file path=ppt/slides/slide8.xml><?xml version="1.0" encoding="utf-8"?>
+<file path=ppt/slides/slide9.xml><?xml version="1.0" encoding="utf-8"?>
 <p:sld xmlns:a="http://schemas.openxmlformats.org/drawingml/2006/main" xmlns:r="http://schemas.openxmlformats.org/officeDocument/2006/relationships" xmlns:p="http://schemas.openxmlformats.org/presentationml/2006/main">
   <p:cSld>
     <p:spTree>
@@ -11478,468 +12073,6 @@
     <p:extLst>
       <p:ext uri="{BB962C8B-B14F-4D97-AF65-F5344CB8AC3E}">
         <p14:creationId xmlns:p14="http://schemas.microsoft.com/office/powerpoint/2010/main" val="1357353633"/>
-      </p:ext>
-    </p:extLst>
-  </p:cSld>
-  <p:clrMapOvr>
-    <a:masterClrMapping/>
-  </p:clrMapOvr>
-</p:sld>
-</file>
-
-<file path=ppt/slides/slide9.xml><?xml version="1.0" encoding="utf-8"?>
-<p:sld xmlns:a="http://schemas.openxmlformats.org/drawingml/2006/main" xmlns:r="http://schemas.openxmlformats.org/officeDocument/2006/relationships" xmlns:p="http://schemas.openxmlformats.org/presentationml/2006/main">
-  <p:cSld>
-    <p:spTree>
-      <p:nvGrpSpPr>
-        <p:cNvPr id="1" name=""/>
-        <p:cNvGrpSpPr/>
-        <p:nvPr/>
-      </p:nvGrpSpPr>
-      <p:grpSpPr>
-        <a:xfrm>
-          <a:off x="0" y="0"/>
-          <a:ext cx="0" cy="0"/>
-          <a:chOff x="0" y="0"/>
-          <a:chExt cx="0" cy="0"/>
-        </a:xfrm>
-      </p:grpSpPr>
-      <p:sp>
-        <p:nvSpPr>
-          <p:cNvPr id="3" name="TextBox 2"/>
-          <p:cNvSpPr txBox="1"/>
-          <p:nvPr/>
-        </p:nvSpPr>
-        <p:spPr>
-          <a:xfrm>
-            <a:off x="4683211" y="2063578"/>
-            <a:ext cx="184731" cy="369332"/>
-          </a:xfrm>
-          <a:prstGeom prst="rect">
-            <a:avLst/>
-          </a:prstGeom>
-          <a:noFill/>
-        </p:spPr>
-        <p:txBody>
-          <a:bodyPr wrap="none" rtlCol="0">
-            <a:spAutoFit/>
-          </a:bodyPr>
-          <a:lstStyle/>
-          <a:p>
-            <a:endParaRPr lang="ko-KR" altLang="en-US" dirty="0"/>
-          </a:p>
-        </p:txBody>
-      </p:sp>
-      <p:sp>
-        <p:nvSpPr>
-          <p:cNvPr id="4" name="TextBox 3"/>
-          <p:cNvSpPr txBox="1"/>
-          <p:nvPr/>
-        </p:nvSpPr>
-        <p:spPr>
-          <a:xfrm>
-            <a:off x="4683211" y="1606378"/>
-            <a:ext cx="45719" cy="369332"/>
-          </a:xfrm>
-          <a:prstGeom prst="rect">
-            <a:avLst/>
-          </a:prstGeom>
-          <a:noFill/>
-        </p:spPr>
-        <p:txBody>
-          <a:bodyPr wrap="square" rtlCol="0">
-            <a:spAutoFit/>
-          </a:bodyPr>
-          <a:lstStyle/>
-          <a:p>
-            <a:endParaRPr lang="ko-KR" altLang="en-US" dirty="0"/>
-          </a:p>
-        </p:txBody>
-      </p:sp>
-      <p:sp>
-        <p:nvSpPr>
-          <p:cNvPr id="6" name="TextBox 5"/>
-          <p:cNvSpPr txBox="1"/>
-          <p:nvPr/>
-        </p:nvSpPr>
-        <p:spPr>
-          <a:xfrm>
-            <a:off x="865318" y="1216290"/>
-            <a:ext cx="3429846" cy="4416594"/>
-          </a:xfrm>
-          <a:prstGeom prst="rect">
-            <a:avLst/>
-          </a:prstGeom>
-          <a:noFill/>
-        </p:spPr>
-        <p:txBody>
-          <a:bodyPr wrap="square" rtlCol="0">
-            <a:spAutoFit/>
-          </a:bodyPr>
-          <a:lstStyle/>
-          <a:p>
-            <a:r>
-              <a:rPr lang="ko-KR" altLang="en-US" sz="1400" b="1" dirty="0" smtClean="0">
-                <a:latin typeface="+mn-ea"/>
-              </a:rPr>
-              <a:t>외부에서 </a:t>
-            </a:r>
-            <a:r>
-              <a:rPr lang="en-US" altLang="ko-KR" sz="1400" b="1" dirty="0">
-                <a:latin typeface="+mn-ea"/>
-              </a:rPr>
-              <a:t>MySQL </a:t>
-            </a:r>
-            <a:r>
-              <a:rPr lang="ko-KR" altLang="en-US" sz="1400" b="1" dirty="0" smtClean="0">
-                <a:latin typeface="+mn-ea"/>
-              </a:rPr>
-              <a:t>접속 및 데이터베이스의 테이블 생성</a:t>
-            </a:r>
-            <a:endParaRPr lang="en-US" altLang="ko-KR" sz="1400" b="1" dirty="0" smtClean="0">
-              <a:latin typeface="+mn-ea"/>
-            </a:endParaRPr>
-          </a:p>
-          <a:p>
-            <a:endParaRPr lang="en-US" altLang="ko-KR" sz="1100" dirty="0" smtClean="0">
-              <a:latin typeface="+mn-ea"/>
-            </a:endParaRPr>
-          </a:p>
-          <a:p>
-            <a:r>
-              <a:rPr lang="ko-KR" altLang="en-US" sz="1100" dirty="0">
-                <a:latin typeface="+mn-ea"/>
-              </a:rPr>
-              <a:t>생성한 외부 사용자로 </a:t>
-            </a:r>
-            <a:r>
-              <a:rPr lang="en-US" altLang="ko-KR" sz="1100" dirty="0" smtClean="0">
-                <a:latin typeface="+mn-ea"/>
-              </a:rPr>
-              <a:t>MySQL </a:t>
-            </a:r>
-            <a:r>
-              <a:rPr lang="ko-KR" altLang="en-US" sz="1100" dirty="0" smtClean="0">
-                <a:latin typeface="+mn-ea"/>
-              </a:rPr>
-              <a:t>접속</a:t>
-            </a:r>
-            <a:endParaRPr lang="en-US" altLang="ko-KR" sz="1100" dirty="0" smtClean="0">
-              <a:latin typeface="+mn-ea"/>
-            </a:endParaRPr>
-          </a:p>
-          <a:p>
-            <a:endParaRPr lang="en-US" altLang="ko-KR" sz="1100" dirty="0">
-              <a:latin typeface="+mn-ea"/>
-            </a:endParaRPr>
-          </a:p>
-          <a:p>
-            <a:r>
-              <a:rPr lang="ko-KR" altLang="en-US" sz="1100" dirty="0" smtClean="0">
-                <a:latin typeface="+mn-ea"/>
-              </a:rPr>
-              <a:t>데이터베이스 생성</a:t>
-            </a:r>
-            <a:endParaRPr lang="en-US" altLang="ko-KR" sz="1100" dirty="0" smtClean="0">
-              <a:latin typeface="+mn-ea"/>
-            </a:endParaRPr>
-          </a:p>
-          <a:p>
-            <a:r>
-              <a:rPr lang="en-US" altLang="ko-KR" sz="1100" dirty="0" err="1">
-                <a:latin typeface="+mn-ea"/>
-              </a:rPr>
-              <a:t>mysql</a:t>
-            </a:r>
-            <a:r>
-              <a:rPr lang="en-US" altLang="ko-KR" sz="1100" dirty="0">
-                <a:latin typeface="+mn-ea"/>
-              </a:rPr>
-              <a:t>&gt; create database movie</a:t>
-            </a:r>
-            <a:r>
-              <a:rPr lang="en-US" altLang="ko-KR" sz="1100" dirty="0" smtClean="0">
-                <a:latin typeface="+mn-ea"/>
-              </a:rPr>
-              <a:t>;</a:t>
-            </a:r>
-          </a:p>
-          <a:p>
-            <a:endParaRPr lang="en-US" altLang="ko-KR" sz="1100" dirty="0">
-              <a:latin typeface="+mn-ea"/>
-            </a:endParaRPr>
-          </a:p>
-          <a:p>
-            <a:r>
-              <a:rPr lang="ko-KR" altLang="en-US" sz="1100" dirty="0" smtClean="0">
-                <a:latin typeface="+mn-ea"/>
-              </a:rPr>
-              <a:t>해당 데이터베이스에서 테이블 생성</a:t>
-            </a:r>
-            <a:endParaRPr lang="en-US" altLang="ko-KR" sz="1100" dirty="0" smtClean="0">
-              <a:latin typeface="+mn-ea"/>
-            </a:endParaRPr>
-          </a:p>
-          <a:p>
-            <a:r>
-              <a:rPr lang="en-US" altLang="ko-KR" sz="1100" dirty="0" err="1" smtClean="0">
-                <a:latin typeface="+mn-ea"/>
-              </a:rPr>
-              <a:t>Mysql</a:t>
-            </a:r>
-            <a:r>
-              <a:rPr lang="en-US" altLang="ko-KR" sz="1100" dirty="0" smtClean="0">
-                <a:latin typeface="+mn-ea"/>
-              </a:rPr>
-              <a:t>&gt; create </a:t>
-            </a:r>
-            <a:r>
-              <a:rPr lang="en-US" altLang="ko-KR" sz="1100" dirty="0">
-                <a:latin typeface="+mn-ea"/>
-              </a:rPr>
-              <a:t>table posters </a:t>
-            </a:r>
-            <a:r>
-              <a:rPr lang="en-US" altLang="ko-KR" sz="1100" dirty="0" smtClean="0">
-                <a:latin typeface="+mn-ea"/>
-              </a:rPr>
-              <a:t>(</a:t>
-            </a:r>
-          </a:p>
-          <a:p>
-            <a:r>
-              <a:rPr lang="en-US" altLang="ko-KR" sz="1100" dirty="0">
-                <a:latin typeface="+mn-ea"/>
-              </a:rPr>
-              <a:t> </a:t>
-            </a:r>
-            <a:r>
-              <a:rPr lang="en-US" altLang="ko-KR" sz="1100" dirty="0" smtClean="0">
-                <a:latin typeface="+mn-ea"/>
-              </a:rPr>
-              <a:t>   id </a:t>
-            </a:r>
-            <a:r>
-              <a:rPr lang="en-US" altLang="ko-KR" sz="1100" dirty="0" err="1">
-                <a:latin typeface="+mn-ea"/>
-              </a:rPr>
-              <a:t>int</a:t>
-            </a:r>
-            <a:r>
-              <a:rPr lang="en-US" altLang="ko-KR" sz="1100" dirty="0">
-                <a:latin typeface="+mn-ea"/>
-              </a:rPr>
-              <a:t> auto-increment primary key</a:t>
-            </a:r>
-            <a:r>
-              <a:rPr lang="en-US" altLang="ko-KR" sz="1100" dirty="0" smtClean="0">
-                <a:latin typeface="+mn-ea"/>
-              </a:rPr>
-              <a:t>,</a:t>
-            </a:r>
-            <a:endParaRPr lang="en-US" altLang="ko-KR" sz="1100" dirty="0">
-              <a:latin typeface="+mn-ea"/>
-            </a:endParaRPr>
-          </a:p>
-          <a:p>
-            <a:r>
-              <a:rPr lang="en-US" altLang="ko-KR" sz="1100" dirty="0">
-                <a:latin typeface="+mn-ea"/>
-              </a:rPr>
-              <a:t>    image </a:t>
-            </a:r>
-            <a:r>
-              <a:rPr lang="en-US" altLang="ko-KR" sz="1100" dirty="0" err="1">
-                <a:latin typeface="+mn-ea"/>
-              </a:rPr>
-              <a:t>longblob</a:t>
-            </a:r>
-            <a:r>
-              <a:rPr lang="en-US" altLang="ko-KR" sz="1100" dirty="0">
-                <a:latin typeface="+mn-ea"/>
-              </a:rPr>
-              <a:t> not null, </a:t>
-            </a:r>
-          </a:p>
-          <a:p>
-            <a:r>
-              <a:rPr lang="en-US" altLang="ko-KR" sz="1100" dirty="0">
-                <a:latin typeface="+mn-ea"/>
-              </a:rPr>
-              <a:t>    title varchar(255) not null,</a:t>
-            </a:r>
-          </a:p>
-          <a:p>
-            <a:r>
-              <a:rPr lang="en-US" altLang="ko-KR" sz="1100" dirty="0">
-                <a:latin typeface="+mn-ea"/>
-              </a:rPr>
-              <a:t>    </a:t>
-            </a:r>
-            <a:r>
-              <a:rPr lang="en-US" altLang="ko-KR" sz="1100" dirty="0" err="1">
-                <a:latin typeface="+mn-ea"/>
-              </a:rPr>
-              <a:t>relYear</a:t>
-            </a:r>
-            <a:r>
-              <a:rPr lang="en-US" altLang="ko-KR" sz="1100" dirty="0">
-                <a:latin typeface="+mn-ea"/>
-              </a:rPr>
-              <a:t> </a:t>
-            </a:r>
-            <a:r>
-              <a:rPr lang="en-US" altLang="ko-KR" sz="1100" dirty="0" err="1">
-                <a:latin typeface="+mn-ea"/>
-              </a:rPr>
-              <a:t>int</a:t>
-            </a:r>
-            <a:r>
-              <a:rPr lang="en-US" altLang="ko-KR" sz="1100" dirty="0">
-                <a:latin typeface="+mn-ea"/>
-              </a:rPr>
-              <a:t> not null,</a:t>
-            </a:r>
-          </a:p>
-          <a:p>
-            <a:r>
-              <a:rPr lang="en-US" altLang="ko-KR" sz="1100" dirty="0">
-                <a:latin typeface="+mn-ea"/>
-              </a:rPr>
-              <a:t>    rating varchar(20) not null,</a:t>
-            </a:r>
-          </a:p>
-          <a:p>
-            <a:r>
-              <a:rPr lang="en-US" altLang="ko-KR" sz="1100" dirty="0">
-                <a:latin typeface="+mn-ea"/>
-              </a:rPr>
-              <a:t>    </a:t>
-            </a:r>
-            <a:r>
-              <a:rPr lang="en-US" altLang="ko-KR" sz="1100" dirty="0" err="1">
-                <a:latin typeface="+mn-ea"/>
-              </a:rPr>
-              <a:t>runTime</a:t>
-            </a:r>
-            <a:r>
-              <a:rPr lang="en-US" altLang="ko-KR" sz="1100" dirty="0">
-                <a:latin typeface="+mn-ea"/>
-              </a:rPr>
-              <a:t> float not null,</a:t>
-            </a:r>
-          </a:p>
-          <a:p>
-            <a:r>
-              <a:rPr lang="en-US" altLang="ko-KR" sz="1100" dirty="0">
-                <a:latin typeface="+mn-ea"/>
-              </a:rPr>
-              <a:t>    genre varchar(255) not null,</a:t>
-            </a:r>
-          </a:p>
-          <a:p>
-            <a:r>
-              <a:rPr lang="en-US" altLang="ko-KR" sz="1100" dirty="0">
-                <a:latin typeface="+mn-ea"/>
-              </a:rPr>
-              <a:t>    director varchar(255) not null,</a:t>
-            </a:r>
-          </a:p>
-          <a:p>
-            <a:r>
-              <a:rPr lang="en-US" altLang="ko-KR" sz="1100" dirty="0">
-                <a:latin typeface="+mn-ea"/>
-              </a:rPr>
-              <a:t>    story varchar(2000) not null,</a:t>
-            </a:r>
-          </a:p>
-          <a:p>
-            <a:r>
-              <a:rPr lang="en-US" altLang="ko-KR" sz="1100" dirty="0">
-                <a:latin typeface="+mn-ea"/>
-              </a:rPr>
-              <a:t>    actor varchar(255) not null,</a:t>
-            </a:r>
-          </a:p>
-          <a:p>
-            <a:r>
-              <a:rPr lang="en-US" altLang="ko-KR" sz="1100" dirty="0">
-                <a:latin typeface="+mn-ea"/>
-              </a:rPr>
-              <a:t>    prod varchar(255) not null,</a:t>
-            </a:r>
-          </a:p>
-          <a:p>
-            <a:r>
-              <a:rPr lang="en-US" altLang="ko-KR" sz="1100" dirty="0">
-                <a:latin typeface="+mn-ea"/>
-              </a:rPr>
-              <a:t>    nation varchar(255) not null,</a:t>
-            </a:r>
-          </a:p>
-          <a:p>
-            <a:r>
-              <a:rPr lang="en-US" altLang="ko-KR" sz="1100" dirty="0">
-                <a:latin typeface="+mn-ea"/>
-              </a:rPr>
-              <a:t>    </a:t>
-            </a:r>
-            <a:r>
-              <a:rPr lang="en-US" altLang="ko-KR" sz="1100" dirty="0" err="1">
-                <a:latin typeface="+mn-ea"/>
-              </a:rPr>
-              <a:t>etc</a:t>
-            </a:r>
-            <a:r>
-              <a:rPr lang="en-US" altLang="ko-KR" sz="1100" dirty="0">
-                <a:latin typeface="+mn-ea"/>
-              </a:rPr>
-              <a:t> varchar(255)</a:t>
-            </a:r>
-          </a:p>
-          <a:p>
-            <a:r>
-              <a:rPr lang="en-US" altLang="ko-KR" sz="1100" dirty="0">
-                <a:latin typeface="+mn-ea"/>
-              </a:rPr>
-              <a:t>);</a:t>
-            </a:r>
-          </a:p>
-          <a:p>
-            <a:endParaRPr lang="en-US" altLang="ko-KR" sz="1100" dirty="0">
-              <a:latin typeface="+mn-ea"/>
-            </a:endParaRPr>
-          </a:p>
-        </p:txBody>
-      </p:sp>
-      <p:pic>
-        <p:nvPicPr>
-          <p:cNvPr id="7" name="그림 6"/>
-          <p:cNvPicPr>
-            <a:picLocks noChangeAspect="1"/>
-          </p:cNvPicPr>
-          <p:nvPr/>
-        </p:nvPicPr>
-        <p:blipFill>
-          <a:blip r:embed="rId2"/>
-          <a:stretch>
-            <a:fillRect/>
-          </a:stretch>
-        </p:blipFill>
-        <p:spPr>
-          <a:xfrm>
-            <a:off x="5116977" y="1888799"/>
-            <a:ext cx="5847261" cy="3410130"/>
-          </a:xfrm>
-          <a:prstGeom prst="rect">
-            <a:avLst/>
-          </a:prstGeom>
-        </p:spPr>
-      </p:pic>
-    </p:spTree>
-    <p:extLst>
-      <p:ext uri="{BB962C8B-B14F-4D97-AF65-F5344CB8AC3E}">
-        <p14:creationId xmlns:p14="http://schemas.microsoft.com/office/powerpoint/2010/main" val="2165939787"/>
       </p:ext>
     </p:extLst>
   </p:cSld>
